--- a/Trottinhg.pptx
+++ b/Trottinhg.pptx
@@ -13,10 +13,10 @@
     <p:sldId id="2090649745" r:id="rId4"/>
     <p:sldId id="2090649741" r:id="rId5"/>
     <p:sldId id="424" r:id="rId6"/>
-    <p:sldId id="2090649740" r:id="rId7"/>
-    <p:sldId id="2090649742" r:id="rId8"/>
-    <p:sldId id="2090649744" r:id="rId9"/>
-    <p:sldId id="2090649743" r:id="rId10"/>
+    <p:sldId id="2090649743" r:id="rId7"/>
+    <p:sldId id="2090649744" r:id="rId8"/>
+    <p:sldId id="2090649740" r:id="rId9"/>
+    <p:sldId id="2090649742" r:id="rId10"/>
   </p:sldIdLst>
   <p:sldSz cx="12192000" cy="6858000"/>
   <p:notesSz cx="6858000" cy="9144000"/>
@@ -5903,7 +5903,7 @@
           <a:p>
             <a:r>
               <a:rPr lang="en-DK" b="1" i="1" dirty="0"/>
-              <a:t>Web-sites</a:t>
+              <a:t>Web applications</a:t>
             </a:r>
           </a:p>
           <a:p>
@@ -6911,7 +6911,7 @@
         <p:spPr>
           <a:xfrm>
             <a:off x="7455049" y="2795588"/>
-            <a:ext cx="4403583" cy="3200876"/>
+            <a:ext cx="4403583" cy="3477875"/>
           </a:xfrm>
           <a:prstGeom prst="rect">
             <a:avLst/>
@@ -6935,7 +6935,7 @@
           <a:p>
             <a:r>
               <a:rPr lang="en-DK" dirty="0"/>
-              <a:t>Best Practice Components</a:t>
+              <a:t>Best Practice Components library</a:t>
             </a:r>
           </a:p>
           <a:p>
@@ -6964,6 +6964,12 @@
             <a:r>
               <a:rPr lang="en-DK" dirty="0"/>
               <a:t>Exposes database as REST (no code)</a:t>
+            </a:r>
+          </a:p>
+          <a:p>
+            <a:r>
+              <a:rPr lang="en-DK" dirty="0"/>
+              <a:t>Database Security + validator plugins</a:t>
             </a:r>
           </a:p>
           <a:p>
@@ -8285,6 +8291,53 @@
           </p:txBody>
         </p:sp>
       </p:grpSp>
+      <p:cxnSp>
+        <p:nvCxnSpPr>
+          <p:cNvPr id="26" name="Straight Arrow Connector 25">
+            <a:extLst>
+              <a:ext uri="{FF2B5EF4-FFF2-40B4-BE49-F238E27FC236}">
+                <a16:creationId xmlns:a16="http://schemas.microsoft.com/office/drawing/2014/main" id="{BD54FB0C-FB0E-7F7D-AB0E-E9117C13AF6B}"/>
+              </a:ext>
+            </a:extLst>
+          </p:cNvPr>
+          <p:cNvCxnSpPr>
+            <a:cxnSpLocks/>
+          </p:cNvCxnSpPr>
+          <p:nvPr/>
+        </p:nvCxnSpPr>
+        <p:spPr>
+          <a:xfrm flipH="1" flipV="1">
+            <a:off x="3657810" y="2271469"/>
+            <a:ext cx="3564293" cy="701452"/>
+          </a:xfrm>
+          <a:prstGeom prst="straightConnector1">
+            <a:avLst/>
+          </a:prstGeom>
+          <a:ln w="19050">
+            <a:solidFill>
+              <a:schemeClr val="bg1">
+                <a:lumMod val="50000"/>
+              </a:schemeClr>
+            </a:solidFill>
+            <a:headEnd type="triangle" w="med" len="med"/>
+            <a:tailEnd type="triangle" w="med" len="med"/>
+          </a:ln>
+        </p:spPr>
+        <p:style>
+          <a:lnRef idx="1">
+            <a:schemeClr val="accent1"/>
+          </a:lnRef>
+          <a:fillRef idx="0">
+            <a:schemeClr val="accent1"/>
+          </a:fillRef>
+          <a:effectRef idx="0">
+            <a:schemeClr val="accent1"/>
+          </a:effectRef>
+          <a:fontRef idx="minor">
+            <a:schemeClr val="tx1"/>
+          </a:fontRef>
+        </p:style>
+      </p:cxnSp>
     </p:spTree>
     <p:extLst>
       <p:ext uri="{BB962C8B-B14F-4D97-AF65-F5344CB8AC3E}">
@@ -8419,1618 +8472,6 @@
             <a:pPr algn="ctr"/>
             <a:r>
               <a:rPr lang="en-DK" sz="3200" dirty="0"/>
-              <a:t>Database</a:t>
-            </a:r>
-          </a:p>
-        </p:txBody>
-      </p:sp>
-      <p:sp>
-        <p:nvSpPr>
-          <p:cNvPr id="2" name="TextBox 1">
-            <a:extLst>
-              <a:ext uri="{FF2B5EF4-FFF2-40B4-BE49-F238E27FC236}">
-                <a16:creationId xmlns:a16="http://schemas.microsoft.com/office/drawing/2014/main" id="{DDE4CBF9-AE78-F948-EF6E-B285EBAC49B5}"/>
-              </a:ext>
-            </a:extLst>
-          </p:cNvPr>
-          <p:cNvSpPr txBox="1"/>
-          <p:nvPr/>
-        </p:nvSpPr>
-        <p:spPr>
-          <a:xfrm>
-            <a:off x="1057293" y="2713527"/>
-            <a:ext cx="3171807" cy="3297239"/>
-          </a:xfrm>
-          <a:prstGeom prst="rect">
-            <a:avLst/>
-          </a:prstGeom>
-          <a:noFill/>
-        </p:spPr>
-        <p:txBody>
-          <a:bodyPr wrap="square" rtlCol="0">
-            <a:noAutofit/>
-          </a:bodyPr>
-          <a:lstStyle/>
-          <a:p>
-            <a:r>
-              <a:rPr lang="en-DK" b="1" i="1" dirty="0"/>
-              <a:t>Client/Server</a:t>
-            </a:r>
-          </a:p>
-          <a:p>
-            <a:endParaRPr lang="en-DK" b="1" i="1" dirty="0"/>
-          </a:p>
-          <a:p>
-            <a:r>
-              <a:rPr lang="en-DK" b="1" i="1" dirty="0"/>
-              <a:t>1000 concurrent users</a:t>
-            </a:r>
-          </a:p>
-          <a:p>
-            <a:r>
-              <a:rPr lang="en-DK" b="1" i="1" dirty="0"/>
-              <a:t>    (StateFul)</a:t>
-            </a:r>
-          </a:p>
-          <a:p>
-            <a:endParaRPr lang="en-DK" b="1" i="1" dirty="0"/>
-          </a:p>
-          <a:p>
-            <a:r>
-              <a:rPr lang="da-DK" b="1" i="1" dirty="0"/>
-              <a:t>L</a:t>
-            </a:r>
-            <a:r>
-              <a:rPr lang="en-GB" b="1" i="1" dirty="0" err="1"/>
-              <a:t>everaging</a:t>
-            </a:r>
-            <a:r>
-              <a:rPr lang="en-GB" b="1" i="1" dirty="0"/>
-              <a:t> </a:t>
-            </a:r>
-            <a:r>
-              <a:rPr lang="en-DK" b="1" i="1" dirty="0"/>
-              <a:t>all database features.</a:t>
-            </a:r>
-          </a:p>
-          <a:p>
-            <a:endParaRPr lang="en-DK" b="1" i="1" dirty="0"/>
-          </a:p>
-          <a:p>
-            <a:r>
-              <a:rPr lang="en-DK" b="1" i="1" dirty="0"/>
-              <a:t>Transactions, row-locking, read consistency, cursors etc.</a:t>
-            </a:r>
-          </a:p>
-          <a:p>
-            <a:endParaRPr lang="en-DK" b="1" i="1" dirty="0"/>
-          </a:p>
-          <a:p>
-            <a:r>
-              <a:rPr lang="en-DK" b="1" i="1" dirty="0"/>
-              <a:t>High performance</a:t>
-            </a:r>
-          </a:p>
-          <a:p>
-            <a:endParaRPr lang="en-DK" b="1" i="1" dirty="0"/>
-          </a:p>
-        </p:txBody>
-      </p:sp>
-      <p:sp>
-        <p:nvSpPr>
-          <p:cNvPr id="9" name="TextBox 8">
-            <a:extLst>
-              <a:ext uri="{FF2B5EF4-FFF2-40B4-BE49-F238E27FC236}">
-                <a16:creationId xmlns:a16="http://schemas.microsoft.com/office/drawing/2014/main" id="{3BA3C12D-5832-4F17-A73E-C0A6EBB52C6D}"/>
-              </a:ext>
-            </a:extLst>
-          </p:cNvPr>
-          <p:cNvSpPr txBox="1"/>
-          <p:nvPr/>
-        </p:nvSpPr>
-        <p:spPr>
-          <a:xfrm>
-            <a:off x="7932135" y="2656374"/>
-            <a:ext cx="3583583" cy="3712900"/>
-          </a:xfrm>
-          <a:prstGeom prst="rect">
-            <a:avLst/>
-          </a:prstGeom>
-          <a:noFill/>
-        </p:spPr>
-        <p:txBody>
-          <a:bodyPr wrap="square" rtlCol="0">
-            <a:noAutofit/>
-          </a:bodyPr>
-          <a:lstStyle/>
-          <a:p>
-            <a:r>
-              <a:rPr lang="en-DK" b="1" i="1" dirty="0"/>
-              <a:t>3 Tier Architecture</a:t>
-            </a:r>
-          </a:p>
-          <a:p>
-            <a:endParaRPr lang="en-DK" b="1" i="1" dirty="0"/>
-          </a:p>
-          <a:p>
-            <a:r>
-              <a:rPr lang="en-DK" b="1" i="1" dirty="0"/>
-              <a:t>50000 concurrent users</a:t>
-            </a:r>
-          </a:p>
-          <a:p>
-            <a:r>
-              <a:rPr lang="en-DK" b="1" i="1" dirty="0"/>
-              <a:t>    (Stateless)</a:t>
-            </a:r>
-          </a:p>
-          <a:p>
-            <a:endParaRPr lang="en-DK" b="1" i="1" dirty="0"/>
-          </a:p>
-          <a:p>
-            <a:r>
-              <a:rPr lang="en-DK" b="1" i="1" dirty="0"/>
-              <a:t>Poor utilization of database features.</a:t>
-            </a:r>
-          </a:p>
-          <a:p>
-            <a:endParaRPr lang="en-DK" b="1" i="1" dirty="0"/>
-          </a:p>
-          <a:p>
-            <a:r>
-              <a:rPr lang="en-DK" b="1" i="1" dirty="0"/>
-              <a:t>Concurrency issues</a:t>
-            </a:r>
-          </a:p>
-          <a:p>
-            <a:r>
-              <a:rPr lang="en-DK" b="1" i="1" dirty="0"/>
-              <a:t>Compensating transactions</a:t>
-            </a:r>
-          </a:p>
-          <a:p>
-            <a:endParaRPr lang="en-DK" b="1" i="1" dirty="0"/>
-          </a:p>
-          <a:p>
-            <a:r>
-              <a:rPr lang="en-DK" b="1" i="1" dirty="0"/>
-              <a:t>Bad performance due to excessive commits and query re-executions</a:t>
-            </a:r>
-          </a:p>
-        </p:txBody>
-      </p:sp>
-      <p:grpSp>
-        <p:nvGrpSpPr>
-          <p:cNvPr id="11" name="Group 10">
-            <a:extLst>
-              <a:ext uri="{FF2B5EF4-FFF2-40B4-BE49-F238E27FC236}">
-                <a16:creationId xmlns:a16="http://schemas.microsoft.com/office/drawing/2014/main" id="{9D23770E-5547-A4E1-AE87-351FE5C07B0F}"/>
-              </a:ext>
-            </a:extLst>
-          </p:cNvPr>
-          <p:cNvGrpSpPr/>
-          <p:nvPr/>
-        </p:nvGrpSpPr>
-        <p:grpSpPr>
-          <a:xfrm>
-            <a:off x="5326069" y="2870695"/>
-            <a:ext cx="1260000" cy="2706679"/>
-            <a:chOff x="5211765" y="2203443"/>
-            <a:chExt cx="1260000" cy="2706679"/>
-          </a:xfrm>
-        </p:grpSpPr>
-        <p:grpSp>
-          <p:nvGrpSpPr>
-            <p:cNvPr id="1061" name="Group 1060">
-              <a:extLst>
-                <a:ext uri="{FF2B5EF4-FFF2-40B4-BE49-F238E27FC236}">
-                  <a16:creationId xmlns:a16="http://schemas.microsoft.com/office/drawing/2014/main" id="{A0138485-CFF2-53D1-A515-8506068BB9BA}"/>
-                </a:ext>
-              </a:extLst>
-            </p:cNvPr>
-            <p:cNvGrpSpPr/>
-            <p:nvPr/>
-          </p:nvGrpSpPr>
-          <p:grpSpPr>
-            <a:xfrm>
-              <a:off x="5211765" y="2203443"/>
-              <a:ext cx="1260000" cy="2706679"/>
-              <a:chOff x="5811845" y="3003550"/>
-              <a:chExt cx="1260000" cy="2706679"/>
-            </a:xfrm>
-          </p:grpSpPr>
-          <p:pic>
-            <p:nvPicPr>
-              <p:cNvPr id="1045" name="Picture 1044">
-                <a:extLst>
-                  <a:ext uri="{FF2B5EF4-FFF2-40B4-BE49-F238E27FC236}">
-                    <a16:creationId xmlns:a16="http://schemas.microsoft.com/office/drawing/2014/main" id="{92ECA43F-76A2-44A8-14B1-9908232631B4}"/>
-                  </a:ext>
-                </a:extLst>
-              </p:cNvPr>
-              <p:cNvPicPr>
-                <a:picLocks noChangeAspect="1"/>
-              </p:cNvPicPr>
-              <p:nvPr/>
-            </p:nvPicPr>
-            <p:blipFill>
-              <a:blip r:embed="rId2"/>
-              <a:stretch>
-                <a:fillRect/>
-              </a:stretch>
-            </p:blipFill>
-            <p:spPr>
-              <a:xfrm>
-                <a:off x="5811845" y="3003550"/>
-                <a:ext cx="1260000" cy="694068"/>
-              </a:xfrm>
-              <a:prstGeom prst="rect">
-                <a:avLst/>
-              </a:prstGeom>
-            </p:spPr>
-          </p:pic>
-          <p:sp>
-            <p:nvSpPr>
-              <p:cNvPr id="1047" name="Can 1046">
-                <a:extLst>
-                  <a:ext uri="{FF2B5EF4-FFF2-40B4-BE49-F238E27FC236}">
-                    <a16:creationId xmlns:a16="http://schemas.microsoft.com/office/drawing/2014/main" id="{DF75857B-2558-6892-82FA-B47D6F1C28F0}"/>
-                  </a:ext>
-                </a:extLst>
-              </p:cNvPr>
-              <p:cNvSpPr/>
-              <p:nvPr/>
-            </p:nvSpPr>
-            <p:spPr>
-              <a:xfrm>
-                <a:off x="6144954" y="5127793"/>
-                <a:ext cx="593783" cy="582436"/>
-              </a:xfrm>
-              <a:prstGeom prst="can">
-                <a:avLst/>
-              </a:prstGeom>
-              <a:solidFill>
-                <a:schemeClr val="bg1">
-                  <a:lumMod val="85000"/>
-                </a:schemeClr>
-              </a:solidFill>
-              <a:ln>
-                <a:solidFill>
-                  <a:schemeClr val="tx1"/>
-                </a:solidFill>
-              </a:ln>
-            </p:spPr>
-            <p:style>
-              <a:lnRef idx="2">
-                <a:schemeClr val="accent1">
-                  <a:shade val="50000"/>
-                </a:schemeClr>
-              </a:lnRef>
-              <a:fillRef idx="1">
-                <a:schemeClr val="accent1"/>
-              </a:fillRef>
-              <a:effectRef idx="0">
-                <a:schemeClr val="accent1"/>
-              </a:effectRef>
-              <a:fontRef idx="minor">
-                <a:schemeClr val="lt1"/>
-              </a:fontRef>
-            </p:style>
-            <p:txBody>
-              <a:bodyPr rtlCol="0" anchor="ctr"/>
-              <a:lstStyle/>
-              <a:p>
-                <a:pPr algn="ctr"/>
-                <a:endParaRPr lang="en-DK"/>
-              </a:p>
-            </p:txBody>
-          </p:sp>
-          <p:pic>
-            <p:nvPicPr>
-              <p:cNvPr id="1048" name="Picture 1047">
-                <a:extLst>
-                  <a:ext uri="{FF2B5EF4-FFF2-40B4-BE49-F238E27FC236}">
-                    <a16:creationId xmlns:a16="http://schemas.microsoft.com/office/drawing/2014/main" id="{AC445236-A45B-43C1-10D5-4B4CACA0B35F}"/>
-                  </a:ext>
-                </a:extLst>
-              </p:cNvPr>
-              <p:cNvPicPr>
-                <a:picLocks noChangeAspect="1"/>
-              </p:cNvPicPr>
-              <p:nvPr/>
-            </p:nvPicPr>
-            <p:blipFill>
-              <a:blip r:embed="rId3"/>
-              <a:stretch>
-                <a:fillRect/>
-              </a:stretch>
-            </p:blipFill>
-            <p:spPr>
-              <a:xfrm>
-                <a:off x="5885378" y="4057586"/>
-                <a:ext cx="1112935" cy="582436"/>
-              </a:xfrm>
-              <a:prstGeom prst="rect">
-                <a:avLst/>
-              </a:prstGeom>
-            </p:spPr>
-          </p:pic>
-          <p:cxnSp>
-            <p:nvCxnSpPr>
-              <p:cNvPr id="1055" name="Straight Arrow Connector 1054">
-                <a:extLst>
-                  <a:ext uri="{FF2B5EF4-FFF2-40B4-BE49-F238E27FC236}">
-                    <a16:creationId xmlns:a16="http://schemas.microsoft.com/office/drawing/2014/main" id="{BF539873-2D3E-1FD7-923D-C83246B3C891}"/>
-                  </a:ext>
-                </a:extLst>
-              </p:cNvPr>
-              <p:cNvCxnSpPr>
-                <a:cxnSpLocks/>
-              </p:cNvCxnSpPr>
-              <p:nvPr/>
-            </p:nvCxnSpPr>
-            <p:spPr>
-              <a:xfrm flipV="1">
-                <a:off x="6438905" y="3727607"/>
-                <a:ext cx="0" cy="315747"/>
-              </a:xfrm>
-              <a:prstGeom prst="straightConnector1">
-                <a:avLst/>
-              </a:prstGeom>
-              <a:ln w="19050">
-                <a:solidFill>
-                  <a:schemeClr val="bg1">
-                    <a:lumMod val="50000"/>
-                  </a:schemeClr>
-                </a:solidFill>
-                <a:headEnd type="triangle" w="med" len="med"/>
-                <a:tailEnd type="triangle" w="med" len="med"/>
-              </a:ln>
-            </p:spPr>
-            <p:style>
-              <a:lnRef idx="1">
-                <a:schemeClr val="accent1"/>
-              </a:lnRef>
-              <a:fillRef idx="0">
-                <a:schemeClr val="accent1"/>
-              </a:fillRef>
-              <a:effectRef idx="0">
-                <a:schemeClr val="accent1"/>
-              </a:effectRef>
-              <a:fontRef idx="minor">
-                <a:schemeClr val="tx1"/>
-              </a:fontRef>
-            </p:style>
-          </p:cxnSp>
-          <p:cxnSp>
-            <p:nvCxnSpPr>
-              <p:cNvPr id="1057" name="Straight Arrow Connector 1056">
-                <a:extLst>
-                  <a:ext uri="{FF2B5EF4-FFF2-40B4-BE49-F238E27FC236}">
-                    <a16:creationId xmlns:a16="http://schemas.microsoft.com/office/drawing/2014/main" id="{8151FF7F-E758-4B7D-663F-5F2A7F50E9F6}"/>
-                  </a:ext>
-                </a:extLst>
-              </p:cNvPr>
-              <p:cNvCxnSpPr>
-                <a:cxnSpLocks/>
-              </p:cNvCxnSpPr>
-              <p:nvPr/>
-            </p:nvCxnSpPr>
-            <p:spPr>
-              <a:xfrm flipV="1">
-                <a:off x="6434139" y="4722978"/>
-                <a:ext cx="0" cy="315747"/>
-              </a:xfrm>
-              <a:prstGeom prst="straightConnector1">
-                <a:avLst/>
-              </a:prstGeom>
-              <a:ln w="19050">
-                <a:solidFill>
-                  <a:schemeClr val="bg1">
-                    <a:lumMod val="50000"/>
-                  </a:schemeClr>
-                </a:solidFill>
-                <a:headEnd type="triangle" w="med" len="med"/>
-                <a:tailEnd type="triangle" w="med" len="med"/>
-              </a:ln>
-            </p:spPr>
-            <p:style>
-              <a:lnRef idx="1">
-                <a:schemeClr val="accent1"/>
-              </a:lnRef>
-              <a:fillRef idx="0">
-                <a:schemeClr val="accent1"/>
-              </a:fillRef>
-              <a:effectRef idx="0">
-                <a:schemeClr val="accent1"/>
-              </a:effectRef>
-              <a:fontRef idx="minor">
-                <a:schemeClr val="tx1"/>
-              </a:fontRef>
-            </p:style>
-          </p:cxnSp>
-        </p:grpSp>
-        <p:sp>
-          <p:nvSpPr>
-            <p:cNvPr id="10" name="TextBox 9">
-              <a:extLst>
-                <a:ext uri="{FF2B5EF4-FFF2-40B4-BE49-F238E27FC236}">
-                  <a16:creationId xmlns:a16="http://schemas.microsoft.com/office/drawing/2014/main" id="{51EC14A7-FD6D-A3A9-B699-A225946941A6}"/>
-                </a:ext>
-              </a:extLst>
-            </p:cNvPr>
-            <p:cNvSpPr txBox="1"/>
-            <p:nvPr/>
-          </p:nvSpPr>
-          <p:spPr>
-            <a:xfrm>
-              <a:off x="5586428" y="3368416"/>
-              <a:ext cx="642938" cy="307777"/>
-            </a:xfrm>
-            <a:prstGeom prst="rect">
-              <a:avLst/>
-            </a:prstGeom>
-            <a:noFill/>
-          </p:spPr>
-          <p:txBody>
-            <a:bodyPr wrap="square" rtlCol="0">
-              <a:spAutoFit/>
-            </a:bodyPr>
-            <a:lstStyle/>
-            <a:p>
-              <a:r>
-                <a:rPr lang="en-DK" sz="1400" b="1" dirty="0"/>
-                <a:t>Rest</a:t>
-              </a:r>
-            </a:p>
-          </p:txBody>
-        </p:sp>
-      </p:grpSp>
-      <p:grpSp>
-        <p:nvGrpSpPr>
-          <p:cNvPr id="18" name="Group 17">
-            <a:extLst>
-              <a:ext uri="{FF2B5EF4-FFF2-40B4-BE49-F238E27FC236}">
-                <a16:creationId xmlns:a16="http://schemas.microsoft.com/office/drawing/2014/main" id="{DBC0DFB1-1CD2-1347-CA8B-E970D35B2412}"/>
-              </a:ext>
-            </a:extLst>
-          </p:cNvPr>
-          <p:cNvGrpSpPr/>
-          <p:nvPr/>
-        </p:nvGrpSpPr>
-        <p:grpSpPr>
-          <a:xfrm>
-            <a:off x="1305078" y="1465221"/>
-            <a:ext cx="9624853" cy="689195"/>
-            <a:chOff x="1476535" y="1698089"/>
-            <a:chExt cx="8640000" cy="689195"/>
-          </a:xfrm>
-        </p:grpSpPr>
-        <p:cxnSp>
-          <p:nvCxnSpPr>
-            <p:cNvPr id="3" name="Straight Connector 2">
-              <a:extLst>
-                <a:ext uri="{FF2B5EF4-FFF2-40B4-BE49-F238E27FC236}">
-                  <a16:creationId xmlns:a16="http://schemas.microsoft.com/office/drawing/2014/main" id="{99ADD4B2-2AC8-F0A6-AB37-B45C662887BF}"/>
-                </a:ext>
-              </a:extLst>
-            </p:cNvPr>
-            <p:cNvCxnSpPr/>
-            <p:nvPr/>
-          </p:nvCxnSpPr>
-          <p:spPr>
-            <a:xfrm>
-              <a:off x="1476535" y="2066627"/>
-              <a:ext cx="8640000" cy="0"/>
-            </a:xfrm>
-            <a:prstGeom prst="line">
-              <a:avLst/>
-            </a:prstGeom>
-            <a:ln w="34925">
-              <a:solidFill>
-                <a:schemeClr val="bg1">
-                  <a:lumMod val="50000"/>
-                </a:schemeClr>
-              </a:solidFill>
-            </a:ln>
-          </p:spPr>
-          <p:style>
-            <a:lnRef idx="1">
-              <a:schemeClr val="accent1"/>
-            </a:lnRef>
-            <a:fillRef idx="0">
-              <a:schemeClr val="accent1"/>
-            </a:fillRef>
-            <a:effectRef idx="0">
-              <a:schemeClr val="accent1"/>
-            </a:effectRef>
-            <a:fontRef idx="minor">
-              <a:schemeClr val="tx1"/>
-            </a:fontRef>
-          </p:style>
-        </p:cxnSp>
-        <p:grpSp>
-          <p:nvGrpSpPr>
-            <p:cNvPr id="17" name="Group 16">
-              <a:extLst>
-                <a:ext uri="{FF2B5EF4-FFF2-40B4-BE49-F238E27FC236}">
-                  <a16:creationId xmlns:a16="http://schemas.microsoft.com/office/drawing/2014/main" id="{1ABC0724-2A45-D290-F0A9-D5A0BC928539}"/>
-                </a:ext>
-              </a:extLst>
-            </p:cNvPr>
-            <p:cNvGrpSpPr/>
-            <p:nvPr/>
-          </p:nvGrpSpPr>
-          <p:grpSpPr>
-            <a:xfrm>
-              <a:off x="1481841" y="1698089"/>
-              <a:ext cx="8633717" cy="689195"/>
-              <a:chOff x="1481841" y="1398048"/>
-              <a:chExt cx="8633717" cy="689195"/>
-            </a:xfrm>
-          </p:grpSpPr>
-          <p:sp>
-            <p:nvSpPr>
-              <p:cNvPr id="13" name="TextBox 12">
-                <a:extLst>
-                  <a:ext uri="{FF2B5EF4-FFF2-40B4-BE49-F238E27FC236}">
-                    <a16:creationId xmlns:a16="http://schemas.microsoft.com/office/drawing/2014/main" id="{F44E34F3-F06C-A1B4-7443-0E8BB4EF5AD2}"/>
-                  </a:ext>
-                </a:extLst>
-              </p:cNvPr>
-              <p:cNvSpPr txBox="1"/>
-              <p:nvPr/>
-            </p:nvSpPr>
-            <p:spPr>
-              <a:xfrm>
-                <a:off x="5086360" y="1398048"/>
-                <a:ext cx="1669070" cy="369332"/>
-              </a:xfrm>
-              <a:prstGeom prst="rect">
-                <a:avLst/>
-              </a:prstGeom>
-              <a:noFill/>
-            </p:spPr>
-            <p:txBody>
-              <a:bodyPr wrap="square" rtlCol="0">
-                <a:spAutoFit/>
-              </a:bodyPr>
-              <a:lstStyle/>
-              <a:p>
-                <a:r>
-                  <a:rPr lang="en-DK" b="1" dirty="0"/>
-                  <a:t>Connections</a:t>
-                </a:r>
-              </a:p>
-            </p:txBody>
-          </p:sp>
-          <p:sp>
-            <p:nvSpPr>
-              <p:cNvPr id="15" name="TextBox 14">
-                <a:extLst>
-                  <a:ext uri="{FF2B5EF4-FFF2-40B4-BE49-F238E27FC236}">
-                    <a16:creationId xmlns:a16="http://schemas.microsoft.com/office/drawing/2014/main" id="{B9802857-5B21-CB24-7816-A51C879F151A}"/>
-                  </a:ext>
-                </a:extLst>
-              </p:cNvPr>
-              <p:cNvSpPr txBox="1"/>
-              <p:nvPr/>
-            </p:nvSpPr>
-            <p:spPr>
-              <a:xfrm>
-                <a:off x="9072570" y="1440912"/>
-                <a:ext cx="1042988" cy="646331"/>
-              </a:xfrm>
-              <a:prstGeom prst="rect">
-                <a:avLst/>
-              </a:prstGeom>
-              <a:noFill/>
-            </p:spPr>
-            <p:txBody>
-              <a:bodyPr wrap="square" rtlCol="0">
-                <a:spAutoFit/>
-              </a:bodyPr>
-              <a:lstStyle/>
-              <a:p>
-                <a:pPr algn="ctr"/>
-                <a:r>
-                  <a:rPr lang="en-DK" dirty="0"/>
-                  <a:t>2023</a:t>
-                </a:r>
-              </a:p>
-              <a:p>
-                <a:pPr algn="ctr"/>
-                <a:r>
-                  <a:rPr lang="en-DK" dirty="0"/>
-                  <a:t>Pooled</a:t>
-                </a:r>
-              </a:p>
-            </p:txBody>
-          </p:sp>
-          <p:sp>
-            <p:nvSpPr>
-              <p:cNvPr id="16" name="TextBox 15">
-                <a:extLst>
-                  <a:ext uri="{FF2B5EF4-FFF2-40B4-BE49-F238E27FC236}">
-                    <a16:creationId xmlns:a16="http://schemas.microsoft.com/office/drawing/2014/main" id="{83611EA2-F1DA-E7F4-6D51-FA6AB954D5BE}"/>
-                  </a:ext>
-                </a:extLst>
-              </p:cNvPr>
-              <p:cNvSpPr txBox="1"/>
-              <p:nvPr/>
-            </p:nvSpPr>
-            <p:spPr>
-              <a:xfrm>
-                <a:off x="1481841" y="1440912"/>
-                <a:ext cx="1228725" cy="646331"/>
-              </a:xfrm>
-              <a:prstGeom prst="rect">
-                <a:avLst/>
-              </a:prstGeom>
-              <a:noFill/>
-            </p:spPr>
-            <p:txBody>
-              <a:bodyPr wrap="square" rtlCol="0">
-                <a:spAutoFit/>
-              </a:bodyPr>
-              <a:lstStyle/>
-              <a:p>
-                <a:pPr algn="ctr"/>
-                <a:r>
-                  <a:rPr lang="en-DK" dirty="0"/>
-                  <a:t>1985</a:t>
-                </a:r>
-              </a:p>
-              <a:p>
-                <a:pPr algn="ctr"/>
-                <a:r>
-                  <a:rPr lang="en-DK" dirty="0"/>
-                  <a:t>Dedicated</a:t>
-                </a:r>
-              </a:p>
-            </p:txBody>
-          </p:sp>
-        </p:grpSp>
-      </p:grpSp>
-    </p:spTree>
-    <p:extLst>
-      <p:ext uri="{BB962C8B-B14F-4D97-AF65-F5344CB8AC3E}">
-        <p14:creationId xmlns:p14="http://schemas.microsoft.com/office/powerpoint/2010/main" val="2484166996"/>
-      </p:ext>
-    </p:extLst>
-  </p:cSld>
-  <p:clrMapOvr>
-    <a:masterClrMapping/>
-  </p:clrMapOvr>
-</p:sld>
-</file>
-
-<file path=ppt/slides/slide7.xml><?xml version="1.0" encoding="utf-8"?>
-<p:sld xmlns:a="http://schemas.openxmlformats.org/drawingml/2006/main" xmlns:r="http://schemas.openxmlformats.org/officeDocument/2006/relationships" xmlns:p="http://schemas.openxmlformats.org/presentationml/2006/main">
-  <p:cSld>
-    <p:bg>
-      <p:bgPr>
-        <a:solidFill>
-          <a:schemeClr val="bg1"/>
-        </a:solidFill>
-        <a:effectLst/>
-      </p:bgPr>
-    </p:bg>
-    <p:spTree>
-      <p:nvGrpSpPr>
-        <p:cNvPr id="1" name=""/>
-        <p:cNvGrpSpPr/>
-        <p:nvPr/>
-      </p:nvGrpSpPr>
-      <p:grpSpPr>
-        <a:xfrm>
-          <a:off x="0" y="0"/>
-          <a:ext cx="0" cy="0"/>
-          <a:chOff x="0" y="0"/>
-          <a:chExt cx="0" cy="0"/>
-        </a:xfrm>
-      </p:grpSpPr>
-      <p:sp>
-        <p:nvSpPr>
-          <p:cNvPr id="1031" name="Title 1030">
-            <a:extLst>
-              <a:ext uri="{FF2B5EF4-FFF2-40B4-BE49-F238E27FC236}">
-                <a16:creationId xmlns:a16="http://schemas.microsoft.com/office/drawing/2014/main" id="{22D09CA6-2F33-D374-D436-2CE7ED5D5D85}"/>
-              </a:ext>
-            </a:extLst>
-          </p:cNvPr>
-          <p:cNvSpPr>
-            <a:spLocks noGrp="1"/>
-          </p:cNvSpPr>
-          <p:nvPr>
-            <p:ph type="title"/>
-          </p:nvPr>
-        </p:nvSpPr>
-        <p:spPr>
-          <a:xfrm>
-            <a:off x="838200" y="72485"/>
-            <a:ext cx="10515600" cy="1325563"/>
-          </a:xfrm>
-        </p:spPr>
-        <p:txBody>
-          <a:bodyPr anchor="t"/>
-          <a:lstStyle/>
-          <a:p>
-            <a:pPr algn="ctr"/>
-            <a:r>
-              <a:rPr lang="en-DK" sz="3200" dirty="0"/>
-              <a:t>FutureForms</a:t>
-            </a:r>
-          </a:p>
-        </p:txBody>
-      </p:sp>
-      <p:sp>
-        <p:nvSpPr>
-          <p:cNvPr id="2" name="TextBox 1">
-            <a:extLst>
-              <a:ext uri="{FF2B5EF4-FFF2-40B4-BE49-F238E27FC236}">
-                <a16:creationId xmlns:a16="http://schemas.microsoft.com/office/drawing/2014/main" id="{FB26ECFA-64E0-3C44-DF99-E3CC3D1A53D1}"/>
-              </a:ext>
-            </a:extLst>
-          </p:cNvPr>
-          <p:cNvSpPr txBox="1"/>
-          <p:nvPr/>
-        </p:nvSpPr>
-        <p:spPr>
-          <a:xfrm>
-            <a:off x="1811335" y="812254"/>
-            <a:ext cx="6484882" cy="369332"/>
-          </a:xfrm>
-          <a:prstGeom prst="rect">
-            <a:avLst/>
-          </a:prstGeom>
-          <a:noFill/>
-        </p:spPr>
-        <p:txBody>
-          <a:bodyPr wrap="square" rtlCol="0">
-            <a:spAutoFit/>
-          </a:bodyPr>
-          <a:lstStyle/>
-          <a:p>
-            <a:r>
-              <a:rPr lang="en-DK" b="1" i="1" dirty="0"/>
-              <a:t>Application is not just about performing CRUD operations </a:t>
-            </a:r>
-          </a:p>
-        </p:txBody>
-      </p:sp>
-      <p:sp>
-        <p:nvSpPr>
-          <p:cNvPr id="3" name="TextBox 2">
-            <a:extLst>
-              <a:ext uri="{FF2B5EF4-FFF2-40B4-BE49-F238E27FC236}">
-                <a16:creationId xmlns:a16="http://schemas.microsoft.com/office/drawing/2014/main" id="{A2C1CB77-3354-7320-025C-293E227B9670}"/>
-              </a:ext>
-            </a:extLst>
-          </p:cNvPr>
-          <p:cNvSpPr txBox="1"/>
-          <p:nvPr/>
-        </p:nvSpPr>
-        <p:spPr>
-          <a:xfrm>
-            <a:off x="1811335" y="4022006"/>
-            <a:ext cx="6484882" cy="2031325"/>
-          </a:xfrm>
-          <a:prstGeom prst="rect">
-            <a:avLst/>
-          </a:prstGeom>
-          <a:noFill/>
-        </p:spPr>
-        <p:txBody>
-          <a:bodyPr wrap="square" rtlCol="0">
-            <a:spAutoFit/>
-          </a:bodyPr>
-          <a:lstStyle/>
-          <a:p>
-            <a:pPr marL="285750" indent="-285750">
-              <a:buFont typeface="Arial" panose="020B0604020202020204" pitchFamily="34" charset="0"/>
-              <a:buChar char="•"/>
-            </a:pPr>
-            <a:r>
-              <a:rPr lang="en-DK" dirty="0"/>
-              <a:t>Task is mandatory, except for holidays</a:t>
-            </a:r>
-          </a:p>
-          <a:p>
-            <a:pPr marL="285750" indent="-285750">
-              <a:buFont typeface="Arial" panose="020B0604020202020204" pitchFamily="34" charset="0"/>
-              <a:buChar char="•"/>
-            </a:pPr>
-            <a:r>
-              <a:rPr lang="en-DK" dirty="0"/>
-              <a:t>Cannot choose same project/task twice</a:t>
-            </a:r>
-          </a:p>
-          <a:p>
-            <a:pPr marL="285750" indent="-285750">
-              <a:buFont typeface="Arial" panose="020B0604020202020204" pitchFamily="34" charset="0"/>
-              <a:buChar char="•"/>
-            </a:pPr>
-            <a:r>
-              <a:rPr lang="en-DK" dirty="0"/>
-              <a:t>When holiday, limit time entry to Full/Half</a:t>
-            </a:r>
-          </a:p>
-          <a:p>
-            <a:pPr marL="285750" indent="-285750">
-              <a:buFont typeface="Arial" panose="020B0604020202020204" pitchFamily="34" charset="0"/>
-              <a:buChar char="•"/>
-            </a:pPr>
-            <a:r>
-              <a:rPr lang="en-DK" dirty="0"/>
-              <a:t>Beakon is closed every monday and tuesday</a:t>
-            </a:r>
-          </a:p>
-          <a:p>
-            <a:pPr marL="285750" indent="-285750">
-              <a:buFont typeface="Arial" panose="020B0604020202020204" pitchFamily="34" charset="0"/>
-              <a:buChar char="•"/>
-            </a:pPr>
-            <a:r>
-              <a:rPr lang="en-DK" dirty="0"/>
-              <a:t>If data has been processed it cannot be updated</a:t>
-            </a:r>
-          </a:p>
-          <a:p>
-            <a:pPr marL="285750" indent="-285750">
-              <a:buFont typeface="Arial" panose="020B0604020202020204" pitchFamily="34" charset="0"/>
-              <a:buChar char="•"/>
-            </a:pPr>
-            <a:r>
-              <a:rPr lang="en-DK" dirty="0"/>
-              <a:t>Most columns are “lookups”, but should be queryable</a:t>
-            </a:r>
-          </a:p>
-          <a:p>
-            <a:pPr marL="285750" indent="-285750">
-              <a:buFont typeface="Arial" panose="020B0604020202020204" pitchFamily="34" charset="0"/>
-              <a:buChar char="•"/>
-            </a:pPr>
-            <a:r>
-              <a:rPr lang="en-DK" dirty="0"/>
-              <a:t>Underlying table is “normalized” and has 1 row per date/task</a:t>
-            </a:r>
-          </a:p>
-        </p:txBody>
-      </p:sp>
-      <p:sp>
-        <p:nvSpPr>
-          <p:cNvPr id="15" name="TextBox 14">
-            <a:extLst>
-              <a:ext uri="{FF2B5EF4-FFF2-40B4-BE49-F238E27FC236}">
-                <a16:creationId xmlns:a16="http://schemas.microsoft.com/office/drawing/2014/main" id="{0805FEE7-5B6B-33BA-1680-A79D9C789607}"/>
-              </a:ext>
-            </a:extLst>
-          </p:cNvPr>
-          <p:cNvSpPr txBox="1"/>
-          <p:nvPr/>
-        </p:nvSpPr>
-        <p:spPr>
-          <a:xfrm>
-            <a:off x="9101138" y="4200523"/>
-            <a:ext cx="1928812" cy="1528759"/>
-          </a:xfrm>
-          <a:prstGeom prst="rect">
-            <a:avLst/>
-          </a:prstGeom>
-          <a:noFill/>
-          <a:ln>
-            <a:solidFill>
-              <a:schemeClr val="accent1"/>
-            </a:solidFill>
-          </a:ln>
-        </p:spPr>
-        <p:txBody>
-          <a:bodyPr wrap="square" rtlCol="0">
-            <a:noAutofit/>
-          </a:bodyPr>
-          <a:lstStyle/>
-          <a:p>
-            <a:pPr marL="285750" indent="-285750">
-              <a:buFont typeface="Arial" panose="020B0604020202020204" pitchFamily="34" charset="0"/>
-              <a:buChar char="•"/>
-            </a:pPr>
-            <a:r>
-              <a:rPr lang="en-DK" sz="1400" dirty="0"/>
-              <a:t>Employee_id</a:t>
-            </a:r>
-          </a:p>
-          <a:p>
-            <a:pPr marL="285750" indent="-285750">
-              <a:buFont typeface="Arial" panose="020B0604020202020204" pitchFamily="34" charset="0"/>
-              <a:buChar char="•"/>
-            </a:pPr>
-            <a:r>
-              <a:rPr lang="en-GB" sz="1400" dirty="0"/>
-              <a:t>C</a:t>
-            </a:r>
-            <a:r>
-              <a:rPr lang="en-DK" sz="1400" dirty="0"/>
-              <a:t>ustomer_id</a:t>
-            </a:r>
-          </a:p>
-          <a:p>
-            <a:pPr marL="285750" indent="-285750">
-              <a:buFont typeface="Arial" panose="020B0604020202020204" pitchFamily="34" charset="0"/>
-              <a:buChar char="•"/>
-            </a:pPr>
-            <a:r>
-              <a:rPr lang="en-GB" sz="1400" dirty="0"/>
-              <a:t>P</a:t>
-            </a:r>
-            <a:r>
-              <a:rPr lang="en-DK" sz="1400" dirty="0"/>
-              <a:t>roject_id</a:t>
-            </a:r>
-          </a:p>
-          <a:p>
-            <a:pPr marL="285750" indent="-285750">
-              <a:buFont typeface="Arial" panose="020B0604020202020204" pitchFamily="34" charset="0"/>
-              <a:buChar char="•"/>
-            </a:pPr>
-            <a:r>
-              <a:rPr lang="en-GB" sz="1400" dirty="0"/>
-              <a:t>T</a:t>
-            </a:r>
-            <a:r>
-              <a:rPr lang="en-DK" sz="1400" dirty="0"/>
-              <a:t>ask_id</a:t>
-            </a:r>
-          </a:p>
-          <a:p>
-            <a:pPr marL="285750" indent="-285750">
-              <a:buFont typeface="Arial" panose="020B0604020202020204" pitchFamily="34" charset="0"/>
-              <a:buChar char="•"/>
-            </a:pPr>
-            <a:r>
-              <a:rPr lang="en-GB" sz="1400" dirty="0"/>
-              <a:t>D</a:t>
-            </a:r>
-            <a:r>
-              <a:rPr lang="en-DK" sz="1400" dirty="0"/>
-              <a:t>ate</a:t>
-            </a:r>
-          </a:p>
-          <a:p>
-            <a:pPr marL="285750" indent="-285750">
-              <a:buFont typeface="Arial" panose="020B0604020202020204" pitchFamily="34" charset="0"/>
-              <a:buChar char="•"/>
-            </a:pPr>
-            <a:r>
-              <a:rPr lang="en-GB" sz="1400" dirty="0"/>
-              <a:t>H</a:t>
-            </a:r>
-            <a:r>
-              <a:rPr lang="en-DK" sz="1400" dirty="0"/>
-              <a:t>ours</a:t>
-            </a:r>
-          </a:p>
-          <a:p>
-            <a:pPr marL="285750" indent="-285750">
-              <a:buFont typeface="Arial" panose="020B0604020202020204" pitchFamily="34" charset="0"/>
-              <a:buChar char="•"/>
-            </a:pPr>
-            <a:r>
-              <a:rPr lang="en-DK" sz="1400" dirty="0"/>
-              <a:t>Processed</a:t>
-            </a:r>
-          </a:p>
-        </p:txBody>
-      </p:sp>
-      <p:sp>
-        <p:nvSpPr>
-          <p:cNvPr id="19" name="TextBox 18">
-            <a:extLst>
-              <a:ext uri="{FF2B5EF4-FFF2-40B4-BE49-F238E27FC236}">
-                <a16:creationId xmlns:a16="http://schemas.microsoft.com/office/drawing/2014/main" id="{6E8E3A9A-A559-628F-CCE5-98762F6A4BFE}"/>
-              </a:ext>
-            </a:extLst>
-          </p:cNvPr>
-          <p:cNvSpPr txBox="1"/>
-          <p:nvPr/>
-        </p:nvSpPr>
-        <p:spPr>
-          <a:xfrm>
-            <a:off x="1919283" y="6263348"/>
-            <a:ext cx="6376934" cy="369332"/>
-          </a:xfrm>
-          <a:prstGeom prst="rect">
-            <a:avLst/>
-          </a:prstGeom>
-          <a:noFill/>
-        </p:spPr>
-        <p:txBody>
-          <a:bodyPr wrap="square" rtlCol="0">
-            <a:spAutoFit/>
-          </a:bodyPr>
-          <a:lstStyle/>
-          <a:p>
-            <a:r>
-              <a:rPr lang="en-DK" b="1" i="1" dirty="0"/>
-              <a:t>No code and Low code tools are not always </a:t>
-            </a:r>
-            <a:r>
-              <a:rPr lang="en-GB" b="1" i="1" dirty="0"/>
-              <a:t>adequate</a:t>
-            </a:r>
-            <a:endParaRPr lang="en-DK" b="1" i="1" dirty="0"/>
-          </a:p>
-        </p:txBody>
-      </p:sp>
-      <p:pic>
-        <p:nvPicPr>
-          <p:cNvPr id="20" name="Picture 19">
-            <a:extLst>
-              <a:ext uri="{FF2B5EF4-FFF2-40B4-BE49-F238E27FC236}">
-                <a16:creationId xmlns:a16="http://schemas.microsoft.com/office/drawing/2014/main" id="{4D552579-9D21-C93A-C02F-1EBA3135BB08}"/>
-              </a:ext>
-            </a:extLst>
-          </p:cNvPr>
-          <p:cNvPicPr>
-            <a:picLocks noChangeAspect="1"/>
-          </p:cNvPicPr>
-          <p:nvPr/>
-        </p:nvPicPr>
-        <p:blipFill>
-          <a:blip r:embed="rId2"/>
-          <a:stretch>
-            <a:fillRect/>
-          </a:stretch>
-        </p:blipFill>
-        <p:spPr>
-          <a:xfrm>
-            <a:off x="1890707" y="1460493"/>
-            <a:ext cx="6896100" cy="2336800"/>
-          </a:xfrm>
-          <a:prstGeom prst="rect">
-            <a:avLst/>
-          </a:prstGeom>
-        </p:spPr>
-      </p:pic>
-    </p:spTree>
-    <p:extLst>
-      <p:ext uri="{BB962C8B-B14F-4D97-AF65-F5344CB8AC3E}">
-        <p14:creationId xmlns:p14="http://schemas.microsoft.com/office/powerpoint/2010/main" val="3846970510"/>
-      </p:ext>
-    </p:extLst>
-  </p:cSld>
-  <p:clrMapOvr>
-    <a:masterClrMapping/>
-  </p:clrMapOvr>
-</p:sld>
-</file>
-
-<file path=ppt/slides/slide8.xml><?xml version="1.0" encoding="utf-8"?>
-<p:sld xmlns:a="http://schemas.openxmlformats.org/drawingml/2006/main" xmlns:r="http://schemas.openxmlformats.org/officeDocument/2006/relationships" xmlns:p="http://schemas.openxmlformats.org/presentationml/2006/main">
-  <p:cSld>
-    <p:spTree>
-      <p:nvGrpSpPr>
-        <p:cNvPr id="1" name=""/>
-        <p:cNvGrpSpPr/>
-        <p:nvPr/>
-      </p:nvGrpSpPr>
-      <p:grpSpPr>
-        <a:xfrm>
-          <a:off x="0" y="0"/>
-          <a:ext cx="0" cy="0"/>
-          <a:chOff x="0" y="0"/>
-          <a:chExt cx="0" cy="0"/>
-        </a:xfrm>
-      </p:grpSpPr>
-      <p:sp>
-        <p:nvSpPr>
-          <p:cNvPr id="1031" name="Title 1030">
-            <a:extLst>
-              <a:ext uri="{FF2B5EF4-FFF2-40B4-BE49-F238E27FC236}">
-                <a16:creationId xmlns:a16="http://schemas.microsoft.com/office/drawing/2014/main" id="{22D09CA6-2F33-D374-D436-2CE7ED5D5D85}"/>
-              </a:ext>
-            </a:extLst>
-          </p:cNvPr>
-          <p:cNvSpPr>
-            <a:spLocks noGrp="1"/>
-          </p:cNvSpPr>
-          <p:nvPr>
-            <p:ph type="title"/>
-          </p:nvPr>
-        </p:nvSpPr>
-        <p:spPr>
-          <a:xfrm>
-            <a:off x="838200" y="72485"/>
-            <a:ext cx="10515600" cy="1325563"/>
-          </a:xfrm>
-        </p:spPr>
-        <p:txBody>
-          <a:bodyPr anchor="t"/>
-          <a:lstStyle/>
-          <a:p>
-            <a:pPr algn="ctr"/>
-            <a:r>
-              <a:rPr lang="en-DK" sz="3200" dirty="0"/>
-              <a:t>FutureForms</a:t>
-            </a:r>
-          </a:p>
-        </p:txBody>
-      </p:sp>
-      <p:grpSp>
-        <p:nvGrpSpPr>
-          <p:cNvPr id="11" name="Group 10">
-            <a:extLst>
-              <a:ext uri="{FF2B5EF4-FFF2-40B4-BE49-F238E27FC236}">
-                <a16:creationId xmlns:a16="http://schemas.microsoft.com/office/drawing/2014/main" id="{9D23770E-5547-A4E1-AE87-351FE5C07B0F}"/>
-              </a:ext>
-            </a:extLst>
-          </p:cNvPr>
-          <p:cNvGrpSpPr/>
-          <p:nvPr/>
-        </p:nvGrpSpPr>
-        <p:grpSpPr>
-          <a:xfrm>
-            <a:off x="1496999" y="1817689"/>
-            <a:ext cx="1859323" cy="3140078"/>
-            <a:chOff x="5211765" y="2203443"/>
-            <a:chExt cx="1260000" cy="2706679"/>
-          </a:xfrm>
-        </p:grpSpPr>
-        <p:grpSp>
-          <p:nvGrpSpPr>
-            <p:cNvPr id="1061" name="Group 1060">
-              <a:extLst>
-                <a:ext uri="{FF2B5EF4-FFF2-40B4-BE49-F238E27FC236}">
-                  <a16:creationId xmlns:a16="http://schemas.microsoft.com/office/drawing/2014/main" id="{A0138485-CFF2-53D1-A515-8506068BB9BA}"/>
-                </a:ext>
-              </a:extLst>
-            </p:cNvPr>
-            <p:cNvGrpSpPr/>
-            <p:nvPr/>
-          </p:nvGrpSpPr>
-          <p:grpSpPr>
-            <a:xfrm>
-              <a:off x="5211765" y="2203443"/>
-              <a:ext cx="1260000" cy="2706679"/>
-              <a:chOff x="5811845" y="3003550"/>
-              <a:chExt cx="1260000" cy="2706679"/>
-            </a:xfrm>
-          </p:grpSpPr>
-          <p:pic>
-            <p:nvPicPr>
-              <p:cNvPr id="1045" name="Picture 1044">
-                <a:extLst>
-                  <a:ext uri="{FF2B5EF4-FFF2-40B4-BE49-F238E27FC236}">
-                    <a16:creationId xmlns:a16="http://schemas.microsoft.com/office/drawing/2014/main" id="{92ECA43F-76A2-44A8-14B1-9908232631B4}"/>
-                  </a:ext>
-                </a:extLst>
-              </p:cNvPr>
-              <p:cNvPicPr>
-                <a:picLocks noChangeAspect="1"/>
-              </p:cNvPicPr>
-              <p:nvPr/>
-            </p:nvPicPr>
-            <p:blipFill>
-              <a:blip r:embed="rId2"/>
-              <a:stretch>
-                <a:fillRect/>
-              </a:stretch>
-            </p:blipFill>
-            <p:spPr>
-              <a:xfrm>
-                <a:off x="5811845" y="3003550"/>
-                <a:ext cx="1260000" cy="694068"/>
-              </a:xfrm>
-              <a:prstGeom prst="rect">
-                <a:avLst/>
-              </a:prstGeom>
-            </p:spPr>
-          </p:pic>
-          <p:sp>
-            <p:nvSpPr>
-              <p:cNvPr id="1047" name="Can 1046">
-                <a:extLst>
-                  <a:ext uri="{FF2B5EF4-FFF2-40B4-BE49-F238E27FC236}">
-                    <a16:creationId xmlns:a16="http://schemas.microsoft.com/office/drawing/2014/main" id="{DF75857B-2558-6892-82FA-B47D6F1C28F0}"/>
-                  </a:ext>
-                </a:extLst>
-              </p:cNvPr>
-              <p:cNvSpPr/>
-              <p:nvPr/>
-            </p:nvSpPr>
-            <p:spPr>
-              <a:xfrm>
-                <a:off x="6144954" y="5127793"/>
-                <a:ext cx="593783" cy="582436"/>
-              </a:xfrm>
-              <a:prstGeom prst="can">
-                <a:avLst/>
-              </a:prstGeom>
-              <a:solidFill>
-                <a:schemeClr val="bg1">
-                  <a:lumMod val="85000"/>
-                </a:schemeClr>
-              </a:solidFill>
-              <a:ln>
-                <a:solidFill>
-                  <a:schemeClr val="tx1"/>
-                </a:solidFill>
-              </a:ln>
-            </p:spPr>
-            <p:style>
-              <a:lnRef idx="2">
-                <a:schemeClr val="accent1">
-                  <a:shade val="50000"/>
-                </a:schemeClr>
-              </a:lnRef>
-              <a:fillRef idx="1">
-                <a:schemeClr val="accent1"/>
-              </a:fillRef>
-              <a:effectRef idx="0">
-                <a:schemeClr val="accent1"/>
-              </a:effectRef>
-              <a:fontRef idx="minor">
-                <a:schemeClr val="lt1"/>
-              </a:fontRef>
-            </p:style>
-            <p:txBody>
-              <a:bodyPr rtlCol="0" anchor="ctr"/>
-              <a:lstStyle/>
-              <a:p>
-                <a:pPr algn="ctr"/>
-                <a:endParaRPr lang="en-DK"/>
-              </a:p>
-            </p:txBody>
-          </p:sp>
-          <p:pic>
-            <p:nvPicPr>
-              <p:cNvPr id="1048" name="Picture 1047">
-                <a:extLst>
-                  <a:ext uri="{FF2B5EF4-FFF2-40B4-BE49-F238E27FC236}">
-                    <a16:creationId xmlns:a16="http://schemas.microsoft.com/office/drawing/2014/main" id="{AC445236-A45B-43C1-10D5-4B4CACA0B35F}"/>
-                  </a:ext>
-                </a:extLst>
-              </p:cNvPr>
-              <p:cNvPicPr>
-                <a:picLocks noChangeAspect="1"/>
-              </p:cNvPicPr>
-              <p:nvPr/>
-            </p:nvPicPr>
-            <p:blipFill>
-              <a:blip r:embed="rId3"/>
-              <a:stretch>
-                <a:fillRect/>
-              </a:stretch>
-            </p:blipFill>
-            <p:spPr>
-              <a:xfrm>
-                <a:off x="5885378" y="4057586"/>
-                <a:ext cx="1112935" cy="582436"/>
-              </a:xfrm>
-              <a:prstGeom prst="rect">
-                <a:avLst/>
-              </a:prstGeom>
-            </p:spPr>
-          </p:pic>
-          <p:cxnSp>
-            <p:nvCxnSpPr>
-              <p:cNvPr id="1055" name="Straight Arrow Connector 1054">
-                <a:extLst>
-                  <a:ext uri="{FF2B5EF4-FFF2-40B4-BE49-F238E27FC236}">
-                    <a16:creationId xmlns:a16="http://schemas.microsoft.com/office/drawing/2014/main" id="{BF539873-2D3E-1FD7-923D-C83246B3C891}"/>
-                  </a:ext>
-                </a:extLst>
-              </p:cNvPr>
-              <p:cNvCxnSpPr>
-                <a:cxnSpLocks/>
-              </p:cNvCxnSpPr>
-              <p:nvPr/>
-            </p:nvCxnSpPr>
-            <p:spPr>
-              <a:xfrm flipV="1">
-                <a:off x="6438905" y="3727607"/>
-                <a:ext cx="0" cy="315747"/>
-              </a:xfrm>
-              <a:prstGeom prst="straightConnector1">
-                <a:avLst/>
-              </a:prstGeom>
-              <a:ln w="19050">
-                <a:solidFill>
-                  <a:schemeClr val="bg1">
-                    <a:lumMod val="50000"/>
-                  </a:schemeClr>
-                </a:solidFill>
-                <a:headEnd type="triangle" w="med" len="med"/>
-                <a:tailEnd type="triangle" w="med" len="med"/>
-              </a:ln>
-            </p:spPr>
-            <p:style>
-              <a:lnRef idx="1">
-                <a:schemeClr val="accent1"/>
-              </a:lnRef>
-              <a:fillRef idx="0">
-                <a:schemeClr val="accent1"/>
-              </a:fillRef>
-              <a:effectRef idx="0">
-                <a:schemeClr val="accent1"/>
-              </a:effectRef>
-              <a:fontRef idx="minor">
-                <a:schemeClr val="tx1"/>
-              </a:fontRef>
-            </p:style>
-          </p:cxnSp>
-          <p:cxnSp>
-            <p:nvCxnSpPr>
-              <p:cNvPr id="1057" name="Straight Arrow Connector 1056">
-                <a:extLst>
-                  <a:ext uri="{FF2B5EF4-FFF2-40B4-BE49-F238E27FC236}">
-                    <a16:creationId xmlns:a16="http://schemas.microsoft.com/office/drawing/2014/main" id="{8151FF7F-E758-4B7D-663F-5F2A7F50E9F6}"/>
-                  </a:ext>
-                </a:extLst>
-              </p:cNvPr>
-              <p:cNvCxnSpPr>
-                <a:cxnSpLocks/>
-              </p:cNvCxnSpPr>
-              <p:nvPr/>
-            </p:nvCxnSpPr>
-            <p:spPr>
-              <a:xfrm flipV="1">
-                <a:off x="6434139" y="4722978"/>
-                <a:ext cx="0" cy="315747"/>
-              </a:xfrm>
-              <a:prstGeom prst="straightConnector1">
-                <a:avLst/>
-              </a:prstGeom>
-              <a:ln w="19050">
-                <a:solidFill>
-                  <a:schemeClr val="bg1">
-                    <a:lumMod val="50000"/>
-                  </a:schemeClr>
-                </a:solidFill>
-                <a:headEnd type="triangle" w="med" len="med"/>
-                <a:tailEnd type="triangle" w="med" len="med"/>
-              </a:ln>
-            </p:spPr>
-            <p:style>
-              <a:lnRef idx="1">
-                <a:schemeClr val="accent1"/>
-              </a:lnRef>
-              <a:fillRef idx="0">
-                <a:schemeClr val="accent1"/>
-              </a:fillRef>
-              <a:effectRef idx="0">
-                <a:schemeClr val="accent1"/>
-              </a:effectRef>
-              <a:fontRef idx="minor">
-                <a:schemeClr val="tx1"/>
-              </a:fontRef>
-            </p:style>
-          </p:cxnSp>
-        </p:grpSp>
-        <p:sp>
-          <p:nvSpPr>
-            <p:cNvPr id="10" name="TextBox 9">
-              <a:extLst>
-                <a:ext uri="{FF2B5EF4-FFF2-40B4-BE49-F238E27FC236}">
-                  <a16:creationId xmlns:a16="http://schemas.microsoft.com/office/drawing/2014/main" id="{51EC14A7-FD6D-A3A9-B699-A225946941A6}"/>
-                </a:ext>
-              </a:extLst>
-            </p:cNvPr>
-            <p:cNvSpPr txBox="1"/>
-            <p:nvPr/>
-          </p:nvSpPr>
-          <p:spPr>
-            <a:xfrm>
-              <a:off x="5663888" y="3393048"/>
-              <a:ext cx="642938" cy="307777"/>
-            </a:xfrm>
-            <a:prstGeom prst="rect">
-              <a:avLst/>
-            </a:prstGeom>
-            <a:noFill/>
-          </p:spPr>
-          <p:txBody>
-            <a:bodyPr wrap="square" rtlCol="0">
-              <a:spAutoFit/>
-            </a:bodyPr>
-            <a:lstStyle/>
-            <a:p>
-              <a:r>
-                <a:rPr lang="en-DK" sz="1400" b="1" dirty="0"/>
-                <a:t>Rest</a:t>
-              </a:r>
-            </a:p>
-          </p:txBody>
-        </p:sp>
-      </p:grpSp>
-      <p:sp>
-        <p:nvSpPr>
-          <p:cNvPr id="14" name="TextBox 13">
-            <a:extLst>
-              <a:ext uri="{FF2B5EF4-FFF2-40B4-BE49-F238E27FC236}">
-                <a16:creationId xmlns:a16="http://schemas.microsoft.com/office/drawing/2014/main" id="{98AD0FA5-AD4A-FEE2-1E7A-3C678A40F391}"/>
-              </a:ext>
-            </a:extLst>
-          </p:cNvPr>
-          <p:cNvSpPr txBox="1"/>
-          <p:nvPr/>
-        </p:nvSpPr>
-        <p:spPr>
-          <a:xfrm>
-            <a:off x="6523054" y="1208212"/>
-            <a:ext cx="4171947" cy="5249734"/>
-          </a:xfrm>
-          <a:prstGeom prst="rect">
-            <a:avLst/>
-          </a:prstGeom>
-          <a:noFill/>
-        </p:spPr>
-        <p:txBody>
-          <a:bodyPr wrap="square" rtlCol="0">
-            <a:noAutofit/>
-          </a:bodyPr>
-          <a:lstStyle/>
-          <a:p>
-            <a:r>
-              <a:rPr lang="en-DK" sz="2000" b="1" dirty="0"/>
-              <a:t>Key features</a:t>
-            </a:r>
-          </a:p>
-          <a:p>
-            <a:endParaRPr lang="en-DK" dirty="0"/>
-          </a:p>
-          <a:p>
-            <a:r>
-              <a:rPr lang="en-DK" dirty="0"/>
-              <a:t>Open Source</a:t>
-            </a:r>
-          </a:p>
-          <a:p>
-            <a:r>
-              <a:rPr lang="en-DK" dirty="0"/>
-              <a:t>Components not Framework</a:t>
-            </a:r>
-          </a:p>
-          <a:p>
-            <a:r>
-              <a:rPr lang="en-DK" dirty="0"/>
-              <a:t>Object oriented (80 objects)</a:t>
-            </a:r>
-          </a:p>
-          <a:p>
-            <a:endParaRPr lang="en-DK" dirty="0"/>
-          </a:p>
-          <a:p>
-            <a:r>
-              <a:rPr lang="en-DK" dirty="0"/>
-              <a:t>Easy to extend</a:t>
-            </a:r>
-          </a:p>
-          <a:p>
-            <a:r>
-              <a:rPr lang="en-DK" dirty="0"/>
-              <a:t>Easy to customize</a:t>
-            </a:r>
-          </a:p>
-          <a:p>
-            <a:r>
-              <a:rPr lang="en-DK" dirty="0"/>
-              <a:t>Easy to create custom tags</a:t>
-            </a:r>
-          </a:p>
-          <a:p>
-            <a:r>
-              <a:rPr lang="en-DK" dirty="0"/>
-              <a:t>Familiar event trigger model</a:t>
-            </a:r>
-          </a:p>
-          <a:p>
-            <a:endParaRPr lang="en-DK" dirty="0"/>
-          </a:p>
-          <a:p>
-            <a:r>
-              <a:rPr lang="en-DK" dirty="0"/>
-              <a:t>Written in TypeScript</a:t>
-            </a:r>
-          </a:p>
-          <a:p>
-            <a:r>
-              <a:rPr lang="en-DK" dirty="0"/>
-              <a:t>Total segregation of duties</a:t>
-            </a:r>
-          </a:p>
-          <a:p>
-            <a:r>
-              <a:rPr lang="en-GB" dirty="0"/>
-              <a:t>Supports continuous integration</a:t>
-            </a:r>
-          </a:p>
-          <a:p>
-            <a:r>
-              <a:rPr lang="en-GB" dirty="0"/>
-              <a:t>Scales to large development projects</a:t>
-            </a:r>
-            <a:endParaRPr lang="en-DK" dirty="0"/>
-          </a:p>
-          <a:p>
-            <a:endParaRPr lang="en-DK" dirty="0"/>
-          </a:p>
-          <a:p>
-            <a:r>
-              <a:rPr lang="en-DK" dirty="0"/>
-              <a:t>Mouseless operation</a:t>
-            </a:r>
-          </a:p>
-          <a:p>
-            <a:r>
-              <a:rPr lang="en-DK" dirty="0"/>
-              <a:t>No restrictions on html</a:t>
-            </a:r>
-          </a:p>
-          <a:p>
-            <a:endParaRPr lang="en-DK" dirty="0"/>
-          </a:p>
-        </p:txBody>
-      </p:sp>
-    </p:spTree>
-    <p:extLst>
-      <p:ext uri="{BB962C8B-B14F-4D97-AF65-F5344CB8AC3E}">
-        <p14:creationId xmlns:p14="http://schemas.microsoft.com/office/powerpoint/2010/main" val="487342425"/>
-      </p:ext>
-    </p:extLst>
-  </p:cSld>
-  <p:clrMapOvr>
-    <a:masterClrMapping/>
-  </p:clrMapOvr>
-</p:sld>
-</file>
-
-<file path=ppt/slides/slide9.xml><?xml version="1.0" encoding="utf-8"?>
-<p:sld xmlns:a="http://schemas.openxmlformats.org/drawingml/2006/main" xmlns:r="http://schemas.openxmlformats.org/officeDocument/2006/relationships" xmlns:p="http://schemas.openxmlformats.org/presentationml/2006/main">
-  <p:cSld>
-    <p:spTree>
-      <p:nvGrpSpPr>
-        <p:cNvPr id="1" name=""/>
-        <p:cNvGrpSpPr/>
-        <p:nvPr/>
-      </p:nvGrpSpPr>
-      <p:grpSpPr>
-        <a:xfrm>
-          <a:off x="0" y="0"/>
-          <a:ext cx="0" cy="0"/>
-          <a:chOff x="0" y="0"/>
-          <a:chExt cx="0" cy="0"/>
-        </a:xfrm>
-      </p:grpSpPr>
-      <p:sp>
-        <p:nvSpPr>
-          <p:cNvPr id="1031" name="Title 1030">
-            <a:extLst>
-              <a:ext uri="{FF2B5EF4-FFF2-40B4-BE49-F238E27FC236}">
-                <a16:creationId xmlns:a16="http://schemas.microsoft.com/office/drawing/2014/main" id="{22D09CA6-2F33-D374-D436-2CE7ED5D5D85}"/>
-              </a:ext>
-            </a:extLst>
-          </p:cNvPr>
-          <p:cNvSpPr>
-            <a:spLocks noGrp="1"/>
-          </p:cNvSpPr>
-          <p:nvPr>
-            <p:ph type="title"/>
-          </p:nvPr>
-        </p:nvSpPr>
-        <p:spPr>
-          <a:xfrm>
-            <a:off x="838200" y="72485"/>
-            <a:ext cx="10515600" cy="1325563"/>
-          </a:xfrm>
-        </p:spPr>
-        <p:txBody>
-          <a:bodyPr anchor="t"/>
-          <a:lstStyle/>
-          <a:p>
-            <a:pPr algn="ctr"/>
-            <a:r>
-              <a:rPr lang="en-DK" sz="3200" dirty="0"/>
               <a:t>FutureForms</a:t>
             </a:r>
           </a:p>
@@ -10148,7 +8589,7 @@
             </a:r>
             <a:r>
               <a:rPr lang="en-DK" dirty="0"/>
-              <a:t>: (Property palette)</a:t>
+              <a:t>: (Interface)</a:t>
             </a:r>
           </a:p>
           <a:p>
@@ -10745,8 +9186,8 @@
               </p:nvSpPr>
               <p:spPr>
                 <a:xfrm>
-                  <a:off x="1335604" y="4095673"/>
-                  <a:ext cx="993259" cy="262009"/>
+                  <a:off x="1294039" y="4095673"/>
+                  <a:ext cx="1086691" cy="261610"/>
                 </a:xfrm>
                 <a:prstGeom prst="rect">
                   <a:avLst/>
@@ -10761,11 +9202,14 @@
                 <a:p>
                   <a:pPr algn="ctr"/>
                   <a:r>
-                    <a:rPr lang="da-DK" sz="1100" b="1" dirty="0">
+                    <a:rPr lang="da-DK" sz="1100" b="1" dirty="0" err="1">
                       <a:latin typeface="+mj-lt"/>
                     </a:rPr>
-                    <a:t>Library</a:t>
+                    <a:t>datasources</a:t>
                   </a:r>
+                  <a:endParaRPr lang="da-DK" sz="1100" b="1" dirty="0">
+                    <a:latin typeface="+mj-lt"/>
+                  </a:endParaRPr>
                 </a:p>
               </p:txBody>
             </p:sp>
@@ -11139,7 +9583,42 @@
           <a:p>
             <a:r>
               <a:rPr lang="en-DK" sz="1400" b="1" dirty="0"/>
-              <a:t>Use</a:t>
+              <a:t>Inject</a:t>
+            </a:r>
+          </a:p>
+        </p:txBody>
+      </p:sp>
+      <p:sp>
+        <p:nvSpPr>
+          <p:cNvPr id="21" name="TextBox 20">
+            <a:extLst>
+              <a:ext uri="{FF2B5EF4-FFF2-40B4-BE49-F238E27FC236}">
+                <a16:creationId xmlns:a16="http://schemas.microsoft.com/office/drawing/2014/main" id="{44C3090F-2484-A28E-1944-16D1328C02B8}"/>
+              </a:ext>
+            </a:extLst>
+          </p:cNvPr>
+          <p:cNvSpPr txBox="1"/>
+          <p:nvPr/>
+        </p:nvSpPr>
+        <p:spPr>
+          <a:xfrm>
+            <a:off x="3449772" y="3255823"/>
+            <a:ext cx="1519967" cy="369332"/>
+          </a:xfrm>
+          <a:prstGeom prst="rect">
+            <a:avLst/>
+          </a:prstGeom>
+          <a:noFill/>
+        </p:spPr>
+        <p:txBody>
+          <a:bodyPr wrap="square" rtlCol="0">
+            <a:spAutoFit/>
+          </a:bodyPr>
+          <a:lstStyle/>
+          <a:p>
+            <a:r>
+              <a:rPr lang="en-DK" dirty="0"/>
+              <a:t>Form</a:t>
             </a:r>
           </a:p>
         </p:txBody>
@@ -11148,6 +9627,1627 @@
     <p:extLst>
       <p:ext uri="{BB962C8B-B14F-4D97-AF65-F5344CB8AC3E}">
         <p14:creationId xmlns:p14="http://schemas.microsoft.com/office/powerpoint/2010/main" val="4268228659"/>
+      </p:ext>
+    </p:extLst>
+  </p:cSld>
+  <p:clrMapOvr>
+    <a:masterClrMapping/>
+  </p:clrMapOvr>
+</p:sld>
+</file>
+
+<file path=ppt/slides/slide7.xml><?xml version="1.0" encoding="utf-8"?>
+<p:sld xmlns:a="http://schemas.openxmlformats.org/drawingml/2006/main" xmlns:r="http://schemas.openxmlformats.org/officeDocument/2006/relationships" xmlns:p="http://schemas.openxmlformats.org/presentationml/2006/main">
+  <p:cSld>
+    <p:spTree>
+      <p:nvGrpSpPr>
+        <p:cNvPr id="1" name=""/>
+        <p:cNvGrpSpPr/>
+        <p:nvPr/>
+      </p:nvGrpSpPr>
+      <p:grpSpPr>
+        <a:xfrm>
+          <a:off x="0" y="0"/>
+          <a:ext cx="0" cy="0"/>
+          <a:chOff x="0" y="0"/>
+          <a:chExt cx="0" cy="0"/>
+        </a:xfrm>
+      </p:grpSpPr>
+      <p:sp>
+        <p:nvSpPr>
+          <p:cNvPr id="1031" name="Title 1030">
+            <a:extLst>
+              <a:ext uri="{FF2B5EF4-FFF2-40B4-BE49-F238E27FC236}">
+                <a16:creationId xmlns:a16="http://schemas.microsoft.com/office/drawing/2014/main" id="{22D09CA6-2F33-D374-D436-2CE7ED5D5D85}"/>
+              </a:ext>
+            </a:extLst>
+          </p:cNvPr>
+          <p:cNvSpPr>
+            <a:spLocks noGrp="1"/>
+          </p:cNvSpPr>
+          <p:nvPr>
+            <p:ph type="title"/>
+          </p:nvPr>
+        </p:nvSpPr>
+        <p:spPr>
+          <a:xfrm>
+            <a:off x="838200" y="72485"/>
+            <a:ext cx="10515600" cy="1325563"/>
+          </a:xfrm>
+        </p:spPr>
+        <p:txBody>
+          <a:bodyPr anchor="t"/>
+          <a:lstStyle/>
+          <a:p>
+            <a:pPr algn="ctr"/>
+            <a:r>
+              <a:rPr lang="en-DK" sz="3200" dirty="0"/>
+              <a:t>FutureForms</a:t>
+            </a:r>
+          </a:p>
+        </p:txBody>
+      </p:sp>
+      <p:grpSp>
+        <p:nvGrpSpPr>
+          <p:cNvPr id="11" name="Group 10">
+            <a:extLst>
+              <a:ext uri="{FF2B5EF4-FFF2-40B4-BE49-F238E27FC236}">
+                <a16:creationId xmlns:a16="http://schemas.microsoft.com/office/drawing/2014/main" id="{9D23770E-5547-A4E1-AE87-351FE5C07B0F}"/>
+              </a:ext>
+            </a:extLst>
+          </p:cNvPr>
+          <p:cNvGrpSpPr/>
+          <p:nvPr/>
+        </p:nvGrpSpPr>
+        <p:grpSpPr>
+          <a:xfrm>
+            <a:off x="1496999" y="1817689"/>
+            <a:ext cx="1859323" cy="3140078"/>
+            <a:chOff x="5211765" y="2203443"/>
+            <a:chExt cx="1260000" cy="2706679"/>
+          </a:xfrm>
+        </p:grpSpPr>
+        <p:grpSp>
+          <p:nvGrpSpPr>
+            <p:cNvPr id="1061" name="Group 1060">
+              <a:extLst>
+                <a:ext uri="{FF2B5EF4-FFF2-40B4-BE49-F238E27FC236}">
+                  <a16:creationId xmlns:a16="http://schemas.microsoft.com/office/drawing/2014/main" id="{A0138485-CFF2-53D1-A515-8506068BB9BA}"/>
+                </a:ext>
+              </a:extLst>
+            </p:cNvPr>
+            <p:cNvGrpSpPr/>
+            <p:nvPr/>
+          </p:nvGrpSpPr>
+          <p:grpSpPr>
+            <a:xfrm>
+              <a:off x="5211765" y="2203443"/>
+              <a:ext cx="1260000" cy="2706679"/>
+              <a:chOff x="5811845" y="3003550"/>
+              <a:chExt cx="1260000" cy="2706679"/>
+            </a:xfrm>
+          </p:grpSpPr>
+          <p:pic>
+            <p:nvPicPr>
+              <p:cNvPr id="1045" name="Picture 1044">
+                <a:extLst>
+                  <a:ext uri="{FF2B5EF4-FFF2-40B4-BE49-F238E27FC236}">
+                    <a16:creationId xmlns:a16="http://schemas.microsoft.com/office/drawing/2014/main" id="{92ECA43F-76A2-44A8-14B1-9908232631B4}"/>
+                  </a:ext>
+                </a:extLst>
+              </p:cNvPr>
+              <p:cNvPicPr>
+                <a:picLocks noChangeAspect="1"/>
+              </p:cNvPicPr>
+              <p:nvPr/>
+            </p:nvPicPr>
+            <p:blipFill>
+              <a:blip r:embed="rId2"/>
+              <a:stretch>
+                <a:fillRect/>
+              </a:stretch>
+            </p:blipFill>
+            <p:spPr>
+              <a:xfrm>
+                <a:off x="5811845" y="3003550"/>
+                <a:ext cx="1260000" cy="694068"/>
+              </a:xfrm>
+              <a:prstGeom prst="rect">
+                <a:avLst/>
+              </a:prstGeom>
+            </p:spPr>
+          </p:pic>
+          <p:sp>
+            <p:nvSpPr>
+              <p:cNvPr id="1047" name="Can 1046">
+                <a:extLst>
+                  <a:ext uri="{FF2B5EF4-FFF2-40B4-BE49-F238E27FC236}">
+                    <a16:creationId xmlns:a16="http://schemas.microsoft.com/office/drawing/2014/main" id="{DF75857B-2558-6892-82FA-B47D6F1C28F0}"/>
+                  </a:ext>
+                </a:extLst>
+              </p:cNvPr>
+              <p:cNvSpPr/>
+              <p:nvPr/>
+            </p:nvSpPr>
+            <p:spPr>
+              <a:xfrm>
+                <a:off x="6144954" y="5127793"/>
+                <a:ext cx="593783" cy="582436"/>
+              </a:xfrm>
+              <a:prstGeom prst="can">
+                <a:avLst/>
+              </a:prstGeom>
+              <a:solidFill>
+                <a:schemeClr val="bg1">
+                  <a:lumMod val="85000"/>
+                </a:schemeClr>
+              </a:solidFill>
+              <a:ln>
+                <a:solidFill>
+                  <a:schemeClr val="tx1"/>
+                </a:solidFill>
+              </a:ln>
+            </p:spPr>
+            <p:style>
+              <a:lnRef idx="2">
+                <a:schemeClr val="accent1">
+                  <a:shade val="50000"/>
+                </a:schemeClr>
+              </a:lnRef>
+              <a:fillRef idx="1">
+                <a:schemeClr val="accent1"/>
+              </a:fillRef>
+              <a:effectRef idx="0">
+                <a:schemeClr val="accent1"/>
+              </a:effectRef>
+              <a:fontRef idx="minor">
+                <a:schemeClr val="lt1"/>
+              </a:fontRef>
+            </p:style>
+            <p:txBody>
+              <a:bodyPr rtlCol="0" anchor="ctr"/>
+              <a:lstStyle/>
+              <a:p>
+                <a:pPr algn="ctr"/>
+                <a:endParaRPr lang="en-DK"/>
+              </a:p>
+            </p:txBody>
+          </p:sp>
+          <p:pic>
+            <p:nvPicPr>
+              <p:cNvPr id="1048" name="Picture 1047">
+                <a:extLst>
+                  <a:ext uri="{FF2B5EF4-FFF2-40B4-BE49-F238E27FC236}">
+                    <a16:creationId xmlns:a16="http://schemas.microsoft.com/office/drawing/2014/main" id="{AC445236-A45B-43C1-10D5-4B4CACA0B35F}"/>
+                  </a:ext>
+                </a:extLst>
+              </p:cNvPr>
+              <p:cNvPicPr>
+                <a:picLocks noChangeAspect="1"/>
+              </p:cNvPicPr>
+              <p:nvPr/>
+            </p:nvPicPr>
+            <p:blipFill>
+              <a:blip r:embed="rId3"/>
+              <a:stretch>
+                <a:fillRect/>
+              </a:stretch>
+            </p:blipFill>
+            <p:spPr>
+              <a:xfrm>
+                <a:off x="5885378" y="4057586"/>
+                <a:ext cx="1112935" cy="582436"/>
+              </a:xfrm>
+              <a:prstGeom prst="rect">
+                <a:avLst/>
+              </a:prstGeom>
+            </p:spPr>
+          </p:pic>
+          <p:cxnSp>
+            <p:nvCxnSpPr>
+              <p:cNvPr id="1055" name="Straight Arrow Connector 1054">
+                <a:extLst>
+                  <a:ext uri="{FF2B5EF4-FFF2-40B4-BE49-F238E27FC236}">
+                    <a16:creationId xmlns:a16="http://schemas.microsoft.com/office/drawing/2014/main" id="{BF539873-2D3E-1FD7-923D-C83246B3C891}"/>
+                  </a:ext>
+                </a:extLst>
+              </p:cNvPr>
+              <p:cNvCxnSpPr>
+                <a:cxnSpLocks/>
+              </p:cNvCxnSpPr>
+              <p:nvPr/>
+            </p:nvCxnSpPr>
+            <p:spPr>
+              <a:xfrm flipV="1">
+                <a:off x="6438905" y="3727607"/>
+                <a:ext cx="0" cy="315747"/>
+              </a:xfrm>
+              <a:prstGeom prst="straightConnector1">
+                <a:avLst/>
+              </a:prstGeom>
+              <a:ln w="19050">
+                <a:solidFill>
+                  <a:schemeClr val="bg1">
+                    <a:lumMod val="50000"/>
+                  </a:schemeClr>
+                </a:solidFill>
+                <a:headEnd type="triangle" w="med" len="med"/>
+                <a:tailEnd type="triangle" w="med" len="med"/>
+              </a:ln>
+            </p:spPr>
+            <p:style>
+              <a:lnRef idx="1">
+                <a:schemeClr val="accent1"/>
+              </a:lnRef>
+              <a:fillRef idx="0">
+                <a:schemeClr val="accent1"/>
+              </a:fillRef>
+              <a:effectRef idx="0">
+                <a:schemeClr val="accent1"/>
+              </a:effectRef>
+              <a:fontRef idx="minor">
+                <a:schemeClr val="tx1"/>
+              </a:fontRef>
+            </p:style>
+          </p:cxnSp>
+          <p:cxnSp>
+            <p:nvCxnSpPr>
+              <p:cNvPr id="1057" name="Straight Arrow Connector 1056">
+                <a:extLst>
+                  <a:ext uri="{FF2B5EF4-FFF2-40B4-BE49-F238E27FC236}">
+                    <a16:creationId xmlns:a16="http://schemas.microsoft.com/office/drawing/2014/main" id="{8151FF7F-E758-4B7D-663F-5F2A7F50E9F6}"/>
+                  </a:ext>
+                </a:extLst>
+              </p:cNvPr>
+              <p:cNvCxnSpPr>
+                <a:cxnSpLocks/>
+              </p:cNvCxnSpPr>
+              <p:nvPr/>
+            </p:nvCxnSpPr>
+            <p:spPr>
+              <a:xfrm flipV="1">
+                <a:off x="6434139" y="4722978"/>
+                <a:ext cx="0" cy="315747"/>
+              </a:xfrm>
+              <a:prstGeom prst="straightConnector1">
+                <a:avLst/>
+              </a:prstGeom>
+              <a:ln w="19050">
+                <a:solidFill>
+                  <a:schemeClr val="bg1">
+                    <a:lumMod val="50000"/>
+                  </a:schemeClr>
+                </a:solidFill>
+                <a:headEnd type="triangle" w="med" len="med"/>
+                <a:tailEnd type="triangle" w="med" len="med"/>
+              </a:ln>
+            </p:spPr>
+            <p:style>
+              <a:lnRef idx="1">
+                <a:schemeClr val="accent1"/>
+              </a:lnRef>
+              <a:fillRef idx="0">
+                <a:schemeClr val="accent1"/>
+              </a:fillRef>
+              <a:effectRef idx="0">
+                <a:schemeClr val="accent1"/>
+              </a:effectRef>
+              <a:fontRef idx="minor">
+                <a:schemeClr val="tx1"/>
+              </a:fontRef>
+            </p:style>
+          </p:cxnSp>
+        </p:grpSp>
+        <p:sp>
+          <p:nvSpPr>
+            <p:cNvPr id="10" name="TextBox 9">
+              <a:extLst>
+                <a:ext uri="{FF2B5EF4-FFF2-40B4-BE49-F238E27FC236}">
+                  <a16:creationId xmlns:a16="http://schemas.microsoft.com/office/drawing/2014/main" id="{51EC14A7-FD6D-A3A9-B699-A225946941A6}"/>
+                </a:ext>
+              </a:extLst>
+            </p:cNvPr>
+            <p:cNvSpPr txBox="1"/>
+            <p:nvPr/>
+          </p:nvSpPr>
+          <p:spPr>
+            <a:xfrm>
+              <a:off x="5663888" y="3393048"/>
+              <a:ext cx="642938" cy="307777"/>
+            </a:xfrm>
+            <a:prstGeom prst="rect">
+              <a:avLst/>
+            </a:prstGeom>
+            <a:noFill/>
+          </p:spPr>
+          <p:txBody>
+            <a:bodyPr wrap="square" rtlCol="0">
+              <a:spAutoFit/>
+            </a:bodyPr>
+            <a:lstStyle/>
+            <a:p>
+              <a:r>
+                <a:rPr lang="en-DK" sz="1400" b="1" dirty="0"/>
+                <a:t>Rest</a:t>
+              </a:r>
+            </a:p>
+          </p:txBody>
+        </p:sp>
+      </p:grpSp>
+      <p:sp>
+        <p:nvSpPr>
+          <p:cNvPr id="14" name="TextBox 13">
+            <a:extLst>
+              <a:ext uri="{FF2B5EF4-FFF2-40B4-BE49-F238E27FC236}">
+                <a16:creationId xmlns:a16="http://schemas.microsoft.com/office/drawing/2014/main" id="{98AD0FA5-AD4A-FEE2-1E7A-3C678A40F391}"/>
+              </a:ext>
+            </a:extLst>
+          </p:cNvPr>
+          <p:cNvSpPr txBox="1"/>
+          <p:nvPr/>
+        </p:nvSpPr>
+        <p:spPr>
+          <a:xfrm>
+            <a:off x="6506333" y="858269"/>
+            <a:ext cx="4171947" cy="5736492"/>
+          </a:xfrm>
+          <a:prstGeom prst="rect">
+            <a:avLst/>
+          </a:prstGeom>
+          <a:noFill/>
+        </p:spPr>
+        <p:txBody>
+          <a:bodyPr wrap="square" rtlCol="0">
+            <a:noAutofit/>
+          </a:bodyPr>
+          <a:lstStyle/>
+          <a:p>
+            <a:r>
+              <a:rPr lang="en-DK" sz="2000" b="1" dirty="0"/>
+              <a:t>Key features</a:t>
+            </a:r>
+          </a:p>
+          <a:p>
+            <a:endParaRPr lang="en-DK" dirty="0"/>
+          </a:p>
+          <a:p>
+            <a:r>
+              <a:rPr lang="en-DK" dirty="0"/>
+              <a:t>Open Source</a:t>
+            </a:r>
+          </a:p>
+          <a:p>
+            <a:r>
+              <a:rPr lang="en-DK" dirty="0"/>
+              <a:t>Components not framework</a:t>
+            </a:r>
+          </a:p>
+          <a:p>
+            <a:r>
+              <a:rPr lang="en-DK" dirty="0"/>
+              <a:t>Integrates with other frameworks</a:t>
+            </a:r>
+          </a:p>
+          <a:p>
+            <a:endParaRPr lang="en-DK" dirty="0"/>
+          </a:p>
+          <a:p>
+            <a:r>
+              <a:rPr lang="en-DK" dirty="0"/>
+              <a:t>Object oriented (80 objects)</a:t>
+            </a:r>
+          </a:p>
+          <a:p>
+            <a:endParaRPr lang="en-DK" dirty="0"/>
+          </a:p>
+          <a:p>
+            <a:r>
+              <a:rPr lang="en-DK" dirty="0"/>
+              <a:t>Easy to extend</a:t>
+            </a:r>
+          </a:p>
+          <a:p>
+            <a:r>
+              <a:rPr lang="en-DK" dirty="0"/>
+              <a:t>Easy to customize</a:t>
+            </a:r>
+          </a:p>
+          <a:p>
+            <a:r>
+              <a:rPr lang="en-DK" dirty="0"/>
+              <a:t>Easy to create custom tags</a:t>
+            </a:r>
+          </a:p>
+          <a:p>
+            <a:r>
+              <a:rPr lang="en-DK" dirty="0"/>
+              <a:t>Familiar event trigger model</a:t>
+            </a:r>
+          </a:p>
+          <a:p>
+            <a:endParaRPr lang="en-DK" dirty="0"/>
+          </a:p>
+          <a:p>
+            <a:r>
+              <a:rPr lang="en-DK" dirty="0"/>
+              <a:t>Written in TypeScript</a:t>
+            </a:r>
+          </a:p>
+          <a:p>
+            <a:r>
+              <a:rPr lang="en-DK" dirty="0"/>
+              <a:t>Total segregation of duties</a:t>
+            </a:r>
+          </a:p>
+          <a:p>
+            <a:r>
+              <a:rPr lang="en-GB" dirty="0"/>
+              <a:t>Supports continuous integration</a:t>
+            </a:r>
+          </a:p>
+          <a:p>
+            <a:r>
+              <a:rPr lang="en-GB" dirty="0"/>
+              <a:t>Scales to large development projects</a:t>
+            </a:r>
+            <a:endParaRPr lang="en-DK" dirty="0"/>
+          </a:p>
+          <a:p>
+            <a:endParaRPr lang="en-DK" dirty="0"/>
+          </a:p>
+          <a:p>
+            <a:r>
+              <a:rPr lang="en-DK" dirty="0"/>
+              <a:t>Mouseless operation</a:t>
+            </a:r>
+          </a:p>
+          <a:p>
+            <a:r>
+              <a:rPr lang="en-DK" dirty="0"/>
+              <a:t>No restrictions on html</a:t>
+            </a:r>
+          </a:p>
+          <a:p>
+            <a:endParaRPr lang="en-DK" dirty="0"/>
+          </a:p>
+        </p:txBody>
+      </p:sp>
+    </p:spTree>
+    <p:extLst>
+      <p:ext uri="{BB962C8B-B14F-4D97-AF65-F5344CB8AC3E}">
+        <p14:creationId xmlns:p14="http://schemas.microsoft.com/office/powerpoint/2010/main" val="487342425"/>
+      </p:ext>
+    </p:extLst>
+  </p:cSld>
+  <p:clrMapOvr>
+    <a:masterClrMapping/>
+  </p:clrMapOvr>
+</p:sld>
+</file>
+
+<file path=ppt/slides/slide8.xml><?xml version="1.0" encoding="utf-8"?>
+<p:sld xmlns:a="http://schemas.openxmlformats.org/drawingml/2006/main" xmlns:r="http://schemas.openxmlformats.org/officeDocument/2006/relationships" xmlns:p="http://schemas.openxmlformats.org/presentationml/2006/main">
+  <p:cSld>
+    <p:spTree>
+      <p:nvGrpSpPr>
+        <p:cNvPr id="1" name=""/>
+        <p:cNvGrpSpPr/>
+        <p:nvPr/>
+      </p:nvGrpSpPr>
+      <p:grpSpPr>
+        <a:xfrm>
+          <a:off x="0" y="0"/>
+          <a:ext cx="0" cy="0"/>
+          <a:chOff x="0" y="0"/>
+          <a:chExt cx="0" cy="0"/>
+        </a:xfrm>
+      </p:grpSpPr>
+      <p:sp>
+        <p:nvSpPr>
+          <p:cNvPr id="1031" name="Title 1030">
+            <a:extLst>
+              <a:ext uri="{FF2B5EF4-FFF2-40B4-BE49-F238E27FC236}">
+                <a16:creationId xmlns:a16="http://schemas.microsoft.com/office/drawing/2014/main" id="{22D09CA6-2F33-D374-D436-2CE7ED5D5D85}"/>
+              </a:ext>
+            </a:extLst>
+          </p:cNvPr>
+          <p:cNvSpPr>
+            <a:spLocks noGrp="1"/>
+          </p:cNvSpPr>
+          <p:nvPr>
+            <p:ph type="title"/>
+          </p:nvPr>
+        </p:nvSpPr>
+        <p:spPr>
+          <a:xfrm>
+            <a:off x="838200" y="72485"/>
+            <a:ext cx="10515600" cy="1325563"/>
+          </a:xfrm>
+        </p:spPr>
+        <p:txBody>
+          <a:bodyPr anchor="t"/>
+          <a:lstStyle/>
+          <a:p>
+            <a:pPr algn="ctr"/>
+            <a:r>
+              <a:rPr lang="en-DK" sz="3200" dirty="0"/>
+              <a:t>Database</a:t>
+            </a:r>
+          </a:p>
+        </p:txBody>
+      </p:sp>
+      <p:sp>
+        <p:nvSpPr>
+          <p:cNvPr id="2" name="TextBox 1">
+            <a:extLst>
+              <a:ext uri="{FF2B5EF4-FFF2-40B4-BE49-F238E27FC236}">
+                <a16:creationId xmlns:a16="http://schemas.microsoft.com/office/drawing/2014/main" id="{DDE4CBF9-AE78-F948-EF6E-B285EBAC49B5}"/>
+              </a:ext>
+            </a:extLst>
+          </p:cNvPr>
+          <p:cNvSpPr txBox="1"/>
+          <p:nvPr/>
+        </p:nvSpPr>
+        <p:spPr>
+          <a:xfrm>
+            <a:off x="1057293" y="2713527"/>
+            <a:ext cx="3171807" cy="3297239"/>
+          </a:xfrm>
+          <a:prstGeom prst="rect">
+            <a:avLst/>
+          </a:prstGeom>
+          <a:noFill/>
+        </p:spPr>
+        <p:txBody>
+          <a:bodyPr wrap="square" rtlCol="0">
+            <a:noAutofit/>
+          </a:bodyPr>
+          <a:lstStyle/>
+          <a:p>
+            <a:r>
+              <a:rPr lang="en-DK" b="1" i="1" dirty="0"/>
+              <a:t>Client/Server</a:t>
+            </a:r>
+          </a:p>
+          <a:p>
+            <a:endParaRPr lang="en-DK" b="1" i="1" dirty="0"/>
+          </a:p>
+          <a:p>
+            <a:r>
+              <a:rPr lang="en-DK" b="1" i="1" dirty="0"/>
+              <a:t>1000 concurrent users</a:t>
+            </a:r>
+          </a:p>
+          <a:p>
+            <a:r>
+              <a:rPr lang="en-DK" b="1" i="1" dirty="0"/>
+              <a:t>    (StateFul)</a:t>
+            </a:r>
+          </a:p>
+          <a:p>
+            <a:endParaRPr lang="en-DK" b="1" i="1" dirty="0"/>
+          </a:p>
+          <a:p>
+            <a:r>
+              <a:rPr lang="da-DK" b="1" i="1" dirty="0"/>
+              <a:t>L</a:t>
+            </a:r>
+            <a:r>
+              <a:rPr lang="en-GB" b="1" i="1" dirty="0" err="1"/>
+              <a:t>everaging</a:t>
+            </a:r>
+            <a:r>
+              <a:rPr lang="en-GB" b="1" i="1" dirty="0"/>
+              <a:t> </a:t>
+            </a:r>
+            <a:r>
+              <a:rPr lang="en-DK" b="1" i="1" dirty="0"/>
+              <a:t>all database features.</a:t>
+            </a:r>
+          </a:p>
+          <a:p>
+            <a:endParaRPr lang="en-DK" b="1" i="1" dirty="0"/>
+          </a:p>
+          <a:p>
+            <a:r>
+              <a:rPr lang="en-DK" b="1" i="1" dirty="0"/>
+              <a:t>Transactions, row-locking, read consistency, cursors etc.</a:t>
+            </a:r>
+          </a:p>
+          <a:p>
+            <a:endParaRPr lang="en-DK" b="1" i="1" dirty="0"/>
+          </a:p>
+          <a:p>
+            <a:r>
+              <a:rPr lang="en-DK" b="1" i="1" dirty="0"/>
+              <a:t>High performance</a:t>
+            </a:r>
+          </a:p>
+          <a:p>
+            <a:endParaRPr lang="en-DK" b="1" i="1" dirty="0"/>
+          </a:p>
+        </p:txBody>
+      </p:sp>
+      <p:sp>
+        <p:nvSpPr>
+          <p:cNvPr id="9" name="TextBox 8">
+            <a:extLst>
+              <a:ext uri="{FF2B5EF4-FFF2-40B4-BE49-F238E27FC236}">
+                <a16:creationId xmlns:a16="http://schemas.microsoft.com/office/drawing/2014/main" id="{3BA3C12D-5832-4F17-A73E-C0A6EBB52C6D}"/>
+              </a:ext>
+            </a:extLst>
+          </p:cNvPr>
+          <p:cNvSpPr txBox="1"/>
+          <p:nvPr/>
+        </p:nvSpPr>
+        <p:spPr>
+          <a:xfrm>
+            <a:off x="7932135" y="2656374"/>
+            <a:ext cx="3583583" cy="3712900"/>
+          </a:xfrm>
+          <a:prstGeom prst="rect">
+            <a:avLst/>
+          </a:prstGeom>
+          <a:noFill/>
+        </p:spPr>
+        <p:txBody>
+          <a:bodyPr wrap="square" rtlCol="0">
+            <a:noAutofit/>
+          </a:bodyPr>
+          <a:lstStyle/>
+          <a:p>
+            <a:r>
+              <a:rPr lang="en-DK" b="1" i="1" dirty="0"/>
+              <a:t>3 Tier Architecture</a:t>
+            </a:r>
+          </a:p>
+          <a:p>
+            <a:endParaRPr lang="en-DK" b="1" i="1" dirty="0"/>
+          </a:p>
+          <a:p>
+            <a:r>
+              <a:rPr lang="en-DK" b="1" i="1" dirty="0"/>
+              <a:t>50000 concurrent users</a:t>
+            </a:r>
+          </a:p>
+          <a:p>
+            <a:r>
+              <a:rPr lang="en-DK" b="1" i="1" dirty="0"/>
+              <a:t>    (Stateless)</a:t>
+            </a:r>
+          </a:p>
+          <a:p>
+            <a:endParaRPr lang="en-DK" b="1" i="1" dirty="0"/>
+          </a:p>
+          <a:p>
+            <a:r>
+              <a:rPr lang="en-DK" b="1" i="1" dirty="0"/>
+              <a:t>Poor utilization of database features.</a:t>
+            </a:r>
+          </a:p>
+          <a:p>
+            <a:endParaRPr lang="en-DK" b="1" i="1" dirty="0"/>
+          </a:p>
+          <a:p>
+            <a:r>
+              <a:rPr lang="en-DK" b="1" i="1" dirty="0"/>
+              <a:t>Concurrency issues</a:t>
+            </a:r>
+          </a:p>
+          <a:p>
+            <a:r>
+              <a:rPr lang="en-DK" b="1" i="1" dirty="0"/>
+              <a:t>Compensating transactions</a:t>
+            </a:r>
+          </a:p>
+          <a:p>
+            <a:endParaRPr lang="en-DK" b="1" i="1" dirty="0"/>
+          </a:p>
+          <a:p>
+            <a:r>
+              <a:rPr lang="en-DK" b="1" i="1" dirty="0"/>
+              <a:t>Bad performance due to excessive commits and query re-executions</a:t>
+            </a:r>
+          </a:p>
+        </p:txBody>
+      </p:sp>
+      <p:grpSp>
+        <p:nvGrpSpPr>
+          <p:cNvPr id="11" name="Group 10">
+            <a:extLst>
+              <a:ext uri="{FF2B5EF4-FFF2-40B4-BE49-F238E27FC236}">
+                <a16:creationId xmlns:a16="http://schemas.microsoft.com/office/drawing/2014/main" id="{9D23770E-5547-A4E1-AE87-351FE5C07B0F}"/>
+              </a:ext>
+            </a:extLst>
+          </p:cNvPr>
+          <p:cNvGrpSpPr/>
+          <p:nvPr/>
+        </p:nvGrpSpPr>
+        <p:grpSpPr>
+          <a:xfrm>
+            <a:off x="5326069" y="2870695"/>
+            <a:ext cx="1260000" cy="2706679"/>
+            <a:chOff x="5211765" y="2203443"/>
+            <a:chExt cx="1260000" cy="2706679"/>
+          </a:xfrm>
+        </p:grpSpPr>
+        <p:grpSp>
+          <p:nvGrpSpPr>
+            <p:cNvPr id="1061" name="Group 1060">
+              <a:extLst>
+                <a:ext uri="{FF2B5EF4-FFF2-40B4-BE49-F238E27FC236}">
+                  <a16:creationId xmlns:a16="http://schemas.microsoft.com/office/drawing/2014/main" id="{A0138485-CFF2-53D1-A515-8506068BB9BA}"/>
+                </a:ext>
+              </a:extLst>
+            </p:cNvPr>
+            <p:cNvGrpSpPr/>
+            <p:nvPr/>
+          </p:nvGrpSpPr>
+          <p:grpSpPr>
+            <a:xfrm>
+              <a:off x="5211765" y="2203443"/>
+              <a:ext cx="1260000" cy="2706679"/>
+              <a:chOff x="5811845" y="3003550"/>
+              <a:chExt cx="1260000" cy="2706679"/>
+            </a:xfrm>
+          </p:grpSpPr>
+          <p:pic>
+            <p:nvPicPr>
+              <p:cNvPr id="1045" name="Picture 1044">
+                <a:extLst>
+                  <a:ext uri="{FF2B5EF4-FFF2-40B4-BE49-F238E27FC236}">
+                    <a16:creationId xmlns:a16="http://schemas.microsoft.com/office/drawing/2014/main" id="{92ECA43F-76A2-44A8-14B1-9908232631B4}"/>
+                  </a:ext>
+                </a:extLst>
+              </p:cNvPr>
+              <p:cNvPicPr>
+                <a:picLocks noChangeAspect="1"/>
+              </p:cNvPicPr>
+              <p:nvPr/>
+            </p:nvPicPr>
+            <p:blipFill>
+              <a:blip r:embed="rId2"/>
+              <a:stretch>
+                <a:fillRect/>
+              </a:stretch>
+            </p:blipFill>
+            <p:spPr>
+              <a:xfrm>
+                <a:off x="5811845" y="3003550"/>
+                <a:ext cx="1260000" cy="694068"/>
+              </a:xfrm>
+              <a:prstGeom prst="rect">
+                <a:avLst/>
+              </a:prstGeom>
+            </p:spPr>
+          </p:pic>
+          <p:sp>
+            <p:nvSpPr>
+              <p:cNvPr id="1047" name="Can 1046">
+                <a:extLst>
+                  <a:ext uri="{FF2B5EF4-FFF2-40B4-BE49-F238E27FC236}">
+                    <a16:creationId xmlns:a16="http://schemas.microsoft.com/office/drawing/2014/main" id="{DF75857B-2558-6892-82FA-B47D6F1C28F0}"/>
+                  </a:ext>
+                </a:extLst>
+              </p:cNvPr>
+              <p:cNvSpPr/>
+              <p:nvPr/>
+            </p:nvSpPr>
+            <p:spPr>
+              <a:xfrm>
+                <a:off x="6144954" y="5127793"/>
+                <a:ext cx="593783" cy="582436"/>
+              </a:xfrm>
+              <a:prstGeom prst="can">
+                <a:avLst/>
+              </a:prstGeom>
+              <a:solidFill>
+                <a:schemeClr val="bg1">
+                  <a:lumMod val="85000"/>
+                </a:schemeClr>
+              </a:solidFill>
+              <a:ln>
+                <a:solidFill>
+                  <a:schemeClr val="tx1"/>
+                </a:solidFill>
+              </a:ln>
+            </p:spPr>
+            <p:style>
+              <a:lnRef idx="2">
+                <a:schemeClr val="accent1">
+                  <a:shade val="50000"/>
+                </a:schemeClr>
+              </a:lnRef>
+              <a:fillRef idx="1">
+                <a:schemeClr val="accent1"/>
+              </a:fillRef>
+              <a:effectRef idx="0">
+                <a:schemeClr val="accent1"/>
+              </a:effectRef>
+              <a:fontRef idx="minor">
+                <a:schemeClr val="lt1"/>
+              </a:fontRef>
+            </p:style>
+            <p:txBody>
+              <a:bodyPr rtlCol="0" anchor="ctr"/>
+              <a:lstStyle/>
+              <a:p>
+                <a:pPr algn="ctr"/>
+                <a:endParaRPr lang="en-DK"/>
+              </a:p>
+            </p:txBody>
+          </p:sp>
+          <p:pic>
+            <p:nvPicPr>
+              <p:cNvPr id="1048" name="Picture 1047">
+                <a:extLst>
+                  <a:ext uri="{FF2B5EF4-FFF2-40B4-BE49-F238E27FC236}">
+                    <a16:creationId xmlns:a16="http://schemas.microsoft.com/office/drawing/2014/main" id="{AC445236-A45B-43C1-10D5-4B4CACA0B35F}"/>
+                  </a:ext>
+                </a:extLst>
+              </p:cNvPr>
+              <p:cNvPicPr>
+                <a:picLocks noChangeAspect="1"/>
+              </p:cNvPicPr>
+              <p:nvPr/>
+            </p:nvPicPr>
+            <p:blipFill>
+              <a:blip r:embed="rId3"/>
+              <a:stretch>
+                <a:fillRect/>
+              </a:stretch>
+            </p:blipFill>
+            <p:spPr>
+              <a:xfrm>
+                <a:off x="5885378" y="4057586"/>
+                <a:ext cx="1112935" cy="582436"/>
+              </a:xfrm>
+              <a:prstGeom prst="rect">
+                <a:avLst/>
+              </a:prstGeom>
+            </p:spPr>
+          </p:pic>
+          <p:cxnSp>
+            <p:nvCxnSpPr>
+              <p:cNvPr id="1055" name="Straight Arrow Connector 1054">
+                <a:extLst>
+                  <a:ext uri="{FF2B5EF4-FFF2-40B4-BE49-F238E27FC236}">
+                    <a16:creationId xmlns:a16="http://schemas.microsoft.com/office/drawing/2014/main" id="{BF539873-2D3E-1FD7-923D-C83246B3C891}"/>
+                  </a:ext>
+                </a:extLst>
+              </p:cNvPr>
+              <p:cNvCxnSpPr>
+                <a:cxnSpLocks/>
+              </p:cNvCxnSpPr>
+              <p:nvPr/>
+            </p:nvCxnSpPr>
+            <p:spPr>
+              <a:xfrm flipV="1">
+                <a:off x="6438905" y="3727607"/>
+                <a:ext cx="0" cy="315747"/>
+              </a:xfrm>
+              <a:prstGeom prst="straightConnector1">
+                <a:avLst/>
+              </a:prstGeom>
+              <a:ln w="19050">
+                <a:solidFill>
+                  <a:schemeClr val="bg1">
+                    <a:lumMod val="50000"/>
+                  </a:schemeClr>
+                </a:solidFill>
+                <a:headEnd type="triangle" w="med" len="med"/>
+                <a:tailEnd type="triangle" w="med" len="med"/>
+              </a:ln>
+            </p:spPr>
+            <p:style>
+              <a:lnRef idx="1">
+                <a:schemeClr val="accent1"/>
+              </a:lnRef>
+              <a:fillRef idx="0">
+                <a:schemeClr val="accent1"/>
+              </a:fillRef>
+              <a:effectRef idx="0">
+                <a:schemeClr val="accent1"/>
+              </a:effectRef>
+              <a:fontRef idx="minor">
+                <a:schemeClr val="tx1"/>
+              </a:fontRef>
+            </p:style>
+          </p:cxnSp>
+          <p:cxnSp>
+            <p:nvCxnSpPr>
+              <p:cNvPr id="1057" name="Straight Arrow Connector 1056">
+                <a:extLst>
+                  <a:ext uri="{FF2B5EF4-FFF2-40B4-BE49-F238E27FC236}">
+                    <a16:creationId xmlns:a16="http://schemas.microsoft.com/office/drawing/2014/main" id="{8151FF7F-E758-4B7D-663F-5F2A7F50E9F6}"/>
+                  </a:ext>
+                </a:extLst>
+              </p:cNvPr>
+              <p:cNvCxnSpPr>
+                <a:cxnSpLocks/>
+              </p:cNvCxnSpPr>
+              <p:nvPr/>
+            </p:nvCxnSpPr>
+            <p:spPr>
+              <a:xfrm flipV="1">
+                <a:off x="6434139" y="4722978"/>
+                <a:ext cx="0" cy="315747"/>
+              </a:xfrm>
+              <a:prstGeom prst="straightConnector1">
+                <a:avLst/>
+              </a:prstGeom>
+              <a:ln w="19050">
+                <a:solidFill>
+                  <a:schemeClr val="bg1">
+                    <a:lumMod val="50000"/>
+                  </a:schemeClr>
+                </a:solidFill>
+                <a:headEnd type="triangle" w="med" len="med"/>
+                <a:tailEnd type="triangle" w="med" len="med"/>
+              </a:ln>
+            </p:spPr>
+            <p:style>
+              <a:lnRef idx="1">
+                <a:schemeClr val="accent1"/>
+              </a:lnRef>
+              <a:fillRef idx="0">
+                <a:schemeClr val="accent1"/>
+              </a:fillRef>
+              <a:effectRef idx="0">
+                <a:schemeClr val="accent1"/>
+              </a:effectRef>
+              <a:fontRef idx="minor">
+                <a:schemeClr val="tx1"/>
+              </a:fontRef>
+            </p:style>
+          </p:cxnSp>
+        </p:grpSp>
+        <p:sp>
+          <p:nvSpPr>
+            <p:cNvPr id="10" name="TextBox 9">
+              <a:extLst>
+                <a:ext uri="{FF2B5EF4-FFF2-40B4-BE49-F238E27FC236}">
+                  <a16:creationId xmlns:a16="http://schemas.microsoft.com/office/drawing/2014/main" id="{51EC14A7-FD6D-A3A9-B699-A225946941A6}"/>
+                </a:ext>
+              </a:extLst>
+            </p:cNvPr>
+            <p:cNvSpPr txBox="1"/>
+            <p:nvPr/>
+          </p:nvSpPr>
+          <p:spPr>
+            <a:xfrm>
+              <a:off x="5586428" y="3368416"/>
+              <a:ext cx="642938" cy="307777"/>
+            </a:xfrm>
+            <a:prstGeom prst="rect">
+              <a:avLst/>
+            </a:prstGeom>
+            <a:noFill/>
+          </p:spPr>
+          <p:txBody>
+            <a:bodyPr wrap="square" rtlCol="0">
+              <a:spAutoFit/>
+            </a:bodyPr>
+            <a:lstStyle/>
+            <a:p>
+              <a:r>
+                <a:rPr lang="en-DK" sz="1400" b="1" dirty="0"/>
+                <a:t>Rest</a:t>
+              </a:r>
+            </a:p>
+          </p:txBody>
+        </p:sp>
+      </p:grpSp>
+      <p:grpSp>
+        <p:nvGrpSpPr>
+          <p:cNvPr id="18" name="Group 17">
+            <a:extLst>
+              <a:ext uri="{FF2B5EF4-FFF2-40B4-BE49-F238E27FC236}">
+                <a16:creationId xmlns:a16="http://schemas.microsoft.com/office/drawing/2014/main" id="{DBC0DFB1-1CD2-1347-CA8B-E970D35B2412}"/>
+              </a:ext>
+            </a:extLst>
+          </p:cNvPr>
+          <p:cNvGrpSpPr/>
+          <p:nvPr/>
+        </p:nvGrpSpPr>
+        <p:grpSpPr>
+          <a:xfrm>
+            <a:off x="1305078" y="1465221"/>
+            <a:ext cx="9624853" cy="689195"/>
+            <a:chOff x="1476535" y="1698089"/>
+            <a:chExt cx="8640000" cy="689195"/>
+          </a:xfrm>
+        </p:grpSpPr>
+        <p:cxnSp>
+          <p:nvCxnSpPr>
+            <p:cNvPr id="3" name="Straight Connector 2">
+              <a:extLst>
+                <a:ext uri="{FF2B5EF4-FFF2-40B4-BE49-F238E27FC236}">
+                  <a16:creationId xmlns:a16="http://schemas.microsoft.com/office/drawing/2014/main" id="{99ADD4B2-2AC8-F0A6-AB37-B45C662887BF}"/>
+                </a:ext>
+              </a:extLst>
+            </p:cNvPr>
+            <p:cNvCxnSpPr/>
+            <p:nvPr/>
+          </p:nvCxnSpPr>
+          <p:spPr>
+            <a:xfrm>
+              <a:off x="1476535" y="2066627"/>
+              <a:ext cx="8640000" cy="0"/>
+            </a:xfrm>
+            <a:prstGeom prst="line">
+              <a:avLst/>
+            </a:prstGeom>
+            <a:ln w="34925">
+              <a:solidFill>
+                <a:schemeClr val="bg1">
+                  <a:lumMod val="50000"/>
+                </a:schemeClr>
+              </a:solidFill>
+            </a:ln>
+          </p:spPr>
+          <p:style>
+            <a:lnRef idx="1">
+              <a:schemeClr val="accent1"/>
+            </a:lnRef>
+            <a:fillRef idx="0">
+              <a:schemeClr val="accent1"/>
+            </a:fillRef>
+            <a:effectRef idx="0">
+              <a:schemeClr val="accent1"/>
+            </a:effectRef>
+            <a:fontRef idx="minor">
+              <a:schemeClr val="tx1"/>
+            </a:fontRef>
+          </p:style>
+        </p:cxnSp>
+        <p:grpSp>
+          <p:nvGrpSpPr>
+            <p:cNvPr id="17" name="Group 16">
+              <a:extLst>
+                <a:ext uri="{FF2B5EF4-FFF2-40B4-BE49-F238E27FC236}">
+                  <a16:creationId xmlns:a16="http://schemas.microsoft.com/office/drawing/2014/main" id="{1ABC0724-2A45-D290-F0A9-D5A0BC928539}"/>
+                </a:ext>
+              </a:extLst>
+            </p:cNvPr>
+            <p:cNvGrpSpPr/>
+            <p:nvPr/>
+          </p:nvGrpSpPr>
+          <p:grpSpPr>
+            <a:xfrm>
+              <a:off x="1481841" y="1698089"/>
+              <a:ext cx="8633717" cy="689195"/>
+              <a:chOff x="1481841" y="1398048"/>
+              <a:chExt cx="8633717" cy="689195"/>
+            </a:xfrm>
+          </p:grpSpPr>
+          <p:sp>
+            <p:nvSpPr>
+              <p:cNvPr id="13" name="TextBox 12">
+                <a:extLst>
+                  <a:ext uri="{FF2B5EF4-FFF2-40B4-BE49-F238E27FC236}">
+                    <a16:creationId xmlns:a16="http://schemas.microsoft.com/office/drawing/2014/main" id="{F44E34F3-F06C-A1B4-7443-0E8BB4EF5AD2}"/>
+                  </a:ext>
+                </a:extLst>
+              </p:cNvPr>
+              <p:cNvSpPr txBox="1"/>
+              <p:nvPr/>
+            </p:nvSpPr>
+            <p:spPr>
+              <a:xfrm>
+                <a:off x="5086360" y="1398048"/>
+                <a:ext cx="1669070" cy="369332"/>
+              </a:xfrm>
+              <a:prstGeom prst="rect">
+                <a:avLst/>
+              </a:prstGeom>
+              <a:noFill/>
+            </p:spPr>
+            <p:txBody>
+              <a:bodyPr wrap="square" rtlCol="0">
+                <a:spAutoFit/>
+              </a:bodyPr>
+              <a:lstStyle/>
+              <a:p>
+                <a:r>
+                  <a:rPr lang="en-DK" b="1" dirty="0"/>
+                  <a:t>Connections</a:t>
+                </a:r>
+              </a:p>
+            </p:txBody>
+          </p:sp>
+          <p:sp>
+            <p:nvSpPr>
+              <p:cNvPr id="15" name="TextBox 14">
+                <a:extLst>
+                  <a:ext uri="{FF2B5EF4-FFF2-40B4-BE49-F238E27FC236}">
+                    <a16:creationId xmlns:a16="http://schemas.microsoft.com/office/drawing/2014/main" id="{B9802857-5B21-CB24-7816-A51C879F151A}"/>
+                  </a:ext>
+                </a:extLst>
+              </p:cNvPr>
+              <p:cNvSpPr txBox="1"/>
+              <p:nvPr/>
+            </p:nvSpPr>
+            <p:spPr>
+              <a:xfrm>
+                <a:off x="9072570" y="1440912"/>
+                <a:ext cx="1042988" cy="646331"/>
+              </a:xfrm>
+              <a:prstGeom prst="rect">
+                <a:avLst/>
+              </a:prstGeom>
+              <a:noFill/>
+            </p:spPr>
+            <p:txBody>
+              <a:bodyPr wrap="square" rtlCol="0">
+                <a:spAutoFit/>
+              </a:bodyPr>
+              <a:lstStyle/>
+              <a:p>
+                <a:pPr algn="ctr"/>
+                <a:r>
+                  <a:rPr lang="en-DK" dirty="0"/>
+                  <a:t>2023</a:t>
+                </a:r>
+              </a:p>
+              <a:p>
+                <a:pPr algn="ctr"/>
+                <a:r>
+                  <a:rPr lang="en-DK" dirty="0"/>
+                  <a:t>Pooled</a:t>
+                </a:r>
+              </a:p>
+            </p:txBody>
+          </p:sp>
+          <p:sp>
+            <p:nvSpPr>
+              <p:cNvPr id="16" name="TextBox 15">
+                <a:extLst>
+                  <a:ext uri="{FF2B5EF4-FFF2-40B4-BE49-F238E27FC236}">
+                    <a16:creationId xmlns:a16="http://schemas.microsoft.com/office/drawing/2014/main" id="{83611EA2-F1DA-E7F4-6D51-FA6AB954D5BE}"/>
+                  </a:ext>
+                </a:extLst>
+              </p:cNvPr>
+              <p:cNvSpPr txBox="1"/>
+              <p:nvPr/>
+            </p:nvSpPr>
+            <p:spPr>
+              <a:xfrm>
+                <a:off x="1481841" y="1440912"/>
+                <a:ext cx="1228725" cy="646331"/>
+              </a:xfrm>
+              <a:prstGeom prst="rect">
+                <a:avLst/>
+              </a:prstGeom>
+              <a:noFill/>
+            </p:spPr>
+            <p:txBody>
+              <a:bodyPr wrap="square" rtlCol="0">
+                <a:spAutoFit/>
+              </a:bodyPr>
+              <a:lstStyle/>
+              <a:p>
+                <a:pPr algn="ctr"/>
+                <a:r>
+                  <a:rPr lang="en-DK" dirty="0"/>
+                  <a:t>1985</a:t>
+                </a:r>
+              </a:p>
+              <a:p>
+                <a:pPr algn="ctr"/>
+                <a:r>
+                  <a:rPr lang="en-DK" dirty="0"/>
+                  <a:t>Dedicated</a:t>
+                </a:r>
+              </a:p>
+            </p:txBody>
+          </p:sp>
+        </p:grpSp>
+      </p:grpSp>
+    </p:spTree>
+    <p:extLst>
+      <p:ext uri="{BB962C8B-B14F-4D97-AF65-F5344CB8AC3E}">
+        <p14:creationId xmlns:p14="http://schemas.microsoft.com/office/powerpoint/2010/main" val="2484166996"/>
+      </p:ext>
+    </p:extLst>
+  </p:cSld>
+  <p:clrMapOvr>
+    <a:masterClrMapping/>
+  </p:clrMapOvr>
+</p:sld>
+</file>
+
+<file path=ppt/slides/slide9.xml><?xml version="1.0" encoding="utf-8"?>
+<p:sld xmlns:a="http://schemas.openxmlformats.org/drawingml/2006/main" xmlns:r="http://schemas.openxmlformats.org/officeDocument/2006/relationships" xmlns:p="http://schemas.openxmlformats.org/presentationml/2006/main">
+  <p:cSld>
+    <p:bg>
+      <p:bgPr>
+        <a:solidFill>
+          <a:schemeClr val="bg1"/>
+        </a:solidFill>
+        <a:effectLst/>
+      </p:bgPr>
+    </p:bg>
+    <p:spTree>
+      <p:nvGrpSpPr>
+        <p:cNvPr id="1" name=""/>
+        <p:cNvGrpSpPr/>
+        <p:nvPr/>
+      </p:nvGrpSpPr>
+      <p:grpSpPr>
+        <a:xfrm>
+          <a:off x="0" y="0"/>
+          <a:ext cx="0" cy="0"/>
+          <a:chOff x="0" y="0"/>
+          <a:chExt cx="0" cy="0"/>
+        </a:xfrm>
+      </p:grpSpPr>
+      <p:sp>
+        <p:nvSpPr>
+          <p:cNvPr id="1031" name="Title 1030">
+            <a:extLst>
+              <a:ext uri="{FF2B5EF4-FFF2-40B4-BE49-F238E27FC236}">
+                <a16:creationId xmlns:a16="http://schemas.microsoft.com/office/drawing/2014/main" id="{22D09CA6-2F33-D374-D436-2CE7ED5D5D85}"/>
+              </a:ext>
+            </a:extLst>
+          </p:cNvPr>
+          <p:cNvSpPr>
+            <a:spLocks noGrp="1"/>
+          </p:cNvSpPr>
+          <p:nvPr>
+            <p:ph type="title"/>
+          </p:nvPr>
+        </p:nvSpPr>
+        <p:spPr>
+          <a:xfrm>
+            <a:off x="838200" y="72485"/>
+            <a:ext cx="10515600" cy="1325563"/>
+          </a:xfrm>
+        </p:spPr>
+        <p:txBody>
+          <a:bodyPr anchor="t"/>
+          <a:lstStyle/>
+          <a:p>
+            <a:pPr algn="ctr"/>
+            <a:r>
+              <a:rPr lang="en-DK" sz="3200" dirty="0"/>
+              <a:t>FutureForms</a:t>
+            </a:r>
+          </a:p>
+        </p:txBody>
+      </p:sp>
+      <p:sp>
+        <p:nvSpPr>
+          <p:cNvPr id="2" name="TextBox 1">
+            <a:extLst>
+              <a:ext uri="{FF2B5EF4-FFF2-40B4-BE49-F238E27FC236}">
+                <a16:creationId xmlns:a16="http://schemas.microsoft.com/office/drawing/2014/main" id="{FB26ECFA-64E0-3C44-DF99-E3CC3D1A53D1}"/>
+              </a:ext>
+            </a:extLst>
+          </p:cNvPr>
+          <p:cNvSpPr txBox="1"/>
+          <p:nvPr/>
+        </p:nvSpPr>
+        <p:spPr>
+          <a:xfrm>
+            <a:off x="1811335" y="812254"/>
+            <a:ext cx="6484882" cy="369332"/>
+          </a:xfrm>
+          <a:prstGeom prst="rect">
+            <a:avLst/>
+          </a:prstGeom>
+          <a:noFill/>
+        </p:spPr>
+        <p:txBody>
+          <a:bodyPr wrap="square" rtlCol="0">
+            <a:spAutoFit/>
+          </a:bodyPr>
+          <a:lstStyle/>
+          <a:p>
+            <a:r>
+              <a:rPr lang="en-DK" b="1" i="1" dirty="0"/>
+              <a:t>Application is not just about performing CRUD operations </a:t>
+            </a:r>
+          </a:p>
+        </p:txBody>
+      </p:sp>
+      <p:sp>
+        <p:nvSpPr>
+          <p:cNvPr id="3" name="TextBox 2">
+            <a:extLst>
+              <a:ext uri="{FF2B5EF4-FFF2-40B4-BE49-F238E27FC236}">
+                <a16:creationId xmlns:a16="http://schemas.microsoft.com/office/drawing/2014/main" id="{A2C1CB77-3354-7320-025C-293E227B9670}"/>
+              </a:ext>
+            </a:extLst>
+          </p:cNvPr>
+          <p:cNvSpPr txBox="1"/>
+          <p:nvPr/>
+        </p:nvSpPr>
+        <p:spPr>
+          <a:xfrm>
+            <a:off x="1811335" y="4022006"/>
+            <a:ext cx="6484882" cy="2031325"/>
+          </a:xfrm>
+          <a:prstGeom prst="rect">
+            <a:avLst/>
+          </a:prstGeom>
+          <a:noFill/>
+        </p:spPr>
+        <p:txBody>
+          <a:bodyPr wrap="square" rtlCol="0">
+            <a:spAutoFit/>
+          </a:bodyPr>
+          <a:lstStyle/>
+          <a:p>
+            <a:pPr marL="285750" indent="-285750">
+              <a:buFont typeface="Arial" panose="020B0604020202020204" pitchFamily="34" charset="0"/>
+              <a:buChar char="•"/>
+            </a:pPr>
+            <a:r>
+              <a:rPr lang="en-DK" dirty="0"/>
+              <a:t>Task is mandatory, except for holidays</a:t>
+            </a:r>
+          </a:p>
+          <a:p>
+            <a:pPr marL="285750" indent="-285750">
+              <a:buFont typeface="Arial" panose="020B0604020202020204" pitchFamily="34" charset="0"/>
+              <a:buChar char="•"/>
+            </a:pPr>
+            <a:r>
+              <a:rPr lang="en-DK" dirty="0"/>
+              <a:t>Cannot choose same project/task twice</a:t>
+            </a:r>
+          </a:p>
+          <a:p>
+            <a:pPr marL="285750" indent="-285750">
+              <a:buFont typeface="Arial" panose="020B0604020202020204" pitchFamily="34" charset="0"/>
+              <a:buChar char="•"/>
+            </a:pPr>
+            <a:r>
+              <a:rPr lang="en-DK" dirty="0"/>
+              <a:t>When holiday, limit time entry to Full/Half</a:t>
+            </a:r>
+          </a:p>
+          <a:p>
+            <a:pPr marL="285750" indent="-285750">
+              <a:buFont typeface="Arial" panose="020B0604020202020204" pitchFamily="34" charset="0"/>
+              <a:buChar char="•"/>
+            </a:pPr>
+            <a:r>
+              <a:rPr lang="en-DK" dirty="0"/>
+              <a:t>Beakon is closed every monday and tuesday</a:t>
+            </a:r>
+          </a:p>
+          <a:p>
+            <a:pPr marL="285750" indent="-285750">
+              <a:buFont typeface="Arial" panose="020B0604020202020204" pitchFamily="34" charset="0"/>
+              <a:buChar char="•"/>
+            </a:pPr>
+            <a:r>
+              <a:rPr lang="en-DK" dirty="0"/>
+              <a:t>If data has been processed it cannot be updated</a:t>
+            </a:r>
+          </a:p>
+          <a:p>
+            <a:pPr marL="285750" indent="-285750">
+              <a:buFont typeface="Arial" panose="020B0604020202020204" pitchFamily="34" charset="0"/>
+              <a:buChar char="•"/>
+            </a:pPr>
+            <a:r>
+              <a:rPr lang="en-DK" dirty="0"/>
+              <a:t>Most columns are “lookups”, but should be queryable</a:t>
+            </a:r>
+          </a:p>
+          <a:p>
+            <a:pPr marL="285750" indent="-285750">
+              <a:buFont typeface="Arial" panose="020B0604020202020204" pitchFamily="34" charset="0"/>
+              <a:buChar char="•"/>
+            </a:pPr>
+            <a:r>
+              <a:rPr lang="en-DK" dirty="0"/>
+              <a:t>Underlying table is “normalized” and has 1 row per date/task</a:t>
+            </a:r>
+          </a:p>
+        </p:txBody>
+      </p:sp>
+      <p:sp>
+        <p:nvSpPr>
+          <p:cNvPr id="15" name="TextBox 14">
+            <a:extLst>
+              <a:ext uri="{FF2B5EF4-FFF2-40B4-BE49-F238E27FC236}">
+                <a16:creationId xmlns:a16="http://schemas.microsoft.com/office/drawing/2014/main" id="{0805FEE7-5B6B-33BA-1680-A79D9C789607}"/>
+              </a:ext>
+            </a:extLst>
+          </p:cNvPr>
+          <p:cNvSpPr txBox="1"/>
+          <p:nvPr/>
+        </p:nvSpPr>
+        <p:spPr>
+          <a:xfrm>
+            <a:off x="9101138" y="4200523"/>
+            <a:ext cx="1928812" cy="1528759"/>
+          </a:xfrm>
+          <a:prstGeom prst="rect">
+            <a:avLst/>
+          </a:prstGeom>
+          <a:noFill/>
+          <a:ln>
+            <a:solidFill>
+              <a:schemeClr val="accent1"/>
+            </a:solidFill>
+          </a:ln>
+        </p:spPr>
+        <p:txBody>
+          <a:bodyPr wrap="square" rtlCol="0">
+            <a:noAutofit/>
+          </a:bodyPr>
+          <a:lstStyle/>
+          <a:p>
+            <a:pPr marL="285750" indent="-285750">
+              <a:buFont typeface="Arial" panose="020B0604020202020204" pitchFamily="34" charset="0"/>
+              <a:buChar char="•"/>
+            </a:pPr>
+            <a:r>
+              <a:rPr lang="en-DK" sz="1400" dirty="0"/>
+              <a:t>Employee_id</a:t>
+            </a:r>
+          </a:p>
+          <a:p>
+            <a:pPr marL="285750" indent="-285750">
+              <a:buFont typeface="Arial" panose="020B0604020202020204" pitchFamily="34" charset="0"/>
+              <a:buChar char="•"/>
+            </a:pPr>
+            <a:r>
+              <a:rPr lang="en-GB" sz="1400" dirty="0"/>
+              <a:t>C</a:t>
+            </a:r>
+            <a:r>
+              <a:rPr lang="en-DK" sz="1400" dirty="0"/>
+              <a:t>ustomer_id</a:t>
+            </a:r>
+          </a:p>
+          <a:p>
+            <a:pPr marL="285750" indent="-285750">
+              <a:buFont typeface="Arial" panose="020B0604020202020204" pitchFamily="34" charset="0"/>
+              <a:buChar char="•"/>
+            </a:pPr>
+            <a:r>
+              <a:rPr lang="en-GB" sz="1400" dirty="0"/>
+              <a:t>P</a:t>
+            </a:r>
+            <a:r>
+              <a:rPr lang="en-DK" sz="1400" dirty="0"/>
+              <a:t>roject_id</a:t>
+            </a:r>
+          </a:p>
+          <a:p>
+            <a:pPr marL="285750" indent="-285750">
+              <a:buFont typeface="Arial" panose="020B0604020202020204" pitchFamily="34" charset="0"/>
+              <a:buChar char="•"/>
+            </a:pPr>
+            <a:r>
+              <a:rPr lang="en-GB" sz="1400" dirty="0"/>
+              <a:t>T</a:t>
+            </a:r>
+            <a:r>
+              <a:rPr lang="en-DK" sz="1400" dirty="0"/>
+              <a:t>ask_id</a:t>
+            </a:r>
+          </a:p>
+          <a:p>
+            <a:pPr marL="285750" indent="-285750">
+              <a:buFont typeface="Arial" panose="020B0604020202020204" pitchFamily="34" charset="0"/>
+              <a:buChar char="•"/>
+            </a:pPr>
+            <a:r>
+              <a:rPr lang="en-GB" sz="1400" dirty="0"/>
+              <a:t>D</a:t>
+            </a:r>
+            <a:r>
+              <a:rPr lang="en-DK" sz="1400" dirty="0"/>
+              <a:t>ate</a:t>
+            </a:r>
+          </a:p>
+          <a:p>
+            <a:pPr marL="285750" indent="-285750">
+              <a:buFont typeface="Arial" panose="020B0604020202020204" pitchFamily="34" charset="0"/>
+              <a:buChar char="•"/>
+            </a:pPr>
+            <a:r>
+              <a:rPr lang="en-GB" sz="1400" dirty="0"/>
+              <a:t>H</a:t>
+            </a:r>
+            <a:r>
+              <a:rPr lang="en-DK" sz="1400" dirty="0"/>
+              <a:t>ours</a:t>
+            </a:r>
+          </a:p>
+          <a:p>
+            <a:pPr marL="285750" indent="-285750">
+              <a:buFont typeface="Arial" panose="020B0604020202020204" pitchFamily="34" charset="0"/>
+              <a:buChar char="•"/>
+            </a:pPr>
+            <a:r>
+              <a:rPr lang="en-DK" sz="1400" dirty="0"/>
+              <a:t>Processed</a:t>
+            </a:r>
+          </a:p>
+        </p:txBody>
+      </p:sp>
+      <p:sp>
+        <p:nvSpPr>
+          <p:cNvPr id="19" name="TextBox 18">
+            <a:extLst>
+              <a:ext uri="{FF2B5EF4-FFF2-40B4-BE49-F238E27FC236}">
+                <a16:creationId xmlns:a16="http://schemas.microsoft.com/office/drawing/2014/main" id="{6E8E3A9A-A559-628F-CCE5-98762F6A4BFE}"/>
+              </a:ext>
+            </a:extLst>
+          </p:cNvPr>
+          <p:cNvSpPr txBox="1"/>
+          <p:nvPr/>
+        </p:nvSpPr>
+        <p:spPr>
+          <a:xfrm>
+            <a:off x="1919283" y="6263348"/>
+            <a:ext cx="6376934" cy="369332"/>
+          </a:xfrm>
+          <a:prstGeom prst="rect">
+            <a:avLst/>
+          </a:prstGeom>
+          <a:noFill/>
+        </p:spPr>
+        <p:txBody>
+          <a:bodyPr wrap="square" rtlCol="0">
+            <a:spAutoFit/>
+          </a:bodyPr>
+          <a:lstStyle/>
+          <a:p>
+            <a:r>
+              <a:rPr lang="en-DK" b="1" i="1" dirty="0"/>
+              <a:t>No code and Low code tools are not always </a:t>
+            </a:r>
+            <a:r>
+              <a:rPr lang="en-GB" b="1" i="1" dirty="0"/>
+              <a:t>adequate</a:t>
+            </a:r>
+            <a:endParaRPr lang="en-DK" b="1" i="1" dirty="0"/>
+          </a:p>
+        </p:txBody>
+      </p:sp>
+      <p:pic>
+        <p:nvPicPr>
+          <p:cNvPr id="20" name="Picture 19">
+            <a:extLst>
+              <a:ext uri="{FF2B5EF4-FFF2-40B4-BE49-F238E27FC236}">
+                <a16:creationId xmlns:a16="http://schemas.microsoft.com/office/drawing/2014/main" id="{4D552579-9D21-C93A-C02F-1EBA3135BB08}"/>
+              </a:ext>
+            </a:extLst>
+          </p:cNvPr>
+          <p:cNvPicPr>
+            <a:picLocks noChangeAspect="1"/>
+          </p:cNvPicPr>
+          <p:nvPr/>
+        </p:nvPicPr>
+        <p:blipFill>
+          <a:blip r:embed="rId2"/>
+          <a:stretch>
+            <a:fillRect/>
+          </a:stretch>
+        </p:blipFill>
+        <p:spPr>
+          <a:xfrm>
+            <a:off x="1890707" y="1460493"/>
+            <a:ext cx="6896100" cy="2336800"/>
+          </a:xfrm>
+          <a:prstGeom prst="rect">
+            <a:avLst/>
+          </a:prstGeom>
+        </p:spPr>
+      </p:pic>
+    </p:spTree>
+    <p:extLst>
+      <p:ext uri="{BB962C8B-B14F-4D97-AF65-F5344CB8AC3E}">
+        <p14:creationId xmlns:p14="http://schemas.microsoft.com/office/powerpoint/2010/main" val="3846970510"/>
       </p:ext>
     </p:extLst>
   </p:cSld>

--- a/Trottinhg.pptx
+++ b/Trottinhg.pptx
@@ -5,7 +5,7 @@
     <p:sldMasterId id="2147483648" r:id="rId1"/>
   </p:sldMasterIdLst>
   <p:notesMasterIdLst>
-    <p:notesMasterId r:id="rId11"/>
+    <p:notesMasterId r:id="rId12"/>
   </p:notesMasterIdLst>
   <p:sldIdLst>
     <p:sldId id="2090649739" r:id="rId2"/>
@@ -14,9 +14,10 @@
     <p:sldId id="2090649741" r:id="rId5"/>
     <p:sldId id="424" r:id="rId6"/>
     <p:sldId id="2090649743" r:id="rId7"/>
-    <p:sldId id="2090649744" r:id="rId8"/>
-    <p:sldId id="2090649740" r:id="rId9"/>
-    <p:sldId id="2090649742" r:id="rId10"/>
+    <p:sldId id="2090649746" r:id="rId8"/>
+    <p:sldId id="2090649744" r:id="rId9"/>
+    <p:sldId id="2090649740" r:id="rId10"/>
+    <p:sldId id="2090649742" r:id="rId11"/>
   </p:sldIdLst>
   <p:sldSz cx="12192000" cy="6858000"/>
   <p:notesSz cx="6858000" cy="9144000"/>
@@ -4955,6 +4956,406 @@
     <p:extLst>
       <p:ext uri="{BB962C8B-B14F-4D97-AF65-F5344CB8AC3E}">
         <p14:creationId xmlns:p14="http://schemas.microsoft.com/office/powerpoint/2010/main" val="2982442369"/>
+      </p:ext>
+    </p:extLst>
+  </p:cSld>
+  <p:clrMapOvr>
+    <a:masterClrMapping/>
+  </p:clrMapOvr>
+</p:sld>
+</file>
+
+<file path=ppt/slides/slide10.xml><?xml version="1.0" encoding="utf-8"?>
+<p:sld xmlns:a="http://schemas.openxmlformats.org/drawingml/2006/main" xmlns:r="http://schemas.openxmlformats.org/officeDocument/2006/relationships" xmlns:p="http://schemas.openxmlformats.org/presentationml/2006/main">
+  <p:cSld>
+    <p:bg>
+      <p:bgPr>
+        <a:solidFill>
+          <a:schemeClr val="bg1"/>
+        </a:solidFill>
+        <a:effectLst/>
+      </p:bgPr>
+    </p:bg>
+    <p:spTree>
+      <p:nvGrpSpPr>
+        <p:cNvPr id="1" name=""/>
+        <p:cNvGrpSpPr/>
+        <p:nvPr/>
+      </p:nvGrpSpPr>
+      <p:grpSpPr>
+        <a:xfrm>
+          <a:off x="0" y="0"/>
+          <a:ext cx="0" cy="0"/>
+          <a:chOff x="0" y="0"/>
+          <a:chExt cx="0" cy="0"/>
+        </a:xfrm>
+      </p:grpSpPr>
+      <p:sp>
+        <p:nvSpPr>
+          <p:cNvPr id="1031" name="Title 1030">
+            <a:extLst>
+              <a:ext uri="{FF2B5EF4-FFF2-40B4-BE49-F238E27FC236}">
+                <a16:creationId xmlns:a16="http://schemas.microsoft.com/office/drawing/2014/main" id="{22D09CA6-2F33-D374-D436-2CE7ED5D5D85}"/>
+              </a:ext>
+            </a:extLst>
+          </p:cNvPr>
+          <p:cNvSpPr>
+            <a:spLocks noGrp="1"/>
+          </p:cNvSpPr>
+          <p:nvPr>
+            <p:ph type="title"/>
+          </p:nvPr>
+        </p:nvSpPr>
+        <p:spPr>
+          <a:xfrm>
+            <a:off x="838200" y="72485"/>
+            <a:ext cx="10515600" cy="1325563"/>
+          </a:xfrm>
+        </p:spPr>
+        <p:txBody>
+          <a:bodyPr anchor="t"/>
+          <a:lstStyle/>
+          <a:p>
+            <a:pPr algn="ctr"/>
+            <a:r>
+              <a:rPr lang="en-DK" sz="3200" dirty="0"/>
+              <a:t>FutureForms</a:t>
+            </a:r>
+          </a:p>
+        </p:txBody>
+      </p:sp>
+      <p:sp>
+        <p:nvSpPr>
+          <p:cNvPr id="2" name="TextBox 1">
+            <a:extLst>
+              <a:ext uri="{FF2B5EF4-FFF2-40B4-BE49-F238E27FC236}">
+                <a16:creationId xmlns:a16="http://schemas.microsoft.com/office/drawing/2014/main" id="{FB26ECFA-64E0-3C44-DF99-E3CC3D1A53D1}"/>
+              </a:ext>
+            </a:extLst>
+          </p:cNvPr>
+          <p:cNvSpPr txBox="1"/>
+          <p:nvPr/>
+        </p:nvSpPr>
+        <p:spPr>
+          <a:xfrm>
+            <a:off x="1811335" y="812254"/>
+            <a:ext cx="6484882" cy="369332"/>
+          </a:xfrm>
+          <a:prstGeom prst="rect">
+            <a:avLst/>
+          </a:prstGeom>
+          <a:noFill/>
+        </p:spPr>
+        <p:txBody>
+          <a:bodyPr wrap="square" rtlCol="0">
+            <a:spAutoFit/>
+          </a:bodyPr>
+          <a:lstStyle/>
+          <a:p>
+            <a:r>
+              <a:rPr lang="en-DK" b="1" i="1" dirty="0"/>
+              <a:t>Application is not just about performing CRUD operations </a:t>
+            </a:r>
+          </a:p>
+        </p:txBody>
+      </p:sp>
+      <p:sp>
+        <p:nvSpPr>
+          <p:cNvPr id="3" name="TextBox 2">
+            <a:extLst>
+              <a:ext uri="{FF2B5EF4-FFF2-40B4-BE49-F238E27FC236}">
+                <a16:creationId xmlns:a16="http://schemas.microsoft.com/office/drawing/2014/main" id="{A2C1CB77-3354-7320-025C-293E227B9670}"/>
+              </a:ext>
+            </a:extLst>
+          </p:cNvPr>
+          <p:cNvSpPr txBox="1"/>
+          <p:nvPr/>
+        </p:nvSpPr>
+        <p:spPr>
+          <a:xfrm>
+            <a:off x="1811335" y="4022006"/>
+            <a:ext cx="6484882" cy="2031325"/>
+          </a:xfrm>
+          <a:prstGeom prst="rect">
+            <a:avLst/>
+          </a:prstGeom>
+          <a:noFill/>
+        </p:spPr>
+        <p:txBody>
+          <a:bodyPr wrap="square" rtlCol="0">
+            <a:spAutoFit/>
+          </a:bodyPr>
+          <a:lstStyle/>
+          <a:p>
+            <a:pPr marL="285750" indent="-285750">
+              <a:buFont typeface="Arial" panose="020B0604020202020204" pitchFamily="34" charset="0"/>
+              <a:buChar char="•"/>
+            </a:pPr>
+            <a:r>
+              <a:rPr lang="en-DK" dirty="0"/>
+              <a:t>Task is mandatory, except for holidays</a:t>
+            </a:r>
+          </a:p>
+          <a:p>
+            <a:pPr marL="285750" indent="-285750">
+              <a:buFont typeface="Arial" panose="020B0604020202020204" pitchFamily="34" charset="0"/>
+              <a:buChar char="•"/>
+            </a:pPr>
+            <a:r>
+              <a:rPr lang="en-DK" dirty="0"/>
+              <a:t>Cannot choose same project/task twice</a:t>
+            </a:r>
+          </a:p>
+          <a:p>
+            <a:pPr marL="285750" indent="-285750">
+              <a:buFont typeface="Arial" panose="020B0604020202020204" pitchFamily="34" charset="0"/>
+              <a:buChar char="•"/>
+            </a:pPr>
+            <a:r>
+              <a:rPr lang="en-DK" dirty="0"/>
+              <a:t>When holiday, limit time entry to Full/Half</a:t>
+            </a:r>
+          </a:p>
+          <a:p>
+            <a:pPr marL="285750" indent="-285750">
+              <a:buFont typeface="Arial" panose="020B0604020202020204" pitchFamily="34" charset="0"/>
+              <a:buChar char="•"/>
+            </a:pPr>
+            <a:r>
+              <a:rPr lang="en-DK" dirty="0"/>
+              <a:t>Beakon is closed every monday and tuesday</a:t>
+            </a:r>
+          </a:p>
+          <a:p>
+            <a:pPr marL="285750" indent="-285750">
+              <a:buFont typeface="Arial" panose="020B0604020202020204" pitchFamily="34" charset="0"/>
+              <a:buChar char="•"/>
+            </a:pPr>
+            <a:r>
+              <a:rPr lang="en-DK" dirty="0"/>
+              <a:t>If data has been processed it cannot be updated</a:t>
+            </a:r>
+          </a:p>
+          <a:p>
+            <a:pPr marL="285750" indent="-285750">
+              <a:buFont typeface="Arial" panose="020B0604020202020204" pitchFamily="34" charset="0"/>
+              <a:buChar char="•"/>
+            </a:pPr>
+            <a:r>
+              <a:rPr lang="en-DK" dirty="0"/>
+              <a:t>Most columns are “lookups”, but should be queryable</a:t>
+            </a:r>
+          </a:p>
+          <a:p>
+            <a:pPr marL="285750" indent="-285750">
+              <a:buFont typeface="Arial" panose="020B0604020202020204" pitchFamily="34" charset="0"/>
+              <a:buChar char="•"/>
+            </a:pPr>
+            <a:r>
+              <a:rPr lang="en-DK" dirty="0"/>
+              <a:t>Underlying table is “normalized” and has 1 row per date/task</a:t>
+            </a:r>
+          </a:p>
+        </p:txBody>
+      </p:sp>
+      <p:sp>
+        <p:nvSpPr>
+          <p:cNvPr id="15" name="TextBox 14">
+            <a:extLst>
+              <a:ext uri="{FF2B5EF4-FFF2-40B4-BE49-F238E27FC236}">
+                <a16:creationId xmlns:a16="http://schemas.microsoft.com/office/drawing/2014/main" id="{0805FEE7-5B6B-33BA-1680-A79D9C789607}"/>
+              </a:ext>
+            </a:extLst>
+          </p:cNvPr>
+          <p:cNvSpPr txBox="1"/>
+          <p:nvPr/>
+        </p:nvSpPr>
+        <p:spPr>
+          <a:xfrm>
+            <a:off x="9101138" y="4200523"/>
+            <a:ext cx="1928812" cy="1528759"/>
+          </a:xfrm>
+          <a:prstGeom prst="rect">
+            <a:avLst/>
+          </a:prstGeom>
+          <a:noFill/>
+          <a:ln>
+            <a:solidFill>
+              <a:schemeClr val="accent1"/>
+            </a:solidFill>
+          </a:ln>
+        </p:spPr>
+        <p:txBody>
+          <a:bodyPr wrap="square" rtlCol="0">
+            <a:noAutofit/>
+          </a:bodyPr>
+          <a:lstStyle/>
+          <a:p>
+            <a:pPr marL="285750" indent="-285750">
+              <a:buFont typeface="Arial" panose="020B0604020202020204" pitchFamily="34" charset="0"/>
+              <a:buChar char="•"/>
+            </a:pPr>
+            <a:r>
+              <a:rPr lang="en-DK" sz="1400" dirty="0"/>
+              <a:t>Employee_id</a:t>
+            </a:r>
+          </a:p>
+          <a:p>
+            <a:pPr marL="285750" indent="-285750">
+              <a:buFont typeface="Arial" panose="020B0604020202020204" pitchFamily="34" charset="0"/>
+              <a:buChar char="•"/>
+            </a:pPr>
+            <a:r>
+              <a:rPr lang="en-GB" sz="1400" dirty="0"/>
+              <a:t>C</a:t>
+            </a:r>
+            <a:r>
+              <a:rPr lang="en-DK" sz="1400" dirty="0"/>
+              <a:t>ustomer_id</a:t>
+            </a:r>
+          </a:p>
+          <a:p>
+            <a:pPr marL="285750" indent="-285750">
+              <a:buFont typeface="Arial" panose="020B0604020202020204" pitchFamily="34" charset="0"/>
+              <a:buChar char="•"/>
+            </a:pPr>
+            <a:r>
+              <a:rPr lang="en-GB" sz="1400" dirty="0"/>
+              <a:t>P</a:t>
+            </a:r>
+            <a:r>
+              <a:rPr lang="en-DK" sz="1400" dirty="0"/>
+              <a:t>roject_id</a:t>
+            </a:r>
+          </a:p>
+          <a:p>
+            <a:pPr marL="285750" indent="-285750">
+              <a:buFont typeface="Arial" panose="020B0604020202020204" pitchFamily="34" charset="0"/>
+              <a:buChar char="•"/>
+            </a:pPr>
+            <a:r>
+              <a:rPr lang="en-GB" sz="1400" dirty="0"/>
+              <a:t>T</a:t>
+            </a:r>
+            <a:r>
+              <a:rPr lang="en-DK" sz="1400" dirty="0"/>
+              <a:t>ask_id</a:t>
+            </a:r>
+          </a:p>
+          <a:p>
+            <a:pPr marL="285750" indent="-285750">
+              <a:buFont typeface="Arial" panose="020B0604020202020204" pitchFamily="34" charset="0"/>
+              <a:buChar char="•"/>
+            </a:pPr>
+            <a:r>
+              <a:rPr lang="en-GB" sz="1400" dirty="0"/>
+              <a:t>D</a:t>
+            </a:r>
+            <a:r>
+              <a:rPr lang="en-DK" sz="1400" dirty="0"/>
+              <a:t>ate</a:t>
+            </a:r>
+          </a:p>
+          <a:p>
+            <a:pPr marL="285750" indent="-285750">
+              <a:buFont typeface="Arial" panose="020B0604020202020204" pitchFamily="34" charset="0"/>
+              <a:buChar char="•"/>
+            </a:pPr>
+            <a:r>
+              <a:rPr lang="en-GB" sz="1400" dirty="0"/>
+              <a:t>H</a:t>
+            </a:r>
+            <a:r>
+              <a:rPr lang="en-DK" sz="1400" dirty="0"/>
+              <a:t>ours</a:t>
+            </a:r>
+          </a:p>
+          <a:p>
+            <a:pPr marL="285750" indent="-285750">
+              <a:buFont typeface="Arial" panose="020B0604020202020204" pitchFamily="34" charset="0"/>
+              <a:buChar char="•"/>
+            </a:pPr>
+            <a:r>
+              <a:rPr lang="en-DK" sz="1400" dirty="0"/>
+              <a:t>Processed</a:t>
+            </a:r>
+          </a:p>
+        </p:txBody>
+      </p:sp>
+      <p:sp>
+        <p:nvSpPr>
+          <p:cNvPr id="19" name="TextBox 18">
+            <a:extLst>
+              <a:ext uri="{FF2B5EF4-FFF2-40B4-BE49-F238E27FC236}">
+                <a16:creationId xmlns:a16="http://schemas.microsoft.com/office/drawing/2014/main" id="{6E8E3A9A-A559-628F-CCE5-98762F6A4BFE}"/>
+              </a:ext>
+            </a:extLst>
+          </p:cNvPr>
+          <p:cNvSpPr txBox="1"/>
+          <p:nvPr/>
+        </p:nvSpPr>
+        <p:spPr>
+          <a:xfrm>
+            <a:off x="1919283" y="6263348"/>
+            <a:ext cx="6376934" cy="369332"/>
+          </a:xfrm>
+          <a:prstGeom prst="rect">
+            <a:avLst/>
+          </a:prstGeom>
+          <a:noFill/>
+        </p:spPr>
+        <p:txBody>
+          <a:bodyPr wrap="square" rtlCol="0">
+            <a:spAutoFit/>
+          </a:bodyPr>
+          <a:lstStyle/>
+          <a:p>
+            <a:r>
+              <a:rPr lang="en-DK" b="1" i="1" dirty="0"/>
+              <a:t>No code and Low code tools are not always </a:t>
+            </a:r>
+            <a:r>
+              <a:rPr lang="en-GB" b="1" i="1" dirty="0"/>
+              <a:t>adequate</a:t>
+            </a:r>
+            <a:endParaRPr lang="en-DK" b="1" i="1" dirty="0"/>
+          </a:p>
+        </p:txBody>
+      </p:sp>
+      <p:pic>
+        <p:nvPicPr>
+          <p:cNvPr id="20" name="Picture 19">
+            <a:extLst>
+              <a:ext uri="{FF2B5EF4-FFF2-40B4-BE49-F238E27FC236}">
+                <a16:creationId xmlns:a16="http://schemas.microsoft.com/office/drawing/2014/main" id="{4D552579-9D21-C93A-C02F-1EBA3135BB08}"/>
+              </a:ext>
+            </a:extLst>
+          </p:cNvPr>
+          <p:cNvPicPr>
+            <a:picLocks noChangeAspect="1"/>
+          </p:cNvPicPr>
+          <p:nvPr/>
+        </p:nvPicPr>
+        <p:blipFill>
+          <a:blip r:embed="rId2"/>
+          <a:stretch>
+            <a:fillRect/>
+          </a:stretch>
+        </p:blipFill>
+        <p:spPr>
+          <a:xfrm>
+            <a:off x="1890707" y="1460493"/>
+            <a:ext cx="6896100" cy="2336800"/>
+          </a:xfrm>
+          <a:prstGeom prst="rect">
+            <a:avLst/>
+          </a:prstGeom>
+        </p:spPr>
+      </p:pic>
+    </p:spTree>
+    <p:extLst>
+      <p:ext uri="{BB962C8B-B14F-4D97-AF65-F5344CB8AC3E}">
+        <p14:creationId xmlns:p14="http://schemas.microsoft.com/office/powerpoint/2010/main" val="3846970510"/>
       </p:ext>
     </p:extLst>
   </p:cSld>
@@ -6911,7 +7312,7 @@
         <p:spPr>
           <a:xfrm>
             <a:off x="7455049" y="2795588"/>
-            <a:ext cx="4403583" cy="3477875"/>
+            <a:ext cx="4403583" cy="3754874"/>
           </a:xfrm>
           <a:prstGeom prst="rect">
             <a:avLst/>
@@ -6942,6 +7343,12 @@
             <a:r>
               <a:rPr lang="en-DK" dirty="0"/>
               <a:t>Bind any html tag to database (no code)</a:t>
+            </a:r>
+          </a:p>
+          <a:p>
+            <a:r>
+              <a:rPr lang="en-DK" dirty="0"/>
+              <a:t>Run in internal or external mode (no code)</a:t>
             </a:r>
           </a:p>
           <a:p>
@@ -7148,6 +7555,76 @@
             <a:r>
               <a:rPr lang="en-DK" dirty="0"/>
               <a:t>Stateless</a:t>
+            </a:r>
+          </a:p>
+        </p:txBody>
+      </p:sp>
+      <p:sp>
+        <p:nvSpPr>
+          <p:cNvPr id="9" name="TextBox 8">
+            <a:extLst>
+              <a:ext uri="{FF2B5EF4-FFF2-40B4-BE49-F238E27FC236}">
+                <a16:creationId xmlns:a16="http://schemas.microsoft.com/office/drawing/2014/main" id="{B73340A4-810D-1410-9564-3F19937C3B4B}"/>
+              </a:ext>
+            </a:extLst>
+          </p:cNvPr>
+          <p:cNvSpPr txBox="1"/>
+          <p:nvPr/>
+        </p:nvSpPr>
+        <p:spPr>
+          <a:xfrm>
+            <a:off x="3303661" y="1317171"/>
+            <a:ext cx="974425" cy="369332"/>
+          </a:xfrm>
+          <a:prstGeom prst="rect">
+            <a:avLst/>
+          </a:prstGeom>
+          <a:noFill/>
+        </p:spPr>
+        <p:txBody>
+          <a:bodyPr wrap="square" rtlCol="0">
+            <a:spAutoFit/>
+          </a:bodyPr>
+          <a:lstStyle/>
+          <a:p>
+            <a:r>
+              <a:rPr lang="en-DK" b="1" i="1" dirty="0"/>
+              <a:t>Internal</a:t>
+            </a:r>
+          </a:p>
+        </p:txBody>
+      </p:sp>
+      <p:sp>
+        <p:nvSpPr>
+          <p:cNvPr id="14" name="TextBox 13">
+            <a:extLst>
+              <a:ext uri="{FF2B5EF4-FFF2-40B4-BE49-F238E27FC236}">
+                <a16:creationId xmlns:a16="http://schemas.microsoft.com/office/drawing/2014/main" id="{DF06B692-3593-04B1-2941-34C4CEE4250F}"/>
+              </a:ext>
+            </a:extLst>
+          </p:cNvPr>
+          <p:cNvSpPr txBox="1"/>
+          <p:nvPr/>
+        </p:nvSpPr>
+        <p:spPr>
+          <a:xfrm>
+            <a:off x="8833600" y="1317171"/>
+            <a:ext cx="974425" cy="369332"/>
+          </a:xfrm>
+          <a:prstGeom prst="rect">
+            <a:avLst/>
+          </a:prstGeom>
+          <a:noFill/>
+        </p:spPr>
+        <p:txBody>
+          <a:bodyPr wrap="square" rtlCol="0">
+            <a:spAutoFit/>
+          </a:bodyPr>
+          <a:lstStyle/>
+          <a:p>
+            <a:r>
+              <a:rPr lang="en-DK" b="1" i="1" dirty="0"/>
+              <a:t>External</a:t>
             </a:r>
           </a:p>
         </p:txBody>
@@ -7905,10 +8382,10 @@
       </p:grpSp>
       <p:grpSp>
         <p:nvGrpSpPr>
-          <p:cNvPr id="22" name="Group 21">
+          <p:cNvPr id="33" name="Group 32">
             <a:extLst>
               <a:ext uri="{FF2B5EF4-FFF2-40B4-BE49-F238E27FC236}">
-                <a16:creationId xmlns:a16="http://schemas.microsoft.com/office/drawing/2014/main" id="{C8E365AA-3D9C-2D28-D743-C73CD84ED4AD}"/>
+                <a16:creationId xmlns:a16="http://schemas.microsoft.com/office/drawing/2014/main" id="{92CE5329-7BEC-44CA-8602-21EBCAB2AF5D}"/>
               </a:ext>
             </a:extLst>
           </p:cNvPr>
@@ -7917,18 +8394,18 @@
         </p:nvGrpSpPr>
         <p:grpSpPr>
           <a:xfrm>
-            <a:off x="6764939" y="2394625"/>
-            <a:ext cx="4683534" cy="2722873"/>
-            <a:chOff x="5442913" y="3529360"/>
-            <a:chExt cx="4683534" cy="2722873"/>
+            <a:off x="3657810" y="2271469"/>
+            <a:ext cx="7790663" cy="2846029"/>
+            <a:chOff x="3657810" y="2271469"/>
+            <a:chExt cx="7790663" cy="2846029"/>
           </a:xfrm>
         </p:grpSpPr>
         <p:grpSp>
           <p:nvGrpSpPr>
-            <p:cNvPr id="1025" name="Group 1024">
+            <p:cNvPr id="22" name="Group 21">
               <a:extLst>
                 <a:ext uri="{FF2B5EF4-FFF2-40B4-BE49-F238E27FC236}">
-                  <a16:creationId xmlns:a16="http://schemas.microsoft.com/office/drawing/2014/main" id="{8514FF50-A756-F0E1-9342-2A882B4D6DB6}"/>
+                  <a16:creationId xmlns:a16="http://schemas.microsoft.com/office/drawing/2014/main" id="{C8E365AA-3D9C-2D28-D743-C73CD84ED4AD}"/>
                 </a:ext>
               </a:extLst>
             </p:cNvPr>
@@ -7937,18 +8414,18 @@
           </p:nvGrpSpPr>
           <p:grpSpPr>
             <a:xfrm>
-              <a:off x="5442913" y="3540818"/>
-              <a:ext cx="4683534" cy="2711415"/>
-              <a:chOff x="5035291" y="4256918"/>
-              <a:chExt cx="4683534" cy="2711415"/>
+              <a:off x="6764939" y="2394625"/>
+              <a:ext cx="4683534" cy="2722873"/>
+              <a:chOff x="5442913" y="3529360"/>
+              <a:chExt cx="4683534" cy="2722873"/>
             </a:xfrm>
           </p:grpSpPr>
           <p:grpSp>
             <p:nvGrpSpPr>
-              <p:cNvPr id="42" name="Group 41">
+              <p:cNvPr id="1025" name="Group 1024">
                 <a:extLst>
                   <a:ext uri="{FF2B5EF4-FFF2-40B4-BE49-F238E27FC236}">
-                    <a16:creationId xmlns:a16="http://schemas.microsoft.com/office/drawing/2014/main" id="{96437DD1-E425-FAA5-AF08-76AF8319D9C9}"/>
+                    <a16:creationId xmlns:a16="http://schemas.microsoft.com/office/drawing/2014/main" id="{8514FF50-A756-F0E1-9342-2A882B4D6DB6}"/>
                   </a:ext>
                 </a:extLst>
               </p:cNvPr>
@@ -7957,18 +8434,18 @@
             </p:nvGrpSpPr>
             <p:grpSpPr>
               <a:xfrm>
-                <a:off x="5035291" y="4256918"/>
-                <a:ext cx="3897097" cy="2711415"/>
-                <a:chOff x="7249867" y="3185335"/>
-                <a:chExt cx="3897097" cy="2711415"/>
+                <a:off x="5442913" y="3540818"/>
+                <a:ext cx="4683534" cy="2711415"/>
+                <a:chOff x="5035291" y="4256918"/>
+                <a:chExt cx="4683534" cy="2711415"/>
               </a:xfrm>
             </p:grpSpPr>
             <p:grpSp>
               <p:nvGrpSpPr>
-                <p:cNvPr id="43" name="Group 42">
+                <p:cNvPr id="42" name="Group 41">
                   <a:extLst>
                     <a:ext uri="{FF2B5EF4-FFF2-40B4-BE49-F238E27FC236}">
-                      <a16:creationId xmlns:a16="http://schemas.microsoft.com/office/drawing/2014/main" id="{516FB237-5E46-DEF7-8160-B3DB485E3CC1}"/>
+                      <a16:creationId xmlns:a16="http://schemas.microsoft.com/office/drawing/2014/main" id="{96437DD1-E425-FAA5-AF08-76AF8319D9C9}"/>
                     </a:ext>
                   </a:extLst>
                 </p:cNvPr>
@@ -7977,51 +8454,18 @@
               </p:nvGrpSpPr>
               <p:grpSpPr>
                 <a:xfrm>
-                  <a:off x="7384682" y="3185335"/>
-                  <a:ext cx="3762282" cy="2366606"/>
-                  <a:chOff x="7152461" y="3504292"/>
-                  <a:chExt cx="4837308" cy="2962052"/>
+                  <a:off x="5035291" y="4256918"/>
+                  <a:ext cx="3897097" cy="2711415"/>
+                  <a:chOff x="7249867" y="3185335"/>
+                  <a:chExt cx="3897097" cy="2711415"/>
                 </a:xfrm>
               </p:grpSpPr>
-              <p:pic>
-                <p:nvPicPr>
-                  <p:cNvPr id="46" name="Picture 45">
+              <p:grpSp>
+                <p:nvGrpSpPr>
+                  <p:cNvPr id="43" name="Group 42">
                     <a:extLst>
                       <a:ext uri="{FF2B5EF4-FFF2-40B4-BE49-F238E27FC236}">
-                        <a16:creationId xmlns:a16="http://schemas.microsoft.com/office/drawing/2014/main" id="{55F3C7A5-DB82-3C95-CEBB-7E4D1EF0FC22}"/>
-                      </a:ext>
-                    </a:extLst>
-                  </p:cNvPr>
-                  <p:cNvPicPr>
-                    <a:picLocks noChangeAspect="1"/>
-                  </p:cNvPicPr>
-                  <p:nvPr/>
-                </p:nvPicPr>
-                <p:blipFill>
-                  <a:blip r:embed="rId7"/>
-                  <a:stretch>
-                    <a:fillRect/>
-                  </a:stretch>
-                </p:blipFill>
-                <p:spPr>
-                  <a:xfrm>
-                    <a:off x="7152461" y="3504292"/>
-                    <a:ext cx="4837308" cy="2962052"/>
-                  </a:xfrm>
-                  <a:prstGeom prst="rect">
-                    <a:avLst/>
-                  </a:prstGeom>
-                  <a:ln>
-                    <a:noFill/>
-                  </a:ln>
-                </p:spPr>
-              </p:pic>
-              <p:grpSp>
-                <p:nvGrpSpPr>
-                  <p:cNvPr id="47" name="Group 46">
-                    <a:extLst>
-                      <a:ext uri="{FF2B5EF4-FFF2-40B4-BE49-F238E27FC236}">
-                        <a16:creationId xmlns:a16="http://schemas.microsoft.com/office/drawing/2014/main" id="{861B60FB-2B5D-198E-B155-750B2A199DCD}"/>
+                        <a16:creationId xmlns:a16="http://schemas.microsoft.com/office/drawing/2014/main" id="{516FB237-5E46-DEF7-8160-B3DB485E3CC1}"/>
                       </a:ext>
                     </a:extLst>
                   </p:cNvPr>
@@ -8030,74 +8474,18 @@
                 </p:nvGrpSpPr>
                 <p:grpSpPr>
                   <a:xfrm>
-                    <a:off x="7816850" y="4460422"/>
-                    <a:ext cx="961012" cy="1142103"/>
-                    <a:chOff x="3593192" y="3705680"/>
-                    <a:chExt cx="961012" cy="1142103"/>
+                    <a:off x="7384682" y="3185335"/>
+                    <a:ext cx="3762282" cy="2366606"/>
+                    <a:chOff x="7152461" y="3504292"/>
+                    <a:chExt cx="4837308" cy="2962052"/>
                   </a:xfrm>
                 </p:grpSpPr>
-                <p:sp>
-                  <p:nvSpPr>
-                    <p:cNvPr id="48" name="Can 47">
+                <p:pic>
+                  <p:nvPicPr>
+                    <p:cNvPr id="46" name="Picture 45">
                       <a:extLst>
                         <a:ext uri="{FF2B5EF4-FFF2-40B4-BE49-F238E27FC236}">
-                          <a16:creationId xmlns:a16="http://schemas.microsoft.com/office/drawing/2014/main" id="{5A8ACEAB-D56D-7C0E-FEFF-2C68E3DA8D76}"/>
-                        </a:ext>
-                      </a:extLst>
-                    </p:cNvPr>
-                    <p:cNvSpPr/>
-                    <p:nvPr/>
-                  </p:nvSpPr>
-                  <p:spPr>
-                    <a:xfrm>
-                      <a:off x="3939954" y="4525044"/>
-                      <a:ext cx="269189" cy="322739"/>
-                    </a:xfrm>
-                    <a:prstGeom prst="can">
-                      <a:avLst/>
-                    </a:prstGeom>
-                    <a:solidFill>
-                      <a:schemeClr val="bg1">
-                        <a:lumMod val="85000"/>
-                      </a:schemeClr>
-                    </a:solidFill>
-                    <a:ln>
-                      <a:solidFill>
-                        <a:schemeClr val="tx1"/>
-                      </a:solidFill>
-                    </a:ln>
-                  </p:spPr>
-                  <p:style>
-                    <a:lnRef idx="2">
-                      <a:schemeClr val="accent1">
-                        <a:shade val="50000"/>
-                      </a:schemeClr>
-                    </a:lnRef>
-                    <a:fillRef idx="1">
-                      <a:schemeClr val="accent1"/>
-                    </a:fillRef>
-                    <a:effectRef idx="0">
-                      <a:schemeClr val="accent1"/>
-                    </a:effectRef>
-                    <a:fontRef idx="minor">
-                      <a:schemeClr val="lt1"/>
-                    </a:fontRef>
-                  </p:style>
-                  <p:txBody>
-                    <a:bodyPr rtlCol="0" anchor="ctr"/>
-                    <a:lstStyle/>
-                    <a:p>
-                      <a:pPr algn="ctr"/>
-                      <a:endParaRPr lang="en-DK"/>
-                    </a:p>
-                  </p:txBody>
-                </p:sp>
-                <p:pic>
-                  <p:nvPicPr>
-                    <p:cNvPr id="49" name="Picture 48">
-                      <a:extLst>
-                        <a:ext uri="{FF2B5EF4-FFF2-40B4-BE49-F238E27FC236}">
-                          <a16:creationId xmlns:a16="http://schemas.microsoft.com/office/drawing/2014/main" id="{4384AA49-944D-E376-5C2F-1A5702116DB3}"/>
+                          <a16:creationId xmlns:a16="http://schemas.microsoft.com/office/drawing/2014/main" id="{55F3C7A5-DB82-3C95-CEBB-7E4D1EF0FC22}"/>
                         </a:ext>
                       </a:extLst>
                     </p:cNvPr>
@@ -8107,77 +8495,230 @@
                     <p:nvPr/>
                   </p:nvPicPr>
                   <p:blipFill>
-                    <a:blip r:embed="rId8"/>
+                    <a:blip r:embed="rId7"/>
                     <a:stretch>
                       <a:fillRect/>
                     </a:stretch>
                   </p:blipFill>
                   <p:spPr>
                     <a:xfrm>
-                      <a:off x="3593192" y="3705680"/>
-                      <a:ext cx="961012" cy="532496"/>
+                      <a:off x="7152461" y="3504292"/>
+                      <a:ext cx="4837308" cy="2962052"/>
                     </a:xfrm>
                     <a:prstGeom prst="rect">
                       <a:avLst/>
                     </a:prstGeom>
                     <a:ln>
-                      <a:solidFill>
-                        <a:schemeClr val="tx1"/>
-                      </a:solidFill>
+                      <a:noFill/>
                     </a:ln>
                   </p:spPr>
                 </p:pic>
-                <p:cxnSp>
-                  <p:nvCxnSpPr>
-                    <p:cNvPr id="50" name="Straight Arrow Connector 49">
+                <p:grpSp>
+                  <p:nvGrpSpPr>
+                    <p:cNvPr id="47" name="Group 46">
                       <a:extLst>
                         <a:ext uri="{FF2B5EF4-FFF2-40B4-BE49-F238E27FC236}">
-                          <a16:creationId xmlns:a16="http://schemas.microsoft.com/office/drawing/2014/main" id="{AF04E2B6-D371-2A40-1819-4519A7BBADC6}"/>
+                          <a16:creationId xmlns:a16="http://schemas.microsoft.com/office/drawing/2014/main" id="{861B60FB-2B5D-198E-B155-750B2A199DCD}"/>
                         </a:ext>
                       </a:extLst>
                     </p:cNvPr>
-                    <p:cNvCxnSpPr/>
+                    <p:cNvGrpSpPr/>
                     <p:nvPr/>
-                  </p:nvCxnSpPr>
-                  <p:spPr>
+                  </p:nvGrpSpPr>
+                  <p:grpSpPr>
                     <a:xfrm>
-                      <a:off x="4078511" y="4238176"/>
-                      <a:ext cx="0" cy="270000"/>
+                      <a:off x="7816850" y="4460422"/>
+                      <a:ext cx="961012" cy="1269942"/>
+                      <a:chOff x="3593192" y="3705680"/>
+                      <a:chExt cx="961012" cy="1269942"/>
                     </a:xfrm>
-                    <a:prstGeom prst="straightConnector1">
-                      <a:avLst/>
-                    </a:prstGeom>
-                    <a:ln w="19050">
+                  </p:grpSpPr>
+                  <p:sp>
+                    <p:nvSpPr>
+                      <p:cNvPr id="48" name="Can 47">
+                        <a:extLst>
+                          <a:ext uri="{FF2B5EF4-FFF2-40B4-BE49-F238E27FC236}">
+                            <a16:creationId xmlns:a16="http://schemas.microsoft.com/office/drawing/2014/main" id="{5A8ACEAB-D56D-7C0E-FEFF-2C68E3DA8D76}"/>
+                          </a:ext>
+                        </a:extLst>
+                      </p:cNvPr>
+                      <p:cNvSpPr/>
+                      <p:nvPr/>
+                    </p:nvSpPr>
+                    <p:spPr>
+                      <a:xfrm>
+                        <a:off x="3904325" y="4525045"/>
+                        <a:ext cx="462866" cy="450577"/>
+                      </a:xfrm>
+                      <a:prstGeom prst="can">
+                        <a:avLst/>
+                      </a:prstGeom>
                       <a:solidFill>
+                        <a:schemeClr val="bg1">
+                          <a:lumMod val="85000"/>
+                        </a:schemeClr>
+                      </a:solidFill>
+                      <a:ln>
+                        <a:solidFill>
+                          <a:schemeClr val="tx1"/>
+                        </a:solidFill>
+                      </a:ln>
+                    </p:spPr>
+                    <p:style>
+                      <a:lnRef idx="2">
+                        <a:schemeClr val="accent1">
+                          <a:shade val="50000"/>
+                        </a:schemeClr>
+                      </a:lnRef>
+                      <a:fillRef idx="1">
+                        <a:schemeClr val="accent1"/>
+                      </a:fillRef>
+                      <a:effectRef idx="0">
+                        <a:schemeClr val="accent1"/>
+                      </a:effectRef>
+                      <a:fontRef idx="minor">
+                        <a:schemeClr val="lt1"/>
+                      </a:fontRef>
+                    </p:style>
+                    <p:txBody>
+                      <a:bodyPr rtlCol="0" anchor="ctr"/>
+                      <a:lstStyle/>
+                      <a:p>
+                        <a:pPr algn="ctr"/>
+                        <a:endParaRPr lang="en-DK"/>
+                      </a:p>
+                    </p:txBody>
+                  </p:sp>
+                  <p:pic>
+                    <p:nvPicPr>
+                      <p:cNvPr id="49" name="Picture 48">
+                        <a:extLst>
+                          <a:ext uri="{FF2B5EF4-FFF2-40B4-BE49-F238E27FC236}">
+                            <a16:creationId xmlns:a16="http://schemas.microsoft.com/office/drawing/2014/main" id="{4384AA49-944D-E376-5C2F-1A5702116DB3}"/>
+                          </a:ext>
+                        </a:extLst>
+                      </p:cNvPr>
+                      <p:cNvPicPr>
+                        <a:picLocks noChangeAspect="1"/>
+                      </p:cNvPicPr>
+                      <p:nvPr/>
+                    </p:nvPicPr>
+                    <p:blipFill>
+                      <a:blip r:embed="rId8"/>
+                      <a:stretch>
+                        <a:fillRect/>
+                      </a:stretch>
+                    </p:blipFill>
+                    <p:spPr>
+                      <a:xfrm>
+                        <a:off x="3593192" y="3705680"/>
+                        <a:ext cx="961012" cy="532496"/>
+                      </a:xfrm>
+                      <a:prstGeom prst="rect">
+                        <a:avLst/>
+                      </a:prstGeom>
+                      <a:ln>
+                        <a:solidFill>
+                          <a:schemeClr val="tx1"/>
+                        </a:solidFill>
+                      </a:ln>
+                    </p:spPr>
+                  </p:pic>
+                  <p:cxnSp>
+                    <p:nvCxnSpPr>
+                      <p:cNvPr id="50" name="Straight Arrow Connector 49">
+                        <a:extLst>
+                          <a:ext uri="{FF2B5EF4-FFF2-40B4-BE49-F238E27FC236}">
+                            <a16:creationId xmlns:a16="http://schemas.microsoft.com/office/drawing/2014/main" id="{AF04E2B6-D371-2A40-1819-4519A7BBADC6}"/>
+                          </a:ext>
+                        </a:extLst>
+                      </p:cNvPr>
+                      <p:cNvCxnSpPr/>
+                      <p:nvPr/>
+                    </p:nvCxnSpPr>
+                    <p:spPr>
+                      <a:xfrm>
+                        <a:off x="4096324" y="4238176"/>
+                        <a:ext cx="0" cy="270000"/>
+                      </a:xfrm>
+                      <a:prstGeom prst="straightConnector1">
+                        <a:avLst/>
+                      </a:prstGeom>
+                      <a:ln w="19050">
+                        <a:solidFill>
+                          <a:schemeClr val="tx1"/>
+                        </a:solidFill>
+                        <a:headEnd type="triangle"/>
+                        <a:tailEnd type="triangle"/>
+                      </a:ln>
+                    </p:spPr>
+                    <p:style>
+                      <a:lnRef idx="1">
+                        <a:schemeClr val="accent1"/>
+                      </a:lnRef>
+                      <a:fillRef idx="0">
+                        <a:schemeClr val="accent1"/>
+                      </a:fillRef>
+                      <a:effectRef idx="0">
+                        <a:schemeClr val="accent1"/>
+                      </a:effectRef>
+                      <a:fontRef idx="minor">
                         <a:schemeClr val="tx1"/>
-                      </a:solidFill>
-                      <a:headEnd type="triangle"/>
-                      <a:tailEnd type="triangle"/>
-                    </a:ln>
-                  </p:spPr>
-                  <p:style>
-                    <a:lnRef idx="1">
-                      <a:schemeClr val="accent1"/>
-                    </a:lnRef>
-                    <a:fillRef idx="0">
-                      <a:schemeClr val="accent1"/>
-                    </a:fillRef>
-                    <a:effectRef idx="0">
-                      <a:schemeClr val="accent1"/>
-                    </a:effectRef>
-                    <a:fontRef idx="minor">
-                      <a:schemeClr val="tx1"/>
-                    </a:fontRef>
-                  </p:style>
-                </p:cxnSp>
+                      </a:fontRef>
+                    </p:style>
+                  </p:cxnSp>
+                </p:grpSp>
               </p:grpSp>
+              <p:sp>
+                <p:nvSpPr>
+                  <p:cNvPr id="45" name="TextBox 44">
+                    <a:extLst>
+                      <a:ext uri="{FF2B5EF4-FFF2-40B4-BE49-F238E27FC236}">
+                        <a16:creationId xmlns:a16="http://schemas.microsoft.com/office/drawing/2014/main" id="{A0207A16-278E-DD08-C35D-001A154B9BCD}"/>
+                      </a:ext>
+                    </a:extLst>
+                  </p:cNvPr>
+                  <p:cNvSpPr txBox="1"/>
+                  <p:nvPr/>
+                </p:nvSpPr>
+                <p:spPr>
+                  <a:xfrm>
+                    <a:off x="7249867" y="5250419"/>
+                    <a:ext cx="2566348" cy="646331"/>
+                  </a:xfrm>
+                  <a:prstGeom prst="rect">
+                    <a:avLst/>
+                  </a:prstGeom>
+                  <a:noFill/>
+                  <a:ln>
+                    <a:noFill/>
+                  </a:ln>
+                </p:spPr>
+                <p:txBody>
+                  <a:bodyPr wrap="square" rtlCol="0">
+                    <a:spAutoFit/>
+                  </a:bodyPr>
+                  <a:lstStyle/>
+                  <a:p>
+                    <a:pPr algn="ctr"/>
+                    <a:r>
+                      <a:rPr lang="en-US" b="1" i="1" dirty="0">
+                        <a:solidFill>
+                          <a:schemeClr val="tx1"/>
+                        </a:solidFill>
+                      </a:rPr>
+                      <a:t>The last 10%. That makes the difference</a:t>
+                    </a:r>
+                  </a:p>
+                </p:txBody>
+              </p:sp>
             </p:grpSp>
             <p:sp>
               <p:nvSpPr>
-                <p:cNvPr id="45" name="TextBox 44">
+                <p:cNvPr id="1024" name="TextBox 1023">
                   <a:extLst>
                     <a:ext uri="{FF2B5EF4-FFF2-40B4-BE49-F238E27FC236}">
-                      <a16:creationId xmlns:a16="http://schemas.microsoft.com/office/drawing/2014/main" id="{A0207A16-278E-DD08-C35D-001A154B9BCD}"/>
+                      <a16:creationId xmlns:a16="http://schemas.microsoft.com/office/drawing/2014/main" id="{8E7D8C50-F2BE-0A90-8C02-D59B084B65BB}"/>
                     </a:ext>
                   </a:extLst>
                 </p:cNvPr>
@@ -8186,16 +8727,13 @@
               </p:nvSpPr>
               <p:spPr>
                 <a:xfrm>
-                  <a:off x="7249867" y="5250419"/>
-                  <a:ext cx="2566348" cy="646331"/>
+                  <a:off x="8013374" y="5527124"/>
+                  <a:ext cx="1705451" cy="369332"/>
                 </a:xfrm>
                 <a:prstGeom prst="rect">
                   <a:avLst/>
                 </a:prstGeom>
                 <a:noFill/>
-                <a:ln>
-                  <a:noFill/>
-                </a:ln>
               </p:spPr>
               <p:txBody>
                 <a:bodyPr wrap="square" rtlCol="0">
@@ -8203,14 +8741,9 @@
                 </a:bodyPr>
                 <a:lstStyle/>
                 <a:p>
-                  <a:pPr algn="ctr"/>
                   <a:r>
-                    <a:rPr lang="en-US" b="1" i="1" dirty="0">
-                      <a:solidFill>
-                        <a:schemeClr val="tx1"/>
-                      </a:solidFill>
-                    </a:rPr>
-                    <a:t>The last 10%. That makes the difference</a:t>
+                    <a:rPr lang="en-DK" b="1" i="1" dirty="0"/>
+                    <a:t>FutureForms</a:t>
                   </a:r>
                 </a:p>
               </p:txBody>
@@ -8218,10 +8751,10 @@
           </p:grpSp>
           <p:sp>
             <p:nvSpPr>
-              <p:cNvPr id="1024" name="TextBox 1023">
+              <p:cNvPr id="21" name="Tekstfelt 60">
                 <a:extLst>
                   <a:ext uri="{FF2B5EF4-FFF2-40B4-BE49-F238E27FC236}">
-                    <a16:creationId xmlns:a16="http://schemas.microsoft.com/office/drawing/2014/main" id="{8E7D8C50-F2BE-0A90-8C02-D59B084B65BB}"/>
+                    <a16:creationId xmlns:a16="http://schemas.microsoft.com/office/drawing/2014/main" id="{78D3E908-BDC2-28FB-ED83-33237CC475B3}"/>
                   </a:ext>
                 </a:extLst>
               </p:cNvPr>
@@ -8230,8 +8763,8 @@
             </p:nvSpPr>
             <p:spPr>
               <a:xfrm>
-                <a:off x="8013374" y="5527124"/>
-                <a:ext cx="1705451" cy="369332"/>
+                <a:off x="5793244" y="3529360"/>
+                <a:ext cx="1308823" cy="307777"/>
               </a:xfrm>
               <a:prstGeom prst="rect">
                 <a:avLst/>
@@ -8244,100 +8777,65 @@
               </a:bodyPr>
               <a:lstStyle/>
               <a:p>
+                <a:pPr algn="ctr"/>
                 <a:r>
-                  <a:rPr lang="en-DK" b="1" i="1" dirty="0"/>
-                  <a:t>FutureForms</a:t>
+                  <a:rPr lang="da-DK" sz="1400" b="1" i="1" dirty="0">
+                    <a:latin typeface="+mj-lt"/>
+                  </a:rPr>
+                  <a:t>Custom</a:t>
                 </a:r>
               </a:p>
             </p:txBody>
           </p:sp>
         </p:grpSp>
-        <p:sp>
-          <p:nvSpPr>
-            <p:cNvPr id="21" name="Tekstfelt 60">
+        <p:cxnSp>
+          <p:nvCxnSpPr>
+            <p:cNvPr id="26" name="Straight Arrow Connector 25">
               <a:extLst>
                 <a:ext uri="{FF2B5EF4-FFF2-40B4-BE49-F238E27FC236}">
-                  <a16:creationId xmlns:a16="http://schemas.microsoft.com/office/drawing/2014/main" id="{78D3E908-BDC2-28FB-ED83-33237CC475B3}"/>
+                  <a16:creationId xmlns:a16="http://schemas.microsoft.com/office/drawing/2014/main" id="{BD54FB0C-FB0E-7F7D-AB0E-E9117C13AF6B}"/>
                 </a:ext>
               </a:extLst>
             </p:cNvPr>
-            <p:cNvSpPr txBox="1"/>
+            <p:cNvCxnSpPr>
+              <a:cxnSpLocks/>
+            </p:cNvCxnSpPr>
             <p:nvPr/>
-          </p:nvSpPr>
+          </p:nvCxnSpPr>
           <p:spPr>
-            <a:xfrm>
-              <a:off x="5793244" y="3529360"/>
-              <a:ext cx="1308823" cy="307777"/>
+            <a:xfrm flipH="1" flipV="1">
+              <a:off x="3657810" y="2271469"/>
+              <a:ext cx="3564293" cy="701452"/>
             </a:xfrm>
-            <a:prstGeom prst="rect">
+            <a:prstGeom prst="straightConnector1">
               <a:avLst/>
             </a:prstGeom>
-            <a:noFill/>
+            <a:ln w="19050">
+              <a:solidFill>
+                <a:schemeClr val="bg1">
+                  <a:lumMod val="50000"/>
+                </a:schemeClr>
+              </a:solidFill>
+              <a:headEnd type="triangle" w="med" len="med"/>
+              <a:tailEnd type="triangle" w="med" len="med"/>
+            </a:ln>
           </p:spPr>
-          <p:txBody>
-            <a:bodyPr wrap="square" rtlCol="0">
-              <a:spAutoFit/>
-            </a:bodyPr>
-            <a:lstStyle/>
-            <a:p>
-              <a:pPr algn="ctr"/>
-              <a:r>
-                <a:rPr lang="da-DK" sz="1400" b="1" i="1" dirty="0">
-                  <a:latin typeface="+mj-lt"/>
-                </a:rPr>
-                <a:t>Custom</a:t>
-              </a:r>
-            </a:p>
-          </p:txBody>
-        </p:sp>
+          <p:style>
+            <a:lnRef idx="1">
+              <a:schemeClr val="accent1"/>
+            </a:lnRef>
+            <a:fillRef idx="0">
+              <a:schemeClr val="accent1"/>
+            </a:fillRef>
+            <a:effectRef idx="0">
+              <a:schemeClr val="accent1"/>
+            </a:effectRef>
+            <a:fontRef idx="minor">
+              <a:schemeClr val="tx1"/>
+            </a:fontRef>
+          </p:style>
+        </p:cxnSp>
       </p:grpSp>
-      <p:cxnSp>
-        <p:nvCxnSpPr>
-          <p:cNvPr id="26" name="Straight Arrow Connector 25">
-            <a:extLst>
-              <a:ext uri="{FF2B5EF4-FFF2-40B4-BE49-F238E27FC236}">
-                <a16:creationId xmlns:a16="http://schemas.microsoft.com/office/drawing/2014/main" id="{BD54FB0C-FB0E-7F7D-AB0E-E9117C13AF6B}"/>
-              </a:ext>
-            </a:extLst>
-          </p:cNvPr>
-          <p:cNvCxnSpPr>
-            <a:cxnSpLocks/>
-          </p:cNvCxnSpPr>
-          <p:nvPr/>
-        </p:nvCxnSpPr>
-        <p:spPr>
-          <a:xfrm flipH="1" flipV="1">
-            <a:off x="3657810" y="2271469"/>
-            <a:ext cx="3564293" cy="701452"/>
-          </a:xfrm>
-          <a:prstGeom prst="straightConnector1">
-            <a:avLst/>
-          </a:prstGeom>
-          <a:ln w="19050">
-            <a:solidFill>
-              <a:schemeClr val="bg1">
-                <a:lumMod val="50000"/>
-              </a:schemeClr>
-            </a:solidFill>
-            <a:headEnd type="triangle" w="med" len="med"/>
-            <a:tailEnd type="triangle" w="med" len="med"/>
-          </a:ln>
-        </p:spPr>
-        <p:style>
-          <a:lnRef idx="1">
-            <a:schemeClr val="accent1"/>
-          </a:lnRef>
-          <a:fillRef idx="0">
-            <a:schemeClr val="accent1"/>
-          </a:fillRef>
-          <a:effectRef idx="0">
-            <a:schemeClr val="accent1"/>
-          </a:effectRef>
-          <a:fontRef idx="minor">
-            <a:schemeClr val="tx1"/>
-          </a:fontRef>
-        </p:style>
-      </p:cxnSp>
     </p:spTree>
     <p:extLst>
       <p:ext uri="{BB962C8B-B14F-4D97-AF65-F5344CB8AC3E}">
@@ -8382,7 +8880,7 @@
                                           </p:stCondLst>
                                         </p:cTn>
                                         <p:tgtEl>
-                                          <p:spTgt spid="22"/>
+                                          <p:spTgt spid="33"/>
                                         </p:tgtEl>
                                         <p:attrNameLst>
                                           <p:attrName>style.visibility</p:attrName>
@@ -9682,6 +10180,244 @@
             <a:pPr algn="ctr"/>
             <a:r>
               <a:rPr lang="en-DK" sz="3200" dirty="0"/>
+              <a:t>HTML Generator</a:t>
+            </a:r>
+          </a:p>
+        </p:txBody>
+      </p:sp>
+      <p:sp>
+        <p:nvSpPr>
+          <p:cNvPr id="22" name="TextBox 21">
+            <a:extLst>
+              <a:ext uri="{FF2B5EF4-FFF2-40B4-BE49-F238E27FC236}">
+                <a16:creationId xmlns:a16="http://schemas.microsoft.com/office/drawing/2014/main" id="{29BB408D-1AAA-62BA-AB50-020F4BECD312}"/>
+              </a:ext>
+            </a:extLst>
+          </p:cNvPr>
+          <p:cNvSpPr txBox="1"/>
+          <p:nvPr/>
+        </p:nvSpPr>
+        <p:spPr>
+          <a:xfrm>
+            <a:off x="4082142" y="1219199"/>
+            <a:ext cx="4027716" cy="4887687"/>
+          </a:xfrm>
+          <a:prstGeom prst="rect">
+            <a:avLst/>
+          </a:prstGeom>
+          <a:noFill/>
+        </p:spPr>
+        <p:txBody>
+          <a:bodyPr wrap="square" rtlCol="0">
+            <a:noAutofit/>
+          </a:bodyPr>
+          <a:lstStyle/>
+          <a:p>
+            <a:pPr algn="ctr"/>
+            <a:r>
+              <a:rPr lang="en-GB" sz="2000" b="1" i="1" dirty="0"/>
+              <a:t>Command line tool</a:t>
+            </a:r>
+          </a:p>
+          <a:p>
+            <a:endParaRPr lang="en-GB" b="1" i="1" dirty="0"/>
+          </a:p>
+          <a:p>
+            <a:r>
+              <a:rPr lang="en-GB" b="1" i="1" dirty="0"/>
+              <a:t>h</a:t>
+            </a:r>
+            <a:r>
+              <a:rPr lang="en-DK" b="1" i="1" dirty="0"/>
+              <a:t>tmlgen</a:t>
+            </a:r>
+            <a:r>
+              <a:rPr lang="en-DK" dirty="0"/>
+              <a:t> [options] table template</a:t>
+            </a:r>
+          </a:p>
+          <a:p>
+            <a:endParaRPr lang="en-DK" dirty="0"/>
+          </a:p>
+          <a:p>
+            <a:endParaRPr lang="en-DK" dirty="0"/>
+          </a:p>
+          <a:p>
+            <a:r>
+              <a:rPr lang="en-DK" b="1" dirty="0"/>
+              <a:t>Iterative process</a:t>
+            </a:r>
+            <a:r>
+              <a:rPr lang="en-DK" dirty="0"/>
+              <a:t>:</a:t>
+            </a:r>
+          </a:p>
+          <a:p>
+            <a:endParaRPr lang="en-DK" dirty="0"/>
+          </a:p>
+          <a:p>
+            <a:pPr marL="285750" indent="-285750">
+              <a:buFont typeface="Arial" panose="020B0604020202020204" pitchFamily="34" charset="0"/>
+              <a:buChar char="•"/>
+            </a:pPr>
+            <a:r>
+              <a:rPr lang="en-DK" dirty="0"/>
+              <a:t>Extract properties from </a:t>
+            </a:r>
+            <a:r>
+              <a:rPr lang="en-GB" dirty="0"/>
+              <a:t>the </a:t>
+            </a:r>
+            <a:r>
+              <a:rPr lang="en-DK" dirty="0"/>
+              <a:t>database</a:t>
+            </a:r>
+          </a:p>
+          <a:p>
+            <a:pPr marL="285750" indent="-285750">
+              <a:buFont typeface="Arial" panose="020B0604020202020204" pitchFamily="34" charset="0"/>
+              <a:buChar char="•"/>
+            </a:pPr>
+            <a:r>
+              <a:rPr lang="en-DK" dirty="0"/>
+              <a:t>Merge properties with template</a:t>
+            </a:r>
+            <a:r>
+              <a:rPr lang="da-DK" dirty="0"/>
+              <a:t>.html</a:t>
+            </a:r>
+            <a:endParaRPr lang="en-DK" dirty="0"/>
+          </a:p>
+          <a:p>
+            <a:pPr marL="285750" indent="-285750">
+              <a:buFont typeface="Arial" panose="020B0604020202020204" pitchFamily="34" charset="0"/>
+              <a:buChar char="•"/>
+            </a:pPr>
+            <a:r>
+              <a:rPr lang="en-DK" dirty="0"/>
+              <a:t>Edit properties and template</a:t>
+            </a:r>
+          </a:p>
+          <a:p>
+            <a:endParaRPr lang="en-GB" dirty="0"/>
+          </a:p>
+          <a:p>
+            <a:endParaRPr lang="en-GB" dirty="0"/>
+          </a:p>
+          <a:p>
+            <a:r>
+              <a:rPr lang="en-GB" b="1" dirty="0"/>
+              <a:t>T</a:t>
+            </a:r>
+            <a:r>
+              <a:rPr lang="en-DK" b="1" dirty="0"/>
+              <a:t>emplates</a:t>
+            </a:r>
+            <a:r>
+              <a:rPr lang="en-DK" dirty="0"/>
+              <a:t>:</a:t>
+            </a:r>
+          </a:p>
+          <a:p>
+            <a:endParaRPr lang="en-DK" dirty="0"/>
+          </a:p>
+          <a:p>
+            <a:pPr marL="285750" indent="-285750">
+              <a:buFont typeface="Arial" panose="020B0604020202020204" pitchFamily="34" charset="0"/>
+              <a:buChar char="•"/>
+            </a:pPr>
+            <a:r>
+              <a:rPr lang="en-DK" dirty="0"/>
+              <a:t>Form template &lt;input&gt;</a:t>
+            </a:r>
+          </a:p>
+          <a:p>
+            <a:pPr marL="285750" indent="-285750">
+              <a:buFont typeface="Arial" panose="020B0604020202020204" pitchFamily="34" charset="0"/>
+              <a:buChar char="•"/>
+            </a:pPr>
+            <a:r>
+              <a:rPr lang="en-DK" dirty="0"/>
+              <a:t>Report template &lt;span&gt;</a:t>
+            </a:r>
+          </a:p>
+          <a:p>
+            <a:pPr marL="285750" indent="-285750">
+              <a:buFont typeface="Arial" panose="020B0604020202020204" pitchFamily="34" charset="0"/>
+              <a:buChar char="•"/>
+            </a:pPr>
+            <a:r>
+              <a:rPr lang="en-DK" dirty="0"/>
+              <a:t>Make your own templates</a:t>
+            </a:r>
+          </a:p>
+          <a:p>
+            <a:endParaRPr lang="en-DK" dirty="0"/>
+          </a:p>
+          <a:p>
+            <a:endParaRPr lang="en-DK" dirty="0"/>
+          </a:p>
+        </p:txBody>
+      </p:sp>
+    </p:spTree>
+    <p:extLst>
+      <p:ext uri="{BB962C8B-B14F-4D97-AF65-F5344CB8AC3E}">
+        <p14:creationId xmlns:p14="http://schemas.microsoft.com/office/powerpoint/2010/main" val="4029136756"/>
+      </p:ext>
+    </p:extLst>
+  </p:cSld>
+  <p:clrMapOvr>
+    <a:masterClrMapping/>
+  </p:clrMapOvr>
+</p:sld>
+</file>
+
+<file path=ppt/slides/slide8.xml><?xml version="1.0" encoding="utf-8"?>
+<p:sld xmlns:a="http://schemas.openxmlformats.org/drawingml/2006/main" xmlns:r="http://schemas.openxmlformats.org/officeDocument/2006/relationships" xmlns:p="http://schemas.openxmlformats.org/presentationml/2006/main">
+  <p:cSld>
+    <p:spTree>
+      <p:nvGrpSpPr>
+        <p:cNvPr id="1" name=""/>
+        <p:cNvGrpSpPr/>
+        <p:nvPr/>
+      </p:nvGrpSpPr>
+      <p:grpSpPr>
+        <a:xfrm>
+          <a:off x="0" y="0"/>
+          <a:ext cx="0" cy="0"/>
+          <a:chOff x="0" y="0"/>
+          <a:chExt cx="0" cy="0"/>
+        </a:xfrm>
+      </p:grpSpPr>
+      <p:sp>
+        <p:nvSpPr>
+          <p:cNvPr id="1031" name="Title 1030">
+            <a:extLst>
+              <a:ext uri="{FF2B5EF4-FFF2-40B4-BE49-F238E27FC236}">
+                <a16:creationId xmlns:a16="http://schemas.microsoft.com/office/drawing/2014/main" id="{22D09CA6-2F33-D374-D436-2CE7ED5D5D85}"/>
+              </a:ext>
+            </a:extLst>
+          </p:cNvPr>
+          <p:cNvSpPr>
+            <a:spLocks noGrp="1"/>
+          </p:cNvSpPr>
+          <p:nvPr>
+            <p:ph type="title"/>
+          </p:nvPr>
+        </p:nvSpPr>
+        <p:spPr>
+          <a:xfrm>
+            <a:off x="838200" y="72485"/>
+            <a:ext cx="10515600" cy="1325563"/>
+          </a:xfrm>
+        </p:spPr>
+        <p:txBody>
+          <a:bodyPr anchor="t"/>
+          <a:lstStyle/>
+          <a:p>
+            <a:pPr algn="ctr"/>
+            <a:r>
+              <a:rPr lang="en-DK" sz="3200" dirty="0"/>
               <a:t>FutureForms</a:t>
             </a:r>
           </a:p>
@@ -10125,7 +10861,7 @@
 </p:sld>
 </file>
 
-<file path=ppt/slides/slide8.xml><?xml version="1.0" encoding="utf-8"?>
+<file path=ppt/slides/slide9.xml><?xml version="1.0" encoding="utf-8"?>
 <p:sld xmlns:a="http://schemas.openxmlformats.org/drawingml/2006/main" xmlns:r="http://schemas.openxmlformats.org/officeDocument/2006/relationships" xmlns:p="http://schemas.openxmlformats.org/presentationml/2006/main">
   <p:cSld>
     <p:spTree>
@@ -10857,406 +11593,6 @@
 </p:sld>
 </file>
 
-<file path=ppt/slides/slide9.xml><?xml version="1.0" encoding="utf-8"?>
-<p:sld xmlns:a="http://schemas.openxmlformats.org/drawingml/2006/main" xmlns:r="http://schemas.openxmlformats.org/officeDocument/2006/relationships" xmlns:p="http://schemas.openxmlformats.org/presentationml/2006/main">
-  <p:cSld>
-    <p:bg>
-      <p:bgPr>
-        <a:solidFill>
-          <a:schemeClr val="bg1"/>
-        </a:solidFill>
-        <a:effectLst/>
-      </p:bgPr>
-    </p:bg>
-    <p:spTree>
-      <p:nvGrpSpPr>
-        <p:cNvPr id="1" name=""/>
-        <p:cNvGrpSpPr/>
-        <p:nvPr/>
-      </p:nvGrpSpPr>
-      <p:grpSpPr>
-        <a:xfrm>
-          <a:off x="0" y="0"/>
-          <a:ext cx="0" cy="0"/>
-          <a:chOff x="0" y="0"/>
-          <a:chExt cx="0" cy="0"/>
-        </a:xfrm>
-      </p:grpSpPr>
-      <p:sp>
-        <p:nvSpPr>
-          <p:cNvPr id="1031" name="Title 1030">
-            <a:extLst>
-              <a:ext uri="{FF2B5EF4-FFF2-40B4-BE49-F238E27FC236}">
-                <a16:creationId xmlns:a16="http://schemas.microsoft.com/office/drawing/2014/main" id="{22D09CA6-2F33-D374-D436-2CE7ED5D5D85}"/>
-              </a:ext>
-            </a:extLst>
-          </p:cNvPr>
-          <p:cNvSpPr>
-            <a:spLocks noGrp="1"/>
-          </p:cNvSpPr>
-          <p:nvPr>
-            <p:ph type="title"/>
-          </p:nvPr>
-        </p:nvSpPr>
-        <p:spPr>
-          <a:xfrm>
-            <a:off x="838200" y="72485"/>
-            <a:ext cx="10515600" cy="1325563"/>
-          </a:xfrm>
-        </p:spPr>
-        <p:txBody>
-          <a:bodyPr anchor="t"/>
-          <a:lstStyle/>
-          <a:p>
-            <a:pPr algn="ctr"/>
-            <a:r>
-              <a:rPr lang="en-DK" sz="3200" dirty="0"/>
-              <a:t>FutureForms</a:t>
-            </a:r>
-          </a:p>
-        </p:txBody>
-      </p:sp>
-      <p:sp>
-        <p:nvSpPr>
-          <p:cNvPr id="2" name="TextBox 1">
-            <a:extLst>
-              <a:ext uri="{FF2B5EF4-FFF2-40B4-BE49-F238E27FC236}">
-                <a16:creationId xmlns:a16="http://schemas.microsoft.com/office/drawing/2014/main" id="{FB26ECFA-64E0-3C44-DF99-E3CC3D1A53D1}"/>
-              </a:ext>
-            </a:extLst>
-          </p:cNvPr>
-          <p:cNvSpPr txBox="1"/>
-          <p:nvPr/>
-        </p:nvSpPr>
-        <p:spPr>
-          <a:xfrm>
-            <a:off x="1811335" y="812254"/>
-            <a:ext cx="6484882" cy="369332"/>
-          </a:xfrm>
-          <a:prstGeom prst="rect">
-            <a:avLst/>
-          </a:prstGeom>
-          <a:noFill/>
-        </p:spPr>
-        <p:txBody>
-          <a:bodyPr wrap="square" rtlCol="0">
-            <a:spAutoFit/>
-          </a:bodyPr>
-          <a:lstStyle/>
-          <a:p>
-            <a:r>
-              <a:rPr lang="en-DK" b="1" i="1" dirty="0"/>
-              <a:t>Application is not just about performing CRUD operations </a:t>
-            </a:r>
-          </a:p>
-        </p:txBody>
-      </p:sp>
-      <p:sp>
-        <p:nvSpPr>
-          <p:cNvPr id="3" name="TextBox 2">
-            <a:extLst>
-              <a:ext uri="{FF2B5EF4-FFF2-40B4-BE49-F238E27FC236}">
-                <a16:creationId xmlns:a16="http://schemas.microsoft.com/office/drawing/2014/main" id="{A2C1CB77-3354-7320-025C-293E227B9670}"/>
-              </a:ext>
-            </a:extLst>
-          </p:cNvPr>
-          <p:cNvSpPr txBox="1"/>
-          <p:nvPr/>
-        </p:nvSpPr>
-        <p:spPr>
-          <a:xfrm>
-            <a:off x="1811335" y="4022006"/>
-            <a:ext cx="6484882" cy="2031325"/>
-          </a:xfrm>
-          <a:prstGeom prst="rect">
-            <a:avLst/>
-          </a:prstGeom>
-          <a:noFill/>
-        </p:spPr>
-        <p:txBody>
-          <a:bodyPr wrap="square" rtlCol="0">
-            <a:spAutoFit/>
-          </a:bodyPr>
-          <a:lstStyle/>
-          <a:p>
-            <a:pPr marL="285750" indent="-285750">
-              <a:buFont typeface="Arial" panose="020B0604020202020204" pitchFamily="34" charset="0"/>
-              <a:buChar char="•"/>
-            </a:pPr>
-            <a:r>
-              <a:rPr lang="en-DK" dirty="0"/>
-              <a:t>Task is mandatory, except for holidays</a:t>
-            </a:r>
-          </a:p>
-          <a:p>
-            <a:pPr marL="285750" indent="-285750">
-              <a:buFont typeface="Arial" panose="020B0604020202020204" pitchFamily="34" charset="0"/>
-              <a:buChar char="•"/>
-            </a:pPr>
-            <a:r>
-              <a:rPr lang="en-DK" dirty="0"/>
-              <a:t>Cannot choose same project/task twice</a:t>
-            </a:r>
-          </a:p>
-          <a:p>
-            <a:pPr marL="285750" indent="-285750">
-              <a:buFont typeface="Arial" panose="020B0604020202020204" pitchFamily="34" charset="0"/>
-              <a:buChar char="•"/>
-            </a:pPr>
-            <a:r>
-              <a:rPr lang="en-DK" dirty="0"/>
-              <a:t>When holiday, limit time entry to Full/Half</a:t>
-            </a:r>
-          </a:p>
-          <a:p>
-            <a:pPr marL="285750" indent="-285750">
-              <a:buFont typeface="Arial" panose="020B0604020202020204" pitchFamily="34" charset="0"/>
-              <a:buChar char="•"/>
-            </a:pPr>
-            <a:r>
-              <a:rPr lang="en-DK" dirty="0"/>
-              <a:t>Beakon is closed every monday and tuesday</a:t>
-            </a:r>
-          </a:p>
-          <a:p>
-            <a:pPr marL="285750" indent="-285750">
-              <a:buFont typeface="Arial" panose="020B0604020202020204" pitchFamily="34" charset="0"/>
-              <a:buChar char="•"/>
-            </a:pPr>
-            <a:r>
-              <a:rPr lang="en-DK" dirty="0"/>
-              <a:t>If data has been processed it cannot be updated</a:t>
-            </a:r>
-          </a:p>
-          <a:p>
-            <a:pPr marL="285750" indent="-285750">
-              <a:buFont typeface="Arial" panose="020B0604020202020204" pitchFamily="34" charset="0"/>
-              <a:buChar char="•"/>
-            </a:pPr>
-            <a:r>
-              <a:rPr lang="en-DK" dirty="0"/>
-              <a:t>Most columns are “lookups”, but should be queryable</a:t>
-            </a:r>
-          </a:p>
-          <a:p>
-            <a:pPr marL="285750" indent="-285750">
-              <a:buFont typeface="Arial" panose="020B0604020202020204" pitchFamily="34" charset="0"/>
-              <a:buChar char="•"/>
-            </a:pPr>
-            <a:r>
-              <a:rPr lang="en-DK" dirty="0"/>
-              <a:t>Underlying table is “normalized” and has 1 row per date/task</a:t>
-            </a:r>
-          </a:p>
-        </p:txBody>
-      </p:sp>
-      <p:sp>
-        <p:nvSpPr>
-          <p:cNvPr id="15" name="TextBox 14">
-            <a:extLst>
-              <a:ext uri="{FF2B5EF4-FFF2-40B4-BE49-F238E27FC236}">
-                <a16:creationId xmlns:a16="http://schemas.microsoft.com/office/drawing/2014/main" id="{0805FEE7-5B6B-33BA-1680-A79D9C789607}"/>
-              </a:ext>
-            </a:extLst>
-          </p:cNvPr>
-          <p:cNvSpPr txBox="1"/>
-          <p:nvPr/>
-        </p:nvSpPr>
-        <p:spPr>
-          <a:xfrm>
-            <a:off x="9101138" y="4200523"/>
-            <a:ext cx="1928812" cy="1528759"/>
-          </a:xfrm>
-          <a:prstGeom prst="rect">
-            <a:avLst/>
-          </a:prstGeom>
-          <a:noFill/>
-          <a:ln>
-            <a:solidFill>
-              <a:schemeClr val="accent1"/>
-            </a:solidFill>
-          </a:ln>
-        </p:spPr>
-        <p:txBody>
-          <a:bodyPr wrap="square" rtlCol="0">
-            <a:noAutofit/>
-          </a:bodyPr>
-          <a:lstStyle/>
-          <a:p>
-            <a:pPr marL="285750" indent="-285750">
-              <a:buFont typeface="Arial" panose="020B0604020202020204" pitchFamily="34" charset="0"/>
-              <a:buChar char="•"/>
-            </a:pPr>
-            <a:r>
-              <a:rPr lang="en-DK" sz="1400" dirty="0"/>
-              <a:t>Employee_id</a:t>
-            </a:r>
-          </a:p>
-          <a:p>
-            <a:pPr marL="285750" indent="-285750">
-              <a:buFont typeface="Arial" panose="020B0604020202020204" pitchFamily="34" charset="0"/>
-              <a:buChar char="•"/>
-            </a:pPr>
-            <a:r>
-              <a:rPr lang="en-GB" sz="1400" dirty="0"/>
-              <a:t>C</a:t>
-            </a:r>
-            <a:r>
-              <a:rPr lang="en-DK" sz="1400" dirty="0"/>
-              <a:t>ustomer_id</a:t>
-            </a:r>
-          </a:p>
-          <a:p>
-            <a:pPr marL="285750" indent="-285750">
-              <a:buFont typeface="Arial" panose="020B0604020202020204" pitchFamily="34" charset="0"/>
-              <a:buChar char="•"/>
-            </a:pPr>
-            <a:r>
-              <a:rPr lang="en-GB" sz="1400" dirty="0"/>
-              <a:t>P</a:t>
-            </a:r>
-            <a:r>
-              <a:rPr lang="en-DK" sz="1400" dirty="0"/>
-              <a:t>roject_id</a:t>
-            </a:r>
-          </a:p>
-          <a:p>
-            <a:pPr marL="285750" indent="-285750">
-              <a:buFont typeface="Arial" panose="020B0604020202020204" pitchFamily="34" charset="0"/>
-              <a:buChar char="•"/>
-            </a:pPr>
-            <a:r>
-              <a:rPr lang="en-GB" sz="1400" dirty="0"/>
-              <a:t>T</a:t>
-            </a:r>
-            <a:r>
-              <a:rPr lang="en-DK" sz="1400" dirty="0"/>
-              <a:t>ask_id</a:t>
-            </a:r>
-          </a:p>
-          <a:p>
-            <a:pPr marL="285750" indent="-285750">
-              <a:buFont typeface="Arial" panose="020B0604020202020204" pitchFamily="34" charset="0"/>
-              <a:buChar char="•"/>
-            </a:pPr>
-            <a:r>
-              <a:rPr lang="en-GB" sz="1400" dirty="0"/>
-              <a:t>D</a:t>
-            </a:r>
-            <a:r>
-              <a:rPr lang="en-DK" sz="1400" dirty="0"/>
-              <a:t>ate</a:t>
-            </a:r>
-          </a:p>
-          <a:p>
-            <a:pPr marL="285750" indent="-285750">
-              <a:buFont typeface="Arial" panose="020B0604020202020204" pitchFamily="34" charset="0"/>
-              <a:buChar char="•"/>
-            </a:pPr>
-            <a:r>
-              <a:rPr lang="en-GB" sz="1400" dirty="0"/>
-              <a:t>H</a:t>
-            </a:r>
-            <a:r>
-              <a:rPr lang="en-DK" sz="1400" dirty="0"/>
-              <a:t>ours</a:t>
-            </a:r>
-          </a:p>
-          <a:p>
-            <a:pPr marL="285750" indent="-285750">
-              <a:buFont typeface="Arial" panose="020B0604020202020204" pitchFamily="34" charset="0"/>
-              <a:buChar char="•"/>
-            </a:pPr>
-            <a:r>
-              <a:rPr lang="en-DK" sz="1400" dirty="0"/>
-              <a:t>Processed</a:t>
-            </a:r>
-          </a:p>
-        </p:txBody>
-      </p:sp>
-      <p:sp>
-        <p:nvSpPr>
-          <p:cNvPr id="19" name="TextBox 18">
-            <a:extLst>
-              <a:ext uri="{FF2B5EF4-FFF2-40B4-BE49-F238E27FC236}">
-                <a16:creationId xmlns:a16="http://schemas.microsoft.com/office/drawing/2014/main" id="{6E8E3A9A-A559-628F-CCE5-98762F6A4BFE}"/>
-              </a:ext>
-            </a:extLst>
-          </p:cNvPr>
-          <p:cNvSpPr txBox="1"/>
-          <p:nvPr/>
-        </p:nvSpPr>
-        <p:spPr>
-          <a:xfrm>
-            <a:off x="1919283" y="6263348"/>
-            <a:ext cx="6376934" cy="369332"/>
-          </a:xfrm>
-          <a:prstGeom prst="rect">
-            <a:avLst/>
-          </a:prstGeom>
-          <a:noFill/>
-        </p:spPr>
-        <p:txBody>
-          <a:bodyPr wrap="square" rtlCol="0">
-            <a:spAutoFit/>
-          </a:bodyPr>
-          <a:lstStyle/>
-          <a:p>
-            <a:r>
-              <a:rPr lang="en-DK" b="1" i="1" dirty="0"/>
-              <a:t>No code and Low code tools are not always </a:t>
-            </a:r>
-            <a:r>
-              <a:rPr lang="en-GB" b="1" i="1" dirty="0"/>
-              <a:t>adequate</a:t>
-            </a:r>
-            <a:endParaRPr lang="en-DK" b="1" i="1" dirty="0"/>
-          </a:p>
-        </p:txBody>
-      </p:sp>
-      <p:pic>
-        <p:nvPicPr>
-          <p:cNvPr id="20" name="Picture 19">
-            <a:extLst>
-              <a:ext uri="{FF2B5EF4-FFF2-40B4-BE49-F238E27FC236}">
-                <a16:creationId xmlns:a16="http://schemas.microsoft.com/office/drawing/2014/main" id="{4D552579-9D21-C93A-C02F-1EBA3135BB08}"/>
-              </a:ext>
-            </a:extLst>
-          </p:cNvPr>
-          <p:cNvPicPr>
-            <a:picLocks noChangeAspect="1"/>
-          </p:cNvPicPr>
-          <p:nvPr/>
-        </p:nvPicPr>
-        <p:blipFill>
-          <a:blip r:embed="rId2"/>
-          <a:stretch>
-            <a:fillRect/>
-          </a:stretch>
-        </p:blipFill>
-        <p:spPr>
-          <a:xfrm>
-            <a:off x="1890707" y="1460493"/>
-            <a:ext cx="6896100" cy="2336800"/>
-          </a:xfrm>
-          <a:prstGeom prst="rect">
-            <a:avLst/>
-          </a:prstGeom>
-        </p:spPr>
-      </p:pic>
-    </p:spTree>
-    <p:extLst>
-      <p:ext uri="{BB962C8B-B14F-4D97-AF65-F5344CB8AC3E}">
-        <p14:creationId xmlns:p14="http://schemas.microsoft.com/office/powerpoint/2010/main" val="3846970510"/>
-      </p:ext>
-    </p:extLst>
-  </p:cSld>
-  <p:clrMapOvr>
-    <a:masterClrMapping/>
-  </p:clrMapOvr>
-</p:sld>
-</file>
-
 <file path=ppt/theme/theme1.xml><?xml version="1.0" encoding="utf-8"?>
 <a:theme xmlns:a="http://schemas.openxmlformats.org/drawingml/2006/main" name="Office-tema">
   <a:themeElements>

--- a/Trottinhg.pptx
+++ b/Trottinhg.pptx
@@ -4642,8 +4642,8 @@
         </p:nvSpPr>
         <p:spPr>
           <a:xfrm>
-            <a:off x="750382" y="3362034"/>
-            <a:ext cx="9833487" cy="2610141"/>
+            <a:off x="750382" y="3285833"/>
+            <a:ext cx="9833487" cy="2744858"/>
           </a:xfrm>
         </p:spPr>
         <p:txBody>
@@ -4759,7 +4759,7 @@
                 </a:solidFill>
                 <a:latin typeface="Montserrat" panose="00000500000000000000" pitchFamily="2" charset="0"/>
               </a:rPr>
-              <a:t>. Companies has to </a:t>
+              <a:t>. Companies have to </a:t>
             </a:r>
             <a:r>
               <a:rPr lang="da-DK" sz="2400" dirty="0" err="1">
@@ -4813,27 +4813,124 @@
                 </a:solidFill>
                 <a:latin typeface="Montserrat" panose="00000500000000000000" pitchFamily="2" charset="0"/>
               </a:rPr>
-              <a:t>, or face disruption (</a:t>
-            </a:r>
-            <a:r>
-              <a:rPr lang="da-DK" sz="2400" dirty="0" err="1">
-                <a:solidFill>
-                  <a:schemeClr val="bg1"/>
-                </a:solidFill>
-                <a:latin typeface="Montserrat" panose="00000500000000000000" pitchFamily="2" charset="0"/>
-              </a:rPr>
-              <a:t>cliche</a:t>
-            </a:r>
-            <a:r>
+              <a:t> or face disruption</a:t>
+            </a:r>
+            <a:br>
               <a:rPr lang="da-DK" sz="2400" dirty="0">
                 <a:solidFill>
                   <a:schemeClr val="bg1"/>
                 </a:solidFill>
                 <a:latin typeface="Montserrat" panose="00000500000000000000" pitchFamily="2" charset="0"/>
               </a:rPr>
-              <a:t> but true) </a:t>
-            </a:r>
-            <a:endParaRPr lang="da-DK" sz="2400" b="0" i="0" dirty="0">
+            </a:br>
+            <a:r>
+              <a:rPr lang="da-DK" sz="2400" dirty="0">
+                <a:solidFill>
+                  <a:schemeClr val="bg1"/>
+                </a:solidFill>
+                <a:latin typeface="Montserrat" panose="00000500000000000000" pitchFamily="2" charset="0"/>
+              </a:rPr>
+              <a:t> </a:t>
+            </a:r>
+            <a:br>
+              <a:rPr lang="da-DK" sz="2400" dirty="0">
+                <a:solidFill>
+                  <a:schemeClr val="bg1"/>
+                </a:solidFill>
+                <a:latin typeface="Montserrat" panose="00000500000000000000" pitchFamily="2" charset="0"/>
+              </a:rPr>
+            </a:br>
+            <a:r>
+              <a:rPr lang="da-DK" sz="2400" b="1" dirty="0">
+                <a:solidFill>
+                  <a:schemeClr val="bg1"/>
+                </a:solidFill>
+                <a:latin typeface="Montserrat" panose="00000500000000000000" pitchFamily="2" charset="0"/>
+              </a:rPr>
+              <a:t>FutureForms enables </a:t>
+            </a:r>
+            <a:r>
+              <a:rPr lang="da-DK" sz="2400" b="1" dirty="0" err="1">
+                <a:solidFill>
+                  <a:schemeClr val="bg1"/>
+                </a:solidFill>
+                <a:latin typeface="Montserrat" panose="00000500000000000000" pitchFamily="2" charset="0"/>
+              </a:rPr>
+              <a:t>you</a:t>
+            </a:r>
+            <a:r>
+              <a:rPr lang="da-DK" sz="2400" b="1" dirty="0">
+                <a:solidFill>
+                  <a:schemeClr val="bg1"/>
+                </a:solidFill>
+                <a:latin typeface="Montserrat" panose="00000500000000000000" pitchFamily="2" charset="0"/>
+              </a:rPr>
+              <a:t> to </a:t>
+            </a:r>
+            <a:r>
+              <a:rPr lang="da-DK" sz="2400" b="1" dirty="0" err="1">
+                <a:solidFill>
+                  <a:schemeClr val="bg1"/>
+                </a:solidFill>
+                <a:latin typeface="Montserrat" panose="00000500000000000000" pitchFamily="2" charset="0"/>
+              </a:rPr>
+              <a:t>react</a:t>
+            </a:r>
+            <a:r>
+              <a:rPr lang="da-DK" sz="2400" b="1" dirty="0">
+                <a:solidFill>
+                  <a:schemeClr val="bg1"/>
+                </a:solidFill>
+                <a:latin typeface="Montserrat" panose="00000500000000000000" pitchFamily="2" charset="0"/>
+              </a:rPr>
+              <a:t> </a:t>
+            </a:r>
+            <a:r>
+              <a:rPr lang="da-DK" sz="2400" b="1" dirty="0" err="1">
+                <a:solidFill>
+                  <a:schemeClr val="bg1"/>
+                </a:solidFill>
+                <a:latin typeface="Montserrat" panose="00000500000000000000" pitchFamily="2" charset="0"/>
+              </a:rPr>
+              <a:t>rapidly</a:t>
+            </a:r>
+            <a:r>
+              <a:rPr lang="da-DK" sz="2400" b="1" dirty="0">
+                <a:solidFill>
+                  <a:schemeClr val="bg1"/>
+                </a:solidFill>
+                <a:latin typeface="Montserrat" panose="00000500000000000000" pitchFamily="2" charset="0"/>
+              </a:rPr>
+              <a:t> to </a:t>
+            </a:r>
+            <a:r>
+              <a:rPr lang="da-DK" sz="2400" b="1" dirty="0" err="1">
+                <a:solidFill>
+                  <a:schemeClr val="bg1"/>
+                </a:solidFill>
+                <a:latin typeface="Montserrat" panose="00000500000000000000" pitchFamily="2" charset="0"/>
+              </a:rPr>
+              <a:t>accommodate</a:t>
+            </a:r>
+            <a:r>
+              <a:rPr lang="da-DK" sz="2400" b="1" dirty="0">
+                <a:solidFill>
+                  <a:schemeClr val="bg1"/>
+                </a:solidFill>
+                <a:latin typeface="Montserrat" panose="00000500000000000000" pitchFamily="2" charset="0"/>
+              </a:rPr>
+              <a:t> new business </a:t>
+            </a:r>
+            <a:r>
+              <a:rPr lang="da-DK" sz="2400" b="1" dirty="0" err="1">
+                <a:solidFill>
+                  <a:schemeClr val="bg1"/>
+                </a:solidFill>
+                <a:latin typeface="Montserrat" panose="00000500000000000000" pitchFamily="2" charset="0"/>
+              </a:rPr>
+              <a:t>needs</a:t>
+            </a:r>
+            <a:endParaRPr lang="da-DK" sz="2400" b="1" i="0" dirty="0">
               <a:solidFill>
                 <a:schemeClr val="bg1"/>
               </a:solidFill>
@@ -7256,13 +7353,13 @@
           <a:p>
             <a:r>
               <a:rPr lang="en-DK" dirty="0"/>
-              <a:t>Lots of Javascript </a:t>
+              <a:t>Lots of html &amp; Javascript </a:t>
             </a:r>
           </a:p>
           <a:p>
             <a:r>
               <a:rPr lang="en-DK" dirty="0"/>
-              <a:t> (not always easy)</a:t>
+              <a:t>(not always easy)</a:t>
             </a:r>
           </a:p>
           <a:p>
@@ -7273,9 +7370,10 @@
           </a:p>
           <a:p>
             <a:r>
-              <a:rPr lang="en-DK" dirty="0"/>
-              <a:t>NodeJS etc</a:t>
-            </a:r>
+              <a:rPr lang="en-DK"/>
+              <a:t>Middletier (NodeJS etc)</a:t>
+            </a:r>
+            <a:endParaRPr lang="en-DK" dirty="0"/>
           </a:p>
           <a:p>
             <a:r>
@@ -7574,7 +7672,7 @@
         <p:spPr>
           <a:xfrm>
             <a:off x="3303661" y="1317171"/>
-            <a:ext cx="974425" cy="369332"/>
+            <a:ext cx="1368784" cy="369332"/>
           </a:xfrm>
           <a:prstGeom prst="rect">
             <a:avLst/>
@@ -7589,7 +7687,7 @@
           <a:p>
             <a:r>
               <a:rPr lang="en-DK" b="1" i="1" dirty="0"/>
-              <a:t>Internal</a:t>
+              <a:t>Internal use</a:t>
             </a:r>
           </a:p>
         </p:txBody>
@@ -7608,8 +7706,8 @@
         </p:nvSpPr>
         <p:spPr>
           <a:xfrm>
-            <a:off x="8833600" y="1317171"/>
-            <a:ext cx="974425" cy="369332"/>
+            <a:off x="8670310" y="1317171"/>
+            <a:ext cx="1368784" cy="369332"/>
           </a:xfrm>
           <a:prstGeom prst="rect">
             <a:avLst/>
@@ -7624,7 +7722,7 @@
           <a:p>
             <a:r>
               <a:rPr lang="en-DK" b="1" i="1" dirty="0"/>
-              <a:t>External</a:t>
+              <a:t>External use</a:t>
             </a:r>
           </a:p>
         </p:txBody>

--- a/Trottinhg.pptx
+++ b/Trottinhg.pptx
@@ -5,19 +5,20 @@
     <p:sldMasterId id="2147483648" r:id="rId1"/>
   </p:sldMasterIdLst>
   <p:notesMasterIdLst>
-    <p:notesMasterId r:id="rId12"/>
+    <p:notesMasterId r:id="rId13"/>
   </p:notesMasterIdLst>
   <p:sldIdLst>
     <p:sldId id="2090649739" r:id="rId2"/>
     <p:sldId id="425" r:id="rId3"/>
     <p:sldId id="2090649745" r:id="rId4"/>
     <p:sldId id="2090649741" r:id="rId5"/>
-    <p:sldId id="424" r:id="rId6"/>
-    <p:sldId id="2090649743" r:id="rId7"/>
-    <p:sldId id="2090649746" r:id="rId8"/>
-    <p:sldId id="2090649744" r:id="rId9"/>
-    <p:sldId id="2090649740" r:id="rId10"/>
-    <p:sldId id="2090649742" r:id="rId11"/>
+    <p:sldId id="2090649743" r:id="rId6"/>
+    <p:sldId id="2090649746" r:id="rId7"/>
+    <p:sldId id="2090649744" r:id="rId8"/>
+    <p:sldId id="2090649747" r:id="rId9"/>
+    <p:sldId id="424" r:id="rId10"/>
+    <p:sldId id="2090649740" r:id="rId11"/>
+    <p:sldId id="2090649742" r:id="rId12"/>
   </p:sldIdLst>
   <p:sldSz cx="12192000" cy="6858000"/>
   <p:notesSz cx="6858000" cy="9144000"/>
@@ -5065,6 +5066,738 @@
 <file path=ppt/slides/slide10.xml><?xml version="1.0" encoding="utf-8"?>
 <p:sld xmlns:a="http://schemas.openxmlformats.org/drawingml/2006/main" xmlns:r="http://schemas.openxmlformats.org/officeDocument/2006/relationships" xmlns:p="http://schemas.openxmlformats.org/presentationml/2006/main">
   <p:cSld>
+    <p:spTree>
+      <p:nvGrpSpPr>
+        <p:cNvPr id="1" name=""/>
+        <p:cNvGrpSpPr/>
+        <p:nvPr/>
+      </p:nvGrpSpPr>
+      <p:grpSpPr>
+        <a:xfrm>
+          <a:off x="0" y="0"/>
+          <a:ext cx="0" cy="0"/>
+          <a:chOff x="0" y="0"/>
+          <a:chExt cx="0" cy="0"/>
+        </a:xfrm>
+      </p:grpSpPr>
+      <p:sp>
+        <p:nvSpPr>
+          <p:cNvPr id="1031" name="Title 1030">
+            <a:extLst>
+              <a:ext uri="{FF2B5EF4-FFF2-40B4-BE49-F238E27FC236}">
+                <a16:creationId xmlns:a16="http://schemas.microsoft.com/office/drawing/2014/main" id="{22D09CA6-2F33-D374-D436-2CE7ED5D5D85}"/>
+              </a:ext>
+            </a:extLst>
+          </p:cNvPr>
+          <p:cNvSpPr>
+            <a:spLocks noGrp="1"/>
+          </p:cNvSpPr>
+          <p:nvPr>
+            <p:ph type="title"/>
+          </p:nvPr>
+        </p:nvSpPr>
+        <p:spPr>
+          <a:xfrm>
+            <a:off x="838200" y="72485"/>
+            <a:ext cx="10515600" cy="1325563"/>
+          </a:xfrm>
+        </p:spPr>
+        <p:txBody>
+          <a:bodyPr anchor="t"/>
+          <a:lstStyle/>
+          <a:p>
+            <a:pPr algn="ctr"/>
+            <a:r>
+              <a:rPr lang="en-DK" sz="3200" dirty="0"/>
+              <a:t>Database</a:t>
+            </a:r>
+          </a:p>
+        </p:txBody>
+      </p:sp>
+      <p:sp>
+        <p:nvSpPr>
+          <p:cNvPr id="2" name="TextBox 1">
+            <a:extLst>
+              <a:ext uri="{FF2B5EF4-FFF2-40B4-BE49-F238E27FC236}">
+                <a16:creationId xmlns:a16="http://schemas.microsoft.com/office/drawing/2014/main" id="{DDE4CBF9-AE78-F948-EF6E-B285EBAC49B5}"/>
+              </a:ext>
+            </a:extLst>
+          </p:cNvPr>
+          <p:cNvSpPr txBox="1"/>
+          <p:nvPr/>
+        </p:nvSpPr>
+        <p:spPr>
+          <a:xfrm>
+            <a:off x="1057293" y="2713527"/>
+            <a:ext cx="3171807" cy="3297239"/>
+          </a:xfrm>
+          <a:prstGeom prst="rect">
+            <a:avLst/>
+          </a:prstGeom>
+          <a:noFill/>
+        </p:spPr>
+        <p:txBody>
+          <a:bodyPr wrap="square" rtlCol="0">
+            <a:noAutofit/>
+          </a:bodyPr>
+          <a:lstStyle/>
+          <a:p>
+            <a:r>
+              <a:rPr lang="en-DK" b="1" i="1" dirty="0"/>
+              <a:t>Client/Server</a:t>
+            </a:r>
+          </a:p>
+          <a:p>
+            <a:endParaRPr lang="en-DK" b="1" i="1" dirty="0"/>
+          </a:p>
+          <a:p>
+            <a:r>
+              <a:rPr lang="en-DK" b="1" i="1" dirty="0"/>
+              <a:t>1000 concurrent users</a:t>
+            </a:r>
+          </a:p>
+          <a:p>
+            <a:r>
+              <a:rPr lang="en-DK" b="1" i="1" dirty="0"/>
+              <a:t>    (StateFul)</a:t>
+            </a:r>
+          </a:p>
+          <a:p>
+            <a:endParaRPr lang="en-DK" b="1" i="1" dirty="0"/>
+          </a:p>
+          <a:p>
+            <a:r>
+              <a:rPr lang="da-DK" b="1" i="1" dirty="0"/>
+              <a:t>L</a:t>
+            </a:r>
+            <a:r>
+              <a:rPr lang="en-GB" b="1" i="1" dirty="0" err="1"/>
+              <a:t>everaging</a:t>
+            </a:r>
+            <a:r>
+              <a:rPr lang="en-GB" b="1" i="1" dirty="0"/>
+              <a:t> </a:t>
+            </a:r>
+            <a:r>
+              <a:rPr lang="en-DK" b="1" i="1" dirty="0"/>
+              <a:t>all database features.</a:t>
+            </a:r>
+          </a:p>
+          <a:p>
+            <a:endParaRPr lang="en-DK" b="1" i="1" dirty="0"/>
+          </a:p>
+          <a:p>
+            <a:r>
+              <a:rPr lang="en-DK" b="1" i="1" dirty="0"/>
+              <a:t>Transactions, row-locking, read consistency, cursors etc.</a:t>
+            </a:r>
+          </a:p>
+          <a:p>
+            <a:endParaRPr lang="en-DK" b="1" i="1" dirty="0"/>
+          </a:p>
+          <a:p>
+            <a:r>
+              <a:rPr lang="en-DK" b="1" i="1" dirty="0"/>
+              <a:t>High performance</a:t>
+            </a:r>
+          </a:p>
+          <a:p>
+            <a:endParaRPr lang="en-DK" b="1" i="1" dirty="0"/>
+          </a:p>
+        </p:txBody>
+      </p:sp>
+      <p:sp>
+        <p:nvSpPr>
+          <p:cNvPr id="9" name="TextBox 8">
+            <a:extLst>
+              <a:ext uri="{FF2B5EF4-FFF2-40B4-BE49-F238E27FC236}">
+                <a16:creationId xmlns:a16="http://schemas.microsoft.com/office/drawing/2014/main" id="{3BA3C12D-5832-4F17-A73E-C0A6EBB52C6D}"/>
+              </a:ext>
+            </a:extLst>
+          </p:cNvPr>
+          <p:cNvSpPr txBox="1"/>
+          <p:nvPr/>
+        </p:nvSpPr>
+        <p:spPr>
+          <a:xfrm>
+            <a:off x="7932135" y="2656374"/>
+            <a:ext cx="3583583" cy="3712900"/>
+          </a:xfrm>
+          <a:prstGeom prst="rect">
+            <a:avLst/>
+          </a:prstGeom>
+          <a:noFill/>
+        </p:spPr>
+        <p:txBody>
+          <a:bodyPr wrap="square" rtlCol="0">
+            <a:noAutofit/>
+          </a:bodyPr>
+          <a:lstStyle/>
+          <a:p>
+            <a:r>
+              <a:rPr lang="en-DK" b="1" i="1" dirty="0"/>
+              <a:t>3 Tier Architecture</a:t>
+            </a:r>
+          </a:p>
+          <a:p>
+            <a:endParaRPr lang="en-DK" b="1" i="1" dirty="0"/>
+          </a:p>
+          <a:p>
+            <a:r>
+              <a:rPr lang="en-DK" b="1" i="1" dirty="0"/>
+              <a:t>50000 concurrent users</a:t>
+            </a:r>
+          </a:p>
+          <a:p>
+            <a:r>
+              <a:rPr lang="en-DK" b="1" i="1" dirty="0"/>
+              <a:t>    (Stateless)</a:t>
+            </a:r>
+          </a:p>
+          <a:p>
+            <a:endParaRPr lang="en-DK" b="1" i="1" dirty="0"/>
+          </a:p>
+          <a:p>
+            <a:r>
+              <a:rPr lang="en-DK" b="1" i="1" dirty="0"/>
+              <a:t>Poor utilization of database features.</a:t>
+            </a:r>
+          </a:p>
+          <a:p>
+            <a:endParaRPr lang="en-DK" b="1" i="1" dirty="0"/>
+          </a:p>
+          <a:p>
+            <a:r>
+              <a:rPr lang="en-DK" b="1" i="1" dirty="0"/>
+              <a:t>Concurrency issues</a:t>
+            </a:r>
+          </a:p>
+          <a:p>
+            <a:r>
+              <a:rPr lang="en-DK" b="1" i="1" dirty="0"/>
+              <a:t>Compensating transactions</a:t>
+            </a:r>
+          </a:p>
+          <a:p>
+            <a:endParaRPr lang="en-DK" b="1" i="1" dirty="0"/>
+          </a:p>
+          <a:p>
+            <a:r>
+              <a:rPr lang="en-DK" b="1" i="1" dirty="0"/>
+              <a:t>Bad performance due to excessive commits and query re-executions</a:t>
+            </a:r>
+          </a:p>
+        </p:txBody>
+      </p:sp>
+      <p:grpSp>
+        <p:nvGrpSpPr>
+          <p:cNvPr id="11" name="Group 10">
+            <a:extLst>
+              <a:ext uri="{FF2B5EF4-FFF2-40B4-BE49-F238E27FC236}">
+                <a16:creationId xmlns:a16="http://schemas.microsoft.com/office/drawing/2014/main" id="{9D23770E-5547-A4E1-AE87-351FE5C07B0F}"/>
+              </a:ext>
+            </a:extLst>
+          </p:cNvPr>
+          <p:cNvGrpSpPr/>
+          <p:nvPr/>
+        </p:nvGrpSpPr>
+        <p:grpSpPr>
+          <a:xfrm>
+            <a:off x="5326069" y="2870695"/>
+            <a:ext cx="1260000" cy="2706679"/>
+            <a:chOff x="5211765" y="2203443"/>
+            <a:chExt cx="1260000" cy="2706679"/>
+          </a:xfrm>
+        </p:grpSpPr>
+        <p:grpSp>
+          <p:nvGrpSpPr>
+            <p:cNvPr id="1061" name="Group 1060">
+              <a:extLst>
+                <a:ext uri="{FF2B5EF4-FFF2-40B4-BE49-F238E27FC236}">
+                  <a16:creationId xmlns:a16="http://schemas.microsoft.com/office/drawing/2014/main" id="{A0138485-CFF2-53D1-A515-8506068BB9BA}"/>
+                </a:ext>
+              </a:extLst>
+            </p:cNvPr>
+            <p:cNvGrpSpPr/>
+            <p:nvPr/>
+          </p:nvGrpSpPr>
+          <p:grpSpPr>
+            <a:xfrm>
+              <a:off x="5211765" y="2203443"/>
+              <a:ext cx="1260000" cy="2706679"/>
+              <a:chOff x="5811845" y="3003550"/>
+              <a:chExt cx="1260000" cy="2706679"/>
+            </a:xfrm>
+          </p:grpSpPr>
+          <p:pic>
+            <p:nvPicPr>
+              <p:cNvPr id="1045" name="Picture 1044">
+                <a:extLst>
+                  <a:ext uri="{FF2B5EF4-FFF2-40B4-BE49-F238E27FC236}">
+                    <a16:creationId xmlns:a16="http://schemas.microsoft.com/office/drawing/2014/main" id="{92ECA43F-76A2-44A8-14B1-9908232631B4}"/>
+                  </a:ext>
+                </a:extLst>
+              </p:cNvPr>
+              <p:cNvPicPr>
+                <a:picLocks noChangeAspect="1"/>
+              </p:cNvPicPr>
+              <p:nvPr/>
+            </p:nvPicPr>
+            <p:blipFill>
+              <a:blip r:embed="rId2"/>
+              <a:stretch>
+                <a:fillRect/>
+              </a:stretch>
+            </p:blipFill>
+            <p:spPr>
+              <a:xfrm>
+                <a:off x="5811845" y="3003550"/>
+                <a:ext cx="1260000" cy="694068"/>
+              </a:xfrm>
+              <a:prstGeom prst="rect">
+                <a:avLst/>
+              </a:prstGeom>
+            </p:spPr>
+          </p:pic>
+          <p:sp>
+            <p:nvSpPr>
+              <p:cNvPr id="1047" name="Can 1046">
+                <a:extLst>
+                  <a:ext uri="{FF2B5EF4-FFF2-40B4-BE49-F238E27FC236}">
+                    <a16:creationId xmlns:a16="http://schemas.microsoft.com/office/drawing/2014/main" id="{DF75857B-2558-6892-82FA-B47D6F1C28F0}"/>
+                  </a:ext>
+                </a:extLst>
+              </p:cNvPr>
+              <p:cNvSpPr/>
+              <p:nvPr/>
+            </p:nvSpPr>
+            <p:spPr>
+              <a:xfrm>
+                <a:off x="6144954" y="5127793"/>
+                <a:ext cx="593783" cy="582436"/>
+              </a:xfrm>
+              <a:prstGeom prst="can">
+                <a:avLst/>
+              </a:prstGeom>
+              <a:solidFill>
+                <a:schemeClr val="bg1">
+                  <a:lumMod val="85000"/>
+                </a:schemeClr>
+              </a:solidFill>
+              <a:ln>
+                <a:solidFill>
+                  <a:schemeClr val="tx1"/>
+                </a:solidFill>
+              </a:ln>
+            </p:spPr>
+            <p:style>
+              <a:lnRef idx="2">
+                <a:schemeClr val="accent1">
+                  <a:shade val="50000"/>
+                </a:schemeClr>
+              </a:lnRef>
+              <a:fillRef idx="1">
+                <a:schemeClr val="accent1"/>
+              </a:fillRef>
+              <a:effectRef idx="0">
+                <a:schemeClr val="accent1"/>
+              </a:effectRef>
+              <a:fontRef idx="minor">
+                <a:schemeClr val="lt1"/>
+              </a:fontRef>
+            </p:style>
+            <p:txBody>
+              <a:bodyPr rtlCol="0" anchor="ctr"/>
+              <a:lstStyle/>
+              <a:p>
+                <a:pPr algn="ctr"/>
+                <a:endParaRPr lang="en-DK"/>
+              </a:p>
+            </p:txBody>
+          </p:sp>
+          <p:pic>
+            <p:nvPicPr>
+              <p:cNvPr id="1048" name="Picture 1047">
+                <a:extLst>
+                  <a:ext uri="{FF2B5EF4-FFF2-40B4-BE49-F238E27FC236}">
+                    <a16:creationId xmlns:a16="http://schemas.microsoft.com/office/drawing/2014/main" id="{AC445236-A45B-43C1-10D5-4B4CACA0B35F}"/>
+                  </a:ext>
+                </a:extLst>
+              </p:cNvPr>
+              <p:cNvPicPr>
+                <a:picLocks noChangeAspect="1"/>
+              </p:cNvPicPr>
+              <p:nvPr/>
+            </p:nvPicPr>
+            <p:blipFill>
+              <a:blip r:embed="rId3"/>
+              <a:stretch>
+                <a:fillRect/>
+              </a:stretch>
+            </p:blipFill>
+            <p:spPr>
+              <a:xfrm>
+                <a:off x="5885378" y="4057586"/>
+                <a:ext cx="1112935" cy="582436"/>
+              </a:xfrm>
+              <a:prstGeom prst="rect">
+                <a:avLst/>
+              </a:prstGeom>
+            </p:spPr>
+          </p:pic>
+          <p:cxnSp>
+            <p:nvCxnSpPr>
+              <p:cNvPr id="1055" name="Straight Arrow Connector 1054">
+                <a:extLst>
+                  <a:ext uri="{FF2B5EF4-FFF2-40B4-BE49-F238E27FC236}">
+                    <a16:creationId xmlns:a16="http://schemas.microsoft.com/office/drawing/2014/main" id="{BF539873-2D3E-1FD7-923D-C83246B3C891}"/>
+                  </a:ext>
+                </a:extLst>
+              </p:cNvPr>
+              <p:cNvCxnSpPr>
+                <a:cxnSpLocks/>
+              </p:cNvCxnSpPr>
+              <p:nvPr/>
+            </p:nvCxnSpPr>
+            <p:spPr>
+              <a:xfrm flipV="1">
+                <a:off x="6438905" y="3727607"/>
+                <a:ext cx="0" cy="315747"/>
+              </a:xfrm>
+              <a:prstGeom prst="straightConnector1">
+                <a:avLst/>
+              </a:prstGeom>
+              <a:ln w="19050">
+                <a:solidFill>
+                  <a:schemeClr val="bg1">
+                    <a:lumMod val="50000"/>
+                  </a:schemeClr>
+                </a:solidFill>
+                <a:headEnd type="triangle" w="med" len="med"/>
+                <a:tailEnd type="triangle" w="med" len="med"/>
+              </a:ln>
+            </p:spPr>
+            <p:style>
+              <a:lnRef idx="1">
+                <a:schemeClr val="accent1"/>
+              </a:lnRef>
+              <a:fillRef idx="0">
+                <a:schemeClr val="accent1"/>
+              </a:fillRef>
+              <a:effectRef idx="0">
+                <a:schemeClr val="accent1"/>
+              </a:effectRef>
+              <a:fontRef idx="minor">
+                <a:schemeClr val="tx1"/>
+              </a:fontRef>
+            </p:style>
+          </p:cxnSp>
+          <p:cxnSp>
+            <p:nvCxnSpPr>
+              <p:cNvPr id="1057" name="Straight Arrow Connector 1056">
+                <a:extLst>
+                  <a:ext uri="{FF2B5EF4-FFF2-40B4-BE49-F238E27FC236}">
+                    <a16:creationId xmlns:a16="http://schemas.microsoft.com/office/drawing/2014/main" id="{8151FF7F-E758-4B7D-663F-5F2A7F50E9F6}"/>
+                  </a:ext>
+                </a:extLst>
+              </p:cNvPr>
+              <p:cNvCxnSpPr>
+                <a:cxnSpLocks/>
+              </p:cNvCxnSpPr>
+              <p:nvPr/>
+            </p:nvCxnSpPr>
+            <p:spPr>
+              <a:xfrm flipV="1">
+                <a:off x="6434139" y="4722978"/>
+                <a:ext cx="0" cy="315747"/>
+              </a:xfrm>
+              <a:prstGeom prst="straightConnector1">
+                <a:avLst/>
+              </a:prstGeom>
+              <a:ln w="19050">
+                <a:solidFill>
+                  <a:schemeClr val="bg1">
+                    <a:lumMod val="50000"/>
+                  </a:schemeClr>
+                </a:solidFill>
+                <a:headEnd type="triangle" w="med" len="med"/>
+                <a:tailEnd type="triangle" w="med" len="med"/>
+              </a:ln>
+            </p:spPr>
+            <p:style>
+              <a:lnRef idx="1">
+                <a:schemeClr val="accent1"/>
+              </a:lnRef>
+              <a:fillRef idx="0">
+                <a:schemeClr val="accent1"/>
+              </a:fillRef>
+              <a:effectRef idx="0">
+                <a:schemeClr val="accent1"/>
+              </a:effectRef>
+              <a:fontRef idx="minor">
+                <a:schemeClr val="tx1"/>
+              </a:fontRef>
+            </p:style>
+          </p:cxnSp>
+        </p:grpSp>
+        <p:sp>
+          <p:nvSpPr>
+            <p:cNvPr id="10" name="TextBox 9">
+              <a:extLst>
+                <a:ext uri="{FF2B5EF4-FFF2-40B4-BE49-F238E27FC236}">
+                  <a16:creationId xmlns:a16="http://schemas.microsoft.com/office/drawing/2014/main" id="{51EC14A7-FD6D-A3A9-B699-A225946941A6}"/>
+                </a:ext>
+              </a:extLst>
+            </p:cNvPr>
+            <p:cNvSpPr txBox="1"/>
+            <p:nvPr/>
+          </p:nvSpPr>
+          <p:spPr>
+            <a:xfrm>
+              <a:off x="5586428" y="3368416"/>
+              <a:ext cx="642938" cy="307777"/>
+            </a:xfrm>
+            <a:prstGeom prst="rect">
+              <a:avLst/>
+            </a:prstGeom>
+            <a:noFill/>
+          </p:spPr>
+          <p:txBody>
+            <a:bodyPr wrap="square" rtlCol="0">
+              <a:spAutoFit/>
+            </a:bodyPr>
+            <a:lstStyle/>
+            <a:p>
+              <a:r>
+                <a:rPr lang="en-DK" sz="1400" b="1" dirty="0"/>
+                <a:t>Rest</a:t>
+              </a:r>
+            </a:p>
+          </p:txBody>
+        </p:sp>
+      </p:grpSp>
+      <p:grpSp>
+        <p:nvGrpSpPr>
+          <p:cNvPr id="18" name="Group 17">
+            <a:extLst>
+              <a:ext uri="{FF2B5EF4-FFF2-40B4-BE49-F238E27FC236}">
+                <a16:creationId xmlns:a16="http://schemas.microsoft.com/office/drawing/2014/main" id="{DBC0DFB1-1CD2-1347-CA8B-E970D35B2412}"/>
+              </a:ext>
+            </a:extLst>
+          </p:cNvPr>
+          <p:cNvGrpSpPr/>
+          <p:nvPr/>
+        </p:nvGrpSpPr>
+        <p:grpSpPr>
+          <a:xfrm>
+            <a:off x="1305078" y="1465221"/>
+            <a:ext cx="9624853" cy="689195"/>
+            <a:chOff x="1476535" y="1698089"/>
+            <a:chExt cx="8640000" cy="689195"/>
+          </a:xfrm>
+        </p:grpSpPr>
+        <p:cxnSp>
+          <p:nvCxnSpPr>
+            <p:cNvPr id="3" name="Straight Connector 2">
+              <a:extLst>
+                <a:ext uri="{FF2B5EF4-FFF2-40B4-BE49-F238E27FC236}">
+                  <a16:creationId xmlns:a16="http://schemas.microsoft.com/office/drawing/2014/main" id="{99ADD4B2-2AC8-F0A6-AB37-B45C662887BF}"/>
+                </a:ext>
+              </a:extLst>
+            </p:cNvPr>
+            <p:cNvCxnSpPr/>
+            <p:nvPr/>
+          </p:nvCxnSpPr>
+          <p:spPr>
+            <a:xfrm>
+              <a:off x="1476535" y="2066627"/>
+              <a:ext cx="8640000" cy="0"/>
+            </a:xfrm>
+            <a:prstGeom prst="line">
+              <a:avLst/>
+            </a:prstGeom>
+            <a:ln w="34925">
+              <a:solidFill>
+                <a:schemeClr val="bg1">
+                  <a:lumMod val="50000"/>
+                </a:schemeClr>
+              </a:solidFill>
+            </a:ln>
+          </p:spPr>
+          <p:style>
+            <a:lnRef idx="1">
+              <a:schemeClr val="accent1"/>
+            </a:lnRef>
+            <a:fillRef idx="0">
+              <a:schemeClr val="accent1"/>
+            </a:fillRef>
+            <a:effectRef idx="0">
+              <a:schemeClr val="accent1"/>
+            </a:effectRef>
+            <a:fontRef idx="minor">
+              <a:schemeClr val="tx1"/>
+            </a:fontRef>
+          </p:style>
+        </p:cxnSp>
+        <p:grpSp>
+          <p:nvGrpSpPr>
+            <p:cNvPr id="17" name="Group 16">
+              <a:extLst>
+                <a:ext uri="{FF2B5EF4-FFF2-40B4-BE49-F238E27FC236}">
+                  <a16:creationId xmlns:a16="http://schemas.microsoft.com/office/drawing/2014/main" id="{1ABC0724-2A45-D290-F0A9-D5A0BC928539}"/>
+                </a:ext>
+              </a:extLst>
+            </p:cNvPr>
+            <p:cNvGrpSpPr/>
+            <p:nvPr/>
+          </p:nvGrpSpPr>
+          <p:grpSpPr>
+            <a:xfrm>
+              <a:off x="1481841" y="1698089"/>
+              <a:ext cx="8633717" cy="689195"/>
+              <a:chOff x="1481841" y="1398048"/>
+              <a:chExt cx="8633717" cy="689195"/>
+            </a:xfrm>
+          </p:grpSpPr>
+          <p:sp>
+            <p:nvSpPr>
+              <p:cNvPr id="13" name="TextBox 12">
+                <a:extLst>
+                  <a:ext uri="{FF2B5EF4-FFF2-40B4-BE49-F238E27FC236}">
+                    <a16:creationId xmlns:a16="http://schemas.microsoft.com/office/drawing/2014/main" id="{F44E34F3-F06C-A1B4-7443-0E8BB4EF5AD2}"/>
+                  </a:ext>
+                </a:extLst>
+              </p:cNvPr>
+              <p:cNvSpPr txBox="1"/>
+              <p:nvPr/>
+            </p:nvSpPr>
+            <p:spPr>
+              <a:xfrm>
+                <a:off x="5086360" y="1398048"/>
+                <a:ext cx="1669070" cy="369332"/>
+              </a:xfrm>
+              <a:prstGeom prst="rect">
+                <a:avLst/>
+              </a:prstGeom>
+              <a:noFill/>
+            </p:spPr>
+            <p:txBody>
+              <a:bodyPr wrap="square" rtlCol="0">
+                <a:spAutoFit/>
+              </a:bodyPr>
+              <a:lstStyle/>
+              <a:p>
+                <a:r>
+                  <a:rPr lang="en-DK" b="1" dirty="0"/>
+                  <a:t>Connections</a:t>
+                </a:r>
+              </a:p>
+            </p:txBody>
+          </p:sp>
+          <p:sp>
+            <p:nvSpPr>
+              <p:cNvPr id="15" name="TextBox 14">
+                <a:extLst>
+                  <a:ext uri="{FF2B5EF4-FFF2-40B4-BE49-F238E27FC236}">
+                    <a16:creationId xmlns:a16="http://schemas.microsoft.com/office/drawing/2014/main" id="{B9802857-5B21-CB24-7816-A51C879F151A}"/>
+                  </a:ext>
+                </a:extLst>
+              </p:cNvPr>
+              <p:cNvSpPr txBox="1"/>
+              <p:nvPr/>
+            </p:nvSpPr>
+            <p:spPr>
+              <a:xfrm>
+                <a:off x="9072570" y="1440912"/>
+                <a:ext cx="1042988" cy="646331"/>
+              </a:xfrm>
+              <a:prstGeom prst="rect">
+                <a:avLst/>
+              </a:prstGeom>
+              <a:noFill/>
+            </p:spPr>
+            <p:txBody>
+              <a:bodyPr wrap="square" rtlCol="0">
+                <a:spAutoFit/>
+              </a:bodyPr>
+              <a:lstStyle/>
+              <a:p>
+                <a:pPr algn="ctr"/>
+                <a:r>
+                  <a:rPr lang="en-DK" dirty="0"/>
+                  <a:t>2023</a:t>
+                </a:r>
+              </a:p>
+              <a:p>
+                <a:pPr algn="ctr"/>
+                <a:r>
+                  <a:rPr lang="en-DK" dirty="0"/>
+                  <a:t>Pooled</a:t>
+                </a:r>
+              </a:p>
+            </p:txBody>
+          </p:sp>
+          <p:sp>
+            <p:nvSpPr>
+              <p:cNvPr id="16" name="TextBox 15">
+                <a:extLst>
+                  <a:ext uri="{FF2B5EF4-FFF2-40B4-BE49-F238E27FC236}">
+                    <a16:creationId xmlns:a16="http://schemas.microsoft.com/office/drawing/2014/main" id="{83611EA2-F1DA-E7F4-6D51-FA6AB954D5BE}"/>
+                  </a:ext>
+                </a:extLst>
+              </p:cNvPr>
+              <p:cNvSpPr txBox="1"/>
+              <p:nvPr/>
+            </p:nvSpPr>
+            <p:spPr>
+              <a:xfrm>
+                <a:off x="1481841" y="1440912"/>
+                <a:ext cx="1228725" cy="646331"/>
+              </a:xfrm>
+              <a:prstGeom prst="rect">
+                <a:avLst/>
+              </a:prstGeom>
+              <a:noFill/>
+            </p:spPr>
+            <p:txBody>
+              <a:bodyPr wrap="square" rtlCol="0">
+                <a:spAutoFit/>
+              </a:bodyPr>
+              <a:lstStyle/>
+              <a:p>
+                <a:pPr algn="ctr"/>
+                <a:r>
+                  <a:rPr lang="en-DK" dirty="0"/>
+                  <a:t>1985</a:t>
+                </a:r>
+              </a:p>
+              <a:p>
+                <a:pPr algn="ctr"/>
+                <a:r>
+                  <a:rPr lang="en-DK" dirty="0"/>
+                  <a:t>Dedicated</a:t>
+                </a:r>
+              </a:p>
+            </p:txBody>
+          </p:sp>
+        </p:grpSp>
+      </p:grpSp>
+    </p:spTree>
+    <p:extLst>
+      <p:ext uri="{BB962C8B-B14F-4D97-AF65-F5344CB8AC3E}">
+        <p14:creationId xmlns:p14="http://schemas.microsoft.com/office/powerpoint/2010/main" val="2484166996"/>
+      </p:ext>
+    </p:extLst>
+  </p:cSld>
+  <p:clrMapOvr>
+    <a:masterClrMapping/>
+  </p:clrMapOvr>
+</p:sld>
+</file>
+
+<file path=ppt/slides/slide11.xml><?xml version="1.0" encoding="utf-8"?>
+<p:sld xmlns:a="http://schemas.openxmlformats.org/drawingml/2006/main" xmlns:r="http://schemas.openxmlformats.org/officeDocument/2006/relationships" xmlns:p="http://schemas.openxmlformats.org/presentationml/2006/main">
+  <p:cSld>
     <p:bg>
       <p:bgPr>
         <a:solidFill>
@@ -6778,6 +7511,2042 @@
           </a:p>
         </p:txBody>
       </p:sp>
+      <p:sp>
+        <p:nvSpPr>
+          <p:cNvPr id="6" name="TextBox 5">
+            <a:extLst>
+              <a:ext uri="{FF2B5EF4-FFF2-40B4-BE49-F238E27FC236}">
+                <a16:creationId xmlns:a16="http://schemas.microsoft.com/office/drawing/2014/main" id="{DAA161E5-8412-86CD-3D3D-51276CB6C0AF}"/>
+              </a:ext>
+            </a:extLst>
+          </p:cNvPr>
+          <p:cNvSpPr txBox="1"/>
+          <p:nvPr/>
+        </p:nvSpPr>
+        <p:spPr>
+          <a:xfrm>
+            <a:off x="4257682" y="1794104"/>
+            <a:ext cx="2857491" cy="2369880"/>
+          </a:xfrm>
+          <a:prstGeom prst="rect">
+            <a:avLst/>
+          </a:prstGeom>
+          <a:noFill/>
+        </p:spPr>
+        <p:txBody>
+          <a:bodyPr wrap="square" rtlCol="0">
+            <a:spAutoFit/>
+          </a:bodyPr>
+          <a:lstStyle/>
+          <a:p>
+            <a:r>
+              <a:rPr lang="en-DK" sz="2000" b="1" dirty="0"/>
+              <a:t>Standard approach</a:t>
+            </a:r>
+          </a:p>
+          <a:p>
+            <a:endParaRPr lang="en-DK" sz="2000" b="1" dirty="0"/>
+          </a:p>
+          <a:p>
+            <a:r>
+              <a:rPr lang="en-DK" dirty="0"/>
+              <a:t>Javascript </a:t>
+            </a:r>
+          </a:p>
+          <a:p>
+            <a:endParaRPr lang="en-DK" dirty="0"/>
+          </a:p>
+          <a:p>
+            <a:endParaRPr lang="en-DK" dirty="0"/>
+          </a:p>
+          <a:p>
+            <a:endParaRPr lang="en-DK" dirty="0"/>
+          </a:p>
+          <a:p>
+            <a:r>
+              <a:rPr lang="en-DK" dirty="0"/>
+              <a:t>Services invoking database</a:t>
+            </a:r>
+          </a:p>
+          <a:p>
+            <a:endParaRPr lang="en-DK" dirty="0"/>
+          </a:p>
+        </p:txBody>
+      </p:sp>
+      <p:sp>
+        <p:nvSpPr>
+          <p:cNvPr id="8" name="TextBox 7">
+            <a:extLst>
+              <a:ext uri="{FF2B5EF4-FFF2-40B4-BE49-F238E27FC236}">
+                <a16:creationId xmlns:a16="http://schemas.microsoft.com/office/drawing/2014/main" id="{DF631E27-7913-CDFF-38E9-76A939C7FE79}"/>
+              </a:ext>
+            </a:extLst>
+          </p:cNvPr>
+          <p:cNvSpPr txBox="1"/>
+          <p:nvPr/>
+        </p:nvSpPr>
+        <p:spPr>
+          <a:xfrm>
+            <a:off x="7139365" y="1794104"/>
+            <a:ext cx="4403583" cy="2369880"/>
+          </a:xfrm>
+          <a:prstGeom prst="rect">
+            <a:avLst/>
+          </a:prstGeom>
+          <a:noFill/>
+        </p:spPr>
+        <p:txBody>
+          <a:bodyPr wrap="square" rtlCol="0">
+            <a:spAutoFit/>
+          </a:bodyPr>
+          <a:lstStyle/>
+          <a:p>
+            <a:r>
+              <a:rPr lang="en-DK" sz="2000" b="1" dirty="0"/>
+              <a:t>FutureForms</a:t>
+            </a:r>
+          </a:p>
+          <a:p>
+            <a:endParaRPr lang="en-DK" sz="2000" b="1" dirty="0"/>
+          </a:p>
+          <a:p>
+            <a:r>
+              <a:rPr lang="en-DK" dirty="0"/>
+              <a:t>Parses html and binds tags to database tables and columns</a:t>
+            </a:r>
+          </a:p>
+          <a:p>
+            <a:endParaRPr lang="en-DK" dirty="0"/>
+          </a:p>
+          <a:p>
+            <a:endParaRPr lang="en-DK" dirty="0"/>
+          </a:p>
+          <a:p>
+            <a:r>
+              <a:rPr lang="en-DK" dirty="0"/>
+              <a:t>OpenRestDB exposes database as REST</a:t>
+            </a:r>
+            <a:endParaRPr lang="en-DK" b="1" dirty="0"/>
+          </a:p>
+          <a:p>
+            <a:endParaRPr lang="en-DK" dirty="0"/>
+          </a:p>
+        </p:txBody>
+      </p:sp>
+      <p:grpSp>
+        <p:nvGrpSpPr>
+          <p:cNvPr id="20" name="Group 19">
+            <a:extLst>
+              <a:ext uri="{FF2B5EF4-FFF2-40B4-BE49-F238E27FC236}">
+                <a16:creationId xmlns:a16="http://schemas.microsoft.com/office/drawing/2014/main" id="{7DE6D32B-318E-9A9C-4EAB-671E50E64C90}"/>
+              </a:ext>
+            </a:extLst>
+          </p:cNvPr>
+          <p:cNvGrpSpPr/>
+          <p:nvPr/>
+        </p:nvGrpSpPr>
+        <p:grpSpPr>
+          <a:xfrm>
+            <a:off x="1496999" y="2092557"/>
+            <a:ext cx="2655896" cy="3140078"/>
+            <a:chOff x="1496999" y="3246443"/>
+            <a:chExt cx="2655896" cy="3140078"/>
+          </a:xfrm>
+        </p:grpSpPr>
+        <p:grpSp>
+          <p:nvGrpSpPr>
+            <p:cNvPr id="11" name="Group 10">
+              <a:extLst>
+                <a:ext uri="{FF2B5EF4-FFF2-40B4-BE49-F238E27FC236}">
+                  <a16:creationId xmlns:a16="http://schemas.microsoft.com/office/drawing/2014/main" id="{9D23770E-5547-A4E1-AE87-351FE5C07B0F}"/>
+                </a:ext>
+              </a:extLst>
+            </p:cNvPr>
+            <p:cNvGrpSpPr/>
+            <p:nvPr/>
+          </p:nvGrpSpPr>
+          <p:grpSpPr>
+            <a:xfrm>
+              <a:off x="1496999" y="3246443"/>
+              <a:ext cx="1859323" cy="3140078"/>
+              <a:chOff x="5211765" y="2203443"/>
+              <a:chExt cx="1260000" cy="2706679"/>
+            </a:xfrm>
+          </p:grpSpPr>
+          <p:grpSp>
+            <p:nvGrpSpPr>
+              <p:cNvPr id="1061" name="Group 1060">
+                <a:extLst>
+                  <a:ext uri="{FF2B5EF4-FFF2-40B4-BE49-F238E27FC236}">
+                    <a16:creationId xmlns:a16="http://schemas.microsoft.com/office/drawing/2014/main" id="{A0138485-CFF2-53D1-A515-8506068BB9BA}"/>
+                  </a:ext>
+                </a:extLst>
+              </p:cNvPr>
+              <p:cNvGrpSpPr/>
+              <p:nvPr/>
+            </p:nvGrpSpPr>
+            <p:grpSpPr>
+              <a:xfrm>
+                <a:off x="5211765" y="2203443"/>
+                <a:ext cx="1260000" cy="2706679"/>
+                <a:chOff x="5811845" y="3003550"/>
+                <a:chExt cx="1260000" cy="2706679"/>
+              </a:xfrm>
+            </p:grpSpPr>
+            <p:pic>
+              <p:nvPicPr>
+                <p:cNvPr id="1045" name="Picture 1044">
+                  <a:extLst>
+                    <a:ext uri="{FF2B5EF4-FFF2-40B4-BE49-F238E27FC236}">
+                      <a16:creationId xmlns:a16="http://schemas.microsoft.com/office/drawing/2014/main" id="{92ECA43F-76A2-44A8-14B1-9908232631B4}"/>
+                    </a:ext>
+                  </a:extLst>
+                </p:cNvPr>
+                <p:cNvPicPr>
+                  <a:picLocks noChangeAspect="1"/>
+                </p:cNvPicPr>
+                <p:nvPr/>
+              </p:nvPicPr>
+              <p:blipFill>
+                <a:blip r:embed="rId2"/>
+                <a:stretch>
+                  <a:fillRect/>
+                </a:stretch>
+              </p:blipFill>
+              <p:spPr>
+                <a:xfrm>
+                  <a:off x="5811845" y="3003550"/>
+                  <a:ext cx="1260000" cy="694068"/>
+                </a:xfrm>
+                <a:prstGeom prst="rect">
+                  <a:avLst/>
+                </a:prstGeom>
+              </p:spPr>
+            </p:pic>
+            <p:sp>
+              <p:nvSpPr>
+                <p:cNvPr id="1047" name="Can 1046">
+                  <a:extLst>
+                    <a:ext uri="{FF2B5EF4-FFF2-40B4-BE49-F238E27FC236}">
+                      <a16:creationId xmlns:a16="http://schemas.microsoft.com/office/drawing/2014/main" id="{DF75857B-2558-6892-82FA-B47D6F1C28F0}"/>
+                    </a:ext>
+                  </a:extLst>
+                </p:cNvPr>
+                <p:cNvSpPr/>
+                <p:nvPr/>
+              </p:nvSpPr>
+              <p:spPr>
+                <a:xfrm>
+                  <a:off x="6144954" y="5127793"/>
+                  <a:ext cx="593783" cy="582436"/>
+                </a:xfrm>
+                <a:prstGeom prst="can">
+                  <a:avLst/>
+                </a:prstGeom>
+                <a:solidFill>
+                  <a:schemeClr val="bg1">
+                    <a:lumMod val="85000"/>
+                  </a:schemeClr>
+                </a:solidFill>
+                <a:ln>
+                  <a:solidFill>
+                    <a:schemeClr val="tx1"/>
+                  </a:solidFill>
+                </a:ln>
+              </p:spPr>
+              <p:style>
+                <a:lnRef idx="2">
+                  <a:schemeClr val="accent1">
+                    <a:shade val="50000"/>
+                  </a:schemeClr>
+                </a:lnRef>
+                <a:fillRef idx="1">
+                  <a:schemeClr val="accent1"/>
+                </a:fillRef>
+                <a:effectRef idx="0">
+                  <a:schemeClr val="accent1"/>
+                </a:effectRef>
+                <a:fontRef idx="minor">
+                  <a:schemeClr val="lt1"/>
+                </a:fontRef>
+              </p:style>
+              <p:txBody>
+                <a:bodyPr rtlCol="0" anchor="ctr"/>
+                <a:lstStyle/>
+                <a:p>
+                  <a:pPr algn="ctr"/>
+                  <a:endParaRPr lang="en-DK"/>
+                </a:p>
+              </p:txBody>
+            </p:sp>
+            <p:pic>
+              <p:nvPicPr>
+                <p:cNvPr id="1048" name="Picture 1047">
+                  <a:extLst>
+                    <a:ext uri="{FF2B5EF4-FFF2-40B4-BE49-F238E27FC236}">
+                      <a16:creationId xmlns:a16="http://schemas.microsoft.com/office/drawing/2014/main" id="{AC445236-A45B-43C1-10D5-4B4CACA0B35F}"/>
+                    </a:ext>
+                  </a:extLst>
+                </p:cNvPr>
+                <p:cNvPicPr>
+                  <a:picLocks noChangeAspect="1"/>
+                </p:cNvPicPr>
+                <p:nvPr/>
+              </p:nvPicPr>
+              <p:blipFill>
+                <a:blip r:embed="rId3"/>
+                <a:stretch>
+                  <a:fillRect/>
+                </a:stretch>
+              </p:blipFill>
+              <p:spPr>
+                <a:xfrm>
+                  <a:off x="5885378" y="4057586"/>
+                  <a:ext cx="1112935" cy="582436"/>
+                </a:xfrm>
+                <a:prstGeom prst="rect">
+                  <a:avLst/>
+                </a:prstGeom>
+              </p:spPr>
+            </p:pic>
+            <p:cxnSp>
+              <p:nvCxnSpPr>
+                <p:cNvPr id="1055" name="Straight Arrow Connector 1054">
+                  <a:extLst>
+                    <a:ext uri="{FF2B5EF4-FFF2-40B4-BE49-F238E27FC236}">
+                      <a16:creationId xmlns:a16="http://schemas.microsoft.com/office/drawing/2014/main" id="{BF539873-2D3E-1FD7-923D-C83246B3C891}"/>
+                    </a:ext>
+                  </a:extLst>
+                </p:cNvPr>
+                <p:cNvCxnSpPr>
+                  <a:cxnSpLocks/>
+                </p:cNvCxnSpPr>
+                <p:nvPr/>
+              </p:nvCxnSpPr>
+              <p:spPr>
+                <a:xfrm flipV="1">
+                  <a:off x="6438905" y="3727607"/>
+                  <a:ext cx="0" cy="315747"/>
+                </a:xfrm>
+                <a:prstGeom prst="straightConnector1">
+                  <a:avLst/>
+                </a:prstGeom>
+                <a:ln w="19050">
+                  <a:solidFill>
+                    <a:schemeClr val="bg1">
+                      <a:lumMod val="50000"/>
+                    </a:schemeClr>
+                  </a:solidFill>
+                  <a:headEnd type="triangle" w="med" len="med"/>
+                  <a:tailEnd type="triangle" w="med" len="med"/>
+                </a:ln>
+              </p:spPr>
+              <p:style>
+                <a:lnRef idx="1">
+                  <a:schemeClr val="accent1"/>
+                </a:lnRef>
+                <a:fillRef idx="0">
+                  <a:schemeClr val="accent1"/>
+                </a:fillRef>
+                <a:effectRef idx="0">
+                  <a:schemeClr val="accent1"/>
+                </a:effectRef>
+                <a:fontRef idx="minor">
+                  <a:schemeClr val="tx1"/>
+                </a:fontRef>
+              </p:style>
+            </p:cxnSp>
+            <p:cxnSp>
+              <p:nvCxnSpPr>
+                <p:cNvPr id="1057" name="Straight Arrow Connector 1056">
+                  <a:extLst>
+                    <a:ext uri="{FF2B5EF4-FFF2-40B4-BE49-F238E27FC236}">
+                      <a16:creationId xmlns:a16="http://schemas.microsoft.com/office/drawing/2014/main" id="{8151FF7F-E758-4B7D-663F-5F2A7F50E9F6}"/>
+                    </a:ext>
+                  </a:extLst>
+                </p:cNvPr>
+                <p:cNvCxnSpPr>
+                  <a:cxnSpLocks/>
+                </p:cNvCxnSpPr>
+                <p:nvPr/>
+              </p:nvCxnSpPr>
+              <p:spPr>
+                <a:xfrm flipV="1">
+                  <a:off x="6434139" y="4722978"/>
+                  <a:ext cx="0" cy="315747"/>
+                </a:xfrm>
+                <a:prstGeom prst="straightConnector1">
+                  <a:avLst/>
+                </a:prstGeom>
+                <a:ln w="19050">
+                  <a:solidFill>
+                    <a:schemeClr val="bg1">
+                      <a:lumMod val="50000"/>
+                    </a:schemeClr>
+                  </a:solidFill>
+                  <a:headEnd type="triangle" w="med" len="med"/>
+                  <a:tailEnd type="triangle" w="med" len="med"/>
+                </a:ln>
+              </p:spPr>
+              <p:style>
+                <a:lnRef idx="1">
+                  <a:schemeClr val="accent1"/>
+                </a:lnRef>
+                <a:fillRef idx="0">
+                  <a:schemeClr val="accent1"/>
+                </a:fillRef>
+                <a:effectRef idx="0">
+                  <a:schemeClr val="accent1"/>
+                </a:effectRef>
+                <a:fontRef idx="minor">
+                  <a:schemeClr val="tx1"/>
+                </a:fontRef>
+              </p:style>
+            </p:cxnSp>
+          </p:grpSp>
+          <p:sp>
+            <p:nvSpPr>
+              <p:cNvPr id="10" name="TextBox 9">
+                <a:extLst>
+                  <a:ext uri="{FF2B5EF4-FFF2-40B4-BE49-F238E27FC236}">
+                    <a16:creationId xmlns:a16="http://schemas.microsoft.com/office/drawing/2014/main" id="{51EC14A7-FD6D-A3A9-B699-A225946941A6}"/>
+                  </a:ext>
+                </a:extLst>
+              </p:cNvPr>
+              <p:cNvSpPr txBox="1"/>
+              <p:nvPr/>
+            </p:nvSpPr>
+            <p:spPr>
+              <a:xfrm>
+                <a:off x="5663888" y="3393048"/>
+                <a:ext cx="642938" cy="307777"/>
+              </a:xfrm>
+              <a:prstGeom prst="rect">
+                <a:avLst/>
+              </a:prstGeom>
+              <a:noFill/>
+            </p:spPr>
+            <p:txBody>
+              <a:bodyPr wrap="square" rtlCol="0">
+                <a:spAutoFit/>
+              </a:bodyPr>
+              <a:lstStyle/>
+              <a:p>
+                <a:r>
+                  <a:rPr lang="en-DK" sz="1400" b="1" dirty="0"/>
+                  <a:t>Rest</a:t>
+                </a:r>
+              </a:p>
+            </p:txBody>
+          </p:sp>
+        </p:grpSp>
+        <p:cxnSp>
+          <p:nvCxnSpPr>
+            <p:cNvPr id="12" name="Straight Arrow Connector 11">
+              <a:extLst>
+                <a:ext uri="{FF2B5EF4-FFF2-40B4-BE49-F238E27FC236}">
+                  <a16:creationId xmlns:a16="http://schemas.microsoft.com/office/drawing/2014/main" id="{6D5E44D3-C953-07C1-5011-AB43A3475839}"/>
+                </a:ext>
+              </a:extLst>
+            </p:cNvPr>
+            <p:cNvCxnSpPr>
+              <a:cxnSpLocks/>
+            </p:cNvCxnSpPr>
+            <p:nvPr/>
+          </p:nvCxnSpPr>
+          <p:spPr>
+            <a:xfrm flipH="1">
+              <a:off x="3477302" y="3743312"/>
+              <a:ext cx="675593" cy="0"/>
+            </a:xfrm>
+            <a:prstGeom prst="straightConnector1">
+              <a:avLst/>
+            </a:prstGeom>
+            <a:ln w="19050">
+              <a:solidFill>
+                <a:schemeClr val="bg1">
+                  <a:lumMod val="50000"/>
+                </a:schemeClr>
+              </a:solidFill>
+              <a:headEnd type="triangle" w="med" len="med"/>
+              <a:tailEnd type="triangle" w="med" len="med"/>
+            </a:ln>
+          </p:spPr>
+          <p:style>
+            <a:lnRef idx="1">
+              <a:schemeClr val="accent1"/>
+            </a:lnRef>
+            <a:fillRef idx="0">
+              <a:schemeClr val="accent1"/>
+            </a:fillRef>
+            <a:effectRef idx="0">
+              <a:schemeClr val="accent1"/>
+            </a:effectRef>
+            <a:fontRef idx="minor">
+              <a:schemeClr val="tx1"/>
+            </a:fontRef>
+          </p:style>
+        </p:cxnSp>
+        <p:cxnSp>
+          <p:nvCxnSpPr>
+            <p:cNvPr id="19" name="Straight Arrow Connector 18">
+              <a:extLst>
+                <a:ext uri="{FF2B5EF4-FFF2-40B4-BE49-F238E27FC236}">
+                  <a16:creationId xmlns:a16="http://schemas.microsoft.com/office/drawing/2014/main" id="{77E53F44-D3CD-7BFA-9F21-5CA625B9A120}"/>
+                </a:ext>
+              </a:extLst>
+            </p:cNvPr>
+            <p:cNvCxnSpPr>
+              <a:cxnSpLocks/>
+            </p:cNvCxnSpPr>
+            <p:nvPr/>
+          </p:nvCxnSpPr>
+          <p:spPr>
+            <a:xfrm flipH="1">
+              <a:off x="3477302" y="4824403"/>
+              <a:ext cx="675593" cy="0"/>
+            </a:xfrm>
+            <a:prstGeom prst="straightConnector1">
+              <a:avLst/>
+            </a:prstGeom>
+            <a:ln w="19050">
+              <a:solidFill>
+                <a:schemeClr val="bg1">
+                  <a:lumMod val="50000"/>
+                </a:schemeClr>
+              </a:solidFill>
+              <a:headEnd type="triangle" w="med" len="med"/>
+              <a:tailEnd type="triangle" w="med" len="med"/>
+            </a:ln>
+          </p:spPr>
+          <p:style>
+            <a:lnRef idx="1">
+              <a:schemeClr val="accent1"/>
+            </a:lnRef>
+            <a:fillRef idx="0">
+              <a:schemeClr val="accent1"/>
+            </a:fillRef>
+            <a:effectRef idx="0">
+              <a:schemeClr val="accent1"/>
+            </a:effectRef>
+            <a:fontRef idx="minor">
+              <a:schemeClr val="tx1"/>
+            </a:fontRef>
+          </p:style>
+        </p:cxnSp>
+      </p:grpSp>
+    </p:spTree>
+    <p:extLst>
+      <p:ext uri="{BB962C8B-B14F-4D97-AF65-F5344CB8AC3E}">
+        <p14:creationId xmlns:p14="http://schemas.microsoft.com/office/powerpoint/2010/main" val="3552756227"/>
+      </p:ext>
+    </p:extLst>
+  </p:cSld>
+  <p:clrMapOvr>
+    <a:masterClrMapping/>
+  </p:clrMapOvr>
+</p:sld>
+</file>
+
+<file path=ppt/slides/slide5.xml><?xml version="1.0" encoding="utf-8"?>
+<p:sld xmlns:a="http://schemas.openxmlformats.org/drawingml/2006/main" xmlns:r="http://schemas.openxmlformats.org/officeDocument/2006/relationships" xmlns:p="http://schemas.openxmlformats.org/presentationml/2006/main">
+  <p:cSld>
+    <p:spTree>
+      <p:nvGrpSpPr>
+        <p:cNvPr id="1" name=""/>
+        <p:cNvGrpSpPr/>
+        <p:nvPr/>
+      </p:nvGrpSpPr>
+      <p:grpSpPr>
+        <a:xfrm>
+          <a:off x="0" y="0"/>
+          <a:ext cx="0" cy="0"/>
+          <a:chOff x="0" y="0"/>
+          <a:chExt cx="0" cy="0"/>
+        </a:xfrm>
+      </p:grpSpPr>
+      <p:sp>
+        <p:nvSpPr>
+          <p:cNvPr id="1031" name="Title 1030">
+            <a:extLst>
+              <a:ext uri="{FF2B5EF4-FFF2-40B4-BE49-F238E27FC236}">
+                <a16:creationId xmlns:a16="http://schemas.microsoft.com/office/drawing/2014/main" id="{22D09CA6-2F33-D374-D436-2CE7ED5D5D85}"/>
+              </a:ext>
+            </a:extLst>
+          </p:cNvPr>
+          <p:cNvSpPr>
+            <a:spLocks noGrp="1"/>
+          </p:cNvSpPr>
+          <p:nvPr>
+            <p:ph type="title"/>
+          </p:nvPr>
+        </p:nvSpPr>
+        <p:spPr>
+          <a:xfrm>
+            <a:off x="838200" y="72485"/>
+            <a:ext cx="10515600" cy="1325563"/>
+          </a:xfrm>
+        </p:spPr>
+        <p:txBody>
+          <a:bodyPr anchor="t"/>
+          <a:lstStyle/>
+          <a:p>
+            <a:pPr algn="ctr"/>
+            <a:r>
+              <a:rPr lang="en-DK" sz="3200" dirty="0"/>
+              <a:t>FutureForms</a:t>
+            </a:r>
+          </a:p>
+        </p:txBody>
+      </p:sp>
+      <p:sp>
+        <p:nvSpPr>
+          <p:cNvPr id="14" name="TextBox 13">
+            <a:extLst>
+              <a:ext uri="{FF2B5EF4-FFF2-40B4-BE49-F238E27FC236}">
+                <a16:creationId xmlns:a16="http://schemas.microsoft.com/office/drawing/2014/main" id="{98AD0FA5-AD4A-FEE2-1E7A-3C678A40F391}"/>
+              </a:ext>
+            </a:extLst>
+          </p:cNvPr>
+          <p:cNvSpPr txBox="1"/>
+          <p:nvPr/>
+        </p:nvSpPr>
+        <p:spPr>
+          <a:xfrm>
+            <a:off x="6172210" y="1151059"/>
+            <a:ext cx="5380051" cy="5406903"/>
+          </a:xfrm>
+          <a:prstGeom prst="rect">
+            <a:avLst/>
+          </a:prstGeom>
+          <a:noFill/>
+        </p:spPr>
+        <p:txBody>
+          <a:bodyPr wrap="square" rtlCol="0">
+            <a:noAutofit/>
+          </a:bodyPr>
+          <a:lstStyle/>
+          <a:p>
+            <a:r>
+              <a:rPr lang="en-DK" sz="2000" b="1" dirty="0"/>
+              <a:t>Most Notable Objects</a:t>
+            </a:r>
+          </a:p>
+          <a:p>
+            <a:endParaRPr lang="en-DK" dirty="0"/>
+          </a:p>
+          <a:p>
+            <a:r>
+              <a:rPr lang="en-DK" b="1" i="1" dirty="0"/>
+              <a:t>Form</a:t>
+            </a:r>
+            <a:r>
+              <a:rPr lang="en-DK" dirty="0"/>
+              <a:t>:</a:t>
+            </a:r>
+          </a:p>
+          <a:p>
+            <a:r>
+              <a:rPr lang="en-DK" dirty="0"/>
+              <a:t>   Blocks, Eventhandling </a:t>
+            </a:r>
+          </a:p>
+          <a:p>
+            <a:endParaRPr lang="en-DK" dirty="0"/>
+          </a:p>
+          <a:p>
+            <a:r>
+              <a:rPr lang="en-DK" b="1" i="1" dirty="0"/>
+              <a:t>Block</a:t>
+            </a:r>
+            <a:r>
+              <a:rPr lang="en-DK" dirty="0"/>
+              <a:t>:</a:t>
+            </a:r>
+          </a:p>
+          <a:p>
+            <a:r>
+              <a:rPr lang="en-DK" dirty="0"/>
+              <a:t>   Optional intersection between </a:t>
+            </a:r>
+            <a:r>
+              <a:rPr lang="en-DK" i="1" dirty="0"/>
+              <a:t>Datasource</a:t>
+            </a:r>
+            <a:r>
+              <a:rPr lang="en-DK" dirty="0"/>
+              <a:t> &amp; </a:t>
+            </a:r>
+            <a:r>
+              <a:rPr lang="en-DK" i="1" dirty="0"/>
+              <a:t>Fields</a:t>
+            </a:r>
+          </a:p>
+          <a:p>
+            <a:endParaRPr lang="en-DK" dirty="0"/>
+          </a:p>
+          <a:p>
+            <a:r>
+              <a:rPr lang="en-DK" b="1" i="1" dirty="0"/>
+              <a:t>Datasource</a:t>
+            </a:r>
+            <a:r>
+              <a:rPr lang="en-DK" dirty="0"/>
+              <a:t>: (Interface)</a:t>
+            </a:r>
+          </a:p>
+          <a:p>
+            <a:r>
+              <a:rPr lang="en-DK" dirty="0"/>
+              <a:t>   Get data from any source</a:t>
+            </a:r>
+          </a:p>
+          <a:p>
+            <a:endParaRPr lang="en-DK" dirty="0"/>
+          </a:p>
+          <a:p>
+            <a:r>
+              <a:rPr lang="en-DK" b="1" i="1" dirty="0"/>
+              <a:t>ListOfValues</a:t>
+            </a:r>
+            <a:r>
+              <a:rPr lang="en-DK" dirty="0"/>
+              <a:t>: (Interface)</a:t>
+            </a:r>
+          </a:p>
+          <a:p>
+            <a:r>
+              <a:rPr lang="en-DK" dirty="0"/>
+              <a:t>   List of valid values for given field</a:t>
+            </a:r>
+          </a:p>
+          <a:p>
+            <a:endParaRPr lang="en-DK" dirty="0"/>
+          </a:p>
+          <a:p>
+            <a:r>
+              <a:rPr lang="en-DK" b="1" i="1" dirty="0"/>
+              <a:t>CustomTag</a:t>
+            </a:r>
+            <a:r>
+              <a:rPr lang="en-DK" dirty="0"/>
+              <a:t>:</a:t>
+            </a:r>
+          </a:p>
+          <a:p>
+            <a:r>
+              <a:rPr lang="en-DK" dirty="0"/>
+              <a:t>   Replace any tag with custom code</a:t>
+            </a:r>
+          </a:p>
+          <a:p>
+            <a:endParaRPr lang="en-DK" dirty="0"/>
+          </a:p>
+          <a:p>
+            <a:r>
+              <a:rPr lang="en-DK" b="1" i="1" dirty="0"/>
+              <a:t>Menu</a:t>
+            </a:r>
+            <a:r>
+              <a:rPr lang="en-DK" dirty="0"/>
+              <a:t>:</a:t>
+            </a:r>
+          </a:p>
+          <a:p>
+            <a:r>
+              <a:rPr lang="en-DK" dirty="0"/>
+              <a:t>   Create static or datadriven menues</a:t>
+            </a:r>
+          </a:p>
+        </p:txBody>
+      </p:sp>
+      <p:grpSp>
+        <p:nvGrpSpPr>
+          <p:cNvPr id="25" name="Group 24">
+            <a:extLst>
+              <a:ext uri="{FF2B5EF4-FFF2-40B4-BE49-F238E27FC236}">
+                <a16:creationId xmlns:a16="http://schemas.microsoft.com/office/drawing/2014/main" id="{845E20DA-E3C6-4CB2-A30B-744F1E108995}"/>
+              </a:ext>
+            </a:extLst>
+          </p:cNvPr>
+          <p:cNvGrpSpPr/>
+          <p:nvPr/>
+        </p:nvGrpSpPr>
+        <p:grpSpPr>
+          <a:xfrm>
+            <a:off x="304200" y="1074182"/>
+            <a:ext cx="4392870" cy="5069456"/>
+            <a:chOff x="404219" y="931302"/>
+            <a:chExt cx="4392870" cy="5069456"/>
+          </a:xfrm>
+        </p:grpSpPr>
+        <p:grpSp>
+          <p:nvGrpSpPr>
+            <p:cNvPr id="11" name="Group 10">
+              <a:extLst>
+                <a:ext uri="{FF2B5EF4-FFF2-40B4-BE49-F238E27FC236}">
+                  <a16:creationId xmlns:a16="http://schemas.microsoft.com/office/drawing/2014/main" id="{9D23770E-5547-A4E1-AE87-351FE5C07B0F}"/>
+                </a:ext>
+              </a:extLst>
+            </p:cNvPr>
+            <p:cNvGrpSpPr/>
+            <p:nvPr/>
+          </p:nvGrpSpPr>
+          <p:grpSpPr>
+            <a:xfrm>
+              <a:off x="1625591" y="2860680"/>
+              <a:ext cx="1859323" cy="3140078"/>
+              <a:chOff x="5211765" y="2203443"/>
+              <a:chExt cx="1260000" cy="2706679"/>
+            </a:xfrm>
+          </p:grpSpPr>
+          <p:grpSp>
+            <p:nvGrpSpPr>
+              <p:cNvPr id="1061" name="Group 1060">
+                <a:extLst>
+                  <a:ext uri="{FF2B5EF4-FFF2-40B4-BE49-F238E27FC236}">
+                    <a16:creationId xmlns:a16="http://schemas.microsoft.com/office/drawing/2014/main" id="{A0138485-CFF2-53D1-A515-8506068BB9BA}"/>
+                  </a:ext>
+                </a:extLst>
+              </p:cNvPr>
+              <p:cNvGrpSpPr/>
+              <p:nvPr/>
+            </p:nvGrpSpPr>
+            <p:grpSpPr>
+              <a:xfrm>
+                <a:off x="5211765" y="2203443"/>
+                <a:ext cx="1260000" cy="2706679"/>
+                <a:chOff x="5811845" y="3003550"/>
+                <a:chExt cx="1260000" cy="2706679"/>
+              </a:xfrm>
+            </p:grpSpPr>
+            <p:pic>
+              <p:nvPicPr>
+                <p:cNvPr id="1045" name="Picture 1044">
+                  <a:extLst>
+                    <a:ext uri="{FF2B5EF4-FFF2-40B4-BE49-F238E27FC236}">
+                      <a16:creationId xmlns:a16="http://schemas.microsoft.com/office/drawing/2014/main" id="{92ECA43F-76A2-44A8-14B1-9908232631B4}"/>
+                    </a:ext>
+                  </a:extLst>
+                </p:cNvPr>
+                <p:cNvPicPr>
+                  <a:picLocks noChangeAspect="1"/>
+                </p:cNvPicPr>
+                <p:nvPr/>
+              </p:nvPicPr>
+              <p:blipFill>
+                <a:blip r:embed="rId2"/>
+                <a:stretch>
+                  <a:fillRect/>
+                </a:stretch>
+              </p:blipFill>
+              <p:spPr>
+                <a:xfrm>
+                  <a:off x="5811845" y="3003550"/>
+                  <a:ext cx="1260000" cy="694068"/>
+                </a:xfrm>
+                <a:prstGeom prst="rect">
+                  <a:avLst/>
+                </a:prstGeom>
+              </p:spPr>
+            </p:pic>
+            <p:sp>
+              <p:nvSpPr>
+                <p:cNvPr id="1047" name="Can 1046">
+                  <a:extLst>
+                    <a:ext uri="{FF2B5EF4-FFF2-40B4-BE49-F238E27FC236}">
+                      <a16:creationId xmlns:a16="http://schemas.microsoft.com/office/drawing/2014/main" id="{DF75857B-2558-6892-82FA-B47D6F1C28F0}"/>
+                    </a:ext>
+                  </a:extLst>
+                </p:cNvPr>
+                <p:cNvSpPr/>
+                <p:nvPr/>
+              </p:nvSpPr>
+              <p:spPr>
+                <a:xfrm>
+                  <a:off x="6144954" y="5127793"/>
+                  <a:ext cx="593783" cy="582436"/>
+                </a:xfrm>
+                <a:prstGeom prst="can">
+                  <a:avLst/>
+                </a:prstGeom>
+                <a:solidFill>
+                  <a:schemeClr val="bg1">
+                    <a:lumMod val="85000"/>
+                  </a:schemeClr>
+                </a:solidFill>
+                <a:ln>
+                  <a:solidFill>
+                    <a:schemeClr val="tx1"/>
+                  </a:solidFill>
+                </a:ln>
+              </p:spPr>
+              <p:style>
+                <a:lnRef idx="2">
+                  <a:schemeClr val="accent1">
+                    <a:shade val="50000"/>
+                  </a:schemeClr>
+                </a:lnRef>
+                <a:fillRef idx="1">
+                  <a:schemeClr val="accent1"/>
+                </a:fillRef>
+                <a:effectRef idx="0">
+                  <a:schemeClr val="accent1"/>
+                </a:effectRef>
+                <a:fontRef idx="minor">
+                  <a:schemeClr val="lt1"/>
+                </a:fontRef>
+              </p:style>
+              <p:txBody>
+                <a:bodyPr rtlCol="0" anchor="ctr"/>
+                <a:lstStyle/>
+                <a:p>
+                  <a:pPr algn="ctr"/>
+                  <a:endParaRPr lang="en-DK"/>
+                </a:p>
+              </p:txBody>
+            </p:sp>
+            <p:pic>
+              <p:nvPicPr>
+                <p:cNvPr id="1048" name="Picture 1047">
+                  <a:extLst>
+                    <a:ext uri="{FF2B5EF4-FFF2-40B4-BE49-F238E27FC236}">
+                      <a16:creationId xmlns:a16="http://schemas.microsoft.com/office/drawing/2014/main" id="{AC445236-A45B-43C1-10D5-4B4CACA0B35F}"/>
+                    </a:ext>
+                  </a:extLst>
+                </p:cNvPr>
+                <p:cNvPicPr>
+                  <a:picLocks noChangeAspect="1"/>
+                </p:cNvPicPr>
+                <p:nvPr/>
+              </p:nvPicPr>
+              <p:blipFill>
+                <a:blip r:embed="rId3"/>
+                <a:stretch>
+                  <a:fillRect/>
+                </a:stretch>
+              </p:blipFill>
+              <p:spPr>
+                <a:xfrm>
+                  <a:off x="5885378" y="4057586"/>
+                  <a:ext cx="1112935" cy="582436"/>
+                </a:xfrm>
+                <a:prstGeom prst="rect">
+                  <a:avLst/>
+                </a:prstGeom>
+              </p:spPr>
+            </p:pic>
+            <p:cxnSp>
+              <p:nvCxnSpPr>
+                <p:cNvPr id="1055" name="Straight Arrow Connector 1054">
+                  <a:extLst>
+                    <a:ext uri="{FF2B5EF4-FFF2-40B4-BE49-F238E27FC236}">
+                      <a16:creationId xmlns:a16="http://schemas.microsoft.com/office/drawing/2014/main" id="{BF539873-2D3E-1FD7-923D-C83246B3C891}"/>
+                    </a:ext>
+                  </a:extLst>
+                </p:cNvPr>
+                <p:cNvCxnSpPr>
+                  <a:cxnSpLocks/>
+                </p:cNvCxnSpPr>
+                <p:nvPr/>
+              </p:nvCxnSpPr>
+              <p:spPr>
+                <a:xfrm flipV="1">
+                  <a:off x="6438905" y="3727607"/>
+                  <a:ext cx="0" cy="315747"/>
+                </a:xfrm>
+                <a:prstGeom prst="straightConnector1">
+                  <a:avLst/>
+                </a:prstGeom>
+                <a:ln w="19050">
+                  <a:solidFill>
+                    <a:schemeClr val="bg1">
+                      <a:lumMod val="50000"/>
+                    </a:schemeClr>
+                  </a:solidFill>
+                  <a:headEnd type="triangle" w="med" len="med"/>
+                  <a:tailEnd type="triangle" w="med" len="med"/>
+                </a:ln>
+              </p:spPr>
+              <p:style>
+                <a:lnRef idx="1">
+                  <a:schemeClr val="accent1"/>
+                </a:lnRef>
+                <a:fillRef idx="0">
+                  <a:schemeClr val="accent1"/>
+                </a:fillRef>
+                <a:effectRef idx="0">
+                  <a:schemeClr val="accent1"/>
+                </a:effectRef>
+                <a:fontRef idx="minor">
+                  <a:schemeClr val="tx1"/>
+                </a:fontRef>
+              </p:style>
+            </p:cxnSp>
+            <p:cxnSp>
+              <p:nvCxnSpPr>
+                <p:cNvPr id="1057" name="Straight Arrow Connector 1056">
+                  <a:extLst>
+                    <a:ext uri="{FF2B5EF4-FFF2-40B4-BE49-F238E27FC236}">
+                      <a16:creationId xmlns:a16="http://schemas.microsoft.com/office/drawing/2014/main" id="{8151FF7F-E758-4B7D-663F-5F2A7F50E9F6}"/>
+                    </a:ext>
+                  </a:extLst>
+                </p:cNvPr>
+                <p:cNvCxnSpPr>
+                  <a:cxnSpLocks/>
+                </p:cNvCxnSpPr>
+                <p:nvPr/>
+              </p:nvCxnSpPr>
+              <p:spPr>
+                <a:xfrm flipV="1">
+                  <a:off x="6434139" y="4722978"/>
+                  <a:ext cx="0" cy="315747"/>
+                </a:xfrm>
+                <a:prstGeom prst="straightConnector1">
+                  <a:avLst/>
+                </a:prstGeom>
+                <a:ln w="19050">
+                  <a:solidFill>
+                    <a:schemeClr val="bg1">
+                      <a:lumMod val="50000"/>
+                    </a:schemeClr>
+                  </a:solidFill>
+                  <a:headEnd type="triangle" w="med" len="med"/>
+                  <a:tailEnd type="triangle" w="med" len="med"/>
+                </a:ln>
+              </p:spPr>
+              <p:style>
+                <a:lnRef idx="1">
+                  <a:schemeClr val="accent1"/>
+                </a:lnRef>
+                <a:fillRef idx="0">
+                  <a:schemeClr val="accent1"/>
+                </a:fillRef>
+                <a:effectRef idx="0">
+                  <a:schemeClr val="accent1"/>
+                </a:effectRef>
+                <a:fontRef idx="minor">
+                  <a:schemeClr val="tx1"/>
+                </a:fontRef>
+              </p:style>
+            </p:cxnSp>
+          </p:grpSp>
+          <p:sp>
+            <p:nvSpPr>
+              <p:cNvPr id="10" name="TextBox 9">
+                <a:extLst>
+                  <a:ext uri="{FF2B5EF4-FFF2-40B4-BE49-F238E27FC236}">
+                    <a16:creationId xmlns:a16="http://schemas.microsoft.com/office/drawing/2014/main" id="{51EC14A7-FD6D-A3A9-B699-A225946941A6}"/>
+                  </a:ext>
+                </a:extLst>
+              </p:cNvPr>
+              <p:cNvSpPr txBox="1"/>
+              <p:nvPr/>
+            </p:nvSpPr>
+            <p:spPr>
+              <a:xfrm>
+                <a:off x="5663888" y="3393048"/>
+                <a:ext cx="642938" cy="307777"/>
+              </a:xfrm>
+              <a:prstGeom prst="rect">
+                <a:avLst/>
+              </a:prstGeom>
+              <a:noFill/>
+            </p:spPr>
+            <p:txBody>
+              <a:bodyPr wrap="square" rtlCol="0">
+                <a:spAutoFit/>
+              </a:bodyPr>
+              <a:lstStyle/>
+              <a:p>
+                <a:r>
+                  <a:rPr lang="en-DK" sz="1400" b="1" dirty="0"/>
+                  <a:t>Rest</a:t>
+                </a:r>
+              </a:p>
+            </p:txBody>
+          </p:sp>
+        </p:grpSp>
+        <p:grpSp>
+          <p:nvGrpSpPr>
+            <p:cNvPr id="13" name="Group 12">
+              <a:extLst>
+                <a:ext uri="{FF2B5EF4-FFF2-40B4-BE49-F238E27FC236}">
+                  <a16:creationId xmlns:a16="http://schemas.microsoft.com/office/drawing/2014/main" id="{45262000-3DD2-4CC3-3A0C-54426D964C95}"/>
+                </a:ext>
+              </a:extLst>
+            </p:cNvPr>
+            <p:cNvGrpSpPr/>
+            <p:nvPr/>
+          </p:nvGrpSpPr>
+          <p:grpSpPr>
+            <a:xfrm>
+              <a:off x="404219" y="931302"/>
+              <a:ext cx="4392870" cy="679762"/>
+              <a:chOff x="404219" y="931302"/>
+              <a:chExt cx="4392870" cy="679762"/>
+            </a:xfrm>
+          </p:grpSpPr>
+          <p:grpSp>
+            <p:nvGrpSpPr>
+              <p:cNvPr id="2" name="Group 1">
+                <a:extLst>
+                  <a:ext uri="{FF2B5EF4-FFF2-40B4-BE49-F238E27FC236}">
+                    <a16:creationId xmlns:a16="http://schemas.microsoft.com/office/drawing/2014/main" id="{28A97D74-67AA-E63E-8A01-548D405EB1DA}"/>
+                  </a:ext>
+                </a:extLst>
+              </p:cNvPr>
+              <p:cNvGrpSpPr/>
+              <p:nvPr/>
+            </p:nvGrpSpPr>
+            <p:grpSpPr>
+              <a:xfrm>
+                <a:off x="404219" y="931302"/>
+                <a:ext cx="1402002" cy="679762"/>
+                <a:chOff x="1132882" y="3888828"/>
+                <a:chExt cx="1402002" cy="679762"/>
+              </a:xfrm>
+            </p:grpSpPr>
+            <p:sp>
+              <p:nvSpPr>
+                <p:cNvPr id="3" name="Doughnut 2">
+                  <a:extLst>
+                    <a:ext uri="{FF2B5EF4-FFF2-40B4-BE49-F238E27FC236}">
+                      <a16:creationId xmlns:a16="http://schemas.microsoft.com/office/drawing/2014/main" id="{2F0B91C5-39DB-1BD3-4FCD-E3FCA7A964E5}"/>
+                    </a:ext>
+                  </a:extLst>
+                </p:cNvPr>
+                <p:cNvSpPr/>
+                <p:nvPr/>
+              </p:nvSpPr>
+              <p:spPr>
+                <a:xfrm>
+                  <a:off x="1132882" y="3888828"/>
+                  <a:ext cx="1402002" cy="679762"/>
+                </a:xfrm>
+                <a:prstGeom prst="donut">
+                  <a:avLst>
+                    <a:gd name="adj" fmla="val 1161"/>
+                  </a:avLst>
+                </a:prstGeom>
+                <a:solidFill>
+                  <a:schemeClr val="bg1">
+                    <a:lumMod val="50000"/>
+                  </a:schemeClr>
+                </a:solidFill>
+                <a:ln>
+                  <a:solidFill>
+                    <a:schemeClr val="bg1">
+                      <a:lumMod val="50000"/>
+                    </a:schemeClr>
+                  </a:solidFill>
+                </a:ln>
+              </p:spPr>
+              <p:style>
+                <a:lnRef idx="2">
+                  <a:schemeClr val="accent1">
+                    <a:shade val="50000"/>
+                  </a:schemeClr>
+                </a:lnRef>
+                <a:fillRef idx="1">
+                  <a:schemeClr val="accent1"/>
+                </a:fillRef>
+                <a:effectRef idx="0">
+                  <a:schemeClr val="accent1"/>
+                </a:effectRef>
+                <a:fontRef idx="minor">
+                  <a:schemeClr val="lt1"/>
+                </a:fontRef>
+              </p:style>
+              <p:txBody>
+                <a:bodyPr rtlCol="0" anchor="ctr"/>
+                <a:lstStyle/>
+                <a:p>
+                  <a:pPr algn="ctr"/>
+                  <a:endParaRPr lang="en-DK">
+                    <a:solidFill>
+                      <a:schemeClr val="tx1"/>
+                    </a:solidFill>
+                  </a:endParaRPr>
+                </a:p>
+              </p:txBody>
+            </p:sp>
+            <p:sp>
+              <p:nvSpPr>
+                <p:cNvPr id="4" name="Tekstfelt 60">
+                  <a:extLst>
+                    <a:ext uri="{FF2B5EF4-FFF2-40B4-BE49-F238E27FC236}">
+                      <a16:creationId xmlns:a16="http://schemas.microsoft.com/office/drawing/2014/main" id="{6E41D0D9-ADAD-3968-0B00-800CC10D5A4E}"/>
+                    </a:ext>
+                  </a:extLst>
+                </p:cNvPr>
+                <p:cNvSpPr txBox="1"/>
+                <p:nvPr/>
+              </p:nvSpPr>
+              <p:spPr>
+                <a:xfrm>
+                  <a:off x="1335604" y="4095673"/>
+                  <a:ext cx="993259" cy="262009"/>
+                </a:xfrm>
+                <a:prstGeom prst="rect">
+                  <a:avLst/>
+                </a:prstGeom>
+                <a:noFill/>
+              </p:spPr>
+              <p:txBody>
+                <a:bodyPr wrap="square" rtlCol="0">
+                  <a:spAutoFit/>
+                </a:bodyPr>
+                <a:lstStyle/>
+                <a:p>
+                  <a:pPr algn="ctr"/>
+                  <a:r>
+                    <a:rPr lang="da-DK" sz="1100" b="1" dirty="0">
+                      <a:latin typeface="+mj-lt"/>
+                    </a:rPr>
+                    <a:t>HTML</a:t>
+                  </a:r>
+                </a:p>
+              </p:txBody>
+            </p:sp>
+          </p:grpSp>
+          <p:grpSp>
+            <p:nvGrpSpPr>
+              <p:cNvPr id="5" name="Group 4">
+                <a:extLst>
+                  <a:ext uri="{FF2B5EF4-FFF2-40B4-BE49-F238E27FC236}">
+                    <a16:creationId xmlns:a16="http://schemas.microsoft.com/office/drawing/2014/main" id="{10F86127-5BAB-CB21-7D8F-DBF7C0B3F248}"/>
+                  </a:ext>
+                </a:extLst>
+              </p:cNvPr>
+              <p:cNvGrpSpPr/>
+              <p:nvPr/>
+            </p:nvGrpSpPr>
+            <p:grpSpPr>
+              <a:xfrm>
+                <a:off x="1899653" y="931302"/>
+                <a:ext cx="1402002" cy="679762"/>
+                <a:chOff x="1132882" y="3888828"/>
+                <a:chExt cx="1402002" cy="679762"/>
+              </a:xfrm>
+            </p:grpSpPr>
+            <p:sp>
+              <p:nvSpPr>
+                <p:cNvPr id="6" name="Doughnut 5">
+                  <a:extLst>
+                    <a:ext uri="{FF2B5EF4-FFF2-40B4-BE49-F238E27FC236}">
+                      <a16:creationId xmlns:a16="http://schemas.microsoft.com/office/drawing/2014/main" id="{06FF16EB-17F7-5355-3B9B-7D198D3874A0}"/>
+                    </a:ext>
+                  </a:extLst>
+                </p:cNvPr>
+                <p:cNvSpPr/>
+                <p:nvPr/>
+              </p:nvSpPr>
+              <p:spPr>
+                <a:xfrm>
+                  <a:off x="1132882" y="3888828"/>
+                  <a:ext cx="1402002" cy="679762"/>
+                </a:xfrm>
+                <a:prstGeom prst="donut">
+                  <a:avLst>
+                    <a:gd name="adj" fmla="val 1161"/>
+                  </a:avLst>
+                </a:prstGeom>
+                <a:solidFill>
+                  <a:schemeClr val="bg1">
+                    <a:lumMod val="50000"/>
+                  </a:schemeClr>
+                </a:solidFill>
+                <a:ln>
+                  <a:solidFill>
+                    <a:schemeClr val="bg1">
+                      <a:lumMod val="50000"/>
+                    </a:schemeClr>
+                  </a:solidFill>
+                </a:ln>
+              </p:spPr>
+              <p:style>
+                <a:lnRef idx="2">
+                  <a:schemeClr val="accent1">
+                    <a:shade val="50000"/>
+                  </a:schemeClr>
+                </a:lnRef>
+                <a:fillRef idx="1">
+                  <a:schemeClr val="accent1"/>
+                </a:fillRef>
+                <a:effectRef idx="0">
+                  <a:schemeClr val="accent1"/>
+                </a:effectRef>
+                <a:fontRef idx="minor">
+                  <a:schemeClr val="lt1"/>
+                </a:fontRef>
+              </p:style>
+              <p:txBody>
+                <a:bodyPr rtlCol="0" anchor="ctr"/>
+                <a:lstStyle/>
+                <a:p>
+                  <a:pPr algn="ctr"/>
+                  <a:endParaRPr lang="en-DK">
+                    <a:solidFill>
+                      <a:schemeClr val="tx1"/>
+                    </a:solidFill>
+                  </a:endParaRPr>
+                </a:p>
+              </p:txBody>
+            </p:sp>
+            <p:sp>
+              <p:nvSpPr>
+                <p:cNvPr id="7" name="Tekstfelt 60">
+                  <a:extLst>
+                    <a:ext uri="{FF2B5EF4-FFF2-40B4-BE49-F238E27FC236}">
+                      <a16:creationId xmlns:a16="http://schemas.microsoft.com/office/drawing/2014/main" id="{BD5B0532-6C2C-FF53-D87C-8D20382042E3}"/>
+                    </a:ext>
+                  </a:extLst>
+                </p:cNvPr>
+                <p:cNvSpPr txBox="1"/>
+                <p:nvPr/>
+              </p:nvSpPr>
+              <p:spPr>
+                <a:xfrm>
+                  <a:off x="1294039" y="4095673"/>
+                  <a:ext cx="1086691" cy="261610"/>
+                </a:xfrm>
+                <a:prstGeom prst="rect">
+                  <a:avLst/>
+                </a:prstGeom>
+                <a:noFill/>
+              </p:spPr>
+              <p:txBody>
+                <a:bodyPr wrap="square" rtlCol="0">
+                  <a:spAutoFit/>
+                </a:bodyPr>
+                <a:lstStyle/>
+                <a:p>
+                  <a:pPr algn="ctr"/>
+                  <a:r>
+                    <a:rPr lang="da-DK" sz="1100" b="1" dirty="0" err="1">
+                      <a:latin typeface="+mj-lt"/>
+                    </a:rPr>
+                    <a:t>datasources</a:t>
+                  </a:r>
+                  <a:endParaRPr lang="da-DK" sz="1100" b="1" dirty="0">
+                    <a:latin typeface="+mj-lt"/>
+                  </a:endParaRPr>
+                </a:p>
+              </p:txBody>
+            </p:sp>
+          </p:grpSp>
+          <p:grpSp>
+            <p:nvGrpSpPr>
+              <p:cNvPr id="8" name="Group 7">
+                <a:extLst>
+                  <a:ext uri="{FF2B5EF4-FFF2-40B4-BE49-F238E27FC236}">
+                    <a16:creationId xmlns:a16="http://schemas.microsoft.com/office/drawing/2014/main" id="{F8B53A5F-D9E1-A6FC-1016-63C5683B4197}"/>
+                  </a:ext>
+                </a:extLst>
+              </p:cNvPr>
+              <p:cNvGrpSpPr/>
+              <p:nvPr/>
+            </p:nvGrpSpPr>
+            <p:grpSpPr>
+              <a:xfrm>
+                <a:off x="3395087" y="931302"/>
+                <a:ext cx="1402002" cy="679762"/>
+                <a:chOff x="1132882" y="3888828"/>
+                <a:chExt cx="1402002" cy="679762"/>
+              </a:xfrm>
+            </p:grpSpPr>
+            <p:sp>
+              <p:nvSpPr>
+                <p:cNvPr id="9" name="Doughnut 8">
+                  <a:extLst>
+                    <a:ext uri="{FF2B5EF4-FFF2-40B4-BE49-F238E27FC236}">
+                      <a16:creationId xmlns:a16="http://schemas.microsoft.com/office/drawing/2014/main" id="{A49AA688-73A3-91CC-3D48-0E771F479BB6}"/>
+                    </a:ext>
+                  </a:extLst>
+                </p:cNvPr>
+                <p:cNvSpPr/>
+                <p:nvPr/>
+              </p:nvSpPr>
+              <p:spPr>
+                <a:xfrm>
+                  <a:off x="1132882" y="3888828"/>
+                  <a:ext cx="1402002" cy="679762"/>
+                </a:xfrm>
+                <a:prstGeom prst="donut">
+                  <a:avLst>
+                    <a:gd name="adj" fmla="val 1161"/>
+                  </a:avLst>
+                </a:prstGeom>
+                <a:solidFill>
+                  <a:schemeClr val="bg1">
+                    <a:lumMod val="50000"/>
+                  </a:schemeClr>
+                </a:solidFill>
+                <a:ln>
+                  <a:solidFill>
+                    <a:schemeClr val="bg1">
+                      <a:lumMod val="50000"/>
+                    </a:schemeClr>
+                  </a:solidFill>
+                </a:ln>
+              </p:spPr>
+              <p:style>
+                <a:lnRef idx="2">
+                  <a:schemeClr val="accent1">
+                    <a:shade val="50000"/>
+                  </a:schemeClr>
+                </a:lnRef>
+                <a:fillRef idx="1">
+                  <a:schemeClr val="accent1"/>
+                </a:fillRef>
+                <a:effectRef idx="0">
+                  <a:schemeClr val="accent1"/>
+                </a:effectRef>
+                <a:fontRef idx="minor">
+                  <a:schemeClr val="lt1"/>
+                </a:fontRef>
+              </p:style>
+              <p:txBody>
+                <a:bodyPr rtlCol="0" anchor="ctr"/>
+                <a:lstStyle/>
+                <a:p>
+                  <a:pPr algn="ctr"/>
+                  <a:endParaRPr lang="en-DK">
+                    <a:solidFill>
+                      <a:schemeClr val="tx1"/>
+                    </a:solidFill>
+                  </a:endParaRPr>
+                </a:p>
+              </p:txBody>
+            </p:sp>
+            <p:sp>
+              <p:nvSpPr>
+                <p:cNvPr id="12" name="Tekstfelt 60">
+                  <a:extLst>
+                    <a:ext uri="{FF2B5EF4-FFF2-40B4-BE49-F238E27FC236}">
+                      <a16:creationId xmlns:a16="http://schemas.microsoft.com/office/drawing/2014/main" id="{9F63C251-51C5-0A6C-8C49-2F466C9E8659}"/>
+                    </a:ext>
+                  </a:extLst>
+                </p:cNvPr>
+                <p:cNvSpPr txBox="1"/>
+                <p:nvPr/>
+              </p:nvSpPr>
+              <p:spPr>
+                <a:xfrm>
+                  <a:off x="1335604" y="4095673"/>
+                  <a:ext cx="993259" cy="262009"/>
+                </a:xfrm>
+                <a:prstGeom prst="rect">
+                  <a:avLst/>
+                </a:prstGeom>
+                <a:noFill/>
+              </p:spPr>
+              <p:txBody>
+                <a:bodyPr wrap="square" rtlCol="0">
+                  <a:spAutoFit/>
+                </a:bodyPr>
+                <a:lstStyle/>
+                <a:p>
+                  <a:pPr algn="ctr"/>
+                  <a:r>
+                    <a:rPr lang="da-DK" sz="1100" b="1" dirty="0" err="1">
+                      <a:latin typeface="+mj-lt"/>
+                    </a:rPr>
+                    <a:t>Logic</a:t>
+                  </a:r>
+                  <a:endParaRPr lang="da-DK" sz="1100" b="1" dirty="0">
+                    <a:latin typeface="+mj-lt"/>
+                  </a:endParaRPr>
+                </a:p>
+              </p:txBody>
+            </p:sp>
+          </p:grpSp>
+        </p:grpSp>
+        <p:cxnSp>
+          <p:nvCxnSpPr>
+            <p:cNvPr id="15" name="Straight Arrow Connector 14">
+              <a:extLst>
+                <a:ext uri="{FF2B5EF4-FFF2-40B4-BE49-F238E27FC236}">
+                  <a16:creationId xmlns:a16="http://schemas.microsoft.com/office/drawing/2014/main" id="{A26F250E-ACB4-5892-FE57-E0CF36C65F95}"/>
+                </a:ext>
+              </a:extLst>
+            </p:cNvPr>
+            <p:cNvCxnSpPr>
+              <a:cxnSpLocks/>
+            </p:cNvCxnSpPr>
+            <p:nvPr/>
+          </p:nvCxnSpPr>
+          <p:spPr>
+            <a:xfrm>
+              <a:off x="2594637" y="1760757"/>
+              <a:ext cx="0" cy="1046548"/>
+            </a:xfrm>
+            <a:prstGeom prst="straightConnector1">
+              <a:avLst/>
+            </a:prstGeom>
+            <a:ln w="19050">
+              <a:solidFill>
+                <a:schemeClr val="bg1">
+                  <a:lumMod val="50000"/>
+                </a:schemeClr>
+              </a:solidFill>
+              <a:headEnd type="none" w="med" len="med"/>
+              <a:tailEnd type="triangle" w="med" len="med"/>
+            </a:ln>
+          </p:spPr>
+          <p:style>
+            <a:lnRef idx="1">
+              <a:schemeClr val="accent1"/>
+            </a:lnRef>
+            <a:fillRef idx="0">
+              <a:schemeClr val="accent1"/>
+            </a:fillRef>
+            <a:effectRef idx="0">
+              <a:schemeClr val="accent1"/>
+            </a:effectRef>
+            <a:fontRef idx="minor">
+              <a:schemeClr val="tx1"/>
+            </a:fontRef>
+          </p:style>
+        </p:cxnSp>
+        <p:cxnSp>
+          <p:nvCxnSpPr>
+            <p:cNvPr id="19" name="Straight Arrow Connector 18">
+              <a:extLst>
+                <a:ext uri="{FF2B5EF4-FFF2-40B4-BE49-F238E27FC236}">
+                  <a16:creationId xmlns:a16="http://schemas.microsoft.com/office/drawing/2014/main" id="{5A3C70DF-457C-0B3A-E823-8D0C611E2EE5}"/>
+                </a:ext>
+              </a:extLst>
+            </p:cNvPr>
+            <p:cNvCxnSpPr>
+              <a:cxnSpLocks/>
+            </p:cNvCxnSpPr>
+            <p:nvPr/>
+          </p:nvCxnSpPr>
+          <p:spPr>
+            <a:xfrm flipH="1">
+              <a:off x="3112930" y="1694076"/>
+              <a:ext cx="881282" cy="1113229"/>
+            </a:xfrm>
+            <a:prstGeom prst="straightConnector1">
+              <a:avLst/>
+            </a:prstGeom>
+            <a:ln w="19050">
+              <a:solidFill>
+                <a:schemeClr val="bg1">
+                  <a:lumMod val="50000"/>
+                </a:schemeClr>
+              </a:solidFill>
+              <a:headEnd type="none" w="med" len="med"/>
+              <a:tailEnd type="triangle" w="med" len="med"/>
+            </a:ln>
+          </p:spPr>
+          <p:style>
+            <a:lnRef idx="1">
+              <a:schemeClr val="accent1"/>
+            </a:lnRef>
+            <a:fillRef idx="0">
+              <a:schemeClr val="accent1"/>
+            </a:fillRef>
+            <a:effectRef idx="0">
+              <a:schemeClr val="accent1"/>
+            </a:effectRef>
+            <a:fontRef idx="minor">
+              <a:schemeClr val="tx1"/>
+            </a:fontRef>
+          </p:style>
+        </p:cxnSp>
+        <p:cxnSp>
+          <p:nvCxnSpPr>
+            <p:cNvPr id="20" name="Straight Arrow Connector 19">
+              <a:extLst>
+                <a:ext uri="{FF2B5EF4-FFF2-40B4-BE49-F238E27FC236}">
+                  <a16:creationId xmlns:a16="http://schemas.microsoft.com/office/drawing/2014/main" id="{1907500B-14F4-6160-BDB6-A0C430C5E4CC}"/>
+                </a:ext>
+              </a:extLst>
+            </p:cNvPr>
+            <p:cNvCxnSpPr>
+              <a:cxnSpLocks/>
+            </p:cNvCxnSpPr>
+            <p:nvPr/>
+          </p:nvCxnSpPr>
+          <p:spPr>
+            <a:xfrm>
+              <a:off x="1496999" y="1604893"/>
+              <a:ext cx="667177" cy="1202412"/>
+            </a:xfrm>
+            <a:prstGeom prst="straightConnector1">
+              <a:avLst/>
+            </a:prstGeom>
+            <a:ln w="19050">
+              <a:solidFill>
+                <a:schemeClr val="bg1">
+                  <a:lumMod val="50000"/>
+                </a:schemeClr>
+              </a:solidFill>
+              <a:headEnd type="none" w="med" len="med"/>
+              <a:tailEnd type="triangle" w="med" len="med"/>
+            </a:ln>
+          </p:spPr>
+          <p:style>
+            <a:lnRef idx="1">
+              <a:schemeClr val="accent1"/>
+            </a:lnRef>
+            <a:fillRef idx="0">
+              <a:schemeClr val="accent1"/>
+            </a:fillRef>
+            <a:effectRef idx="0">
+              <a:schemeClr val="accent1"/>
+            </a:effectRef>
+            <a:fontRef idx="minor">
+              <a:schemeClr val="tx1"/>
+            </a:fontRef>
+          </p:style>
+        </p:cxnSp>
+      </p:grpSp>
+      <p:sp>
+        <p:nvSpPr>
+          <p:cNvPr id="16" name="TextBox 15">
+            <a:extLst>
+              <a:ext uri="{FF2B5EF4-FFF2-40B4-BE49-F238E27FC236}">
+                <a16:creationId xmlns:a16="http://schemas.microsoft.com/office/drawing/2014/main" id="{4BE4ADBE-3C95-E82F-820B-34F243754D8D}"/>
+              </a:ext>
+            </a:extLst>
+          </p:cNvPr>
+          <p:cNvSpPr txBox="1"/>
+          <p:nvPr/>
+        </p:nvSpPr>
+        <p:spPr>
+          <a:xfrm>
+            <a:off x="1114093" y="2123090"/>
+            <a:ext cx="880071" cy="307777"/>
+          </a:xfrm>
+          <a:prstGeom prst="rect">
+            <a:avLst/>
+          </a:prstGeom>
+          <a:noFill/>
+        </p:spPr>
+        <p:txBody>
+          <a:bodyPr wrap="square" rtlCol="0">
+            <a:spAutoFit/>
+          </a:bodyPr>
+          <a:lstStyle/>
+          <a:p>
+            <a:r>
+              <a:rPr lang="en-DK" sz="1400" b="1" dirty="0"/>
+              <a:t>Inject</a:t>
+            </a:r>
+          </a:p>
+        </p:txBody>
+      </p:sp>
+      <p:sp>
+        <p:nvSpPr>
+          <p:cNvPr id="17" name="TextBox 16">
+            <a:extLst>
+              <a:ext uri="{FF2B5EF4-FFF2-40B4-BE49-F238E27FC236}">
+                <a16:creationId xmlns:a16="http://schemas.microsoft.com/office/drawing/2014/main" id="{E8B8739A-5C77-A14D-7375-4E4CD3DD995E}"/>
+              </a:ext>
+            </a:extLst>
+          </p:cNvPr>
+          <p:cNvSpPr txBox="1"/>
+          <p:nvPr/>
+        </p:nvSpPr>
+        <p:spPr>
+          <a:xfrm>
+            <a:off x="3610297" y="2123090"/>
+            <a:ext cx="880071" cy="307777"/>
+          </a:xfrm>
+          <a:prstGeom prst="rect">
+            <a:avLst/>
+          </a:prstGeom>
+          <a:noFill/>
+        </p:spPr>
+        <p:txBody>
+          <a:bodyPr wrap="square" rtlCol="0">
+            <a:spAutoFit/>
+          </a:bodyPr>
+          <a:lstStyle/>
+          <a:p>
+            <a:r>
+              <a:rPr lang="en-DK" sz="1400" b="1" dirty="0"/>
+              <a:t>Add</a:t>
+            </a:r>
+          </a:p>
+        </p:txBody>
+      </p:sp>
+      <p:sp>
+        <p:nvSpPr>
+          <p:cNvPr id="18" name="TextBox 17">
+            <a:extLst>
+              <a:ext uri="{FF2B5EF4-FFF2-40B4-BE49-F238E27FC236}">
+                <a16:creationId xmlns:a16="http://schemas.microsoft.com/office/drawing/2014/main" id="{61E7ACD0-1176-421F-A72A-694BD4305E9B}"/>
+              </a:ext>
+            </a:extLst>
+          </p:cNvPr>
+          <p:cNvSpPr txBox="1"/>
+          <p:nvPr/>
+        </p:nvSpPr>
+        <p:spPr>
+          <a:xfrm>
+            <a:off x="2459418" y="2123090"/>
+            <a:ext cx="880071" cy="307777"/>
+          </a:xfrm>
+          <a:prstGeom prst="rect">
+            <a:avLst/>
+          </a:prstGeom>
+          <a:noFill/>
+        </p:spPr>
+        <p:txBody>
+          <a:bodyPr wrap="square" rtlCol="0">
+            <a:spAutoFit/>
+          </a:bodyPr>
+          <a:lstStyle/>
+          <a:p>
+            <a:r>
+              <a:rPr lang="en-DK" sz="1400" b="1" dirty="0"/>
+              <a:t>Inject</a:t>
+            </a:r>
+          </a:p>
+        </p:txBody>
+      </p:sp>
+      <p:sp>
+        <p:nvSpPr>
+          <p:cNvPr id="21" name="TextBox 20">
+            <a:extLst>
+              <a:ext uri="{FF2B5EF4-FFF2-40B4-BE49-F238E27FC236}">
+                <a16:creationId xmlns:a16="http://schemas.microsoft.com/office/drawing/2014/main" id="{44C3090F-2484-A28E-1944-16D1328C02B8}"/>
+              </a:ext>
+            </a:extLst>
+          </p:cNvPr>
+          <p:cNvSpPr txBox="1"/>
+          <p:nvPr/>
+        </p:nvSpPr>
+        <p:spPr>
+          <a:xfrm>
+            <a:off x="3449772" y="3255823"/>
+            <a:ext cx="1519967" cy="369332"/>
+          </a:xfrm>
+          <a:prstGeom prst="rect">
+            <a:avLst/>
+          </a:prstGeom>
+          <a:noFill/>
+        </p:spPr>
+        <p:txBody>
+          <a:bodyPr wrap="square" rtlCol="0">
+            <a:spAutoFit/>
+          </a:bodyPr>
+          <a:lstStyle/>
+          <a:p>
+            <a:r>
+              <a:rPr lang="en-DK" dirty="0"/>
+              <a:t>Form</a:t>
+            </a:r>
+          </a:p>
+        </p:txBody>
+      </p:sp>
+    </p:spTree>
+    <p:extLst>
+      <p:ext uri="{BB962C8B-B14F-4D97-AF65-F5344CB8AC3E}">
+        <p14:creationId xmlns:p14="http://schemas.microsoft.com/office/powerpoint/2010/main" val="4268228659"/>
+      </p:ext>
+    </p:extLst>
+  </p:cSld>
+  <p:clrMapOvr>
+    <a:masterClrMapping/>
+  </p:clrMapOvr>
+</p:sld>
+</file>
+
+<file path=ppt/slides/slide6.xml><?xml version="1.0" encoding="utf-8"?>
+<p:sld xmlns:a="http://schemas.openxmlformats.org/drawingml/2006/main" xmlns:r="http://schemas.openxmlformats.org/officeDocument/2006/relationships" xmlns:p="http://schemas.openxmlformats.org/presentationml/2006/main">
+  <p:cSld>
+    <p:spTree>
+      <p:nvGrpSpPr>
+        <p:cNvPr id="1" name=""/>
+        <p:cNvGrpSpPr/>
+        <p:nvPr/>
+      </p:nvGrpSpPr>
+      <p:grpSpPr>
+        <a:xfrm>
+          <a:off x="0" y="0"/>
+          <a:ext cx="0" cy="0"/>
+          <a:chOff x="0" y="0"/>
+          <a:chExt cx="0" cy="0"/>
+        </a:xfrm>
+      </p:grpSpPr>
+      <p:sp>
+        <p:nvSpPr>
+          <p:cNvPr id="1031" name="Title 1030">
+            <a:extLst>
+              <a:ext uri="{FF2B5EF4-FFF2-40B4-BE49-F238E27FC236}">
+                <a16:creationId xmlns:a16="http://schemas.microsoft.com/office/drawing/2014/main" id="{22D09CA6-2F33-D374-D436-2CE7ED5D5D85}"/>
+              </a:ext>
+            </a:extLst>
+          </p:cNvPr>
+          <p:cNvSpPr>
+            <a:spLocks noGrp="1"/>
+          </p:cNvSpPr>
+          <p:nvPr>
+            <p:ph type="title"/>
+          </p:nvPr>
+        </p:nvSpPr>
+        <p:spPr>
+          <a:xfrm>
+            <a:off x="838200" y="72485"/>
+            <a:ext cx="10515600" cy="1325563"/>
+          </a:xfrm>
+        </p:spPr>
+        <p:txBody>
+          <a:bodyPr anchor="t"/>
+          <a:lstStyle/>
+          <a:p>
+            <a:pPr algn="ctr"/>
+            <a:r>
+              <a:rPr lang="en-DK" sz="3200" dirty="0"/>
+              <a:t>HTML Generator</a:t>
+            </a:r>
+          </a:p>
+        </p:txBody>
+      </p:sp>
+      <p:sp>
+        <p:nvSpPr>
+          <p:cNvPr id="22" name="TextBox 21">
+            <a:extLst>
+              <a:ext uri="{FF2B5EF4-FFF2-40B4-BE49-F238E27FC236}">
+                <a16:creationId xmlns:a16="http://schemas.microsoft.com/office/drawing/2014/main" id="{29BB408D-1AAA-62BA-AB50-020F4BECD312}"/>
+              </a:ext>
+            </a:extLst>
+          </p:cNvPr>
+          <p:cNvSpPr txBox="1"/>
+          <p:nvPr/>
+        </p:nvSpPr>
+        <p:spPr>
+          <a:xfrm>
+            <a:off x="4082142" y="1219199"/>
+            <a:ext cx="4027716" cy="4887687"/>
+          </a:xfrm>
+          <a:prstGeom prst="rect">
+            <a:avLst/>
+          </a:prstGeom>
+          <a:noFill/>
+        </p:spPr>
+        <p:txBody>
+          <a:bodyPr wrap="square" rtlCol="0">
+            <a:noAutofit/>
+          </a:bodyPr>
+          <a:lstStyle/>
+          <a:p>
+            <a:pPr algn="ctr"/>
+            <a:r>
+              <a:rPr lang="en-GB" sz="2000" b="1" i="1" dirty="0"/>
+              <a:t>Command line tool</a:t>
+            </a:r>
+          </a:p>
+          <a:p>
+            <a:endParaRPr lang="en-GB" b="1" i="1" dirty="0"/>
+          </a:p>
+          <a:p>
+            <a:r>
+              <a:rPr lang="en-GB" b="1" i="1" dirty="0"/>
+              <a:t>h</a:t>
+            </a:r>
+            <a:r>
+              <a:rPr lang="en-DK" b="1" i="1" dirty="0"/>
+              <a:t>tmlgen</a:t>
+            </a:r>
+            <a:r>
+              <a:rPr lang="en-DK" dirty="0"/>
+              <a:t> [options] table template</a:t>
+            </a:r>
+          </a:p>
+          <a:p>
+            <a:endParaRPr lang="en-DK" dirty="0"/>
+          </a:p>
+          <a:p>
+            <a:endParaRPr lang="en-DK" dirty="0"/>
+          </a:p>
+          <a:p>
+            <a:r>
+              <a:rPr lang="en-DK" b="1" dirty="0"/>
+              <a:t>Iterative process</a:t>
+            </a:r>
+            <a:r>
+              <a:rPr lang="en-DK" dirty="0"/>
+              <a:t>:</a:t>
+            </a:r>
+          </a:p>
+          <a:p>
+            <a:endParaRPr lang="en-DK" dirty="0"/>
+          </a:p>
+          <a:p>
+            <a:pPr marL="285750" indent="-285750">
+              <a:buFont typeface="Arial" panose="020B0604020202020204" pitchFamily="34" charset="0"/>
+              <a:buChar char="•"/>
+            </a:pPr>
+            <a:r>
+              <a:rPr lang="en-DK" dirty="0"/>
+              <a:t>Extract properties from </a:t>
+            </a:r>
+            <a:r>
+              <a:rPr lang="en-GB" dirty="0"/>
+              <a:t>the </a:t>
+            </a:r>
+            <a:r>
+              <a:rPr lang="en-DK" dirty="0"/>
+              <a:t>database</a:t>
+            </a:r>
+          </a:p>
+          <a:p>
+            <a:pPr marL="285750" indent="-285750">
+              <a:buFont typeface="Arial" panose="020B0604020202020204" pitchFamily="34" charset="0"/>
+              <a:buChar char="•"/>
+            </a:pPr>
+            <a:r>
+              <a:rPr lang="en-DK" dirty="0"/>
+              <a:t>Merge properties with template</a:t>
+            </a:r>
+            <a:r>
+              <a:rPr lang="da-DK" dirty="0"/>
+              <a:t>.html</a:t>
+            </a:r>
+            <a:endParaRPr lang="en-DK" dirty="0"/>
+          </a:p>
+          <a:p>
+            <a:pPr marL="285750" indent="-285750">
+              <a:buFont typeface="Arial" panose="020B0604020202020204" pitchFamily="34" charset="0"/>
+              <a:buChar char="•"/>
+            </a:pPr>
+            <a:r>
+              <a:rPr lang="en-DK" dirty="0"/>
+              <a:t>Edit properties and template</a:t>
+            </a:r>
+          </a:p>
+          <a:p>
+            <a:endParaRPr lang="en-GB" dirty="0"/>
+          </a:p>
+          <a:p>
+            <a:endParaRPr lang="en-GB" dirty="0"/>
+          </a:p>
+          <a:p>
+            <a:r>
+              <a:rPr lang="en-GB" b="1" dirty="0"/>
+              <a:t>T</a:t>
+            </a:r>
+            <a:r>
+              <a:rPr lang="en-DK" b="1" dirty="0"/>
+              <a:t>emplates</a:t>
+            </a:r>
+            <a:r>
+              <a:rPr lang="en-DK" dirty="0"/>
+              <a:t>:</a:t>
+            </a:r>
+          </a:p>
+          <a:p>
+            <a:endParaRPr lang="en-DK" dirty="0"/>
+          </a:p>
+          <a:p>
+            <a:pPr marL="285750" indent="-285750">
+              <a:buFont typeface="Arial" panose="020B0604020202020204" pitchFamily="34" charset="0"/>
+              <a:buChar char="•"/>
+            </a:pPr>
+            <a:r>
+              <a:rPr lang="en-DK" dirty="0"/>
+              <a:t>Form template &lt;input&gt;</a:t>
+            </a:r>
+          </a:p>
+          <a:p>
+            <a:pPr marL="285750" indent="-285750">
+              <a:buFont typeface="Arial" panose="020B0604020202020204" pitchFamily="34" charset="0"/>
+              <a:buChar char="•"/>
+            </a:pPr>
+            <a:r>
+              <a:rPr lang="en-DK" dirty="0"/>
+              <a:t>Report template &lt;span&gt;</a:t>
+            </a:r>
+          </a:p>
+          <a:p>
+            <a:pPr marL="285750" indent="-285750">
+              <a:buFont typeface="Arial" panose="020B0604020202020204" pitchFamily="34" charset="0"/>
+              <a:buChar char="•"/>
+            </a:pPr>
+            <a:r>
+              <a:rPr lang="en-DK" dirty="0"/>
+              <a:t>Make your own templates</a:t>
+            </a:r>
+          </a:p>
+          <a:p>
+            <a:endParaRPr lang="en-DK" dirty="0"/>
+          </a:p>
+          <a:p>
+            <a:endParaRPr lang="en-DK" dirty="0"/>
+          </a:p>
+        </p:txBody>
+      </p:sp>
+    </p:spTree>
+    <p:extLst>
+      <p:ext uri="{BB962C8B-B14F-4D97-AF65-F5344CB8AC3E}">
+        <p14:creationId xmlns:p14="http://schemas.microsoft.com/office/powerpoint/2010/main" val="4029136756"/>
+      </p:ext>
+    </p:extLst>
+  </p:cSld>
+  <p:clrMapOvr>
+    <a:masterClrMapping/>
+  </p:clrMapOvr>
+</p:sld>
+</file>
+
+<file path=ppt/slides/slide7.xml><?xml version="1.0" encoding="utf-8"?>
+<p:sld xmlns:a="http://schemas.openxmlformats.org/drawingml/2006/main" xmlns:r="http://schemas.openxmlformats.org/officeDocument/2006/relationships" xmlns:p="http://schemas.openxmlformats.org/presentationml/2006/main">
+  <p:cSld>
+    <p:spTree>
+      <p:nvGrpSpPr>
+        <p:cNvPr id="1" name=""/>
+        <p:cNvGrpSpPr/>
+        <p:nvPr/>
+      </p:nvGrpSpPr>
+      <p:grpSpPr>
+        <a:xfrm>
+          <a:off x="0" y="0"/>
+          <a:ext cx="0" cy="0"/>
+          <a:chOff x="0" y="0"/>
+          <a:chExt cx="0" cy="0"/>
+        </a:xfrm>
+      </p:grpSpPr>
+      <p:sp>
+        <p:nvSpPr>
+          <p:cNvPr id="1031" name="Title 1030">
+            <a:extLst>
+              <a:ext uri="{FF2B5EF4-FFF2-40B4-BE49-F238E27FC236}">
+                <a16:creationId xmlns:a16="http://schemas.microsoft.com/office/drawing/2014/main" id="{22D09CA6-2F33-D374-D436-2CE7ED5D5D85}"/>
+              </a:ext>
+            </a:extLst>
+          </p:cNvPr>
+          <p:cNvSpPr>
+            <a:spLocks noGrp="1"/>
+          </p:cNvSpPr>
+          <p:nvPr>
+            <p:ph type="title"/>
+          </p:nvPr>
+        </p:nvSpPr>
+        <p:spPr>
+          <a:xfrm>
+            <a:off x="838200" y="72485"/>
+            <a:ext cx="10515600" cy="1325563"/>
+          </a:xfrm>
+        </p:spPr>
+        <p:txBody>
+          <a:bodyPr anchor="t"/>
+          <a:lstStyle/>
+          <a:p>
+            <a:pPr algn="ctr"/>
+            <a:r>
+              <a:rPr lang="en-DK" sz="3200" dirty="0"/>
+              <a:t>FutureForms</a:t>
+            </a:r>
+          </a:p>
+        </p:txBody>
+      </p:sp>
       <p:grpSp>
         <p:nvGrpSpPr>
           <p:cNvPr id="11" name="Group 10">
@@ -6792,7 +9561,496 @@
         </p:nvGrpSpPr>
         <p:grpSpPr>
           <a:xfrm>
-            <a:off x="1496999" y="3246443"/>
+            <a:off x="1496999" y="1817689"/>
+            <a:ext cx="1859323" cy="3140078"/>
+            <a:chOff x="5211765" y="2203443"/>
+            <a:chExt cx="1260000" cy="2706679"/>
+          </a:xfrm>
+        </p:grpSpPr>
+        <p:grpSp>
+          <p:nvGrpSpPr>
+            <p:cNvPr id="1061" name="Group 1060">
+              <a:extLst>
+                <a:ext uri="{FF2B5EF4-FFF2-40B4-BE49-F238E27FC236}">
+                  <a16:creationId xmlns:a16="http://schemas.microsoft.com/office/drawing/2014/main" id="{A0138485-CFF2-53D1-A515-8506068BB9BA}"/>
+                </a:ext>
+              </a:extLst>
+            </p:cNvPr>
+            <p:cNvGrpSpPr/>
+            <p:nvPr/>
+          </p:nvGrpSpPr>
+          <p:grpSpPr>
+            <a:xfrm>
+              <a:off x="5211765" y="2203443"/>
+              <a:ext cx="1260000" cy="2706679"/>
+              <a:chOff x="5811845" y="3003550"/>
+              <a:chExt cx="1260000" cy="2706679"/>
+            </a:xfrm>
+          </p:grpSpPr>
+          <p:pic>
+            <p:nvPicPr>
+              <p:cNvPr id="1045" name="Picture 1044">
+                <a:extLst>
+                  <a:ext uri="{FF2B5EF4-FFF2-40B4-BE49-F238E27FC236}">
+                    <a16:creationId xmlns:a16="http://schemas.microsoft.com/office/drawing/2014/main" id="{92ECA43F-76A2-44A8-14B1-9908232631B4}"/>
+                  </a:ext>
+                </a:extLst>
+              </p:cNvPr>
+              <p:cNvPicPr>
+                <a:picLocks noChangeAspect="1"/>
+              </p:cNvPicPr>
+              <p:nvPr/>
+            </p:nvPicPr>
+            <p:blipFill>
+              <a:blip r:embed="rId2"/>
+              <a:stretch>
+                <a:fillRect/>
+              </a:stretch>
+            </p:blipFill>
+            <p:spPr>
+              <a:xfrm>
+                <a:off x="5811845" y="3003550"/>
+                <a:ext cx="1260000" cy="694068"/>
+              </a:xfrm>
+              <a:prstGeom prst="rect">
+                <a:avLst/>
+              </a:prstGeom>
+            </p:spPr>
+          </p:pic>
+          <p:sp>
+            <p:nvSpPr>
+              <p:cNvPr id="1047" name="Can 1046">
+                <a:extLst>
+                  <a:ext uri="{FF2B5EF4-FFF2-40B4-BE49-F238E27FC236}">
+                    <a16:creationId xmlns:a16="http://schemas.microsoft.com/office/drawing/2014/main" id="{DF75857B-2558-6892-82FA-B47D6F1C28F0}"/>
+                  </a:ext>
+                </a:extLst>
+              </p:cNvPr>
+              <p:cNvSpPr/>
+              <p:nvPr/>
+            </p:nvSpPr>
+            <p:spPr>
+              <a:xfrm>
+                <a:off x="6144954" y="5127793"/>
+                <a:ext cx="593783" cy="582436"/>
+              </a:xfrm>
+              <a:prstGeom prst="can">
+                <a:avLst/>
+              </a:prstGeom>
+              <a:solidFill>
+                <a:schemeClr val="bg1">
+                  <a:lumMod val="85000"/>
+                </a:schemeClr>
+              </a:solidFill>
+              <a:ln>
+                <a:solidFill>
+                  <a:schemeClr val="tx1"/>
+                </a:solidFill>
+              </a:ln>
+            </p:spPr>
+            <p:style>
+              <a:lnRef idx="2">
+                <a:schemeClr val="accent1">
+                  <a:shade val="50000"/>
+                </a:schemeClr>
+              </a:lnRef>
+              <a:fillRef idx="1">
+                <a:schemeClr val="accent1"/>
+              </a:fillRef>
+              <a:effectRef idx="0">
+                <a:schemeClr val="accent1"/>
+              </a:effectRef>
+              <a:fontRef idx="minor">
+                <a:schemeClr val="lt1"/>
+              </a:fontRef>
+            </p:style>
+            <p:txBody>
+              <a:bodyPr rtlCol="0" anchor="ctr"/>
+              <a:lstStyle/>
+              <a:p>
+                <a:pPr algn="ctr"/>
+                <a:endParaRPr lang="en-DK"/>
+              </a:p>
+            </p:txBody>
+          </p:sp>
+          <p:pic>
+            <p:nvPicPr>
+              <p:cNvPr id="1048" name="Picture 1047">
+                <a:extLst>
+                  <a:ext uri="{FF2B5EF4-FFF2-40B4-BE49-F238E27FC236}">
+                    <a16:creationId xmlns:a16="http://schemas.microsoft.com/office/drawing/2014/main" id="{AC445236-A45B-43C1-10D5-4B4CACA0B35F}"/>
+                  </a:ext>
+                </a:extLst>
+              </p:cNvPr>
+              <p:cNvPicPr>
+                <a:picLocks noChangeAspect="1"/>
+              </p:cNvPicPr>
+              <p:nvPr/>
+            </p:nvPicPr>
+            <p:blipFill>
+              <a:blip r:embed="rId3"/>
+              <a:stretch>
+                <a:fillRect/>
+              </a:stretch>
+            </p:blipFill>
+            <p:spPr>
+              <a:xfrm>
+                <a:off x="5885378" y="4057586"/>
+                <a:ext cx="1112935" cy="582436"/>
+              </a:xfrm>
+              <a:prstGeom prst="rect">
+                <a:avLst/>
+              </a:prstGeom>
+            </p:spPr>
+          </p:pic>
+          <p:cxnSp>
+            <p:nvCxnSpPr>
+              <p:cNvPr id="1055" name="Straight Arrow Connector 1054">
+                <a:extLst>
+                  <a:ext uri="{FF2B5EF4-FFF2-40B4-BE49-F238E27FC236}">
+                    <a16:creationId xmlns:a16="http://schemas.microsoft.com/office/drawing/2014/main" id="{BF539873-2D3E-1FD7-923D-C83246B3C891}"/>
+                  </a:ext>
+                </a:extLst>
+              </p:cNvPr>
+              <p:cNvCxnSpPr>
+                <a:cxnSpLocks/>
+              </p:cNvCxnSpPr>
+              <p:nvPr/>
+            </p:nvCxnSpPr>
+            <p:spPr>
+              <a:xfrm flipV="1">
+                <a:off x="6438905" y="3727607"/>
+                <a:ext cx="0" cy="315747"/>
+              </a:xfrm>
+              <a:prstGeom prst="straightConnector1">
+                <a:avLst/>
+              </a:prstGeom>
+              <a:ln w="19050">
+                <a:solidFill>
+                  <a:schemeClr val="bg1">
+                    <a:lumMod val="50000"/>
+                  </a:schemeClr>
+                </a:solidFill>
+                <a:headEnd type="triangle" w="med" len="med"/>
+                <a:tailEnd type="triangle" w="med" len="med"/>
+              </a:ln>
+            </p:spPr>
+            <p:style>
+              <a:lnRef idx="1">
+                <a:schemeClr val="accent1"/>
+              </a:lnRef>
+              <a:fillRef idx="0">
+                <a:schemeClr val="accent1"/>
+              </a:fillRef>
+              <a:effectRef idx="0">
+                <a:schemeClr val="accent1"/>
+              </a:effectRef>
+              <a:fontRef idx="minor">
+                <a:schemeClr val="tx1"/>
+              </a:fontRef>
+            </p:style>
+          </p:cxnSp>
+          <p:cxnSp>
+            <p:nvCxnSpPr>
+              <p:cNvPr id="1057" name="Straight Arrow Connector 1056">
+                <a:extLst>
+                  <a:ext uri="{FF2B5EF4-FFF2-40B4-BE49-F238E27FC236}">
+                    <a16:creationId xmlns:a16="http://schemas.microsoft.com/office/drawing/2014/main" id="{8151FF7F-E758-4B7D-663F-5F2A7F50E9F6}"/>
+                  </a:ext>
+                </a:extLst>
+              </p:cNvPr>
+              <p:cNvCxnSpPr>
+                <a:cxnSpLocks/>
+              </p:cNvCxnSpPr>
+              <p:nvPr/>
+            </p:nvCxnSpPr>
+            <p:spPr>
+              <a:xfrm flipV="1">
+                <a:off x="6434139" y="4722978"/>
+                <a:ext cx="0" cy="315747"/>
+              </a:xfrm>
+              <a:prstGeom prst="straightConnector1">
+                <a:avLst/>
+              </a:prstGeom>
+              <a:ln w="19050">
+                <a:solidFill>
+                  <a:schemeClr val="bg1">
+                    <a:lumMod val="50000"/>
+                  </a:schemeClr>
+                </a:solidFill>
+                <a:headEnd type="triangle" w="med" len="med"/>
+                <a:tailEnd type="triangle" w="med" len="med"/>
+              </a:ln>
+            </p:spPr>
+            <p:style>
+              <a:lnRef idx="1">
+                <a:schemeClr val="accent1"/>
+              </a:lnRef>
+              <a:fillRef idx="0">
+                <a:schemeClr val="accent1"/>
+              </a:fillRef>
+              <a:effectRef idx="0">
+                <a:schemeClr val="accent1"/>
+              </a:effectRef>
+              <a:fontRef idx="minor">
+                <a:schemeClr val="tx1"/>
+              </a:fontRef>
+            </p:style>
+          </p:cxnSp>
+        </p:grpSp>
+        <p:sp>
+          <p:nvSpPr>
+            <p:cNvPr id="10" name="TextBox 9">
+              <a:extLst>
+                <a:ext uri="{FF2B5EF4-FFF2-40B4-BE49-F238E27FC236}">
+                  <a16:creationId xmlns:a16="http://schemas.microsoft.com/office/drawing/2014/main" id="{51EC14A7-FD6D-A3A9-B699-A225946941A6}"/>
+                </a:ext>
+              </a:extLst>
+            </p:cNvPr>
+            <p:cNvSpPr txBox="1"/>
+            <p:nvPr/>
+          </p:nvSpPr>
+          <p:spPr>
+            <a:xfrm>
+              <a:off x="5663888" y="3393048"/>
+              <a:ext cx="642938" cy="307777"/>
+            </a:xfrm>
+            <a:prstGeom prst="rect">
+              <a:avLst/>
+            </a:prstGeom>
+            <a:noFill/>
+          </p:spPr>
+          <p:txBody>
+            <a:bodyPr wrap="square" rtlCol="0">
+              <a:spAutoFit/>
+            </a:bodyPr>
+            <a:lstStyle/>
+            <a:p>
+              <a:r>
+                <a:rPr lang="en-DK" sz="1400" b="1" dirty="0"/>
+                <a:t>Rest</a:t>
+              </a:r>
+            </a:p>
+          </p:txBody>
+        </p:sp>
+      </p:grpSp>
+      <p:sp>
+        <p:nvSpPr>
+          <p:cNvPr id="14" name="TextBox 13">
+            <a:extLst>
+              <a:ext uri="{FF2B5EF4-FFF2-40B4-BE49-F238E27FC236}">
+                <a16:creationId xmlns:a16="http://schemas.microsoft.com/office/drawing/2014/main" id="{98AD0FA5-AD4A-FEE2-1E7A-3C678A40F391}"/>
+              </a:ext>
+            </a:extLst>
+          </p:cNvPr>
+          <p:cNvSpPr txBox="1"/>
+          <p:nvPr/>
+        </p:nvSpPr>
+        <p:spPr>
+          <a:xfrm>
+            <a:off x="6506333" y="858269"/>
+            <a:ext cx="4171947" cy="5736492"/>
+          </a:xfrm>
+          <a:prstGeom prst="rect">
+            <a:avLst/>
+          </a:prstGeom>
+          <a:noFill/>
+        </p:spPr>
+        <p:txBody>
+          <a:bodyPr wrap="square" rtlCol="0">
+            <a:noAutofit/>
+          </a:bodyPr>
+          <a:lstStyle/>
+          <a:p>
+            <a:r>
+              <a:rPr lang="en-DK" sz="2000" b="1" dirty="0"/>
+              <a:t>Key features</a:t>
+            </a:r>
+          </a:p>
+          <a:p>
+            <a:endParaRPr lang="en-DK" dirty="0"/>
+          </a:p>
+          <a:p>
+            <a:r>
+              <a:rPr lang="en-DK" dirty="0"/>
+              <a:t>Open Source</a:t>
+            </a:r>
+          </a:p>
+          <a:p>
+            <a:r>
+              <a:rPr lang="en-DK" dirty="0"/>
+              <a:t>Components not framework</a:t>
+            </a:r>
+          </a:p>
+          <a:p>
+            <a:r>
+              <a:rPr lang="en-DK" dirty="0"/>
+              <a:t>Integrates with other frameworks</a:t>
+            </a:r>
+          </a:p>
+          <a:p>
+            <a:endParaRPr lang="en-DK" dirty="0"/>
+          </a:p>
+          <a:p>
+            <a:r>
+              <a:rPr lang="en-DK" dirty="0"/>
+              <a:t>Object oriented (80 objects)</a:t>
+            </a:r>
+          </a:p>
+          <a:p>
+            <a:endParaRPr lang="en-DK" dirty="0"/>
+          </a:p>
+          <a:p>
+            <a:r>
+              <a:rPr lang="en-DK" dirty="0"/>
+              <a:t>Easy to extend</a:t>
+            </a:r>
+          </a:p>
+          <a:p>
+            <a:r>
+              <a:rPr lang="en-DK" dirty="0"/>
+              <a:t>Easy to customize</a:t>
+            </a:r>
+          </a:p>
+          <a:p>
+            <a:r>
+              <a:rPr lang="en-DK" dirty="0"/>
+              <a:t>Easy to create custom tags</a:t>
+            </a:r>
+          </a:p>
+          <a:p>
+            <a:r>
+              <a:rPr lang="en-DK" dirty="0"/>
+              <a:t>Familiar event trigger model</a:t>
+            </a:r>
+          </a:p>
+          <a:p>
+            <a:endParaRPr lang="en-DK" dirty="0"/>
+          </a:p>
+          <a:p>
+            <a:r>
+              <a:rPr lang="en-DK" dirty="0"/>
+              <a:t>Written in TypeScript</a:t>
+            </a:r>
+          </a:p>
+          <a:p>
+            <a:r>
+              <a:rPr lang="en-DK" dirty="0"/>
+              <a:t>Total segregation of duties</a:t>
+            </a:r>
+          </a:p>
+          <a:p>
+            <a:r>
+              <a:rPr lang="en-GB" dirty="0"/>
+              <a:t>Supports continuous integration</a:t>
+            </a:r>
+          </a:p>
+          <a:p>
+            <a:r>
+              <a:rPr lang="en-GB" dirty="0"/>
+              <a:t>Scales to large development projects</a:t>
+            </a:r>
+            <a:endParaRPr lang="en-DK" dirty="0"/>
+          </a:p>
+          <a:p>
+            <a:endParaRPr lang="en-DK" dirty="0"/>
+          </a:p>
+          <a:p>
+            <a:r>
+              <a:rPr lang="en-DK" dirty="0"/>
+              <a:t>Mouseless operation</a:t>
+            </a:r>
+          </a:p>
+          <a:p>
+            <a:r>
+              <a:rPr lang="en-DK" dirty="0"/>
+              <a:t>No restrictions on html</a:t>
+            </a:r>
+          </a:p>
+          <a:p>
+            <a:endParaRPr lang="en-DK" dirty="0"/>
+          </a:p>
+        </p:txBody>
+      </p:sp>
+    </p:spTree>
+    <p:extLst>
+      <p:ext uri="{BB962C8B-B14F-4D97-AF65-F5344CB8AC3E}">
+        <p14:creationId xmlns:p14="http://schemas.microsoft.com/office/powerpoint/2010/main" val="487342425"/>
+      </p:ext>
+    </p:extLst>
+  </p:cSld>
+  <p:clrMapOvr>
+    <a:masterClrMapping/>
+  </p:clrMapOvr>
+</p:sld>
+</file>
+
+<file path=ppt/slides/slide8.xml><?xml version="1.0" encoding="utf-8"?>
+<p:sld xmlns:a="http://schemas.openxmlformats.org/drawingml/2006/main" xmlns:r="http://schemas.openxmlformats.org/officeDocument/2006/relationships" xmlns:p="http://schemas.openxmlformats.org/presentationml/2006/main">
+  <p:cSld>
+    <p:spTree>
+      <p:nvGrpSpPr>
+        <p:cNvPr id="1" name=""/>
+        <p:cNvGrpSpPr/>
+        <p:nvPr/>
+      </p:nvGrpSpPr>
+      <p:grpSpPr>
+        <a:xfrm>
+          <a:off x="0" y="0"/>
+          <a:ext cx="0" cy="0"/>
+          <a:chOff x="0" y="0"/>
+          <a:chExt cx="0" cy="0"/>
+        </a:xfrm>
+      </p:grpSpPr>
+      <p:sp>
+        <p:nvSpPr>
+          <p:cNvPr id="1031" name="Title 1030">
+            <a:extLst>
+              <a:ext uri="{FF2B5EF4-FFF2-40B4-BE49-F238E27FC236}">
+                <a16:creationId xmlns:a16="http://schemas.microsoft.com/office/drawing/2014/main" id="{22D09CA6-2F33-D374-D436-2CE7ED5D5D85}"/>
+              </a:ext>
+            </a:extLst>
+          </p:cNvPr>
+          <p:cNvSpPr>
+            <a:spLocks noGrp="1"/>
+          </p:cNvSpPr>
+          <p:nvPr>
+            <p:ph type="title"/>
+          </p:nvPr>
+        </p:nvSpPr>
+        <p:spPr>
+          <a:xfrm>
+            <a:off x="838200" y="72485"/>
+            <a:ext cx="10515600" cy="1325563"/>
+          </a:xfrm>
+        </p:spPr>
+        <p:txBody>
+          <a:bodyPr anchor="t"/>
+          <a:lstStyle/>
+          <a:p>
+            <a:pPr algn="ctr"/>
+            <a:r>
+              <a:rPr lang="en-DK" sz="3200" dirty="0"/>
+              <a:t>Architecture</a:t>
+            </a:r>
+          </a:p>
+        </p:txBody>
+      </p:sp>
+      <p:grpSp>
+        <p:nvGrpSpPr>
+          <p:cNvPr id="11" name="Group 10">
+            <a:extLst>
+              <a:ext uri="{FF2B5EF4-FFF2-40B4-BE49-F238E27FC236}">
+                <a16:creationId xmlns:a16="http://schemas.microsoft.com/office/drawing/2014/main" id="{9D23770E-5547-A4E1-AE87-351FE5C07B0F}"/>
+              </a:ext>
+            </a:extLst>
+          </p:cNvPr>
+          <p:cNvGrpSpPr/>
+          <p:nvPr/>
+        </p:nvGrpSpPr>
+        <p:grpSpPr>
+          <a:xfrm>
+            <a:off x="1496999" y="3235563"/>
             <a:ext cx="1859323" cy="3140078"/>
             <a:chOff x="5211765" y="2203443"/>
             <a:chExt cx="1260000" cy="2706679"/>
@@ -7307,94 +10565,13 @@
             <a:p>
               <a:pPr algn="ctr"/>
               <a:r>
-                <a:rPr lang="en-DK" b="1" i="1" dirty="0"/>
-                <a:t>When needed</a:t>
+                <a:rPr lang="en-DK" i="1" dirty="0"/>
+                <a:t>Hybrid</a:t>
               </a:r>
             </a:p>
           </p:txBody>
         </p:sp>
       </p:grpSp>
-      <p:sp>
-        <p:nvSpPr>
-          <p:cNvPr id="6" name="TextBox 5">
-            <a:extLst>
-              <a:ext uri="{FF2B5EF4-FFF2-40B4-BE49-F238E27FC236}">
-                <a16:creationId xmlns:a16="http://schemas.microsoft.com/office/drawing/2014/main" id="{DAA161E5-8412-86CD-3D3D-51276CB6C0AF}"/>
-              </a:ext>
-            </a:extLst>
-          </p:cNvPr>
-          <p:cNvSpPr txBox="1"/>
-          <p:nvPr/>
-        </p:nvSpPr>
-        <p:spPr>
-          <a:xfrm>
-            <a:off x="4257682" y="2795588"/>
-            <a:ext cx="2857491" cy="3477875"/>
-          </a:xfrm>
-          <a:prstGeom prst="rect">
-            <a:avLst/>
-          </a:prstGeom>
-          <a:noFill/>
-        </p:spPr>
-        <p:txBody>
-          <a:bodyPr wrap="square" rtlCol="0">
-            <a:spAutoFit/>
-          </a:bodyPr>
-          <a:lstStyle/>
-          <a:p>
-            <a:r>
-              <a:rPr lang="en-DK" sz="2000" b="1" dirty="0"/>
-              <a:t>Standard approach</a:t>
-            </a:r>
-          </a:p>
-          <a:p>
-            <a:endParaRPr lang="en-DK" sz="2000" b="1" dirty="0"/>
-          </a:p>
-          <a:p>
-            <a:r>
-              <a:rPr lang="en-DK" dirty="0"/>
-              <a:t>Lots of html &amp; Javascript </a:t>
-            </a:r>
-          </a:p>
-          <a:p>
-            <a:r>
-              <a:rPr lang="en-DK" dirty="0"/>
-              <a:t>(not always easy)</a:t>
-            </a:r>
-          </a:p>
-          <a:p>
-            <a:endParaRPr lang="en-DK" dirty="0"/>
-          </a:p>
-          <a:p>
-            <a:endParaRPr lang="en-DK" dirty="0"/>
-          </a:p>
-          <a:p>
-            <a:r>
-              <a:rPr lang="en-DK"/>
-              <a:t>Middletier (NodeJS etc)</a:t>
-            </a:r>
-            <a:endParaRPr lang="en-DK" dirty="0"/>
-          </a:p>
-          <a:p>
-            <a:r>
-              <a:rPr lang="en-DK" dirty="0"/>
-              <a:t>Loads of services</a:t>
-            </a:r>
-          </a:p>
-          <a:p>
-            <a:endParaRPr lang="en-DK" dirty="0"/>
-          </a:p>
-          <a:p>
-            <a:endParaRPr lang="en-DK" dirty="0"/>
-          </a:p>
-          <a:p>
-            <a:endParaRPr lang="en-DK" dirty="0"/>
-          </a:p>
-          <a:p>
-            <a:endParaRPr lang="en-DK" b="1" dirty="0"/>
-          </a:p>
-        </p:txBody>
-      </p:sp>
       <p:sp>
         <p:nvSpPr>
           <p:cNvPr id="8" name="TextBox 7">
@@ -7409,8 +10586,8 @@
         </p:nvSpPr>
         <p:spPr>
           <a:xfrm>
-            <a:off x="7455049" y="2795588"/>
-            <a:ext cx="4403583" cy="3754874"/>
+            <a:off x="8195284" y="2719390"/>
+            <a:ext cx="3473794" cy="3724096"/>
           </a:xfrm>
           <a:prstGeom prst="rect">
             <a:avLst/>
@@ -7429,31 +10606,41 @@
             </a:r>
           </a:p>
           <a:p>
-            <a:endParaRPr lang="en-DK" sz="2000" b="1" dirty="0"/>
+            <a:endParaRPr lang="en-DK" dirty="0"/>
+          </a:p>
+          <a:p>
+            <a:r>
+              <a:rPr lang="en-DK" sz="1800" dirty="0"/>
+              <a:t>Authenticated</a:t>
+            </a:r>
           </a:p>
           <a:p>
             <a:r>
               <a:rPr lang="en-DK" dirty="0"/>
-              <a:t>Best Practice Components library</a:t>
-            </a:r>
+              <a:t>Fixed application user</a:t>
+            </a:r>
+            <a:endParaRPr lang="en-DK" sz="1800" dirty="0"/>
+          </a:p>
+          <a:p>
+            <a:endParaRPr lang="en-DK" dirty="0"/>
           </a:p>
           <a:p>
             <a:r>
               <a:rPr lang="en-DK" dirty="0"/>
-              <a:t>Bind any html tag to database (no code)</a:t>
-            </a:r>
+              <a:t>Stateless, Stateful, Hybrid</a:t>
+            </a:r>
+            <a:endParaRPr lang="en-GB" dirty="0"/>
+          </a:p>
+          <a:p>
+            <a:endParaRPr lang="en-GB" dirty="0"/>
           </a:p>
           <a:p>
             <a:r>
               <a:rPr lang="en-DK" dirty="0"/>
-              <a:t>Run in internal or external mode (no code)</a:t>
-            </a:r>
-          </a:p>
-          <a:p>
-            <a:r>
-              <a:rPr lang="en-GB" dirty="0"/>
-              <a:t>Extendable. No limitations. Full code control</a:t>
-            </a:r>
+              <a:t>Fixed or Database user</a:t>
+            </a:r>
+          </a:p>
+          <a:p>
             <a:endParaRPr lang="en-DK" dirty="0"/>
           </a:p>
           <a:p>
@@ -7462,129 +10649,23 @@
           <a:p>
             <a:r>
               <a:rPr lang="en-DK" dirty="0"/>
-              <a:t>OpenRestDB (ORDS &amp; PostgREST)</a:t>
+              <a:t>Database security +</a:t>
             </a:r>
           </a:p>
           <a:p>
             <a:r>
               <a:rPr lang="en-DK" dirty="0"/>
-              <a:t>Exposes database as REST (no code)</a:t>
+              <a:t>SQL Validator plugin</a:t>
             </a:r>
           </a:p>
           <a:p>
             <a:r>
               <a:rPr lang="en-DK" dirty="0"/>
-              <a:t>Database Security + validator plugins</a:t>
-            </a:r>
-          </a:p>
-          <a:p>
-            <a:r>
-              <a:rPr lang="en-DK" dirty="0"/>
-              <a:t>Share connection with other services</a:t>
-            </a:r>
-          </a:p>
-          <a:p>
-            <a:endParaRPr lang="en-DK" b="1" dirty="0"/>
-          </a:p>
-          <a:p>
-            <a:endParaRPr lang="en-DK" dirty="0"/>
+              <a:t>SQL Rewriter plugin (VPD)</a:t>
+            </a:r>
           </a:p>
         </p:txBody>
       </p:sp>
-      <p:cxnSp>
-        <p:nvCxnSpPr>
-          <p:cNvPr id="12" name="Straight Arrow Connector 11">
-            <a:extLst>
-              <a:ext uri="{FF2B5EF4-FFF2-40B4-BE49-F238E27FC236}">
-                <a16:creationId xmlns:a16="http://schemas.microsoft.com/office/drawing/2014/main" id="{6D5E44D3-C953-07C1-5011-AB43A3475839}"/>
-              </a:ext>
-            </a:extLst>
-          </p:cNvPr>
-          <p:cNvCxnSpPr>
-            <a:cxnSpLocks/>
-          </p:cNvCxnSpPr>
-          <p:nvPr/>
-        </p:nvCxnSpPr>
-        <p:spPr>
-          <a:xfrm flipH="1">
-            <a:off x="3477302" y="3743312"/>
-            <a:ext cx="675593" cy="0"/>
-          </a:xfrm>
-          <a:prstGeom prst="straightConnector1">
-            <a:avLst/>
-          </a:prstGeom>
-          <a:ln w="19050">
-            <a:solidFill>
-              <a:schemeClr val="bg1">
-                <a:lumMod val="50000"/>
-              </a:schemeClr>
-            </a:solidFill>
-            <a:headEnd type="triangle" w="med" len="med"/>
-            <a:tailEnd type="triangle" w="med" len="med"/>
-          </a:ln>
-        </p:spPr>
-        <p:style>
-          <a:lnRef idx="1">
-            <a:schemeClr val="accent1"/>
-          </a:lnRef>
-          <a:fillRef idx="0">
-            <a:schemeClr val="accent1"/>
-          </a:fillRef>
-          <a:effectRef idx="0">
-            <a:schemeClr val="accent1"/>
-          </a:effectRef>
-          <a:fontRef idx="minor">
-            <a:schemeClr val="tx1"/>
-          </a:fontRef>
-        </p:style>
-      </p:cxnSp>
-      <p:cxnSp>
-        <p:nvCxnSpPr>
-          <p:cNvPr id="19" name="Straight Arrow Connector 18">
-            <a:extLst>
-              <a:ext uri="{FF2B5EF4-FFF2-40B4-BE49-F238E27FC236}">
-                <a16:creationId xmlns:a16="http://schemas.microsoft.com/office/drawing/2014/main" id="{77E53F44-D3CD-7BFA-9F21-5CA625B9A120}"/>
-              </a:ext>
-            </a:extLst>
-          </p:cNvPr>
-          <p:cNvCxnSpPr>
-            <a:cxnSpLocks/>
-          </p:cNvCxnSpPr>
-          <p:nvPr/>
-        </p:nvCxnSpPr>
-        <p:spPr>
-          <a:xfrm flipH="1">
-            <a:off x="3477302" y="4824403"/>
-            <a:ext cx="675593" cy="0"/>
-          </a:xfrm>
-          <a:prstGeom prst="straightConnector1">
-            <a:avLst/>
-          </a:prstGeom>
-          <a:ln w="19050">
-            <a:solidFill>
-              <a:schemeClr val="bg1">
-                <a:lumMod val="50000"/>
-              </a:schemeClr>
-            </a:solidFill>
-            <a:headEnd type="triangle" w="med" len="med"/>
-            <a:tailEnd type="triangle" w="med" len="med"/>
-          </a:ln>
-        </p:spPr>
-        <p:style>
-          <a:lnRef idx="1">
-            <a:schemeClr val="accent1"/>
-          </a:lnRef>
-          <a:fillRef idx="0">
-            <a:schemeClr val="accent1"/>
-          </a:fillRef>
-          <a:effectRef idx="0">
-            <a:schemeClr val="accent1"/>
-          </a:effectRef>
-          <a:fontRef idx="minor">
-            <a:schemeClr val="tx1"/>
-          </a:fontRef>
-        </p:style>
-      </p:cxnSp>
       <p:sp>
         <p:nvSpPr>
           <p:cNvPr id="2" name="TextBox 1">
@@ -7727,10 +10808,346 @@
           </a:p>
         </p:txBody>
       </p:sp>
+      <p:grpSp>
+        <p:nvGrpSpPr>
+          <p:cNvPr id="32" name="Group 31">
+            <a:extLst>
+              <a:ext uri="{FF2B5EF4-FFF2-40B4-BE49-F238E27FC236}">
+                <a16:creationId xmlns:a16="http://schemas.microsoft.com/office/drawing/2014/main" id="{F5BEC032-A7FC-A51A-EFFF-1678D5674CA0}"/>
+              </a:ext>
+            </a:extLst>
+          </p:cNvPr>
+          <p:cNvGrpSpPr/>
+          <p:nvPr/>
+        </p:nvGrpSpPr>
+        <p:grpSpPr>
+          <a:xfrm>
+            <a:off x="3422871" y="2719389"/>
+            <a:ext cx="4518873" cy="3518119"/>
+            <a:chOff x="3422871" y="2654073"/>
+            <a:chExt cx="4518873" cy="3518119"/>
+          </a:xfrm>
+        </p:grpSpPr>
+        <p:sp>
+          <p:nvSpPr>
+            <p:cNvPr id="6" name="TextBox 5">
+              <a:extLst>
+                <a:ext uri="{FF2B5EF4-FFF2-40B4-BE49-F238E27FC236}">
+                  <a16:creationId xmlns:a16="http://schemas.microsoft.com/office/drawing/2014/main" id="{DAA161E5-8412-86CD-3D3D-51276CB6C0AF}"/>
+                </a:ext>
+              </a:extLst>
+            </p:cNvPr>
+            <p:cNvSpPr txBox="1"/>
+            <p:nvPr/>
+          </p:nvSpPr>
+          <p:spPr>
+            <a:xfrm>
+              <a:off x="4241913" y="2654073"/>
+              <a:ext cx="3699831" cy="3518119"/>
+            </a:xfrm>
+            <a:prstGeom prst="rect">
+              <a:avLst/>
+            </a:prstGeom>
+            <a:noFill/>
+          </p:spPr>
+          <p:txBody>
+            <a:bodyPr wrap="square" rtlCol="0">
+              <a:noAutofit/>
+            </a:bodyPr>
+            <a:lstStyle/>
+            <a:p>
+              <a:r>
+                <a:rPr lang="en-DK" sz="2000" b="1" dirty="0"/>
+                <a:t>Standard approach</a:t>
+              </a:r>
+            </a:p>
+            <a:p>
+              <a:endParaRPr lang="en-DK" sz="2000" b="1" dirty="0"/>
+            </a:p>
+            <a:p>
+              <a:r>
+                <a:rPr lang="en-DK" dirty="0"/>
+                <a:t>Authenticated</a:t>
+              </a:r>
+            </a:p>
+            <a:p>
+              <a:r>
+                <a:rPr lang="en-DK" dirty="0"/>
+                <a:t>Not authenticated</a:t>
+              </a:r>
+            </a:p>
+            <a:p>
+              <a:endParaRPr lang="en-DK" dirty="0"/>
+            </a:p>
+            <a:p>
+              <a:r>
+                <a:rPr lang="en-DK" dirty="0"/>
+                <a:t>Stateless</a:t>
+              </a:r>
+            </a:p>
+            <a:p>
+              <a:endParaRPr lang="en-DK" dirty="0"/>
+            </a:p>
+            <a:p>
+              <a:r>
+                <a:rPr lang="en-DK" dirty="0"/>
+                <a:t>Connection pool using fixed application user</a:t>
+              </a:r>
+            </a:p>
+            <a:p>
+              <a:endParaRPr lang="en-DK" dirty="0"/>
+            </a:p>
+            <a:p>
+              <a:r>
+                <a:rPr lang="en-DK" dirty="0"/>
+                <a:t>Security by service implementation</a:t>
+              </a:r>
+            </a:p>
+            <a:p>
+              <a:endParaRPr lang="en-DK" dirty="0"/>
+            </a:p>
+          </p:txBody>
+        </p:sp>
+        <p:cxnSp>
+          <p:nvCxnSpPr>
+            <p:cNvPr id="21" name="Straight Arrow Connector 20">
+              <a:extLst>
+                <a:ext uri="{FF2B5EF4-FFF2-40B4-BE49-F238E27FC236}">
+                  <a16:creationId xmlns:a16="http://schemas.microsoft.com/office/drawing/2014/main" id="{962047DD-1D29-FE7A-798C-1755B408D7BB}"/>
+                </a:ext>
+              </a:extLst>
+            </p:cNvPr>
+            <p:cNvCxnSpPr>
+              <a:cxnSpLocks/>
+            </p:cNvCxnSpPr>
+            <p:nvPr/>
+          </p:nvCxnSpPr>
+          <p:spPr>
+            <a:xfrm flipH="1">
+              <a:off x="3422871" y="3623568"/>
+              <a:ext cx="675593" cy="0"/>
+            </a:xfrm>
+            <a:prstGeom prst="straightConnector1">
+              <a:avLst/>
+            </a:prstGeom>
+            <a:ln w="19050">
+              <a:solidFill>
+                <a:schemeClr val="bg1">
+                  <a:lumMod val="50000"/>
+                </a:schemeClr>
+              </a:solidFill>
+              <a:headEnd type="triangle" w="med" len="med"/>
+              <a:tailEnd type="triangle" w="med" len="med"/>
+            </a:ln>
+          </p:spPr>
+          <p:style>
+            <a:lnRef idx="1">
+              <a:schemeClr val="accent1"/>
+            </a:lnRef>
+            <a:fillRef idx="0">
+              <a:schemeClr val="accent1"/>
+            </a:fillRef>
+            <a:effectRef idx="0">
+              <a:schemeClr val="accent1"/>
+            </a:effectRef>
+            <a:fontRef idx="minor">
+              <a:schemeClr val="tx1"/>
+            </a:fontRef>
+          </p:style>
+        </p:cxnSp>
+        <p:cxnSp>
+          <p:nvCxnSpPr>
+            <p:cNvPr id="22" name="Straight Arrow Connector 21">
+              <a:extLst>
+                <a:ext uri="{FF2B5EF4-FFF2-40B4-BE49-F238E27FC236}">
+                  <a16:creationId xmlns:a16="http://schemas.microsoft.com/office/drawing/2014/main" id="{327D051B-C550-447C-6F76-481043DA1E7C}"/>
+                </a:ext>
+              </a:extLst>
+            </p:cNvPr>
+            <p:cNvCxnSpPr>
+              <a:cxnSpLocks/>
+            </p:cNvCxnSpPr>
+            <p:nvPr/>
+          </p:nvCxnSpPr>
+          <p:spPr>
+            <a:xfrm flipH="1">
+              <a:off x="3422871" y="4376546"/>
+              <a:ext cx="702814" cy="248508"/>
+            </a:xfrm>
+            <a:prstGeom prst="straightConnector1">
+              <a:avLst/>
+            </a:prstGeom>
+            <a:ln w="19050">
+              <a:solidFill>
+                <a:schemeClr val="bg1">
+                  <a:lumMod val="50000"/>
+                </a:schemeClr>
+              </a:solidFill>
+              <a:headEnd type="triangle" w="med" len="med"/>
+              <a:tailEnd type="triangle" w="med" len="med"/>
+            </a:ln>
+          </p:spPr>
+          <p:style>
+            <a:lnRef idx="1">
+              <a:schemeClr val="accent1"/>
+            </a:lnRef>
+            <a:fillRef idx="0">
+              <a:schemeClr val="accent1"/>
+            </a:fillRef>
+            <a:effectRef idx="0">
+              <a:schemeClr val="accent1"/>
+            </a:effectRef>
+            <a:fontRef idx="minor">
+              <a:schemeClr val="tx1"/>
+            </a:fontRef>
+          </p:style>
+        </p:cxnSp>
+        <p:cxnSp>
+          <p:nvCxnSpPr>
+            <p:cNvPr id="23" name="Straight Arrow Connector 22">
+              <a:extLst>
+                <a:ext uri="{FF2B5EF4-FFF2-40B4-BE49-F238E27FC236}">
+                  <a16:creationId xmlns:a16="http://schemas.microsoft.com/office/drawing/2014/main" id="{99C9CE34-EBD4-AB6B-296A-E59E91BC2D5E}"/>
+                </a:ext>
+              </a:extLst>
+            </p:cNvPr>
+            <p:cNvCxnSpPr>
+              <a:cxnSpLocks/>
+            </p:cNvCxnSpPr>
+            <p:nvPr/>
+          </p:nvCxnSpPr>
+          <p:spPr>
+            <a:xfrm flipH="1">
+              <a:off x="3422871" y="4929858"/>
+              <a:ext cx="675593" cy="0"/>
+            </a:xfrm>
+            <a:prstGeom prst="straightConnector1">
+              <a:avLst/>
+            </a:prstGeom>
+            <a:ln w="19050">
+              <a:solidFill>
+                <a:schemeClr val="bg1">
+                  <a:lumMod val="50000"/>
+                </a:schemeClr>
+              </a:solidFill>
+              <a:headEnd type="triangle" w="med" len="med"/>
+              <a:tailEnd type="triangle" w="med" len="med"/>
+            </a:ln>
+          </p:spPr>
+          <p:style>
+            <a:lnRef idx="1">
+              <a:schemeClr val="accent1"/>
+            </a:lnRef>
+            <a:fillRef idx="0">
+              <a:schemeClr val="accent1"/>
+            </a:fillRef>
+            <a:effectRef idx="0">
+              <a:schemeClr val="accent1"/>
+            </a:effectRef>
+            <a:fontRef idx="minor">
+              <a:schemeClr val="tx1"/>
+            </a:fontRef>
+          </p:style>
+        </p:cxnSp>
+        <p:cxnSp>
+          <p:nvCxnSpPr>
+            <p:cNvPr id="24" name="Straight Arrow Connector 23">
+              <a:extLst>
+                <a:ext uri="{FF2B5EF4-FFF2-40B4-BE49-F238E27FC236}">
+                  <a16:creationId xmlns:a16="http://schemas.microsoft.com/office/drawing/2014/main" id="{C48E35ED-B1A1-194B-C9CF-284BDFB99F65}"/>
+                </a:ext>
+              </a:extLst>
+            </p:cNvPr>
+            <p:cNvCxnSpPr>
+              <a:cxnSpLocks/>
+            </p:cNvCxnSpPr>
+            <p:nvPr/>
+          </p:nvCxnSpPr>
+          <p:spPr>
+            <a:xfrm flipH="1" flipV="1">
+              <a:off x="3422871" y="5158459"/>
+              <a:ext cx="675593" cy="425919"/>
+            </a:xfrm>
+            <a:prstGeom prst="straightConnector1">
+              <a:avLst/>
+            </a:prstGeom>
+            <a:ln w="19050">
+              <a:solidFill>
+                <a:schemeClr val="bg1">
+                  <a:lumMod val="50000"/>
+                </a:schemeClr>
+              </a:solidFill>
+              <a:headEnd type="triangle" w="med" len="med"/>
+              <a:tailEnd type="triangle" w="med" len="med"/>
+            </a:ln>
+          </p:spPr>
+          <p:style>
+            <a:lnRef idx="1">
+              <a:schemeClr val="accent1"/>
+            </a:lnRef>
+            <a:fillRef idx="0">
+              <a:schemeClr val="accent1"/>
+            </a:fillRef>
+            <a:effectRef idx="0">
+              <a:schemeClr val="accent1"/>
+            </a:effectRef>
+            <a:fontRef idx="minor">
+              <a:schemeClr val="tx1"/>
+            </a:fontRef>
+          </p:style>
+        </p:cxnSp>
+        <p:cxnSp>
+          <p:nvCxnSpPr>
+            <p:cNvPr id="30" name="Straight Arrow Connector 29">
+              <a:extLst>
+                <a:ext uri="{FF2B5EF4-FFF2-40B4-BE49-F238E27FC236}">
+                  <a16:creationId xmlns:a16="http://schemas.microsoft.com/office/drawing/2014/main" id="{7C2A4BF1-A82F-5243-06B6-0A7D94472E6B}"/>
+                </a:ext>
+              </a:extLst>
+            </p:cNvPr>
+            <p:cNvCxnSpPr>
+              <a:cxnSpLocks/>
+            </p:cNvCxnSpPr>
+            <p:nvPr/>
+          </p:nvCxnSpPr>
+          <p:spPr>
+            <a:xfrm flipH="1">
+              <a:off x="3422871" y="6061972"/>
+              <a:ext cx="4518873" cy="0"/>
+            </a:xfrm>
+            <a:prstGeom prst="straightConnector1">
+              <a:avLst/>
+            </a:prstGeom>
+            <a:ln w="19050">
+              <a:solidFill>
+                <a:schemeClr val="bg1">
+                  <a:lumMod val="50000"/>
+                </a:schemeClr>
+              </a:solidFill>
+              <a:headEnd type="triangle" w="med" len="med"/>
+              <a:tailEnd type="triangle" w="med" len="med"/>
+            </a:ln>
+          </p:spPr>
+          <p:style>
+            <a:lnRef idx="1">
+              <a:schemeClr val="accent1"/>
+            </a:lnRef>
+            <a:fillRef idx="0">
+              <a:schemeClr val="accent1"/>
+            </a:fillRef>
+            <a:effectRef idx="0">
+              <a:schemeClr val="accent1"/>
+            </a:effectRef>
+            <a:fontRef idx="minor">
+              <a:schemeClr val="tx1"/>
+            </a:fontRef>
+          </p:style>
+        </p:cxnSp>
+      </p:grpSp>
     </p:spTree>
     <p:extLst>
       <p:ext uri="{BB962C8B-B14F-4D97-AF65-F5344CB8AC3E}">
-        <p14:creationId xmlns:p14="http://schemas.microsoft.com/office/powerpoint/2010/main" val="3552756227"/>
+        <p14:creationId xmlns:p14="http://schemas.microsoft.com/office/powerpoint/2010/main" val="1646166106"/>
       </p:ext>
     </p:extLst>
   </p:cSld>
@@ -7740,7 +11157,7 @@
 </p:sld>
 </file>
 
-<file path=ppt/slides/slide5.xml><?xml version="1.0" encoding="utf-8"?>
+<file path=ppt/slides/slide9.xml><?xml version="1.0" encoding="utf-8"?>
 <p:sld xmlns:a="http://schemas.openxmlformats.org/drawingml/2006/main" xmlns:r="http://schemas.openxmlformats.org/officeDocument/2006/relationships" xmlns:p="http://schemas.openxmlformats.org/presentationml/2006/main">
   <p:cSld>
     <p:spTree>
@@ -9022,2675 +12439,6 @@
 </p:sld>
 </file>
 
-<file path=ppt/slides/slide6.xml><?xml version="1.0" encoding="utf-8"?>
-<p:sld xmlns:a="http://schemas.openxmlformats.org/drawingml/2006/main" xmlns:r="http://schemas.openxmlformats.org/officeDocument/2006/relationships" xmlns:p="http://schemas.openxmlformats.org/presentationml/2006/main">
-  <p:cSld>
-    <p:spTree>
-      <p:nvGrpSpPr>
-        <p:cNvPr id="1" name=""/>
-        <p:cNvGrpSpPr/>
-        <p:nvPr/>
-      </p:nvGrpSpPr>
-      <p:grpSpPr>
-        <a:xfrm>
-          <a:off x="0" y="0"/>
-          <a:ext cx="0" cy="0"/>
-          <a:chOff x="0" y="0"/>
-          <a:chExt cx="0" cy="0"/>
-        </a:xfrm>
-      </p:grpSpPr>
-      <p:sp>
-        <p:nvSpPr>
-          <p:cNvPr id="1031" name="Title 1030">
-            <a:extLst>
-              <a:ext uri="{FF2B5EF4-FFF2-40B4-BE49-F238E27FC236}">
-                <a16:creationId xmlns:a16="http://schemas.microsoft.com/office/drawing/2014/main" id="{22D09CA6-2F33-D374-D436-2CE7ED5D5D85}"/>
-              </a:ext>
-            </a:extLst>
-          </p:cNvPr>
-          <p:cNvSpPr>
-            <a:spLocks noGrp="1"/>
-          </p:cNvSpPr>
-          <p:nvPr>
-            <p:ph type="title"/>
-          </p:nvPr>
-        </p:nvSpPr>
-        <p:spPr>
-          <a:xfrm>
-            <a:off x="838200" y="72485"/>
-            <a:ext cx="10515600" cy="1325563"/>
-          </a:xfrm>
-        </p:spPr>
-        <p:txBody>
-          <a:bodyPr anchor="t"/>
-          <a:lstStyle/>
-          <a:p>
-            <a:pPr algn="ctr"/>
-            <a:r>
-              <a:rPr lang="en-DK" sz="3200" dirty="0"/>
-              <a:t>FutureForms</a:t>
-            </a:r>
-          </a:p>
-        </p:txBody>
-      </p:sp>
-      <p:sp>
-        <p:nvSpPr>
-          <p:cNvPr id="14" name="TextBox 13">
-            <a:extLst>
-              <a:ext uri="{FF2B5EF4-FFF2-40B4-BE49-F238E27FC236}">
-                <a16:creationId xmlns:a16="http://schemas.microsoft.com/office/drawing/2014/main" id="{98AD0FA5-AD4A-FEE2-1E7A-3C678A40F391}"/>
-              </a:ext>
-            </a:extLst>
-          </p:cNvPr>
-          <p:cNvSpPr txBox="1"/>
-          <p:nvPr/>
-        </p:nvSpPr>
-        <p:spPr>
-          <a:xfrm>
-            <a:off x="6172210" y="1151059"/>
-            <a:ext cx="5380051" cy="5406903"/>
-          </a:xfrm>
-          <a:prstGeom prst="rect">
-            <a:avLst/>
-          </a:prstGeom>
-          <a:noFill/>
-        </p:spPr>
-        <p:txBody>
-          <a:bodyPr wrap="square" rtlCol="0">
-            <a:noAutofit/>
-          </a:bodyPr>
-          <a:lstStyle/>
-          <a:p>
-            <a:r>
-              <a:rPr lang="en-DK" sz="2000" b="1" dirty="0"/>
-              <a:t>Most Notable Objects</a:t>
-            </a:r>
-          </a:p>
-          <a:p>
-            <a:endParaRPr lang="en-DK" dirty="0"/>
-          </a:p>
-          <a:p>
-            <a:r>
-              <a:rPr lang="en-DK" b="1" i="1" dirty="0"/>
-              <a:t>Form</a:t>
-            </a:r>
-            <a:r>
-              <a:rPr lang="en-DK" dirty="0"/>
-              <a:t>:</a:t>
-            </a:r>
-          </a:p>
-          <a:p>
-            <a:r>
-              <a:rPr lang="en-DK" dirty="0"/>
-              <a:t>   Blocks, Eventhandling </a:t>
-            </a:r>
-          </a:p>
-          <a:p>
-            <a:endParaRPr lang="en-DK" dirty="0"/>
-          </a:p>
-          <a:p>
-            <a:r>
-              <a:rPr lang="en-DK" b="1" i="1" dirty="0"/>
-              <a:t>Block</a:t>
-            </a:r>
-            <a:r>
-              <a:rPr lang="en-DK" dirty="0"/>
-              <a:t>:</a:t>
-            </a:r>
-          </a:p>
-          <a:p>
-            <a:r>
-              <a:rPr lang="en-DK" dirty="0"/>
-              <a:t>   Optional intersection between </a:t>
-            </a:r>
-            <a:r>
-              <a:rPr lang="en-DK" i="1" dirty="0"/>
-              <a:t>Datasource</a:t>
-            </a:r>
-            <a:r>
-              <a:rPr lang="en-DK" dirty="0"/>
-              <a:t> &amp; </a:t>
-            </a:r>
-            <a:r>
-              <a:rPr lang="en-DK" i="1" dirty="0"/>
-              <a:t>Fields</a:t>
-            </a:r>
-          </a:p>
-          <a:p>
-            <a:endParaRPr lang="en-DK" dirty="0"/>
-          </a:p>
-          <a:p>
-            <a:r>
-              <a:rPr lang="en-DK" b="1" i="1" dirty="0"/>
-              <a:t>Datasource</a:t>
-            </a:r>
-            <a:r>
-              <a:rPr lang="en-DK" dirty="0"/>
-              <a:t>: (Interface)</a:t>
-            </a:r>
-          </a:p>
-          <a:p>
-            <a:r>
-              <a:rPr lang="en-DK" dirty="0"/>
-              <a:t>   Get data from any source</a:t>
-            </a:r>
-          </a:p>
-          <a:p>
-            <a:endParaRPr lang="en-DK" dirty="0"/>
-          </a:p>
-          <a:p>
-            <a:r>
-              <a:rPr lang="en-DK" b="1" i="1" dirty="0"/>
-              <a:t>ListOfValues</a:t>
-            </a:r>
-            <a:r>
-              <a:rPr lang="en-DK" dirty="0"/>
-              <a:t>: (Interface)</a:t>
-            </a:r>
-          </a:p>
-          <a:p>
-            <a:r>
-              <a:rPr lang="en-DK" dirty="0"/>
-              <a:t>   List of valid values for given field</a:t>
-            </a:r>
-          </a:p>
-          <a:p>
-            <a:endParaRPr lang="en-DK" dirty="0"/>
-          </a:p>
-          <a:p>
-            <a:r>
-              <a:rPr lang="en-DK" b="1" i="1" dirty="0"/>
-              <a:t>CustomTag</a:t>
-            </a:r>
-            <a:r>
-              <a:rPr lang="en-DK" dirty="0"/>
-              <a:t>:</a:t>
-            </a:r>
-          </a:p>
-          <a:p>
-            <a:r>
-              <a:rPr lang="en-DK" dirty="0"/>
-              <a:t>   Replace any tag with custom code</a:t>
-            </a:r>
-          </a:p>
-          <a:p>
-            <a:endParaRPr lang="en-DK" dirty="0"/>
-          </a:p>
-          <a:p>
-            <a:r>
-              <a:rPr lang="en-DK" b="1" i="1" dirty="0"/>
-              <a:t>Menu</a:t>
-            </a:r>
-            <a:r>
-              <a:rPr lang="en-DK" dirty="0"/>
-              <a:t>:</a:t>
-            </a:r>
-          </a:p>
-          <a:p>
-            <a:r>
-              <a:rPr lang="en-DK" dirty="0"/>
-              <a:t>   Create static or datadriven menues</a:t>
-            </a:r>
-          </a:p>
-        </p:txBody>
-      </p:sp>
-      <p:grpSp>
-        <p:nvGrpSpPr>
-          <p:cNvPr id="25" name="Group 24">
-            <a:extLst>
-              <a:ext uri="{FF2B5EF4-FFF2-40B4-BE49-F238E27FC236}">
-                <a16:creationId xmlns:a16="http://schemas.microsoft.com/office/drawing/2014/main" id="{845E20DA-E3C6-4CB2-A30B-744F1E108995}"/>
-              </a:ext>
-            </a:extLst>
-          </p:cNvPr>
-          <p:cNvGrpSpPr/>
-          <p:nvPr/>
-        </p:nvGrpSpPr>
-        <p:grpSpPr>
-          <a:xfrm>
-            <a:off x="304200" y="1074182"/>
-            <a:ext cx="4392870" cy="5069456"/>
-            <a:chOff x="404219" y="931302"/>
-            <a:chExt cx="4392870" cy="5069456"/>
-          </a:xfrm>
-        </p:grpSpPr>
-        <p:grpSp>
-          <p:nvGrpSpPr>
-            <p:cNvPr id="11" name="Group 10">
-              <a:extLst>
-                <a:ext uri="{FF2B5EF4-FFF2-40B4-BE49-F238E27FC236}">
-                  <a16:creationId xmlns:a16="http://schemas.microsoft.com/office/drawing/2014/main" id="{9D23770E-5547-A4E1-AE87-351FE5C07B0F}"/>
-                </a:ext>
-              </a:extLst>
-            </p:cNvPr>
-            <p:cNvGrpSpPr/>
-            <p:nvPr/>
-          </p:nvGrpSpPr>
-          <p:grpSpPr>
-            <a:xfrm>
-              <a:off x="1625591" y="2860680"/>
-              <a:ext cx="1859323" cy="3140078"/>
-              <a:chOff x="5211765" y="2203443"/>
-              <a:chExt cx="1260000" cy="2706679"/>
-            </a:xfrm>
-          </p:grpSpPr>
-          <p:grpSp>
-            <p:nvGrpSpPr>
-              <p:cNvPr id="1061" name="Group 1060">
-                <a:extLst>
-                  <a:ext uri="{FF2B5EF4-FFF2-40B4-BE49-F238E27FC236}">
-                    <a16:creationId xmlns:a16="http://schemas.microsoft.com/office/drawing/2014/main" id="{A0138485-CFF2-53D1-A515-8506068BB9BA}"/>
-                  </a:ext>
-                </a:extLst>
-              </p:cNvPr>
-              <p:cNvGrpSpPr/>
-              <p:nvPr/>
-            </p:nvGrpSpPr>
-            <p:grpSpPr>
-              <a:xfrm>
-                <a:off x="5211765" y="2203443"/>
-                <a:ext cx="1260000" cy="2706679"/>
-                <a:chOff x="5811845" y="3003550"/>
-                <a:chExt cx="1260000" cy="2706679"/>
-              </a:xfrm>
-            </p:grpSpPr>
-            <p:pic>
-              <p:nvPicPr>
-                <p:cNvPr id="1045" name="Picture 1044">
-                  <a:extLst>
-                    <a:ext uri="{FF2B5EF4-FFF2-40B4-BE49-F238E27FC236}">
-                      <a16:creationId xmlns:a16="http://schemas.microsoft.com/office/drawing/2014/main" id="{92ECA43F-76A2-44A8-14B1-9908232631B4}"/>
-                    </a:ext>
-                  </a:extLst>
-                </p:cNvPr>
-                <p:cNvPicPr>
-                  <a:picLocks noChangeAspect="1"/>
-                </p:cNvPicPr>
-                <p:nvPr/>
-              </p:nvPicPr>
-              <p:blipFill>
-                <a:blip r:embed="rId2"/>
-                <a:stretch>
-                  <a:fillRect/>
-                </a:stretch>
-              </p:blipFill>
-              <p:spPr>
-                <a:xfrm>
-                  <a:off x="5811845" y="3003550"/>
-                  <a:ext cx="1260000" cy="694068"/>
-                </a:xfrm>
-                <a:prstGeom prst="rect">
-                  <a:avLst/>
-                </a:prstGeom>
-              </p:spPr>
-            </p:pic>
-            <p:sp>
-              <p:nvSpPr>
-                <p:cNvPr id="1047" name="Can 1046">
-                  <a:extLst>
-                    <a:ext uri="{FF2B5EF4-FFF2-40B4-BE49-F238E27FC236}">
-                      <a16:creationId xmlns:a16="http://schemas.microsoft.com/office/drawing/2014/main" id="{DF75857B-2558-6892-82FA-B47D6F1C28F0}"/>
-                    </a:ext>
-                  </a:extLst>
-                </p:cNvPr>
-                <p:cNvSpPr/>
-                <p:nvPr/>
-              </p:nvSpPr>
-              <p:spPr>
-                <a:xfrm>
-                  <a:off x="6144954" y="5127793"/>
-                  <a:ext cx="593783" cy="582436"/>
-                </a:xfrm>
-                <a:prstGeom prst="can">
-                  <a:avLst/>
-                </a:prstGeom>
-                <a:solidFill>
-                  <a:schemeClr val="bg1">
-                    <a:lumMod val="85000"/>
-                  </a:schemeClr>
-                </a:solidFill>
-                <a:ln>
-                  <a:solidFill>
-                    <a:schemeClr val="tx1"/>
-                  </a:solidFill>
-                </a:ln>
-              </p:spPr>
-              <p:style>
-                <a:lnRef idx="2">
-                  <a:schemeClr val="accent1">
-                    <a:shade val="50000"/>
-                  </a:schemeClr>
-                </a:lnRef>
-                <a:fillRef idx="1">
-                  <a:schemeClr val="accent1"/>
-                </a:fillRef>
-                <a:effectRef idx="0">
-                  <a:schemeClr val="accent1"/>
-                </a:effectRef>
-                <a:fontRef idx="minor">
-                  <a:schemeClr val="lt1"/>
-                </a:fontRef>
-              </p:style>
-              <p:txBody>
-                <a:bodyPr rtlCol="0" anchor="ctr"/>
-                <a:lstStyle/>
-                <a:p>
-                  <a:pPr algn="ctr"/>
-                  <a:endParaRPr lang="en-DK"/>
-                </a:p>
-              </p:txBody>
-            </p:sp>
-            <p:pic>
-              <p:nvPicPr>
-                <p:cNvPr id="1048" name="Picture 1047">
-                  <a:extLst>
-                    <a:ext uri="{FF2B5EF4-FFF2-40B4-BE49-F238E27FC236}">
-                      <a16:creationId xmlns:a16="http://schemas.microsoft.com/office/drawing/2014/main" id="{AC445236-A45B-43C1-10D5-4B4CACA0B35F}"/>
-                    </a:ext>
-                  </a:extLst>
-                </p:cNvPr>
-                <p:cNvPicPr>
-                  <a:picLocks noChangeAspect="1"/>
-                </p:cNvPicPr>
-                <p:nvPr/>
-              </p:nvPicPr>
-              <p:blipFill>
-                <a:blip r:embed="rId3"/>
-                <a:stretch>
-                  <a:fillRect/>
-                </a:stretch>
-              </p:blipFill>
-              <p:spPr>
-                <a:xfrm>
-                  <a:off x="5885378" y="4057586"/>
-                  <a:ext cx="1112935" cy="582436"/>
-                </a:xfrm>
-                <a:prstGeom prst="rect">
-                  <a:avLst/>
-                </a:prstGeom>
-              </p:spPr>
-            </p:pic>
-            <p:cxnSp>
-              <p:nvCxnSpPr>
-                <p:cNvPr id="1055" name="Straight Arrow Connector 1054">
-                  <a:extLst>
-                    <a:ext uri="{FF2B5EF4-FFF2-40B4-BE49-F238E27FC236}">
-                      <a16:creationId xmlns:a16="http://schemas.microsoft.com/office/drawing/2014/main" id="{BF539873-2D3E-1FD7-923D-C83246B3C891}"/>
-                    </a:ext>
-                  </a:extLst>
-                </p:cNvPr>
-                <p:cNvCxnSpPr>
-                  <a:cxnSpLocks/>
-                </p:cNvCxnSpPr>
-                <p:nvPr/>
-              </p:nvCxnSpPr>
-              <p:spPr>
-                <a:xfrm flipV="1">
-                  <a:off x="6438905" y="3727607"/>
-                  <a:ext cx="0" cy="315747"/>
-                </a:xfrm>
-                <a:prstGeom prst="straightConnector1">
-                  <a:avLst/>
-                </a:prstGeom>
-                <a:ln w="19050">
-                  <a:solidFill>
-                    <a:schemeClr val="bg1">
-                      <a:lumMod val="50000"/>
-                    </a:schemeClr>
-                  </a:solidFill>
-                  <a:headEnd type="triangle" w="med" len="med"/>
-                  <a:tailEnd type="triangle" w="med" len="med"/>
-                </a:ln>
-              </p:spPr>
-              <p:style>
-                <a:lnRef idx="1">
-                  <a:schemeClr val="accent1"/>
-                </a:lnRef>
-                <a:fillRef idx="0">
-                  <a:schemeClr val="accent1"/>
-                </a:fillRef>
-                <a:effectRef idx="0">
-                  <a:schemeClr val="accent1"/>
-                </a:effectRef>
-                <a:fontRef idx="minor">
-                  <a:schemeClr val="tx1"/>
-                </a:fontRef>
-              </p:style>
-            </p:cxnSp>
-            <p:cxnSp>
-              <p:nvCxnSpPr>
-                <p:cNvPr id="1057" name="Straight Arrow Connector 1056">
-                  <a:extLst>
-                    <a:ext uri="{FF2B5EF4-FFF2-40B4-BE49-F238E27FC236}">
-                      <a16:creationId xmlns:a16="http://schemas.microsoft.com/office/drawing/2014/main" id="{8151FF7F-E758-4B7D-663F-5F2A7F50E9F6}"/>
-                    </a:ext>
-                  </a:extLst>
-                </p:cNvPr>
-                <p:cNvCxnSpPr>
-                  <a:cxnSpLocks/>
-                </p:cNvCxnSpPr>
-                <p:nvPr/>
-              </p:nvCxnSpPr>
-              <p:spPr>
-                <a:xfrm flipV="1">
-                  <a:off x="6434139" y="4722978"/>
-                  <a:ext cx="0" cy="315747"/>
-                </a:xfrm>
-                <a:prstGeom prst="straightConnector1">
-                  <a:avLst/>
-                </a:prstGeom>
-                <a:ln w="19050">
-                  <a:solidFill>
-                    <a:schemeClr val="bg1">
-                      <a:lumMod val="50000"/>
-                    </a:schemeClr>
-                  </a:solidFill>
-                  <a:headEnd type="triangle" w="med" len="med"/>
-                  <a:tailEnd type="triangle" w="med" len="med"/>
-                </a:ln>
-              </p:spPr>
-              <p:style>
-                <a:lnRef idx="1">
-                  <a:schemeClr val="accent1"/>
-                </a:lnRef>
-                <a:fillRef idx="0">
-                  <a:schemeClr val="accent1"/>
-                </a:fillRef>
-                <a:effectRef idx="0">
-                  <a:schemeClr val="accent1"/>
-                </a:effectRef>
-                <a:fontRef idx="minor">
-                  <a:schemeClr val="tx1"/>
-                </a:fontRef>
-              </p:style>
-            </p:cxnSp>
-          </p:grpSp>
-          <p:sp>
-            <p:nvSpPr>
-              <p:cNvPr id="10" name="TextBox 9">
-                <a:extLst>
-                  <a:ext uri="{FF2B5EF4-FFF2-40B4-BE49-F238E27FC236}">
-                    <a16:creationId xmlns:a16="http://schemas.microsoft.com/office/drawing/2014/main" id="{51EC14A7-FD6D-A3A9-B699-A225946941A6}"/>
-                  </a:ext>
-                </a:extLst>
-              </p:cNvPr>
-              <p:cNvSpPr txBox="1"/>
-              <p:nvPr/>
-            </p:nvSpPr>
-            <p:spPr>
-              <a:xfrm>
-                <a:off x="5663888" y="3393048"/>
-                <a:ext cx="642938" cy="307777"/>
-              </a:xfrm>
-              <a:prstGeom prst="rect">
-                <a:avLst/>
-              </a:prstGeom>
-              <a:noFill/>
-            </p:spPr>
-            <p:txBody>
-              <a:bodyPr wrap="square" rtlCol="0">
-                <a:spAutoFit/>
-              </a:bodyPr>
-              <a:lstStyle/>
-              <a:p>
-                <a:r>
-                  <a:rPr lang="en-DK" sz="1400" b="1" dirty="0"/>
-                  <a:t>Rest</a:t>
-                </a:r>
-              </a:p>
-            </p:txBody>
-          </p:sp>
-        </p:grpSp>
-        <p:grpSp>
-          <p:nvGrpSpPr>
-            <p:cNvPr id="13" name="Group 12">
-              <a:extLst>
-                <a:ext uri="{FF2B5EF4-FFF2-40B4-BE49-F238E27FC236}">
-                  <a16:creationId xmlns:a16="http://schemas.microsoft.com/office/drawing/2014/main" id="{45262000-3DD2-4CC3-3A0C-54426D964C95}"/>
-                </a:ext>
-              </a:extLst>
-            </p:cNvPr>
-            <p:cNvGrpSpPr/>
-            <p:nvPr/>
-          </p:nvGrpSpPr>
-          <p:grpSpPr>
-            <a:xfrm>
-              <a:off x="404219" y="931302"/>
-              <a:ext cx="4392870" cy="679762"/>
-              <a:chOff x="404219" y="931302"/>
-              <a:chExt cx="4392870" cy="679762"/>
-            </a:xfrm>
-          </p:grpSpPr>
-          <p:grpSp>
-            <p:nvGrpSpPr>
-              <p:cNvPr id="2" name="Group 1">
-                <a:extLst>
-                  <a:ext uri="{FF2B5EF4-FFF2-40B4-BE49-F238E27FC236}">
-                    <a16:creationId xmlns:a16="http://schemas.microsoft.com/office/drawing/2014/main" id="{28A97D74-67AA-E63E-8A01-548D405EB1DA}"/>
-                  </a:ext>
-                </a:extLst>
-              </p:cNvPr>
-              <p:cNvGrpSpPr/>
-              <p:nvPr/>
-            </p:nvGrpSpPr>
-            <p:grpSpPr>
-              <a:xfrm>
-                <a:off x="404219" y="931302"/>
-                <a:ext cx="1402002" cy="679762"/>
-                <a:chOff x="1132882" y="3888828"/>
-                <a:chExt cx="1402002" cy="679762"/>
-              </a:xfrm>
-            </p:grpSpPr>
-            <p:sp>
-              <p:nvSpPr>
-                <p:cNvPr id="3" name="Doughnut 2">
-                  <a:extLst>
-                    <a:ext uri="{FF2B5EF4-FFF2-40B4-BE49-F238E27FC236}">
-                      <a16:creationId xmlns:a16="http://schemas.microsoft.com/office/drawing/2014/main" id="{2F0B91C5-39DB-1BD3-4FCD-E3FCA7A964E5}"/>
-                    </a:ext>
-                  </a:extLst>
-                </p:cNvPr>
-                <p:cNvSpPr/>
-                <p:nvPr/>
-              </p:nvSpPr>
-              <p:spPr>
-                <a:xfrm>
-                  <a:off x="1132882" y="3888828"/>
-                  <a:ext cx="1402002" cy="679762"/>
-                </a:xfrm>
-                <a:prstGeom prst="donut">
-                  <a:avLst>
-                    <a:gd name="adj" fmla="val 1161"/>
-                  </a:avLst>
-                </a:prstGeom>
-                <a:solidFill>
-                  <a:schemeClr val="bg1">
-                    <a:lumMod val="50000"/>
-                  </a:schemeClr>
-                </a:solidFill>
-                <a:ln>
-                  <a:solidFill>
-                    <a:schemeClr val="bg1">
-                      <a:lumMod val="50000"/>
-                    </a:schemeClr>
-                  </a:solidFill>
-                </a:ln>
-              </p:spPr>
-              <p:style>
-                <a:lnRef idx="2">
-                  <a:schemeClr val="accent1">
-                    <a:shade val="50000"/>
-                  </a:schemeClr>
-                </a:lnRef>
-                <a:fillRef idx="1">
-                  <a:schemeClr val="accent1"/>
-                </a:fillRef>
-                <a:effectRef idx="0">
-                  <a:schemeClr val="accent1"/>
-                </a:effectRef>
-                <a:fontRef idx="minor">
-                  <a:schemeClr val="lt1"/>
-                </a:fontRef>
-              </p:style>
-              <p:txBody>
-                <a:bodyPr rtlCol="0" anchor="ctr"/>
-                <a:lstStyle/>
-                <a:p>
-                  <a:pPr algn="ctr"/>
-                  <a:endParaRPr lang="en-DK">
-                    <a:solidFill>
-                      <a:schemeClr val="tx1"/>
-                    </a:solidFill>
-                  </a:endParaRPr>
-                </a:p>
-              </p:txBody>
-            </p:sp>
-            <p:sp>
-              <p:nvSpPr>
-                <p:cNvPr id="4" name="Tekstfelt 60">
-                  <a:extLst>
-                    <a:ext uri="{FF2B5EF4-FFF2-40B4-BE49-F238E27FC236}">
-                      <a16:creationId xmlns:a16="http://schemas.microsoft.com/office/drawing/2014/main" id="{6E41D0D9-ADAD-3968-0B00-800CC10D5A4E}"/>
-                    </a:ext>
-                  </a:extLst>
-                </p:cNvPr>
-                <p:cNvSpPr txBox="1"/>
-                <p:nvPr/>
-              </p:nvSpPr>
-              <p:spPr>
-                <a:xfrm>
-                  <a:off x="1335604" y="4095673"/>
-                  <a:ext cx="993259" cy="262009"/>
-                </a:xfrm>
-                <a:prstGeom prst="rect">
-                  <a:avLst/>
-                </a:prstGeom>
-                <a:noFill/>
-              </p:spPr>
-              <p:txBody>
-                <a:bodyPr wrap="square" rtlCol="0">
-                  <a:spAutoFit/>
-                </a:bodyPr>
-                <a:lstStyle/>
-                <a:p>
-                  <a:pPr algn="ctr"/>
-                  <a:r>
-                    <a:rPr lang="da-DK" sz="1100" b="1" dirty="0">
-                      <a:latin typeface="+mj-lt"/>
-                    </a:rPr>
-                    <a:t>HTML</a:t>
-                  </a:r>
-                </a:p>
-              </p:txBody>
-            </p:sp>
-          </p:grpSp>
-          <p:grpSp>
-            <p:nvGrpSpPr>
-              <p:cNvPr id="5" name="Group 4">
-                <a:extLst>
-                  <a:ext uri="{FF2B5EF4-FFF2-40B4-BE49-F238E27FC236}">
-                    <a16:creationId xmlns:a16="http://schemas.microsoft.com/office/drawing/2014/main" id="{10F86127-5BAB-CB21-7D8F-DBF7C0B3F248}"/>
-                  </a:ext>
-                </a:extLst>
-              </p:cNvPr>
-              <p:cNvGrpSpPr/>
-              <p:nvPr/>
-            </p:nvGrpSpPr>
-            <p:grpSpPr>
-              <a:xfrm>
-                <a:off x="1899653" y="931302"/>
-                <a:ext cx="1402002" cy="679762"/>
-                <a:chOff x="1132882" y="3888828"/>
-                <a:chExt cx="1402002" cy="679762"/>
-              </a:xfrm>
-            </p:grpSpPr>
-            <p:sp>
-              <p:nvSpPr>
-                <p:cNvPr id="6" name="Doughnut 5">
-                  <a:extLst>
-                    <a:ext uri="{FF2B5EF4-FFF2-40B4-BE49-F238E27FC236}">
-                      <a16:creationId xmlns:a16="http://schemas.microsoft.com/office/drawing/2014/main" id="{06FF16EB-17F7-5355-3B9B-7D198D3874A0}"/>
-                    </a:ext>
-                  </a:extLst>
-                </p:cNvPr>
-                <p:cNvSpPr/>
-                <p:nvPr/>
-              </p:nvSpPr>
-              <p:spPr>
-                <a:xfrm>
-                  <a:off x="1132882" y="3888828"/>
-                  <a:ext cx="1402002" cy="679762"/>
-                </a:xfrm>
-                <a:prstGeom prst="donut">
-                  <a:avLst>
-                    <a:gd name="adj" fmla="val 1161"/>
-                  </a:avLst>
-                </a:prstGeom>
-                <a:solidFill>
-                  <a:schemeClr val="bg1">
-                    <a:lumMod val="50000"/>
-                  </a:schemeClr>
-                </a:solidFill>
-                <a:ln>
-                  <a:solidFill>
-                    <a:schemeClr val="bg1">
-                      <a:lumMod val="50000"/>
-                    </a:schemeClr>
-                  </a:solidFill>
-                </a:ln>
-              </p:spPr>
-              <p:style>
-                <a:lnRef idx="2">
-                  <a:schemeClr val="accent1">
-                    <a:shade val="50000"/>
-                  </a:schemeClr>
-                </a:lnRef>
-                <a:fillRef idx="1">
-                  <a:schemeClr val="accent1"/>
-                </a:fillRef>
-                <a:effectRef idx="0">
-                  <a:schemeClr val="accent1"/>
-                </a:effectRef>
-                <a:fontRef idx="minor">
-                  <a:schemeClr val="lt1"/>
-                </a:fontRef>
-              </p:style>
-              <p:txBody>
-                <a:bodyPr rtlCol="0" anchor="ctr"/>
-                <a:lstStyle/>
-                <a:p>
-                  <a:pPr algn="ctr"/>
-                  <a:endParaRPr lang="en-DK">
-                    <a:solidFill>
-                      <a:schemeClr val="tx1"/>
-                    </a:solidFill>
-                  </a:endParaRPr>
-                </a:p>
-              </p:txBody>
-            </p:sp>
-            <p:sp>
-              <p:nvSpPr>
-                <p:cNvPr id="7" name="Tekstfelt 60">
-                  <a:extLst>
-                    <a:ext uri="{FF2B5EF4-FFF2-40B4-BE49-F238E27FC236}">
-                      <a16:creationId xmlns:a16="http://schemas.microsoft.com/office/drawing/2014/main" id="{BD5B0532-6C2C-FF53-D87C-8D20382042E3}"/>
-                    </a:ext>
-                  </a:extLst>
-                </p:cNvPr>
-                <p:cNvSpPr txBox="1"/>
-                <p:nvPr/>
-              </p:nvSpPr>
-              <p:spPr>
-                <a:xfrm>
-                  <a:off x="1294039" y="4095673"/>
-                  <a:ext cx="1086691" cy="261610"/>
-                </a:xfrm>
-                <a:prstGeom prst="rect">
-                  <a:avLst/>
-                </a:prstGeom>
-                <a:noFill/>
-              </p:spPr>
-              <p:txBody>
-                <a:bodyPr wrap="square" rtlCol="0">
-                  <a:spAutoFit/>
-                </a:bodyPr>
-                <a:lstStyle/>
-                <a:p>
-                  <a:pPr algn="ctr"/>
-                  <a:r>
-                    <a:rPr lang="da-DK" sz="1100" b="1" dirty="0" err="1">
-                      <a:latin typeface="+mj-lt"/>
-                    </a:rPr>
-                    <a:t>datasources</a:t>
-                  </a:r>
-                  <a:endParaRPr lang="da-DK" sz="1100" b="1" dirty="0">
-                    <a:latin typeface="+mj-lt"/>
-                  </a:endParaRPr>
-                </a:p>
-              </p:txBody>
-            </p:sp>
-          </p:grpSp>
-          <p:grpSp>
-            <p:nvGrpSpPr>
-              <p:cNvPr id="8" name="Group 7">
-                <a:extLst>
-                  <a:ext uri="{FF2B5EF4-FFF2-40B4-BE49-F238E27FC236}">
-                    <a16:creationId xmlns:a16="http://schemas.microsoft.com/office/drawing/2014/main" id="{F8B53A5F-D9E1-A6FC-1016-63C5683B4197}"/>
-                  </a:ext>
-                </a:extLst>
-              </p:cNvPr>
-              <p:cNvGrpSpPr/>
-              <p:nvPr/>
-            </p:nvGrpSpPr>
-            <p:grpSpPr>
-              <a:xfrm>
-                <a:off x="3395087" y="931302"/>
-                <a:ext cx="1402002" cy="679762"/>
-                <a:chOff x="1132882" y="3888828"/>
-                <a:chExt cx="1402002" cy="679762"/>
-              </a:xfrm>
-            </p:grpSpPr>
-            <p:sp>
-              <p:nvSpPr>
-                <p:cNvPr id="9" name="Doughnut 8">
-                  <a:extLst>
-                    <a:ext uri="{FF2B5EF4-FFF2-40B4-BE49-F238E27FC236}">
-                      <a16:creationId xmlns:a16="http://schemas.microsoft.com/office/drawing/2014/main" id="{A49AA688-73A3-91CC-3D48-0E771F479BB6}"/>
-                    </a:ext>
-                  </a:extLst>
-                </p:cNvPr>
-                <p:cNvSpPr/>
-                <p:nvPr/>
-              </p:nvSpPr>
-              <p:spPr>
-                <a:xfrm>
-                  <a:off x="1132882" y="3888828"/>
-                  <a:ext cx="1402002" cy="679762"/>
-                </a:xfrm>
-                <a:prstGeom prst="donut">
-                  <a:avLst>
-                    <a:gd name="adj" fmla="val 1161"/>
-                  </a:avLst>
-                </a:prstGeom>
-                <a:solidFill>
-                  <a:schemeClr val="bg1">
-                    <a:lumMod val="50000"/>
-                  </a:schemeClr>
-                </a:solidFill>
-                <a:ln>
-                  <a:solidFill>
-                    <a:schemeClr val="bg1">
-                      <a:lumMod val="50000"/>
-                    </a:schemeClr>
-                  </a:solidFill>
-                </a:ln>
-              </p:spPr>
-              <p:style>
-                <a:lnRef idx="2">
-                  <a:schemeClr val="accent1">
-                    <a:shade val="50000"/>
-                  </a:schemeClr>
-                </a:lnRef>
-                <a:fillRef idx="1">
-                  <a:schemeClr val="accent1"/>
-                </a:fillRef>
-                <a:effectRef idx="0">
-                  <a:schemeClr val="accent1"/>
-                </a:effectRef>
-                <a:fontRef idx="minor">
-                  <a:schemeClr val="lt1"/>
-                </a:fontRef>
-              </p:style>
-              <p:txBody>
-                <a:bodyPr rtlCol="0" anchor="ctr"/>
-                <a:lstStyle/>
-                <a:p>
-                  <a:pPr algn="ctr"/>
-                  <a:endParaRPr lang="en-DK">
-                    <a:solidFill>
-                      <a:schemeClr val="tx1"/>
-                    </a:solidFill>
-                  </a:endParaRPr>
-                </a:p>
-              </p:txBody>
-            </p:sp>
-            <p:sp>
-              <p:nvSpPr>
-                <p:cNvPr id="12" name="Tekstfelt 60">
-                  <a:extLst>
-                    <a:ext uri="{FF2B5EF4-FFF2-40B4-BE49-F238E27FC236}">
-                      <a16:creationId xmlns:a16="http://schemas.microsoft.com/office/drawing/2014/main" id="{9F63C251-51C5-0A6C-8C49-2F466C9E8659}"/>
-                    </a:ext>
-                  </a:extLst>
-                </p:cNvPr>
-                <p:cNvSpPr txBox="1"/>
-                <p:nvPr/>
-              </p:nvSpPr>
-              <p:spPr>
-                <a:xfrm>
-                  <a:off x="1335604" y="4095673"/>
-                  <a:ext cx="993259" cy="262009"/>
-                </a:xfrm>
-                <a:prstGeom prst="rect">
-                  <a:avLst/>
-                </a:prstGeom>
-                <a:noFill/>
-              </p:spPr>
-              <p:txBody>
-                <a:bodyPr wrap="square" rtlCol="0">
-                  <a:spAutoFit/>
-                </a:bodyPr>
-                <a:lstStyle/>
-                <a:p>
-                  <a:pPr algn="ctr"/>
-                  <a:r>
-                    <a:rPr lang="da-DK" sz="1100" b="1" dirty="0" err="1">
-                      <a:latin typeface="+mj-lt"/>
-                    </a:rPr>
-                    <a:t>Logic</a:t>
-                  </a:r>
-                  <a:endParaRPr lang="da-DK" sz="1100" b="1" dirty="0">
-                    <a:latin typeface="+mj-lt"/>
-                  </a:endParaRPr>
-                </a:p>
-              </p:txBody>
-            </p:sp>
-          </p:grpSp>
-        </p:grpSp>
-        <p:cxnSp>
-          <p:nvCxnSpPr>
-            <p:cNvPr id="15" name="Straight Arrow Connector 14">
-              <a:extLst>
-                <a:ext uri="{FF2B5EF4-FFF2-40B4-BE49-F238E27FC236}">
-                  <a16:creationId xmlns:a16="http://schemas.microsoft.com/office/drawing/2014/main" id="{A26F250E-ACB4-5892-FE57-E0CF36C65F95}"/>
-                </a:ext>
-              </a:extLst>
-            </p:cNvPr>
-            <p:cNvCxnSpPr>
-              <a:cxnSpLocks/>
-            </p:cNvCxnSpPr>
-            <p:nvPr/>
-          </p:nvCxnSpPr>
-          <p:spPr>
-            <a:xfrm>
-              <a:off x="2594637" y="1760757"/>
-              <a:ext cx="0" cy="1046548"/>
-            </a:xfrm>
-            <a:prstGeom prst="straightConnector1">
-              <a:avLst/>
-            </a:prstGeom>
-            <a:ln w="19050">
-              <a:solidFill>
-                <a:schemeClr val="bg1">
-                  <a:lumMod val="50000"/>
-                </a:schemeClr>
-              </a:solidFill>
-              <a:headEnd type="none" w="med" len="med"/>
-              <a:tailEnd type="triangle" w="med" len="med"/>
-            </a:ln>
-          </p:spPr>
-          <p:style>
-            <a:lnRef idx="1">
-              <a:schemeClr val="accent1"/>
-            </a:lnRef>
-            <a:fillRef idx="0">
-              <a:schemeClr val="accent1"/>
-            </a:fillRef>
-            <a:effectRef idx="0">
-              <a:schemeClr val="accent1"/>
-            </a:effectRef>
-            <a:fontRef idx="minor">
-              <a:schemeClr val="tx1"/>
-            </a:fontRef>
-          </p:style>
-        </p:cxnSp>
-        <p:cxnSp>
-          <p:nvCxnSpPr>
-            <p:cNvPr id="19" name="Straight Arrow Connector 18">
-              <a:extLst>
-                <a:ext uri="{FF2B5EF4-FFF2-40B4-BE49-F238E27FC236}">
-                  <a16:creationId xmlns:a16="http://schemas.microsoft.com/office/drawing/2014/main" id="{5A3C70DF-457C-0B3A-E823-8D0C611E2EE5}"/>
-                </a:ext>
-              </a:extLst>
-            </p:cNvPr>
-            <p:cNvCxnSpPr>
-              <a:cxnSpLocks/>
-            </p:cNvCxnSpPr>
-            <p:nvPr/>
-          </p:nvCxnSpPr>
-          <p:spPr>
-            <a:xfrm flipH="1">
-              <a:off x="3112930" y="1694076"/>
-              <a:ext cx="881282" cy="1113229"/>
-            </a:xfrm>
-            <a:prstGeom prst="straightConnector1">
-              <a:avLst/>
-            </a:prstGeom>
-            <a:ln w="19050">
-              <a:solidFill>
-                <a:schemeClr val="bg1">
-                  <a:lumMod val="50000"/>
-                </a:schemeClr>
-              </a:solidFill>
-              <a:headEnd type="none" w="med" len="med"/>
-              <a:tailEnd type="triangle" w="med" len="med"/>
-            </a:ln>
-          </p:spPr>
-          <p:style>
-            <a:lnRef idx="1">
-              <a:schemeClr val="accent1"/>
-            </a:lnRef>
-            <a:fillRef idx="0">
-              <a:schemeClr val="accent1"/>
-            </a:fillRef>
-            <a:effectRef idx="0">
-              <a:schemeClr val="accent1"/>
-            </a:effectRef>
-            <a:fontRef idx="minor">
-              <a:schemeClr val="tx1"/>
-            </a:fontRef>
-          </p:style>
-        </p:cxnSp>
-        <p:cxnSp>
-          <p:nvCxnSpPr>
-            <p:cNvPr id="20" name="Straight Arrow Connector 19">
-              <a:extLst>
-                <a:ext uri="{FF2B5EF4-FFF2-40B4-BE49-F238E27FC236}">
-                  <a16:creationId xmlns:a16="http://schemas.microsoft.com/office/drawing/2014/main" id="{1907500B-14F4-6160-BDB6-A0C430C5E4CC}"/>
-                </a:ext>
-              </a:extLst>
-            </p:cNvPr>
-            <p:cNvCxnSpPr>
-              <a:cxnSpLocks/>
-            </p:cNvCxnSpPr>
-            <p:nvPr/>
-          </p:nvCxnSpPr>
-          <p:spPr>
-            <a:xfrm>
-              <a:off x="1496999" y="1604893"/>
-              <a:ext cx="667177" cy="1202412"/>
-            </a:xfrm>
-            <a:prstGeom prst="straightConnector1">
-              <a:avLst/>
-            </a:prstGeom>
-            <a:ln w="19050">
-              <a:solidFill>
-                <a:schemeClr val="bg1">
-                  <a:lumMod val="50000"/>
-                </a:schemeClr>
-              </a:solidFill>
-              <a:headEnd type="none" w="med" len="med"/>
-              <a:tailEnd type="triangle" w="med" len="med"/>
-            </a:ln>
-          </p:spPr>
-          <p:style>
-            <a:lnRef idx="1">
-              <a:schemeClr val="accent1"/>
-            </a:lnRef>
-            <a:fillRef idx="0">
-              <a:schemeClr val="accent1"/>
-            </a:fillRef>
-            <a:effectRef idx="0">
-              <a:schemeClr val="accent1"/>
-            </a:effectRef>
-            <a:fontRef idx="minor">
-              <a:schemeClr val="tx1"/>
-            </a:fontRef>
-          </p:style>
-        </p:cxnSp>
-      </p:grpSp>
-      <p:sp>
-        <p:nvSpPr>
-          <p:cNvPr id="16" name="TextBox 15">
-            <a:extLst>
-              <a:ext uri="{FF2B5EF4-FFF2-40B4-BE49-F238E27FC236}">
-                <a16:creationId xmlns:a16="http://schemas.microsoft.com/office/drawing/2014/main" id="{4BE4ADBE-3C95-E82F-820B-34F243754D8D}"/>
-              </a:ext>
-            </a:extLst>
-          </p:cNvPr>
-          <p:cNvSpPr txBox="1"/>
-          <p:nvPr/>
-        </p:nvSpPr>
-        <p:spPr>
-          <a:xfrm>
-            <a:off x="1114093" y="2123090"/>
-            <a:ext cx="880071" cy="307777"/>
-          </a:xfrm>
-          <a:prstGeom prst="rect">
-            <a:avLst/>
-          </a:prstGeom>
-          <a:noFill/>
-        </p:spPr>
-        <p:txBody>
-          <a:bodyPr wrap="square" rtlCol="0">
-            <a:spAutoFit/>
-          </a:bodyPr>
-          <a:lstStyle/>
-          <a:p>
-            <a:r>
-              <a:rPr lang="en-DK" sz="1400" b="1" dirty="0"/>
-              <a:t>Inject</a:t>
-            </a:r>
-          </a:p>
-        </p:txBody>
-      </p:sp>
-      <p:sp>
-        <p:nvSpPr>
-          <p:cNvPr id="17" name="TextBox 16">
-            <a:extLst>
-              <a:ext uri="{FF2B5EF4-FFF2-40B4-BE49-F238E27FC236}">
-                <a16:creationId xmlns:a16="http://schemas.microsoft.com/office/drawing/2014/main" id="{E8B8739A-5C77-A14D-7375-4E4CD3DD995E}"/>
-              </a:ext>
-            </a:extLst>
-          </p:cNvPr>
-          <p:cNvSpPr txBox="1"/>
-          <p:nvPr/>
-        </p:nvSpPr>
-        <p:spPr>
-          <a:xfrm>
-            <a:off x="3610297" y="2123090"/>
-            <a:ext cx="880071" cy="307777"/>
-          </a:xfrm>
-          <a:prstGeom prst="rect">
-            <a:avLst/>
-          </a:prstGeom>
-          <a:noFill/>
-        </p:spPr>
-        <p:txBody>
-          <a:bodyPr wrap="square" rtlCol="0">
-            <a:spAutoFit/>
-          </a:bodyPr>
-          <a:lstStyle/>
-          <a:p>
-            <a:r>
-              <a:rPr lang="en-DK" sz="1400" b="1" dirty="0"/>
-              <a:t>Add</a:t>
-            </a:r>
-          </a:p>
-        </p:txBody>
-      </p:sp>
-      <p:sp>
-        <p:nvSpPr>
-          <p:cNvPr id="18" name="TextBox 17">
-            <a:extLst>
-              <a:ext uri="{FF2B5EF4-FFF2-40B4-BE49-F238E27FC236}">
-                <a16:creationId xmlns:a16="http://schemas.microsoft.com/office/drawing/2014/main" id="{61E7ACD0-1176-421F-A72A-694BD4305E9B}"/>
-              </a:ext>
-            </a:extLst>
-          </p:cNvPr>
-          <p:cNvSpPr txBox="1"/>
-          <p:nvPr/>
-        </p:nvSpPr>
-        <p:spPr>
-          <a:xfrm>
-            <a:off x="2459418" y="2123090"/>
-            <a:ext cx="880071" cy="307777"/>
-          </a:xfrm>
-          <a:prstGeom prst="rect">
-            <a:avLst/>
-          </a:prstGeom>
-          <a:noFill/>
-        </p:spPr>
-        <p:txBody>
-          <a:bodyPr wrap="square" rtlCol="0">
-            <a:spAutoFit/>
-          </a:bodyPr>
-          <a:lstStyle/>
-          <a:p>
-            <a:r>
-              <a:rPr lang="en-DK" sz="1400" b="1" dirty="0"/>
-              <a:t>Inject</a:t>
-            </a:r>
-          </a:p>
-        </p:txBody>
-      </p:sp>
-      <p:sp>
-        <p:nvSpPr>
-          <p:cNvPr id="21" name="TextBox 20">
-            <a:extLst>
-              <a:ext uri="{FF2B5EF4-FFF2-40B4-BE49-F238E27FC236}">
-                <a16:creationId xmlns:a16="http://schemas.microsoft.com/office/drawing/2014/main" id="{44C3090F-2484-A28E-1944-16D1328C02B8}"/>
-              </a:ext>
-            </a:extLst>
-          </p:cNvPr>
-          <p:cNvSpPr txBox="1"/>
-          <p:nvPr/>
-        </p:nvSpPr>
-        <p:spPr>
-          <a:xfrm>
-            <a:off x="3449772" y="3255823"/>
-            <a:ext cx="1519967" cy="369332"/>
-          </a:xfrm>
-          <a:prstGeom prst="rect">
-            <a:avLst/>
-          </a:prstGeom>
-          <a:noFill/>
-        </p:spPr>
-        <p:txBody>
-          <a:bodyPr wrap="square" rtlCol="0">
-            <a:spAutoFit/>
-          </a:bodyPr>
-          <a:lstStyle/>
-          <a:p>
-            <a:r>
-              <a:rPr lang="en-DK" dirty="0"/>
-              <a:t>Form</a:t>
-            </a:r>
-          </a:p>
-        </p:txBody>
-      </p:sp>
-    </p:spTree>
-    <p:extLst>
-      <p:ext uri="{BB962C8B-B14F-4D97-AF65-F5344CB8AC3E}">
-        <p14:creationId xmlns:p14="http://schemas.microsoft.com/office/powerpoint/2010/main" val="4268228659"/>
-      </p:ext>
-    </p:extLst>
-  </p:cSld>
-  <p:clrMapOvr>
-    <a:masterClrMapping/>
-  </p:clrMapOvr>
-</p:sld>
-</file>
-
-<file path=ppt/slides/slide7.xml><?xml version="1.0" encoding="utf-8"?>
-<p:sld xmlns:a="http://schemas.openxmlformats.org/drawingml/2006/main" xmlns:r="http://schemas.openxmlformats.org/officeDocument/2006/relationships" xmlns:p="http://schemas.openxmlformats.org/presentationml/2006/main">
-  <p:cSld>
-    <p:spTree>
-      <p:nvGrpSpPr>
-        <p:cNvPr id="1" name=""/>
-        <p:cNvGrpSpPr/>
-        <p:nvPr/>
-      </p:nvGrpSpPr>
-      <p:grpSpPr>
-        <a:xfrm>
-          <a:off x="0" y="0"/>
-          <a:ext cx="0" cy="0"/>
-          <a:chOff x="0" y="0"/>
-          <a:chExt cx="0" cy="0"/>
-        </a:xfrm>
-      </p:grpSpPr>
-      <p:sp>
-        <p:nvSpPr>
-          <p:cNvPr id="1031" name="Title 1030">
-            <a:extLst>
-              <a:ext uri="{FF2B5EF4-FFF2-40B4-BE49-F238E27FC236}">
-                <a16:creationId xmlns:a16="http://schemas.microsoft.com/office/drawing/2014/main" id="{22D09CA6-2F33-D374-D436-2CE7ED5D5D85}"/>
-              </a:ext>
-            </a:extLst>
-          </p:cNvPr>
-          <p:cNvSpPr>
-            <a:spLocks noGrp="1"/>
-          </p:cNvSpPr>
-          <p:nvPr>
-            <p:ph type="title"/>
-          </p:nvPr>
-        </p:nvSpPr>
-        <p:spPr>
-          <a:xfrm>
-            <a:off x="838200" y="72485"/>
-            <a:ext cx="10515600" cy="1325563"/>
-          </a:xfrm>
-        </p:spPr>
-        <p:txBody>
-          <a:bodyPr anchor="t"/>
-          <a:lstStyle/>
-          <a:p>
-            <a:pPr algn="ctr"/>
-            <a:r>
-              <a:rPr lang="en-DK" sz="3200" dirty="0"/>
-              <a:t>HTML Generator</a:t>
-            </a:r>
-          </a:p>
-        </p:txBody>
-      </p:sp>
-      <p:sp>
-        <p:nvSpPr>
-          <p:cNvPr id="22" name="TextBox 21">
-            <a:extLst>
-              <a:ext uri="{FF2B5EF4-FFF2-40B4-BE49-F238E27FC236}">
-                <a16:creationId xmlns:a16="http://schemas.microsoft.com/office/drawing/2014/main" id="{29BB408D-1AAA-62BA-AB50-020F4BECD312}"/>
-              </a:ext>
-            </a:extLst>
-          </p:cNvPr>
-          <p:cNvSpPr txBox="1"/>
-          <p:nvPr/>
-        </p:nvSpPr>
-        <p:spPr>
-          <a:xfrm>
-            <a:off x="4082142" y="1219199"/>
-            <a:ext cx="4027716" cy="4887687"/>
-          </a:xfrm>
-          <a:prstGeom prst="rect">
-            <a:avLst/>
-          </a:prstGeom>
-          <a:noFill/>
-        </p:spPr>
-        <p:txBody>
-          <a:bodyPr wrap="square" rtlCol="0">
-            <a:noAutofit/>
-          </a:bodyPr>
-          <a:lstStyle/>
-          <a:p>
-            <a:pPr algn="ctr"/>
-            <a:r>
-              <a:rPr lang="en-GB" sz="2000" b="1" i="1" dirty="0"/>
-              <a:t>Command line tool</a:t>
-            </a:r>
-          </a:p>
-          <a:p>
-            <a:endParaRPr lang="en-GB" b="1" i="1" dirty="0"/>
-          </a:p>
-          <a:p>
-            <a:r>
-              <a:rPr lang="en-GB" b="1" i="1" dirty="0"/>
-              <a:t>h</a:t>
-            </a:r>
-            <a:r>
-              <a:rPr lang="en-DK" b="1" i="1" dirty="0"/>
-              <a:t>tmlgen</a:t>
-            </a:r>
-            <a:r>
-              <a:rPr lang="en-DK" dirty="0"/>
-              <a:t> [options] table template</a:t>
-            </a:r>
-          </a:p>
-          <a:p>
-            <a:endParaRPr lang="en-DK" dirty="0"/>
-          </a:p>
-          <a:p>
-            <a:endParaRPr lang="en-DK" dirty="0"/>
-          </a:p>
-          <a:p>
-            <a:r>
-              <a:rPr lang="en-DK" b="1" dirty="0"/>
-              <a:t>Iterative process</a:t>
-            </a:r>
-            <a:r>
-              <a:rPr lang="en-DK" dirty="0"/>
-              <a:t>:</a:t>
-            </a:r>
-          </a:p>
-          <a:p>
-            <a:endParaRPr lang="en-DK" dirty="0"/>
-          </a:p>
-          <a:p>
-            <a:pPr marL="285750" indent="-285750">
-              <a:buFont typeface="Arial" panose="020B0604020202020204" pitchFamily="34" charset="0"/>
-              <a:buChar char="•"/>
-            </a:pPr>
-            <a:r>
-              <a:rPr lang="en-DK" dirty="0"/>
-              <a:t>Extract properties from </a:t>
-            </a:r>
-            <a:r>
-              <a:rPr lang="en-GB" dirty="0"/>
-              <a:t>the </a:t>
-            </a:r>
-            <a:r>
-              <a:rPr lang="en-DK" dirty="0"/>
-              <a:t>database</a:t>
-            </a:r>
-          </a:p>
-          <a:p>
-            <a:pPr marL="285750" indent="-285750">
-              <a:buFont typeface="Arial" panose="020B0604020202020204" pitchFamily="34" charset="0"/>
-              <a:buChar char="•"/>
-            </a:pPr>
-            <a:r>
-              <a:rPr lang="en-DK" dirty="0"/>
-              <a:t>Merge properties with template</a:t>
-            </a:r>
-            <a:r>
-              <a:rPr lang="da-DK" dirty="0"/>
-              <a:t>.html</a:t>
-            </a:r>
-            <a:endParaRPr lang="en-DK" dirty="0"/>
-          </a:p>
-          <a:p>
-            <a:pPr marL="285750" indent="-285750">
-              <a:buFont typeface="Arial" panose="020B0604020202020204" pitchFamily="34" charset="0"/>
-              <a:buChar char="•"/>
-            </a:pPr>
-            <a:r>
-              <a:rPr lang="en-DK" dirty="0"/>
-              <a:t>Edit properties and template</a:t>
-            </a:r>
-          </a:p>
-          <a:p>
-            <a:endParaRPr lang="en-GB" dirty="0"/>
-          </a:p>
-          <a:p>
-            <a:endParaRPr lang="en-GB" dirty="0"/>
-          </a:p>
-          <a:p>
-            <a:r>
-              <a:rPr lang="en-GB" b="1" dirty="0"/>
-              <a:t>T</a:t>
-            </a:r>
-            <a:r>
-              <a:rPr lang="en-DK" b="1" dirty="0"/>
-              <a:t>emplates</a:t>
-            </a:r>
-            <a:r>
-              <a:rPr lang="en-DK" dirty="0"/>
-              <a:t>:</a:t>
-            </a:r>
-          </a:p>
-          <a:p>
-            <a:endParaRPr lang="en-DK" dirty="0"/>
-          </a:p>
-          <a:p>
-            <a:pPr marL="285750" indent="-285750">
-              <a:buFont typeface="Arial" panose="020B0604020202020204" pitchFamily="34" charset="0"/>
-              <a:buChar char="•"/>
-            </a:pPr>
-            <a:r>
-              <a:rPr lang="en-DK" dirty="0"/>
-              <a:t>Form template &lt;input&gt;</a:t>
-            </a:r>
-          </a:p>
-          <a:p>
-            <a:pPr marL="285750" indent="-285750">
-              <a:buFont typeface="Arial" panose="020B0604020202020204" pitchFamily="34" charset="0"/>
-              <a:buChar char="•"/>
-            </a:pPr>
-            <a:r>
-              <a:rPr lang="en-DK" dirty="0"/>
-              <a:t>Report template &lt;span&gt;</a:t>
-            </a:r>
-          </a:p>
-          <a:p>
-            <a:pPr marL="285750" indent="-285750">
-              <a:buFont typeface="Arial" panose="020B0604020202020204" pitchFamily="34" charset="0"/>
-              <a:buChar char="•"/>
-            </a:pPr>
-            <a:r>
-              <a:rPr lang="en-DK" dirty="0"/>
-              <a:t>Make your own templates</a:t>
-            </a:r>
-          </a:p>
-          <a:p>
-            <a:endParaRPr lang="en-DK" dirty="0"/>
-          </a:p>
-          <a:p>
-            <a:endParaRPr lang="en-DK" dirty="0"/>
-          </a:p>
-        </p:txBody>
-      </p:sp>
-    </p:spTree>
-    <p:extLst>
-      <p:ext uri="{BB962C8B-B14F-4D97-AF65-F5344CB8AC3E}">
-        <p14:creationId xmlns:p14="http://schemas.microsoft.com/office/powerpoint/2010/main" val="4029136756"/>
-      </p:ext>
-    </p:extLst>
-  </p:cSld>
-  <p:clrMapOvr>
-    <a:masterClrMapping/>
-  </p:clrMapOvr>
-</p:sld>
-</file>
-
-<file path=ppt/slides/slide8.xml><?xml version="1.0" encoding="utf-8"?>
-<p:sld xmlns:a="http://schemas.openxmlformats.org/drawingml/2006/main" xmlns:r="http://schemas.openxmlformats.org/officeDocument/2006/relationships" xmlns:p="http://schemas.openxmlformats.org/presentationml/2006/main">
-  <p:cSld>
-    <p:spTree>
-      <p:nvGrpSpPr>
-        <p:cNvPr id="1" name=""/>
-        <p:cNvGrpSpPr/>
-        <p:nvPr/>
-      </p:nvGrpSpPr>
-      <p:grpSpPr>
-        <a:xfrm>
-          <a:off x="0" y="0"/>
-          <a:ext cx="0" cy="0"/>
-          <a:chOff x="0" y="0"/>
-          <a:chExt cx="0" cy="0"/>
-        </a:xfrm>
-      </p:grpSpPr>
-      <p:sp>
-        <p:nvSpPr>
-          <p:cNvPr id="1031" name="Title 1030">
-            <a:extLst>
-              <a:ext uri="{FF2B5EF4-FFF2-40B4-BE49-F238E27FC236}">
-                <a16:creationId xmlns:a16="http://schemas.microsoft.com/office/drawing/2014/main" id="{22D09CA6-2F33-D374-D436-2CE7ED5D5D85}"/>
-              </a:ext>
-            </a:extLst>
-          </p:cNvPr>
-          <p:cNvSpPr>
-            <a:spLocks noGrp="1"/>
-          </p:cNvSpPr>
-          <p:nvPr>
-            <p:ph type="title"/>
-          </p:nvPr>
-        </p:nvSpPr>
-        <p:spPr>
-          <a:xfrm>
-            <a:off x="838200" y="72485"/>
-            <a:ext cx="10515600" cy="1325563"/>
-          </a:xfrm>
-        </p:spPr>
-        <p:txBody>
-          <a:bodyPr anchor="t"/>
-          <a:lstStyle/>
-          <a:p>
-            <a:pPr algn="ctr"/>
-            <a:r>
-              <a:rPr lang="en-DK" sz="3200" dirty="0"/>
-              <a:t>FutureForms</a:t>
-            </a:r>
-          </a:p>
-        </p:txBody>
-      </p:sp>
-      <p:grpSp>
-        <p:nvGrpSpPr>
-          <p:cNvPr id="11" name="Group 10">
-            <a:extLst>
-              <a:ext uri="{FF2B5EF4-FFF2-40B4-BE49-F238E27FC236}">
-                <a16:creationId xmlns:a16="http://schemas.microsoft.com/office/drawing/2014/main" id="{9D23770E-5547-A4E1-AE87-351FE5C07B0F}"/>
-              </a:ext>
-            </a:extLst>
-          </p:cNvPr>
-          <p:cNvGrpSpPr/>
-          <p:nvPr/>
-        </p:nvGrpSpPr>
-        <p:grpSpPr>
-          <a:xfrm>
-            <a:off x="1496999" y="1817689"/>
-            <a:ext cx="1859323" cy="3140078"/>
-            <a:chOff x="5211765" y="2203443"/>
-            <a:chExt cx="1260000" cy="2706679"/>
-          </a:xfrm>
-        </p:grpSpPr>
-        <p:grpSp>
-          <p:nvGrpSpPr>
-            <p:cNvPr id="1061" name="Group 1060">
-              <a:extLst>
-                <a:ext uri="{FF2B5EF4-FFF2-40B4-BE49-F238E27FC236}">
-                  <a16:creationId xmlns:a16="http://schemas.microsoft.com/office/drawing/2014/main" id="{A0138485-CFF2-53D1-A515-8506068BB9BA}"/>
-                </a:ext>
-              </a:extLst>
-            </p:cNvPr>
-            <p:cNvGrpSpPr/>
-            <p:nvPr/>
-          </p:nvGrpSpPr>
-          <p:grpSpPr>
-            <a:xfrm>
-              <a:off x="5211765" y="2203443"/>
-              <a:ext cx="1260000" cy="2706679"/>
-              <a:chOff x="5811845" y="3003550"/>
-              <a:chExt cx="1260000" cy="2706679"/>
-            </a:xfrm>
-          </p:grpSpPr>
-          <p:pic>
-            <p:nvPicPr>
-              <p:cNvPr id="1045" name="Picture 1044">
-                <a:extLst>
-                  <a:ext uri="{FF2B5EF4-FFF2-40B4-BE49-F238E27FC236}">
-                    <a16:creationId xmlns:a16="http://schemas.microsoft.com/office/drawing/2014/main" id="{92ECA43F-76A2-44A8-14B1-9908232631B4}"/>
-                  </a:ext>
-                </a:extLst>
-              </p:cNvPr>
-              <p:cNvPicPr>
-                <a:picLocks noChangeAspect="1"/>
-              </p:cNvPicPr>
-              <p:nvPr/>
-            </p:nvPicPr>
-            <p:blipFill>
-              <a:blip r:embed="rId2"/>
-              <a:stretch>
-                <a:fillRect/>
-              </a:stretch>
-            </p:blipFill>
-            <p:spPr>
-              <a:xfrm>
-                <a:off x="5811845" y="3003550"/>
-                <a:ext cx="1260000" cy="694068"/>
-              </a:xfrm>
-              <a:prstGeom prst="rect">
-                <a:avLst/>
-              </a:prstGeom>
-            </p:spPr>
-          </p:pic>
-          <p:sp>
-            <p:nvSpPr>
-              <p:cNvPr id="1047" name="Can 1046">
-                <a:extLst>
-                  <a:ext uri="{FF2B5EF4-FFF2-40B4-BE49-F238E27FC236}">
-                    <a16:creationId xmlns:a16="http://schemas.microsoft.com/office/drawing/2014/main" id="{DF75857B-2558-6892-82FA-B47D6F1C28F0}"/>
-                  </a:ext>
-                </a:extLst>
-              </p:cNvPr>
-              <p:cNvSpPr/>
-              <p:nvPr/>
-            </p:nvSpPr>
-            <p:spPr>
-              <a:xfrm>
-                <a:off x="6144954" y="5127793"/>
-                <a:ext cx="593783" cy="582436"/>
-              </a:xfrm>
-              <a:prstGeom prst="can">
-                <a:avLst/>
-              </a:prstGeom>
-              <a:solidFill>
-                <a:schemeClr val="bg1">
-                  <a:lumMod val="85000"/>
-                </a:schemeClr>
-              </a:solidFill>
-              <a:ln>
-                <a:solidFill>
-                  <a:schemeClr val="tx1"/>
-                </a:solidFill>
-              </a:ln>
-            </p:spPr>
-            <p:style>
-              <a:lnRef idx="2">
-                <a:schemeClr val="accent1">
-                  <a:shade val="50000"/>
-                </a:schemeClr>
-              </a:lnRef>
-              <a:fillRef idx="1">
-                <a:schemeClr val="accent1"/>
-              </a:fillRef>
-              <a:effectRef idx="0">
-                <a:schemeClr val="accent1"/>
-              </a:effectRef>
-              <a:fontRef idx="minor">
-                <a:schemeClr val="lt1"/>
-              </a:fontRef>
-            </p:style>
-            <p:txBody>
-              <a:bodyPr rtlCol="0" anchor="ctr"/>
-              <a:lstStyle/>
-              <a:p>
-                <a:pPr algn="ctr"/>
-                <a:endParaRPr lang="en-DK"/>
-              </a:p>
-            </p:txBody>
-          </p:sp>
-          <p:pic>
-            <p:nvPicPr>
-              <p:cNvPr id="1048" name="Picture 1047">
-                <a:extLst>
-                  <a:ext uri="{FF2B5EF4-FFF2-40B4-BE49-F238E27FC236}">
-                    <a16:creationId xmlns:a16="http://schemas.microsoft.com/office/drawing/2014/main" id="{AC445236-A45B-43C1-10D5-4B4CACA0B35F}"/>
-                  </a:ext>
-                </a:extLst>
-              </p:cNvPr>
-              <p:cNvPicPr>
-                <a:picLocks noChangeAspect="1"/>
-              </p:cNvPicPr>
-              <p:nvPr/>
-            </p:nvPicPr>
-            <p:blipFill>
-              <a:blip r:embed="rId3"/>
-              <a:stretch>
-                <a:fillRect/>
-              </a:stretch>
-            </p:blipFill>
-            <p:spPr>
-              <a:xfrm>
-                <a:off x="5885378" y="4057586"/>
-                <a:ext cx="1112935" cy="582436"/>
-              </a:xfrm>
-              <a:prstGeom prst="rect">
-                <a:avLst/>
-              </a:prstGeom>
-            </p:spPr>
-          </p:pic>
-          <p:cxnSp>
-            <p:nvCxnSpPr>
-              <p:cNvPr id="1055" name="Straight Arrow Connector 1054">
-                <a:extLst>
-                  <a:ext uri="{FF2B5EF4-FFF2-40B4-BE49-F238E27FC236}">
-                    <a16:creationId xmlns:a16="http://schemas.microsoft.com/office/drawing/2014/main" id="{BF539873-2D3E-1FD7-923D-C83246B3C891}"/>
-                  </a:ext>
-                </a:extLst>
-              </p:cNvPr>
-              <p:cNvCxnSpPr>
-                <a:cxnSpLocks/>
-              </p:cNvCxnSpPr>
-              <p:nvPr/>
-            </p:nvCxnSpPr>
-            <p:spPr>
-              <a:xfrm flipV="1">
-                <a:off x="6438905" y="3727607"/>
-                <a:ext cx="0" cy="315747"/>
-              </a:xfrm>
-              <a:prstGeom prst="straightConnector1">
-                <a:avLst/>
-              </a:prstGeom>
-              <a:ln w="19050">
-                <a:solidFill>
-                  <a:schemeClr val="bg1">
-                    <a:lumMod val="50000"/>
-                  </a:schemeClr>
-                </a:solidFill>
-                <a:headEnd type="triangle" w="med" len="med"/>
-                <a:tailEnd type="triangle" w="med" len="med"/>
-              </a:ln>
-            </p:spPr>
-            <p:style>
-              <a:lnRef idx="1">
-                <a:schemeClr val="accent1"/>
-              </a:lnRef>
-              <a:fillRef idx="0">
-                <a:schemeClr val="accent1"/>
-              </a:fillRef>
-              <a:effectRef idx="0">
-                <a:schemeClr val="accent1"/>
-              </a:effectRef>
-              <a:fontRef idx="minor">
-                <a:schemeClr val="tx1"/>
-              </a:fontRef>
-            </p:style>
-          </p:cxnSp>
-          <p:cxnSp>
-            <p:nvCxnSpPr>
-              <p:cNvPr id="1057" name="Straight Arrow Connector 1056">
-                <a:extLst>
-                  <a:ext uri="{FF2B5EF4-FFF2-40B4-BE49-F238E27FC236}">
-                    <a16:creationId xmlns:a16="http://schemas.microsoft.com/office/drawing/2014/main" id="{8151FF7F-E758-4B7D-663F-5F2A7F50E9F6}"/>
-                  </a:ext>
-                </a:extLst>
-              </p:cNvPr>
-              <p:cNvCxnSpPr>
-                <a:cxnSpLocks/>
-              </p:cNvCxnSpPr>
-              <p:nvPr/>
-            </p:nvCxnSpPr>
-            <p:spPr>
-              <a:xfrm flipV="1">
-                <a:off x="6434139" y="4722978"/>
-                <a:ext cx="0" cy="315747"/>
-              </a:xfrm>
-              <a:prstGeom prst="straightConnector1">
-                <a:avLst/>
-              </a:prstGeom>
-              <a:ln w="19050">
-                <a:solidFill>
-                  <a:schemeClr val="bg1">
-                    <a:lumMod val="50000"/>
-                  </a:schemeClr>
-                </a:solidFill>
-                <a:headEnd type="triangle" w="med" len="med"/>
-                <a:tailEnd type="triangle" w="med" len="med"/>
-              </a:ln>
-            </p:spPr>
-            <p:style>
-              <a:lnRef idx="1">
-                <a:schemeClr val="accent1"/>
-              </a:lnRef>
-              <a:fillRef idx="0">
-                <a:schemeClr val="accent1"/>
-              </a:fillRef>
-              <a:effectRef idx="0">
-                <a:schemeClr val="accent1"/>
-              </a:effectRef>
-              <a:fontRef idx="minor">
-                <a:schemeClr val="tx1"/>
-              </a:fontRef>
-            </p:style>
-          </p:cxnSp>
-        </p:grpSp>
-        <p:sp>
-          <p:nvSpPr>
-            <p:cNvPr id="10" name="TextBox 9">
-              <a:extLst>
-                <a:ext uri="{FF2B5EF4-FFF2-40B4-BE49-F238E27FC236}">
-                  <a16:creationId xmlns:a16="http://schemas.microsoft.com/office/drawing/2014/main" id="{51EC14A7-FD6D-A3A9-B699-A225946941A6}"/>
-                </a:ext>
-              </a:extLst>
-            </p:cNvPr>
-            <p:cNvSpPr txBox="1"/>
-            <p:nvPr/>
-          </p:nvSpPr>
-          <p:spPr>
-            <a:xfrm>
-              <a:off x="5663888" y="3393048"/>
-              <a:ext cx="642938" cy="307777"/>
-            </a:xfrm>
-            <a:prstGeom prst="rect">
-              <a:avLst/>
-            </a:prstGeom>
-            <a:noFill/>
-          </p:spPr>
-          <p:txBody>
-            <a:bodyPr wrap="square" rtlCol="0">
-              <a:spAutoFit/>
-            </a:bodyPr>
-            <a:lstStyle/>
-            <a:p>
-              <a:r>
-                <a:rPr lang="en-DK" sz="1400" b="1" dirty="0"/>
-                <a:t>Rest</a:t>
-              </a:r>
-            </a:p>
-          </p:txBody>
-        </p:sp>
-      </p:grpSp>
-      <p:sp>
-        <p:nvSpPr>
-          <p:cNvPr id="14" name="TextBox 13">
-            <a:extLst>
-              <a:ext uri="{FF2B5EF4-FFF2-40B4-BE49-F238E27FC236}">
-                <a16:creationId xmlns:a16="http://schemas.microsoft.com/office/drawing/2014/main" id="{98AD0FA5-AD4A-FEE2-1E7A-3C678A40F391}"/>
-              </a:ext>
-            </a:extLst>
-          </p:cNvPr>
-          <p:cNvSpPr txBox="1"/>
-          <p:nvPr/>
-        </p:nvSpPr>
-        <p:spPr>
-          <a:xfrm>
-            <a:off x="6506333" y="858269"/>
-            <a:ext cx="4171947" cy="5736492"/>
-          </a:xfrm>
-          <a:prstGeom prst="rect">
-            <a:avLst/>
-          </a:prstGeom>
-          <a:noFill/>
-        </p:spPr>
-        <p:txBody>
-          <a:bodyPr wrap="square" rtlCol="0">
-            <a:noAutofit/>
-          </a:bodyPr>
-          <a:lstStyle/>
-          <a:p>
-            <a:r>
-              <a:rPr lang="en-DK" sz="2000" b="1" dirty="0"/>
-              <a:t>Key features</a:t>
-            </a:r>
-          </a:p>
-          <a:p>
-            <a:endParaRPr lang="en-DK" dirty="0"/>
-          </a:p>
-          <a:p>
-            <a:r>
-              <a:rPr lang="en-DK" dirty="0"/>
-              <a:t>Open Source</a:t>
-            </a:r>
-          </a:p>
-          <a:p>
-            <a:r>
-              <a:rPr lang="en-DK" dirty="0"/>
-              <a:t>Components not framework</a:t>
-            </a:r>
-          </a:p>
-          <a:p>
-            <a:r>
-              <a:rPr lang="en-DK" dirty="0"/>
-              <a:t>Integrates with other frameworks</a:t>
-            </a:r>
-          </a:p>
-          <a:p>
-            <a:endParaRPr lang="en-DK" dirty="0"/>
-          </a:p>
-          <a:p>
-            <a:r>
-              <a:rPr lang="en-DK" dirty="0"/>
-              <a:t>Object oriented (80 objects)</a:t>
-            </a:r>
-          </a:p>
-          <a:p>
-            <a:endParaRPr lang="en-DK" dirty="0"/>
-          </a:p>
-          <a:p>
-            <a:r>
-              <a:rPr lang="en-DK" dirty="0"/>
-              <a:t>Easy to extend</a:t>
-            </a:r>
-          </a:p>
-          <a:p>
-            <a:r>
-              <a:rPr lang="en-DK" dirty="0"/>
-              <a:t>Easy to customize</a:t>
-            </a:r>
-          </a:p>
-          <a:p>
-            <a:r>
-              <a:rPr lang="en-DK" dirty="0"/>
-              <a:t>Easy to create custom tags</a:t>
-            </a:r>
-          </a:p>
-          <a:p>
-            <a:r>
-              <a:rPr lang="en-DK" dirty="0"/>
-              <a:t>Familiar event trigger model</a:t>
-            </a:r>
-          </a:p>
-          <a:p>
-            <a:endParaRPr lang="en-DK" dirty="0"/>
-          </a:p>
-          <a:p>
-            <a:r>
-              <a:rPr lang="en-DK" dirty="0"/>
-              <a:t>Written in TypeScript</a:t>
-            </a:r>
-          </a:p>
-          <a:p>
-            <a:r>
-              <a:rPr lang="en-DK" dirty="0"/>
-              <a:t>Total segregation of duties</a:t>
-            </a:r>
-          </a:p>
-          <a:p>
-            <a:r>
-              <a:rPr lang="en-GB" dirty="0"/>
-              <a:t>Supports continuous integration</a:t>
-            </a:r>
-          </a:p>
-          <a:p>
-            <a:r>
-              <a:rPr lang="en-GB" dirty="0"/>
-              <a:t>Scales to large development projects</a:t>
-            </a:r>
-            <a:endParaRPr lang="en-DK" dirty="0"/>
-          </a:p>
-          <a:p>
-            <a:endParaRPr lang="en-DK" dirty="0"/>
-          </a:p>
-          <a:p>
-            <a:r>
-              <a:rPr lang="en-DK" dirty="0"/>
-              <a:t>Mouseless operation</a:t>
-            </a:r>
-          </a:p>
-          <a:p>
-            <a:r>
-              <a:rPr lang="en-DK" dirty="0"/>
-              <a:t>No restrictions on html</a:t>
-            </a:r>
-          </a:p>
-          <a:p>
-            <a:endParaRPr lang="en-DK" dirty="0"/>
-          </a:p>
-        </p:txBody>
-      </p:sp>
-    </p:spTree>
-    <p:extLst>
-      <p:ext uri="{BB962C8B-B14F-4D97-AF65-F5344CB8AC3E}">
-        <p14:creationId xmlns:p14="http://schemas.microsoft.com/office/powerpoint/2010/main" val="487342425"/>
-      </p:ext>
-    </p:extLst>
-  </p:cSld>
-  <p:clrMapOvr>
-    <a:masterClrMapping/>
-  </p:clrMapOvr>
-</p:sld>
-</file>
-
-<file path=ppt/slides/slide9.xml><?xml version="1.0" encoding="utf-8"?>
-<p:sld xmlns:a="http://schemas.openxmlformats.org/drawingml/2006/main" xmlns:r="http://schemas.openxmlformats.org/officeDocument/2006/relationships" xmlns:p="http://schemas.openxmlformats.org/presentationml/2006/main">
-  <p:cSld>
-    <p:spTree>
-      <p:nvGrpSpPr>
-        <p:cNvPr id="1" name=""/>
-        <p:cNvGrpSpPr/>
-        <p:nvPr/>
-      </p:nvGrpSpPr>
-      <p:grpSpPr>
-        <a:xfrm>
-          <a:off x="0" y="0"/>
-          <a:ext cx="0" cy="0"/>
-          <a:chOff x="0" y="0"/>
-          <a:chExt cx="0" cy="0"/>
-        </a:xfrm>
-      </p:grpSpPr>
-      <p:sp>
-        <p:nvSpPr>
-          <p:cNvPr id="1031" name="Title 1030">
-            <a:extLst>
-              <a:ext uri="{FF2B5EF4-FFF2-40B4-BE49-F238E27FC236}">
-                <a16:creationId xmlns:a16="http://schemas.microsoft.com/office/drawing/2014/main" id="{22D09CA6-2F33-D374-D436-2CE7ED5D5D85}"/>
-              </a:ext>
-            </a:extLst>
-          </p:cNvPr>
-          <p:cNvSpPr>
-            <a:spLocks noGrp="1"/>
-          </p:cNvSpPr>
-          <p:nvPr>
-            <p:ph type="title"/>
-          </p:nvPr>
-        </p:nvSpPr>
-        <p:spPr>
-          <a:xfrm>
-            <a:off x="838200" y="72485"/>
-            <a:ext cx="10515600" cy="1325563"/>
-          </a:xfrm>
-        </p:spPr>
-        <p:txBody>
-          <a:bodyPr anchor="t"/>
-          <a:lstStyle/>
-          <a:p>
-            <a:pPr algn="ctr"/>
-            <a:r>
-              <a:rPr lang="en-DK" sz="3200" dirty="0"/>
-              <a:t>Database</a:t>
-            </a:r>
-          </a:p>
-        </p:txBody>
-      </p:sp>
-      <p:sp>
-        <p:nvSpPr>
-          <p:cNvPr id="2" name="TextBox 1">
-            <a:extLst>
-              <a:ext uri="{FF2B5EF4-FFF2-40B4-BE49-F238E27FC236}">
-                <a16:creationId xmlns:a16="http://schemas.microsoft.com/office/drawing/2014/main" id="{DDE4CBF9-AE78-F948-EF6E-B285EBAC49B5}"/>
-              </a:ext>
-            </a:extLst>
-          </p:cNvPr>
-          <p:cNvSpPr txBox="1"/>
-          <p:nvPr/>
-        </p:nvSpPr>
-        <p:spPr>
-          <a:xfrm>
-            <a:off x="1057293" y="2713527"/>
-            <a:ext cx="3171807" cy="3297239"/>
-          </a:xfrm>
-          <a:prstGeom prst="rect">
-            <a:avLst/>
-          </a:prstGeom>
-          <a:noFill/>
-        </p:spPr>
-        <p:txBody>
-          <a:bodyPr wrap="square" rtlCol="0">
-            <a:noAutofit/>
-          </a:bodyPr>
-          <a:lstStyle/>
-          <a:p>
-            <a:r>
-              <a:rPr lang="en-DK" b="1" i="1" dirty="0"/>
-              <a:t>Client/Server</a:t>
-            </a:r>
-          </a:p>
-          <a:p>
-            <a:endParaRPr lang="en-DK" b="1" i="1" dirty="0"/>
-          </a:p>
-          <a:p>
-            <a:r>
-              <a:rPr lang="en-DK" b="1" i="1" dirty="0"/>
-              <a:t>1000 concurrent users</a:t>
-            </a:r>
-          </a:p>
-          <a:p>
-            <a:r>
-              <a:rPr lang="en-DK" b="1" i="1" dirty="0"/>
-              <a:t>    (StateFul)</a:t>
-            </a:r>
-          </a:p>
-          <a:p>
-            <a:endParaRPr lang="en-DK" b="1" i="1" dirty="0"/>
-          </a:p>
-          <a:p>
-            <a:r>
-              <a:rPr lang="da-DK" b="1" i="1" dirty="0"/>
-              <a:t>L</a:t>
-            </a:r>
-            <a:r>
-              <a:rPr lang="en-GB" b="1" i="1" dirty="0" err="1"/>
-              <a:t>everaging</a:t>
-            </a:r>
-            <a:r>
-              <a:rPr lang="en-GB" b="1" i="1" dirty="0"/>
-              <a:t> </a:t>
-            </a:r>
-            <a:r>
-              <a:rPr lang="en-DK" b="1" i="1" dirty="0"/>
-              <a:t>all database features.</a:t>
-            </a:r>
-          </a:p>
-          <a:p>
-            <a:endParaRPr lang="en-DK" b="1" i="1" dirty="0"/>
-          </a:p>
-          <a:p>
-            <a:r>
-              <a:rPr lang="en-DK" b="1" i="1" dirty="0"/>
-              <a:t>Transactions, row-locking, read consistency, cursors etc.</a:t>
-            </a:r>
-          </a:p>
-          <a:p>
-            <a:endParaRPr lang="en-DK" b="1" i="1" dirty="0"/>
-          </a:p>
-          <a:p>
-            <a:r>
-              <a:rPr lang="en-DK" b="1" i="1" dirty="0"/>
-              <a:t>High performance</a:t>
-            </a:r>
-          </a:p>
-          <a:p>
-            <a:endParaRPr lang="en-DK" b="1" i="1" dirty="0"/>
-          </a:p>
-        </p:txBody>
-      </p:sp>
-      <p:sp>
-        <p:nvSpPr>
-          <p:cNvPr id="9" name="TextBox 8">
-            <a:extLst>
-              <a:ext uri="{FF2B5EF4-FFF2-40B4-BE49-F238E27FC236}">
-                <a16:creationId xmlns:a16="http://schemas.microsoft.com/office/drawing/2014/main" id="{3BA3C12D-5832-4F17-A73E-C0A6EBB52C6D}"/>
-              </a:ext>
-            </a:extLst>
-          </p:cNvPr>
-          <p:cNvSpPr txBox="1"/>
-          <p:nvPr/>
-        </p:nvSpPr>
-        <p:spPr>
-          <a:xfrm>
-            <a:off x="7932135" y="2656374"/>
-            <a:ext cx="3583583" cy="3712900"/>
-          </a:xfrm>
-          <a:prstGeom prst="rect">
-            <a:avLst/>
-          </a:prstGeom>
-          <a:noFill/>
-        </p:spPr>
-        <p:txBody>
-          <a:bodyPr wrap="square" rtlCol="0">
-            <a:noAutofit/>
-          </a:bodyPr>
-          <a:lstStyle/>
-          <a:p>
-            <a:r>
-              <a:rPr lang="en-DK" b="1" i="1" dirty="0"/>
-              <a:t>3 Tier Architecture</a:t>
-            </a:r>
-          </a:p>
-          <a:p>
-            <a:endParaRPr lang="en-DK" b="1" i="1" dirty="0"/>
-          </a:p>
-          <a:p>
-            <a:r>
-              <a:rPr lang="en-DK" b="1" i="1" dirty="0"/>
-              <a:t>50000 concurrent users</a:t>
-            </a:r>
-          </a:p>
-          <a:p>
-            <a:r>
-              <a:rPr lang="en-DK" b="1" i="1" dirty="0"/>
-              <a:t>    (Stateless)</a:t>
-            </a:r>
-          </a:p>
-          <a:p>
-            <a:endParaRPr lang="en-DK" b="1" i="1" dirty="0"/>
-          </a:p>
-          <a:p>
-            <a:r>
-              <a:rPr lang="en-DK" b="1" i="1" dirty="0"/>
-              <a:t>Poor utilization of database features.</a:t>
-            </a:r>
-          </a:p>
-          <a:p>
-            <a:endParaRPr lang="en-DK" b="1" i="1" dirty="0"/>
-          </a:p>
-          <a:p>
-            <a:r>
-              <a:rPr lang="en-DK" b="1" i="1" dirty="0"/>
-              <a:t>Concurrency issues</a:t>
-            </a:r>
-          </a:p>
-          <a:p>
-            <a:r>
-              <a:rPr lang="en-DK" b="1" i="1" dirty="0"/>
-              <a:t>Compensating transactions</a:t>
-            </a:r>
-          </a:p>
-          <a:p>
-            <a:endParaRPr lang="en-DK" b="1" i="1" dirty="0"/>
-          </a:p>
-          <a:p>
-            <a:r>
-              <a:rPr lang="en-DK" b="1" i="1" dirty="0"/>
-              <a:t>Bad performance due to excessive commits and query re-executions</a:t>
-            </a:r>
-          </a:p>
-        </p:txBody>
-      </p:sp>
-      <p:grpSp>
-        <p:nvGrpSpPr>
-          <p:cNvPr id="11" name="Group 10">
-            <a:extLst>
-              <a:ext uri="{FF2B5EF4-FFF2-40B4-BE49-F238E27FC236}">
-                <a16:creationId xmlns:a16="http://schemas.microsoft.com/office/drawing/2014/main" id="{9D23770E-5547-A4E1-AE87-351FE5C07B0F}"/>
-              </a:ext>
-            </a:extLst>
-          </p:cNvPr>
-          <p:cNvGrpSpPr/>
-          <p:nvPr/>
-        </p:nvGrpSpPr>
-        <p:grpSpPr>
-          <a:xfrm>
-            <a:off x="5326069" y="2870695"/>
-            <a:ext cx="1260000" cy="2706679"/>
-            <a:chOff x="5211765" y="2203443"/>
-            <a:chExt cx="1260000" cy="2706679"/>
-          </a:xfrm>
-        </p:grpSpPr>
-        <p:grpSp>
-          <p:nvGrpSpPr>
-            <p:cNvPr id="1061" name="Group 1060">
-              <a:extLst>
-                <a:ext uri="{FF2B5EF4-FFF2-40B4-BE49-F238E27FC236}">
-                  <a16:creationId xmlns:a16="http://schemas.microsoft.com/office/drawing/2014/main" id="{A0138485-CFF2-53D1-A515-8506068BB9BA}"/>
-                </a:ext>
-              </a:extLst>
-            </p:cNvPr>
-            <p:cNvGrpSpPr/>
-            <p:nvPr/>
-          </p:nvGrpSpPr>
-          <p:grpSpPr>
-            <a:xfrm>
-              <a:off x="5211765" y="2203443"/>
-              <a:ext cx="1260000" cy="2706679"/>
-              <a:chOff x="5811845" y="3003550"/>
-              <a:chExt cx="1260000" cy="2706679"/>
-            </a:xfrm>
-          </p:grpSpPr>
-          <p:pic>
-            <p:nvPicPr>
-              <p:cNvPr id="1045" name="Picture 1044">
-                <a:extLst>
-                  <a:ext uri="{FF2B5EF4-FFF2-40B4-BE49-F238E27FC236}">
-                    <a16:creationId xmlns:a16="http://schemas.microsoft.com/office/drawing/2014/main" id="{92ECA43F-76A2-44A8-14B1-9908232631B4}"/>
-                  </a:ext>
-                </a:extLst>
-              </p:cNvPr>
-              <p:cNvPicPr>
-                <a:picLocks noChangeAspect="1"/>
-              </p:cNvPicPr>
-              <p:nvPr/>
-            </p:nvPicPr>
-            <p:blipFill>
-              <a:blip r:embed="rId2"/>
-              <a:stretch>
-                <a:fillRect/>
-              </a:stretch>
-            </p:blipFill>
-            <p:spPr>
-              <a:xfrm>
-                <a:off x="5811845" y="3003550"/>
-                <a:ext cx="1260000" cy="694068"/>
-              </a:xfrm>
-              <a:prstGeom prst="rect">
-                <a:avLst/>
-              </a:prstGeom>
-            </p:spPr>
-          </p:pic>
-          <p:sp>
-            <p:nvSpPr>
-              <p:cNvPr id="1047" name="Can 1046">
-                <a:extLst>
-                  <a:ext uri="{FF2B5EF4-FFF2-40B4-BE49-F238E27FC236}">
-                    <a16:creationId xmlns:a16="http://schemas.microsoft.com/office/drawing/2014/main" id="{DF75857B-2558-6892-82FA-B47D6F1C28F0}"/>
-                  </a:ext>
-                </a:extLst>
-              </p:cNvPr>
-              <p:cNvSpPr/>
-              <p:nvPr/>
-            </p:nvSpPr>
-            <p:spPr>
-              <a:xfrm>
-                <a:off x="6144954" y="5127793"/>
-                <a:ext cx="593783" cy="582436"/>
-              </a:xfrm>
-              <a:prstGeom prst="can">
-                <a:avLst/>
-              </a:prstGeom>
-              <a:solidFill>
-                <a:schemeClr val="bg1">
-                  <a:lumMod val="85000"/>
-                </a:schemeClr>
-              </a:solidFill>
-              <a:ln>
-                <a:solidFill>
-                  <a:schemeClr val="tx1"/>
-                </a:solidFill>
-              </a:ln>
-            </p:spPr>
-            <p:style>
-              <a:lnRef idx="2">
-                <a:schemeClr val="accent1">
-                  <a:shade val="50000"/>
-                </a:schemeClr>
-              </a:lnRef>
-              <a:fillRef idx="1">
-                <a:schemeClr val="accent1"/>
-              </a:fillRef>
-              <a:effectRef idx="0">
-                <a:schemeClr val="accent1"/>
-              </a:effectRef>
-              <a:fontRef idx="minor">
-                <a:schemeClr val="lt1"/>
-              </a:fontRef>
-            </p:style>
-            <p:txBody>
-              <a:bodyPr rtlCol="0" anchor="ctr"/>
-              <a:lstStyle/>
-              <a:p>
-                <a:pPr algn="ctr"/>
-                <a:endParaRPr lang="en-DK"/>
-              </a:p>
-            </p:txBody>
-          </p:sp>
-          <p:pic>
-            <p:nvPicPr>
-              <p:cNvPr id="1048" name="Picture 1047">
-                <a:extLst>
-                  <a:ext uri="{FF2B5EF4-FFF2-40B4-BE49-F238E27FC236}">
-                    <a16:creationId xmlns:a16="http://schemas.microsoft.com/office/drawing/2014/main" id="{AC445236-A45B-43C1-10D5-4B4CACA0B35F}"/>
-                  </a:ext>
-                </a:extLst>
-              </p:cNvPr>
-              <p:cNvPicPr>
-                <a:picLocks noChangeAspect="1"/>
-              </p:cNvPicPr>
-              <p:nvPr/>
-            </p:nvPicPr>
-            <p:blipFill>
-              <a:blip r:embed="rId3"/>
-              <a:stretch>
-                <a:fillRect/>
-              </a:stretch>
-            </p:blipFill>
-            <p:spPr>
-              <a:xfrm>
-                <a:off x="5885378" y="4057586"/>
-                <a:ext cx="1112935" cy="582436"/>
-              </a:xfrm>
-              <a:prstGeom prst="rect">
-                <a:avLst/>
-              </a:prstGeom>
-            </p:spPr>
-          </p:pic>
-          <p:cxnSp>
-            <p:nvCxnSpPr>
-              <p:cNvPr id="1055" name="Straight Arrow Connector 1054">
-                <a:extLst>
-                  <a:ext uri="{FF2B5EF4-FFF2-40B4-BE49-F238E27FC236}">
-                    <a16:creationId xmlns:a16="http://schemas.microsoft.com/office/drawing/2014/main" id="{BF539873-2D3E-1FD7-923D-C83246B3C891}"/>
-                  </a:ext>
-                </a:extLst>
-              </p:cNvPr>
-              <p:cNvCxnSpPr>
-                <a:cxnSpLocks/>
-              </p:cNvCxnSpPr>
-              <p:nvPr/>
-            </p:nvCxnSpPr>
-            <p:spPr>
-              <a:xfrm flipV="1">
-                <a:off x="6438905" y="3727607"/>
-                <a:ext cx="0" cy="315747"/>
-              </a:xfrm>
-              <a:prstGeom prst="straightConnector1">
-                <a:avLst/>
-              </a:prstGeom>
-              <a:ln w="19050">
-                <a:solidFill>
-                  <a:schemeClr val="bg1">
-                    <a:lumMod val="50000"/>
-                  </a:schemeClr>
-                </a:solidFill>
-                <a:headEnd type="triangle" w="med" len="med"/>
-                <a:tailEnd type="triangle" w="med" len="med"/>
-              </a:ln>
-            </p:spPr>
-            <p:style>
-              <a:lnRef idx="1">
-                <a:schemeClr val="accent1"/>
-              </a:lnRef>
-              <a:fillRef idx="0">
-                <a:schemeClr val="accent1"/>
-              </a:fillRef>
-              <a:effectRef idx="0">
-                <a:schemeClr val="accent1"/>
-              </a:effectRef>
-              <a:fontRef idx="minor">
-                <a:schemeClr val="tx1"/>
-              </a:fontRef>
-            </p:style>
-          </p:cxnSp>
-          <p:cxnSp>
-            <p:nvCxnSpPr>
-              <p:cNvPr id="1057" name="Straight Arrow Connector 1056">
-                <a:extLst>
-                  <a:ext uri="{FF2B5EF4-FFF2-40B4-BE49-F238E27FC236}">
-                    <a16:creationId xmlns:a16="http://schemas.microsoft.com/office/drawing/2014/main" id="{8151FF7F-E758-4B7D-663F-5F2A7F50E9F6}"/>
-                  </a:ext>
-                </a:extLst>
-              </p:cNvPr>
-              <p:cNvCxnSpPr>
-                <a:cxnSpLocks/>
-              </p:cNvCxnSpPr>
-              <p:nvPr/>
-            </p:nvCxnSpPr>
-            <p:spPr>
-              <a:xfrm flipV="1">
-                <a:off x="6434139" y="4722978"/>
-                <a:ext cx="0" cy="315747"/>
-              </a:xfrm>
-              <a:prstGeom prst="straightConnector1">
-                <a:avLst/>
-              </a:prstGeom>
-              <a:ln w="19050">
-                <a:solidFill>
-                  <a:schemeClr val="bg1">
-                    <a:lumMod val="50000"/>
-                  </a:schemeClr>
-                </a:solidFill>
-                <a:headEnd type="triangle" w="med" len="med"/>
-                <a:tailEnd type="triangle" w="med" len="med"/>
-              </a:ln>
-            </p:spPr>
-            <p:style>
-              <a:lnRef idx="1">
-                <a:schemeClr val="accent1"/>
-              </a:lnRef>
-              <a:fillRef idx="0">
-                <a:schemeClr val="accent1"/>
-              </a:fillRef>
-              <a:effectRef idx="0">
-                <a:schemeClr val="accent1"/>
-              </a:effectRef>
-              <a:fontRef idx="minor">
-                <a:schemeClr val="tx1"/>
-              </a:fontRef>
-            </p:style>
-          </p:cxnSp>
-        </p:grpSp>
-        <p:sp>
-          <p:nvSpPr>
-            <p:cNvPr id="10" name="TextBox 9">
-              <a:extLst>
-                <a:ext uri="{FF2B5EF4-FFF2-40B4-BE49-F238E27FC236}">
-                  <a16:creationId xmlns:a16="http://schemas.microsoft.com/office/drawing/2014/main" id="{51EC14A7-FD6D-A3A9-B699-A225946941A6}"/>
-                </a:ext>
-              </a:extLst>
-            </p:cNvPr>
-            <p:cNvSpPr txBox="1"/>
-            <p:nvPr/>
-          </p:nvSpPr>
-          <p:spPr>
-            <a:xfrm>
-              <a:off x="5586428" y="3368416"/>
-              <a:ext cx="642938" cy="307777"/>
-            </a:xfrm>
-            <a:prstGeom prst="rect">
-              <a:avLst/>
-            </a:prstGeom>
-            <a:noFill/>
-          </p:spPr>
-          <p:txBody>
-            <a:bodyPr wrap="square" rtlCol="0">
-              <a:spAutoFit/>
-            </a:bodyPr>
-            <a:lstStyle/>
-            <a:p>
-              <a:r>
-                <a:rPr lang="en-DK" sz="1400" b="1" dirty="0"/>
-                <a:t>Rest</a:t>
-              </a:r>
-            </a:p>
-          </p:txBody>
-        </p:sp>
-      </p:grpSp>
-      <p:grpSp>
-        <p:nvGrpSpPr>
-          <p:cNvPr id="18" name="Group 17">
-            <a:extLst>
-              <a:ext uri="{FF2B5EF4-FFF2-40B4-BE49-F238E27FC236}">
-                <a16:creationId xmlns:a16="http://schemas.microsoft.com/office/drawing/2014/main" id="{DBC0DFB1-1CD2-1347-CA8B-E970D35B2412}"/>
-              </a:ext>
-            </a:extLst>
-          </p:cNvPr>
-          <p:cNvGrpSpPr/>
-          <p:nvPr/>
-        </p:nvGrpSpPr>
-        <p:grpSpPr>
-          <a:xfrm>
-            <a:off x="1305078" y="1465221"/>
-            <a:ext cx="9624853" cy="689195"/>
-            <a:chOff x="1476535" y="1698089"/>
-            <a:chExt cx="8640000" cy="689195"/>
-          </a:xfrm>
-        </p:grpSpPr>
-        <p:cxnSp>
-          <p:nvCxnSpPr>
-            <p:cNvPr id="3" name="Straight Connector 2">
-              <a:extLst>
-                <a:ext uri="{FF2B5EF4-FFF2-40B4-BE49-F238E27FC236}">
-                  <a16:creationId xmlns:a16="http://schemas.microsoft.com/office/drawing/2014/main" id="{99ADD4B2-2AC8-F0A6-AB37-B45C662887BF}"/>
-                </a:ext>
-              </a:extLst>
-            </p:cNvPr>
-            <p:cNvCxnSpPr/>
-            <p:nvPr/>
-          </p:nvCxnSpPr>
-          <p:spPr>
-            <a:xfrm>
-              <a:off x="1476535" y="2066627"/>
-              <a:ext cx="8640000" cy="0"/>
-            </a:xfrm>
-            <a:prstGeom prst="line">
-              <a:avLst/>
-            </a:prstGeom>
-            <a:ln w="34925">
-              <a:solidFill>
-                <a:schemeClr val="bg1">
-                  <a:lumMod val="50000"/>
-                </a:schemeClr>
-              </a:solidFill>
-            </a:ln>
-          </p:spPr>
-          <p:style>
-            <a:lnRef idx="1">
-              <a:schemeClr val="accent1"/>
-            </a:lnRef>
-            <a:fillRef idx="0">
-              <a:schemeClr val="accent1"/>
-            </a:fillRef>
-            <a:effectRef idx="0">
-              <a:schemeClr val="accent1"/>
-            </a:effectRef>
-            <a:fontRef idx="minor">
-              <a:schemeClr val="tx1"/>
-            </a:fontRef>
-          </p:style>
-        </p:cxnSp>
-        <p:grpSp>
-          <p:nvGrpSpPr>
-            <p:cNvPr id="17" name="Group 16">
-              <a:extLst>
-                <a:ext uri="{FF2B5EF4-FFF2-40B4-BE49-F238E27FC236}">
-                  <a16:creationId xmlns:a16="http://schemas.microsoft.com/office/drawing/2014/main" id="{1ABC0724-2A45-D290-F0A9-D5A0BC928539}"/>
-                </a:ext>
-              </a:extLst>
-            </p:cNvPr>
-            <p:cNvGrpSpPr/>
-            <p:nvPr/>
-          </p:nvGrpSpPr>
-          <p:grpSpPr>
-            <a:xfrm>
-              <a:off x="1481841" y="1698089"/>
-              <a:ext cx="8633717" cy="689195"/>
-              <a:chOff x="1481841" y="1398048"/>
-              <a:chExt cx="8633717" cy="689195"/>
-            </a:xfrm>
-          </p:grpSpPr>
-          <p:sp>
-            <p:nvSpPr>
-              <p:cNvPr id="13" name="TextBox 12">
-                <a:extLst>
-                  <a:ext uri="{FF2B5EF4-FFF2-40B4-BE49-F238E27FC236}">
-                    <a16:creationId xmlns:a16="http://schemas.microsoft.com/office/drawing/2014/main" id="{F44E34F3-F06C-A1B4-7443-0E8BB4EF5AD2}"/>
-                  </a:ext>
-                </a:extLst>
-              </p:cNvPr>
-              <p:cNvSpPr txBox="1"/>
-              <p:nvPr/>
-            </p:nvSpPr>
-            <p:spPr>
-              <a:xfrm>
-                <a:off x="5086360" y="1398048"/>
-                <a:ext cx="1669070" cy="369332"/>
-              </a:xfrm>
-              <a:prstGeom prst="rect">
-                <a:avLst/>
-              </a:prstGeom>
-              <a:noFill/>
-            </p:spPr>
-            <p:txBody>
-              <a:bodyPr wrap="square" rtlCol="0">
-                <a:spAutoFit/>
-              </a:bodyPr>
-              <a:lstStyle/>
-              <a:p>
-                <a:r>
-                  <a:rPr lang="en-DK" b="1" dirty="0"/>
-                  <a:t>Connections</a:t>
-                </a:r>
-              </a:p>
-            </p:txBody>
-          </p:sp>
-          <p:sp>
-            <p:nvSpPr>
-              <p:cNvPr id="15" name="TextBox 14">
-                <a:extLst>
-                  <a:ext uri="{FF2B5EF4-FFF2-40B4-BE49-F238E27FC236}">
-                    <a16:creationId xmlns:a16="http://schemas.microsoft.com/office/drawing/2014/main" id="{B9802857-5B21-CB24-7816-A51C879F151A}"/>
-                  </a:ext>
-                </a:extLst>
-              </p:cNvPr>
-              <p:cNvSpPr txBox="1"/>
-              <p:nvPr/>
-            </p:nvSpPr>
-            <p:spPr>
-              <a:xfrm>
-                <a:off x="9072570" y="1440912"/>
-                <a:ext cx="1042988" cy="646331"/>
-              </a:xfrm>
-              <a:prstGeom prst="rect">
-                <a:avLst/>
-              </a:prstGeom>
-              <a:noFill/>
-            </p:spPr>
-            <p:txBody>
-              <a:bodyPr wrap="square" rtlCol="0">
-                <a:spAutoFit/>
-              </a:bodyPr>
-              <a:lstStyle/>
-              <a:p>
-                <a:pPr algn="ctr"/>
-                <a:r>
-                  <a:rPr lang="en-DK" dirty="0"/>
-                  <a:t>2023</a:t>
-                </a:r>
-              </a:p>
-              <a:p>
-                <a:pPr algn="ctr"/>
-                <a:r>
-                  <a:rPr lang="en-DK" dirty="0"/>
-                  <a:t>Pooled</a:t>
-                </a:r>
-              </a:p>
-            </p:txBody>
-          </p:sp>
-          <p:sp>
-            <p:nvSpPr>
-              <p:cNvPr id="16" name="TextBox 15">
-                <a:extLst>
-                  <a:ext uri="{FF2B5EF4-FFF2-40B4-BE49-F238E27FC236}">
-                    <a16:creationId xmlns:a16="http://schemas.microsoft.com/office/drawing/2014/main" id="{83611EA2-F1DA-E7F4-6D51-FA6AB954D5BE}"/>
-                  </a:ext>
-                </a:extLst>
-              </p:cNvPr>
-              <p:cNvSpPr txBox="1"/>
-              <p:nvPr/>
-            </p:nvSpPr>
-            <p:spPr>
-              <a:xfrm>
-                <a:off x="1481841" y="1440912"/>
-                <a:ext cx="1228725" cy="646331"/>
-              </a:xfrm>
-              <a:prstGeom prst="rect">
-                <a:avLst/>
-              </a:prstGeom>
-              <a:noFill/>
-            </p:spPr>
-            <p:txBody>
-              <a:bodyPr wrap="square" rtlCol="0">
-                <a:spAutoFit/>
-              </a:bodyPr>
-              <a:lstStyle/>
-              <a:p>
-                <a:pPr algn="ctr"/>
-                <a:r>
-                  <a:rPr lang="en-DK" dirty="0"/>
-                  <a:t>1985</a:t>
-                </a:r>
-              </a:p>
-              <a:p>
-                <a:pPr algn="ctr"/>
-                <a:r>
-                  <a:rPr lang="en-DK" dirty="0"/>
-                  <a:t>Dedicated</a:t>
-                </a:r>
-              </a:p>
-            </p:txBody>
-          </p:sp>
-        </p:grpSp>
-      </p:grpSp>
-    </p:spTree>
-    <p:extLst>
-      <p:ext uri="{BB962C8B-B14F-4D97-AF65-F5344CB8AC3E}">
-        <p14:creationId xmlns:p14="http://schemas.microsoft.com/office/powerpoint/2010/main" val="2484166996"/>
-      </p:ext>
-    </p:extLst>
-  </p:cSld>
-  <p:clrMapOvr>
-    <a:masterClrMapping/>
-  </p:clrMapOvr>
-</p:sld>
-</file>
-
 <file path=ppt/theme/theme1.xml><?xml version="1.0" encoding="utf-8"?>
 <a:theme xmlns:a="http://schemas.openxmlformats.org/drawingml/2006/main" name="Office-tema">
   <a:themeElements>

--- a/Trottinhg.pptx
+++ b/Trottinhg.pptx
@@ -10950,18 +10950,19 @@
           <a:p>
             <a:r>
               <a:rPr lang="en-DK" dirty="0"/>
-              <a:t>Database security +</a:t>
-            </a:r>
-          </a:p>
-          <a:p>
+              <a:t>Database security</a:t>
+            </a:r>
+          </a:p>
+          <a:p>
+            <a:r>
+              <a:rPr lang="en-DK" dirty="0"/>
+              <a:t>SQL </a:t>
+            </a:r>
             <a:r>
               <a:rPr lang="en-DK"/>
-              <a:t>SQL </a:t>
-            </a:r>
-            <a:r>
-              <a:rPr lang="en-DK" dirty="0"/>
               <a:t>Validator plugin</a:t>
             </a:r>
+            <a:endParaRPr lang="en-DK" dirty="0"/>
           </a:p>
           <a:p>
             <a:r>

--- a/Trottinhg.pptx
+++ b/Trottinhg.pptx
@@ -10887,8 +10887,8 @@
         </p:nvSpPr>
         <p:spPr>
           <a:xfrm>
-            <a:off x="8195284" y="2719390"/>
-            <a:ext cx="3473794" cy="3724096"/>
+            <a:off x="8195283" y="2719390"/>
+            <a:ext cx="3419773" cy="3724096"/>
           </a:xfrm>
           <a:prstGeom prst="rect">
             <a:avLst/>
@@ -10938,7 +10938,7 @@
           <a:p>
             <a:r>
               <a:rPr lang="en-DK" dirty="0"/>
-              <a:t>Fixed or Database user</a:t>
+              <a:t>Fixed, User, Hybrid</a:t>
             </a:r>
           </a:p>
           <a:p>
@@ -10956,13 +10956,8 @@
           <a:p>
             <a:r>
               <a:rPr lang="en-DK" dirty="0"/>
-              <a:t>SQL </a:t>
-            </a:r>
-            <a:r>
-              <a:rPr lang="en-DK"/>
-              <a:t>Validator plugin</a:t>
-            </a:r>
-            <a:endParaRPr lang="en-DK" dirty="0"/>
+              <a:t>SQL Validator plugin</a:t>
+            </a:r>
           </a:p>
           <a:p>
             <a:r>

--- a/Trottinhg.pptx
+++ b/Trottinhg.pptx
@@ -8138,7 +8138,7 @@
         <p:spPr>
           <a:xfrm>
             <a:off x="7139365" y="1794104"/>
-            <a:ext cx="4403583" cy="2369880"/>
+            <a:ext cx="4403583" cy="2923877"/>
           </a:xfrm>
           <a:prstGeom prst="rect">
             <a:avLst/>
@@ -8174,12 +8174,20 @@
           <a:p>
             <a:r>
               <a:rPr lang="en-DK" dirty="0"/>
-              <a:t>OpenRestDB exposes database as REST</a:t>
-            </a:r>
+              <a:t>OpenRestDB exposes the database as REST</a:t>
+            </a:r>
+          </a:p>
+          <a:p>
             <a:endParaRPr lang="en-DK" b="1" dirty="0"/>
           </a:p>
           <a:p>
-            <a:endParaRPr lang="en-DK" dirty="0"/>
+            <a:endParaRPr lang="en-DK" b="1" dirty="0"/>
+          </a:p>
+          <a:p>
+            <a:r>
+              <a:rPr lang="en-DK" dirty="0"/>
+              <a:t>Add business logic</a:t>
+            </a:r>
           </a:p>
         </p:txBody>
       </p:sp>
@@ -8679,7 +8687,7 @@
           <a:p>
             <a:r>
               <a:rPr lang="en-DK" sz="2000" b="1" dirty="0"/>
-              <a:t>Most Notable Objects</a:t>
+              <a:t>80+ Objects</a:t>
             </a:r>
           </a:p>
           <a:p>

--- a/Trottinhg.pptx
+++ b/Trottinhg.pptx
@@ -9977,7 +9977,7 @@
             </a:pPr>
             <a:r>
               <a:rPr lang="en-DK" dirty="0"/>
-              <a:t>Edit properties and template</a:t>
+              <a:t>Edit properties</a:t>
             </a:r>
           </a:p>
           <a:p>
@@ -10452,7 +10452,15 @@
           <a:p>
             <a:r>
               <a:rPr lang="en-DK" dirty="0"/>
-              <a:t>Object oriented (80 objects)</a:t>
+              <a:t>Object oriented </a:t>
+            </a:r>
+            <a:r>
+              <a:rPr lang="en-DK"/>
+              <a:t>(80+ </a:t>
+            </a:r>
+            <a:r>
+              <a:rPr lang="en-DK" dirty="0"/>
+              <a:t>objects)</a:t>
             </a:r>
           </a:p>
           <a:p>

--- a/Trottinhg.pptx
+++ b/Trottinhg.pptx
@@ -9881,7 +9881,7 @@
         </p:nvSpPr>
         <p:spPr>
           <a:xfrm>
-            <a:off x="4082142" y="1219199"/>
+            <a:off x="4231004" y="1219199"/>
             <a:ext cx="4027716" cy="4887687"/>
           </a:xfrm>
           <a:prstGeom prst="rect">
@@ -10452,15 +10452,7 @@
           <a:p>
             <a:r>
               <a:rPr lang="en-DK" dirty="0"/>
-              <a:t>Object oriented </a:t>
-            </a:r>
-            <a:r>
-              <a:rPr lang="en-DK"/>
-              <a:t>(80+ </a:t>
-            </a:r>
-            <a:r>
-              <a:rPr lang="en-DK" dirty="0"/>
-              <a:t>objects)</a:t>
+              <a:t>Object oriented (80+ objects)</a:t>
             </a:r>
           </a:p>
           <a:p>

--- a/Trottinhg.pptx
+++ b/Trottinhg.pptx
@@ -5,7 +5,7 @@
     <p:sldMasterId id="2147483648" r:id="rId1"/>
   </p:sldMasterIdLst>
   <p:notesMasterIdLst>
-    <p:notesMasterId r:id="rId13"/>
+    <p:notesMasterId r:id="rId14"/>
   </p:notesMasterIdLst>
   <p:sldIdLst>
     <p:sldId id="2090649739" r:id="rId2"/>
@@ -13,12 +13,13 @@
     <p:sldId id="2090649745" r:id="rId4"/>
     <p:sldId id="2090649741" r:id="rId5"/>
     <p:sldId id="2090649743" r:id="rId6"/>
-    <p:sldId id="2090649746" r:id="rId7"/>
-    <p:sldId id="2090649744" r:id="rId8"/>
-    <p:sldId id="424" r:id="rId9"/>
-    <p:sldId id="2090649740" r:id="rId10"/>
-    <p:sldId id="2090649747" r:id="rId11"/>
-    <p:sldId id="2090649742" r:id="rId12"/>
+    <p:sldId id="2090649748" r:id="rId7"/>
+    <p:sldId id="2090649746" r:id="rId8"/>
+    <p:sldId id="2090649744" r:id="rId9"/>
+    <p:sldId id="424" r:id="rId10"/>
+    <p:sldId id="2090649740" r:id="rId11"/>
+    <p:sldId id="2090649747" r:id="rId12"/>
+    <p:sldId id="2090649742" r:id="rId13"/>
   </p:sldIdLst>
   <p:sldSz cx="12192000" cy="6858000"/>
   <p:notesSz cx="6858000" cy="9144000"/>
@@ -5064,6 +5065,738 @@
 </file>
 
 <file path=ppt/slides/slide10.xml><?xml version="1.0" encoding="utf-8"?>
+<p:sld xmlns:a="http://schemas.openxmlformats.org/drawingml/2006/main" xmlns:r="http://schemas.openxmlformats.org/officeDocument/2006/relationships" xmlns:p="http://schemas.openxmlformats.org/presentationml/2006/main">
+  <p:cSld>
+    <p:spTree>
+      <p:nvGrpSpPr>
+        <p:cNvPr id="1" name=""/>
+        <p:cNvGrpSpPr/>
+        <p:nvPr/>
+      </p:nvGrpSpPr>
+      <p:grpSpPr>
+        <a:xfrm>
+          <a:off x="0" y="0"/>
+          <a:ext cx="0" cy="0"/>
+          <a:chOff x="0" y="0"/>
+          <a:chExt cx="0" cy="0"/>
+        </a:xfrm>
+      </p:grpSpPr>
+      <p:sp>
+        <p:nvSpPr>
+          <p:cNvPr id="1031" name="Title 1030">
+            <a:extLst>
+              <a:ext uri="{FF2B5EF4-FFF2-40B4-BE49-F238E27FC236}">
+                <a16:creationId xmlns:a16="http://schemas.microsoft.com/office/drawing/2014/main" id="{22D09CA6-2F33-D374-D436-2CE7ED5D5D85}"/>
+              </a:ext>
+            </a:extLst>
+          </p:cNvPr>
+          <p:cNvSpPr>
+            <a:spLocks noGrp="1"/>
+          </p:cNvSpPr>
+          <p:nvPr>
+            <p:ph type="title"/>
+          </p:nvPr>
+        </p:nvSpPr>
+        <p:spPr>
+          <a:xfrm>
+            <a:off x="838200" y="72485"/>
+            <a:ext cx="10515600" cy="1325563"/>
+          </a:xfrm>
+        </p:spPr>
+        <p:txBody>
+          <a:bodyPr anchor="t"/>
+          <a:lstStyle/>
+          <a:p>
+            <a:pPr algn="ctr"/>
+            <a:r>
+              <a:rPr lang="en-DK" sz="3200" dirty="0"/>
+              <a:t>Database</a:t>
+            </a:r>
+          </a:p>
+        </p:txBody>
+      </p:sp>
+      <p:sp>
+        <p:nvSpPr>
+          <p:cNvPr id="2" name="TextBox 1">
+            <a:extLst>
+              <a:ext uri="{FF2B5EF4-FFF2-40B4-BE49-F238E27FC236}">
+                <a16:creationId xmlns:a16="http://schemas.microsoft.com/office/drawing/2014/main" id="{DDE4CBF9-AE78-F948-EF6E-B285EBAC49B5}"/>
+              </a:ext>
+            </a:extLst>
+          </p:cNvPr>
+          <p:cNvSpPr txBox="1"/>
+          <p:nvPr/>
+        </p:nvSpPr>
+        <p:spPr>
+          <a:xfrm>
+            <a:off x="1057293" y="2713527"/>
+            <a:ext cx="3171807" cy="3297239"/>
+          </a:xfrm>
+          <a:prstGeom prst="rect">
+            <a:avLst/>
+          </a:prstGeom>
+          <a:noFill/>
+        </p:spPr>
+        <p:txBody>
+          <a:bodyPr wrap="square" rtlCol="0">
+            <a:noAutofit/>
+          </a:bodyPr>
+          <a:lstStyle/>
+          <a:p>
+            <a:r>
+              <a:rPr lang="en-DK" b="1" i="1" dirty="0"/>
+              <a:t>Client/Server</a:t>
+            </a:r>
+          </a:p>
+          <a:p>
+            <a:endParaRPr lang="en-DK" b="1" i="1" dirty="0"/>
+          </a:p>
+          <a:p>
+            <a:r>
+              <a:rPr lang="en-DK" b="1" i="1" dirty="0"/>
+              <a:t>1000 concurrent users</a:t>
+            </a:r>
+          </a:p>
+          <a:p>
+            <a:r>
+              <a:rPr lang="en-DK" b="1" i="1" dirty="0"/>
+              <a:t>    (StateFul)</a:t>
+            </a:r>
+          </a:p>
+          <a:p>
+            <a:endParaRPr lang="en-DK" b="1" i="1" dirty="0"/>
+          </a:p>
+          <a:p>
+            <a:r>
+              <a:rPr lang="da-DK" b="1" i="1" dirty="0"/>
+              <a:t>L</a:t>
+            </a:r>
+            <a:r>
+              <a:rPr lang="en-GB" b="1" i="1" dirty="0" err="1"/>
+              <a:t>everaging</a:t>
+            </a:r>
+            <a:r>
+              <a:rPr lang="en-GB" b="1" i="1" dirty="0"/>
+              <a:t> </a:t>
+            </a:r>
+            <a:r>
+              <a:rPr lang="en-DK" b="1" i="1" dirty="0"/>
+              <a:t>all database features.</a:t>
+            </a:r>
+          </a:p>
+          <a:p>
+            <a:endParaRPr lang="en-DK" b="1" i="1" dirty="0"/>
+          </a:p>
+          <a:p>
+            <a:r>
+              <a:rPr lang="en-DK" b="1" i="1" dirty="0"/>
+              <a:t>Transactions, row-locking, read consistency, cursors etc.</a:t>
+            </a:r>
+          </a:p>
+          <a:p>
+            <a:endParaRPr lang="en-DK" b="1" i="1" dirty="0"/>
+          </a:p>
+          <a:p>
+            <a:r>
+              <a:rPr lang="en-DK" b="1" i="1" dirty="0"/>
+              <a:t>High performance</a:t>
+            </a:r>
+          </a:p>
+          <a:p>
+            <a:endParaRPr lang="en-DK" b="1" i="1" dirty="0"/>
+          </a:p>
+        </p:txBody>
+      </p:sp>
+      <p:sp>
+        <p:nvSpPr>
+          <p:cNvPr id="9" name="TextBox 8">
+            <a:extLst>
+              <a:ext uri="{FF2B5EF4-FFF2-40B4-BE49-F238E27FC236}">
+                <a16:creationId xmlns:a16="http://schemas.microsoft.com/office/drawing/2014/main" id="{3BA3C12D-5832-4F17-A73E-C0A6EBB52C6D}"/>
+              </a:ext>
+            </a:extLst>
+          </p:cNvPr>
+          <p:cNvSpPr txBox="1"/>
+          <p:nvPr/>
+        </p:nvSpPr>
+        <p:spPr>
+          <a:xfrm>
+            <a:off x="7932135" y="2656374"/>
+            <a:ext cx="3583583" cy="3712900"/>
+          </a:xfrm>
+          <a:prstGeom prst="rect">
+            <a:avLst/>
+          </a:prstGeom>
+          <a:noFill/>
+        </p:spPr>
+        <p:txBody>
+          <a:bodyPr wrap="square" rtlCol="0">
+            <a:noAutofit/>
+          </a:bodyPr>
+          <a:lstStyle/>
+          <a:p>
+            <a:r>
+              <a:rPr lang="en-DK" b="1" i="1" dirty="0"/>
+              <a:t>3 Tier Architecture</a:t>
+            </a:r>
+          </a:p>
+          <a:p>
+            <a:endParaRPr lang="en-DK" b="1" i="1" dirty="0"/>
+          </a:p>
+          <a:p>
+            <a:r>
+              <a:rPr lang="en-DK" b="1" i="1" dirty="0"/>
+              <a:t>50000 concurrent users</a:t>
+            </a:r>
+          </a:p>
+          <a:p>
+            <a:r>
+              <a:rPr lang="en-DK" b="1" i="1" dirty="0"/>
+              <a:t>    (Stateless)</a:t>
+            </a:r>
+          </a:p>
+          <a:p>
+            <a:endParaRPr lang="en-DK" b="1" i="1" dirty="0"/>
+          </a:p>
+          <a:p>
+            <a:r>
+              <a:rPr lang="en-DK" b="1" i="1" dirty="0"/>
+              <a:t>Poor utilization of database features.</a:t>
+            </a:r>
+          </a:p>
+          <a:p>
+            <a:endParaRPr lang="en-DK" b="1" i="1" dirty="0"/>
+          </a:p>
+          <a:p>
+            <a:r>
+              <a:rPr lang="en-DK" b="1" i="1" dirty="0"/>
+              <a:t>Concurrency issues</a:t>
+            </a:r>
+          </a:p>
+          <a:p>
+            <a:r>
+              <a:rPr lang="en-DK" b="1" i="1" dirty="0"/>
+              <a:t>Compensating transactions</a:t>
+            </a:r>
+          </a:p>
+          <a:p>
+            <a:endParaRPr lang="en-DK" b="1" i="1" dirty="0"/>
+          </a:p>
+          <a:p>
+            <a:r>
+              <a:rPr lang="en-DK" b="1" i="1" dirty="0"/>
+              <a:t>Bad performance due to excessive commits and query re-executions</a:t>
+            </a:r>
+          </a:p>
+        </p:txBody>
+      </p:sp>
+      <p:grpSp>
+        <p:nvGrpSpPr>
+          <p:cNvPr id="11" name="Group 10">
+            <a:extLst>
+              <a:ext uri="{FF2B5EF4-FFF2-40B4-BE49-F238E27FC236}">
+                <a16:creationId xmlns:a16="http://schemas.microsoft.com/office/drawing/2014/main" id="{9D23770E-5547-A4E1-AE87-351FE5C07B0F}"/>
+              </a:ext>
+            </a:extLst>
+          </p:cNvPr>
+          <p:cNvGrpSpPr/>
+          <p:nvPr/>
+        </p:nvGrpSpPr>
+        <p:grpSpPr>
+          <a:xfrm>
+            <a:off x="5326069" y="2870695"/>
+            <a:ext cx="1260000" cy="2706679"/>
+            <a:chOff x="5211765" y="2203443"/>
+            <a:chExt cx="1260000" cy="2706679"/>
+          </a:xfrm>
+        </p:grpSpPr>
+        <p:grpSp>
+          <p:nvGrpSpPr>
+            <p:cNvPr id="1061" name="Group 1060">
+              <a:extLst>
+                <a:ext uri="{FF2B5EF4-FFF2-40B4-BE49-F238E27FC236}">
+                  <a16:creationId xmlns:a16="http://schemas.microsoft.com/office/drawing/2014/main" id="{A0138485-CFF2-53D1-A515-8506068BB9BA}"/>
+                </a:ext>
+              </a:extLst>
+            </p:cNvPr>
+            <p:cNvGrpSpPr/>
+            <p:nvPr/>
+          </p:nvGrpSpPr>
+          <p:grpSpPr>
+            <a:xfrm>
+              <a:off x="5211765" y="2203443"/>
+              <a:ext cx="1260000" cy="2706679"/>
+              <a:chOff x="5811845" y="3003550"/>
+              <a:chExt cx="1260000" cy="2706679"/>
+            </a:xfrm>
+          </p:grpSpPr>
+          <p:pic>
+            <p:nvPicPr>
+              <p:cNvPr id="1045" name="Picture 1044">
+                <a:extLst>
+                  <a:ext uri="{FF2B5EF4-FFF2-40B4-BE49-F238E27FC236}">
+                    <a16:creationId xmlns:a16="http://schemas.microsoft.com/office/drawing/2014/main" id="{92ECA43F-76A2-44A8-14B1-9908232631B4}"/>
+                  </a:ext>
+                </a:extLst>
+              </p:cNvPr>
+              <p:cNvPicPr>
+                <a:picLocks noChangeAspect="1"/>
+              </p:cNvPicPr>
+              <p:nvPr/>
+            </p:nvPicPr>
+            <p:blipFill>
+              <a:blip r:embed="rId2"/>
+              <a:stretch>
+                <a:fillRect/>
+              </a:stretch>
+            </p:blipFill>
+            <p:spPr>
+              <a:xfrm>
+                <a:off x="5811845" y="3003550"/>
+                <a:ext cx="1260000" cy="694068"/>
+              </a:xfrm>
+              <a:prstGeom prst="rect">
+                <a:avLst/>
+              </a:prstGeom>
+            </p:spPr>
+          </p:pic>
+          <p:sp>
+            <p:nvSpPr>
+              <p:cNvPr id="1047" name="Can 1046">
+                <a:extLst>
+                  <a:ext uri="{FF2B5EF4-FFF2-40B4-BE49-F238E27FC236}">
+                    <a16:creationId xmlns:a16="http://schemas.microsoft.com/office/drawing/2014/main" id="{DF75857B-2558-6892-82FA-B47D6F1C28F0}"/>
+                  </a:ext>
+                </a:extLst>
+              </p:cNvPr>
+              <p:cNvSpPr/>
+              <p:nvPr/>
+            </p:nvSpPr>
+            <p:spPr>
+              <a:xfrm>
+                <a:off x="6144954" y="5127793"/>
+                <a:ext cx="593783" cy="582436"/>
+              </a:xfrm>
+              <a:prstGeom prst="can">
+                <a:avLst/>
+              </a:prstGeom>
+              <a:solidFill>
+                <a:schemeClr val="bg1">
+                  <a:lumMod val="85000"/>
+                </a:schemeClr>
+              </a:solidFill>
+              <a:ln>
+                <a:solidFill>
+                  <a:schemeClr val="tx1"/>
+                </a:solidFill>
+              </a:ln>
+            </p:spPr>
+            <p:style>
+              <a:lnRef idx="2">
+                <a:schemeClr val="accent1">
+                  <a:shade val="50000"/>
+                </a:schemeClr>
+              </a:lnRef>
+              <a:fillRef idx="1">
+                <a:schemeClr val="accent1"/>
+              </a:fillRef>
+              <a:effectRef idx="0">
+                <a:schemeClr val="accent1"/>
+              </a:effectRef>
+              <a:fontRef idx="minor">
+                <a:schemeClr val="lt1"/>
+              </a:fontRef>
+            </p:style>
+            <p:txBody>
+              <a:bodyPr rtlCol="0" anchor="ctr"/>
+              <a:lstStyle/>
+              <a:p>
+                <a:pPr algn="ctr"/>
+                <a:endParaRPr lang="en-DK"/>
+              </a:p>
+            </p:txBody>
+          </p:sp>
+          <p:pic>
+            <p:nvPicPr>
+              <p:cNvPr id="1048" name="Picture 1047">
+                <a:extLst>
+                  <a:ext uri="{FF2B5EF4-FFF2-40B4-BE49-F238E27FC236}">
+                    <a16:creationId xmlns:a16="http://schemas.microsoft.com/office/drawing/2014/main" id="{AC445236-A45B-43C1-10D5-4B4CACA0B35F}"/>
+                  </a:ext>
+                </a:extLst>
+              </p:cNvPr>
+              <p:cNvPicPr>
+                <a:picLocks noChangeAspect="1"/>
+              </p:cNvPicPr>
+              <p:nvPr/>
+            </p:nvPicPr>
+            <p:blipFill>
+              <a:blip r:embed="rId3"/>
+              <a:stretch>
+                <a:fillRect/>
+              </a:stretch>
+            </p:blipFill>
+            <p:spPr>
+              <a:xfrm>
+                <a:off x="5885378" y="4057586"/>
+                <a:ext cx="1112935" cy="582436"/>
+              </a:xfrm>
+              <a:prstGeom prst="rect">
+                <a:avLst/>
+              </a:prstGeom>
+            </p:spPr>
+          </p:pic>
+          <p:cxnSp>
+            <p:nvCxnSpPr>
+              <p:cNvPr id="1055" name="Straight Arrow Connector 1054">
+                <a:extLst>
+                  <a:ext uri="{FF2B5EF4-FFF2-40B4-BE49-F238E27FC236}">
+                    <a16:creationId xmlns:a16="http://schemas.microsoft.com/office/drawing/2014/main" id="{BF539873-2D3E-1FD7-923D-C83246B3C891}"/>
+                  </a:ext>
+                </a:extLst>
+              </p:cNvPr>
+              <p:cNvCxnSpPr>
+                <a:cxnSpLocks/>
+              </p:cNvCxnSpPr>
+              <p:nvPr/>
+            </p:nvCxnSpPr>
+            <p:spPr>
+              <a:xfrm flipV="1">
+                <a:off x="6438905" y="3727607"/>
+                <a:ext cx="0" cy="315747"/>
+              </a:xfrm>
+              <a:prstGeom prst="straightConnector1">
+                <a:avLst/>
+              </a:prstGeom>
+              <a:ln w="19050">
+                <a:solidFill>
+                  <a:schemeClr val="bg1">
+                    <a:lumMod val="50000"/>
+                  </a:schemeClr>
+                </a:solidFill>
+                <a:headEnd type="triangle" w="med" len="med"/>
+                <a:tailEnd type="triangle" w="med" len="med"/>
+              </a:ln>
+            </p:spPr>
+            <p:style>
+              <a:lnRef idx="1">
+                <a:schemeClr val="accent1"/>
+              </a:lnRef>
+              <a:fillRef idx="0">
+                <a:schemeClr val="accent1"/>
+              </a:fillRef>
+              <a:effectRef idx="0">
+                <a:schemeClr val="accent1"/>
+              </a:effectRef>
+              <a:fontRef idx="minor">
+                <a:schemeClr val="tx1"/>
+              </a:fontRef>
+            </p:style>
+          </p:cxnSp>
+          <p:cxnSp>
+            <p:nvCxnSpPr>
+              <p:cNvPr id="1057" name="Straight Arrow Connector 1056">
+                <a:extLst>
+                  <a:ext uri="{FF2B5EF4-FFF2-40B4-BE49-F238E27FC236}">
+                    <a16:creationId xmlns:a16="http://schemas.microsoft.com/office/drawing/2014/main" id="{8151FF7F-E758-4B7D-663F-5F2A7F50E9F6}"/>
+                  </a:ext>
+                </a:extLst>
+              </p:cNvPr>
+              <p:cNvCxnSpPr>
+                <a:cxnSpLocks/>
+              </p:cNvCxnSpPr>
+              <p:nvPr/>
+            </p:nvCxnSpPr>
+            <p:spPr>
+              <a:xfrm flipV="1">
+                <a:off x="6434139" y="4722978"/>
+                <a:ext cx="0" cy="315747"/>
+              </a:xfrm>
+              <a:prstGeom prst="straightConnector1">
+                <a:avLst/>
+              </a:prstGeom>
+              <a:ln w="19050">
+                <a:solidFill>
+                  <a:schemeClr val="bg1">
+                    <a:lumMod val="50000"/>
+                  </a:schemeClr>
+                </a:solidFill>
+                <a:headEnd type="triangle" w="med" len="med"/>
+                <a:tailEnd type="triangle" w="med" len="med"/>
+              </a:ln>
+            </p:spPr>
+            <p:style>
+              <a:lnRef idx="1">
+                <a:schemeClr val="accent1"/>
+              </a:lnRef>
+              <a:fillRef idx="0">
+                <a:schemeClr val="accent1"/>
+              </a:fillRef>
+              <a:effectRef idx="0">
+                <a:schemeClr val="accent1"/>
+              </a:effectRef>
+              <a:fontRef idx="minor">
+                <a:schemeClr val="tx1"/>
+              </a:fontRef>
+            </p:style>
+          </p:cxnSp>
+        </p:grpSp>
+        <p:sp>
+          <p:nvSpPr>
+            <p:cNvPr id="10" name="TextBox 9">
+              <a:extLst>
+                <a:ext uri="{FF2B5EF4-FFF2-40B4-BE49-F238E27FC236}">
+                  <a16:creationId xmlns:a16="http://schemas.microsoft.com/office/drawing/2014/main" id="{51EC14A7-FD6D-A3A9-B699-A225946941A6}"/>
+                </a:ext>
+              </a:extLst>
+            </p:cNvPr>
+            <p:cNvSpPr txBox="1"/>
+            <p:nvPr/>
+          </p:nvSpPr>
+          <p:spPr>
+            <a:xfrm>
+              <a:off x="5586428" y="3368416"/>
+              <a:ext cx="642938" cy="307777"/>
+            </a:xfrm>
+            <a:prstGeom prst="rect">
+              <a:avLst/>
+            </a:prstGeom>
+            <a:noFill/>
+          </p:spPr>
+          <p:txBody>
+            <a:bodyPr wrap="square" rtlCol="0">
+              <a:spAutoFit/>
+            </a:bodyPr>
+            <a:lstStyle/>
+            <a:p>
+              <a:r>
+                <a:rPr lang="en-DK" sz="1400" b="1" dirty="0"/>
+                <a:t>Rest</a:t>
+              </a:r>
+            </a:p>
+          </p:txBody>
+        </p:sp>
+      </p:grpSp>
+      <p:grpSp>
+        <p:nvGrpSpPr>
+          <p:cNvPr id="18" name="Group 17">
+            <a:extLst>
+              <a:ext uri="{FF2B5EF4-FFF2-40B4-BE49-F238E27FC236}">
+                <a16:creationId xmlns:a16="http://schemas.microsoft.com/office/drawing/2014/main" id="{DBC0DFB1-1CD2-1347-CA8B-E970D35B2412}"/>
+              </a:ext>
+            </a:extLst>
+          </p:cNvPr>
+          <p:cNvGrpSpPr/>
+          <p:nvPr/>
+        </p:nvGrpSpPr>
+        <p:grpSpPr>
+          <a:xfrm>
+            <a:off x="1305078" y="1465221"/>
+            <a:ext cx="9624853" cy="689195"/>
+            <a:chOff x="1476535" y="1698089"/>
+            <a:chExt cx="8640000" cy="689195"/>
+          </a:xfrm>
+        </p:grpSpPr>
+        <p:cxnSp>
+          <p:nvCxnSpPr>
+            <p:cNvPr id="3" name="Straight Connector 2">
+              <a:extLst>
+                <a:ext uri="{FF2B5EF4-FFF2-40B4-BE49-F238E27FC236}">
+                  <a16:creationId xmlns:a16="http://schemas.microsoft.com/office/drawing/2014/main" id="{99ADD4B2-2AC8-F0A6-AB37-B45C662887BF}"/>
+                </a:ext>
+              </a:extLst>
+            </p:cNvPr>
+            <p:cNvCxnSpPr/>
+            <p:nvPr/>
+          </p:nvCxnSpPr>
+          <p:spPr>
+            <a:xfrm>
+              <a:off x="1476535" y="2066627"/>
+              <a:ext cx="8640000" cy="0"/>
+            </a:xfrm>
+            <a:prstGeom prst="line">
+              <a:avLst/>
+            </a:prstGeom>
+            <a:ln w="34925">
+              <a:solidFill>
+                <a:schemeClr val="bg1">
+                  <a:lumMod val="50000"/>
+                </a:schemeClr>
+              </a:solidFill>
+            </a:ln>
+          </p:spPr>
+          <p:style>
+            <a:lnRef idx="1">
+              <a:schemeClr val="accent1"/>
+            </a:lnRef>
+            <a:fillRef idx="0">
+              <a:schemeClr val="accent1"/>
+            </a:fillRef>
+            <a:effectRef idx="0">
+              <a:schemeClr val="accent1"/>
+            </a:effectRef>
+            <a:fontRef idx="minor">
+              <a:schemeClr val="tx1"/>
+            </a:fontRef>
+          </p:style>
+        </p:cxnSp>
+        <p:grpSp>
+          <p:nvGrpSpPr>
+            <p:cNvPr id="17" name="Group 16">
+              <a:extLst>
+                <a:ext uri="{FF2B5EF4-FFF2-40B4-BE49-F238E27FC236}">
+                  <a16:creationId xmlns:a16="http://schemas.microsoft.com/office/drawing/2014/main" id="{1ABC0724-2A45-D290-F0A9-D5A0BC928539}"/>
+                </a:ext>
+              </a:extLst>
+            </p:cNvPr>
+            <p:cNvGrpSpPr/>
+            <p:nvPr/>
+          </p:nvGrpSpPr>
+          <p:grpSpPr>
+            <a:xfrm>
+              <a:off x="1481841" y="1698089"/>
+              <a:ext cx="8633717" cy="689195"/>
+              <a:chOff x="1481841" y="1398048"/>
+              <a:chExt cx="8633717" cy="689195"/>
+            </a:xfrm>
+          </p:grpSpPr>
+          <p:sp>
+            <p:nvSpPr>
+              <p:cNvPr id="13" name="TextBox 12">
+                <a:extLst>
+                  <a:ext uri="{FF2B5EF4-FFF2-40B4-BE49-F238E27FC236}">
+                    <a16:creationId xmlns:a16="http://schemas.microsoft.com/office/drawing/2014/main" id="{F44E34F3-F06C-A1B4-7443-0E8BB4EF5AD2}"/>
+                  </a:ext>
+                </a:extLst>
+              </p:cNvPr>
+              <p:cNvSpPr txBox="1"/>
+              <p:nvPr/>
+            </p:nvSpPr>
+            <p:spPr>
+              <a:xfrm>
+                <a:off x="5086360" y="1398048"/>
+                <a:ext cx="1669070" cy="369332"/>
+              </a:xfrm>
+              <a:prstGeom prst="rect">
+                <a:avLst/>
+              </a:prstGeom>
+              <a:noFill/>
+            </p:spPr>
+            <p:txBody>
+              <a:bodyPr wrap="square" rtlCol="0">
+                <a:spAutoFit/>
+              </a:bodyPr>
+              <a:lstStyle/>
+              <a:p>
+                <a:r>
+                  <a:rPr lang="en-DK" b="1" dirty="0"/>
+                  <a:t>Connections</a:t>
+                </a:r>
+              </a:p>
+            </p:txBody>
+          </p:sp>
+          <p:sp>
+            <p:nvSpPr>
+              <p:cNvPr id="15" name="TextBox 14">
+                <a:extLst>
+                  <a:ext uri="{FF2B5EF4-FFF2-40B4-BE49-F238E27FC236}">
+                    <a16:creationId xmlns:a16="http://schemas.microsoft.com/office/drawing/2014/main" id="{B9802857-5B21-CB24-7816-A51C879F151A}"/>
+                  </a:ext>
+                </a:extLst>
+              </p:cNvPr>
+              <p:cNvSpPr txBox="1"/>
+              <p:nvPr/>
+            </p:nvSpPr>
+            <p:spPr>
+              <a:xfrm>
+                <a:off x="9072570" y="1440912"/>
+                <a:ext cx="1042988" cy="646331"/>
+              </a:xfrm>
+              <a:prstGeom prst="rect">
+                <a:avLst/>
+              </a:prstGeom>
+              <a:noFill/>
+            </p:spPr>
+            <p:txBody>
+              <a:bodyPr wrap="square" rtlCol="0">
+                <a:spAutoFit/>
+              </a:bodyPr>
+              <a:lstStyle/>
+              <a:p>
+                <a:pPr algn="ctr"/>
+                <a:r>
+                  <a:rPr lang="en-DK" dirty="0"/>
+                  <a:t>2023</a:t>
+                </a:r>
+              </a:p>
+              <a:p>
+                <a:pPr algn="ctr"/>
+                <a:r>
+                  <a:rPr lang="en-DK" dirty="0"/>
+                  <a:t>Pooled</a:t>
+                </a:r>
+              </a:p>
+            </p:txBody>
+          </p:sp>
+          <p:sp>
+            <p:nvSpPr>
+              <p:cNvPr id="16" name="TextBox 15">
+                <a:extLst>
+                  <a:ext uri="{FF2B5EF4-FFF2-40B4-BE49-F238E27FC236}">
+                    <a16:creationId xmlns:a16="http://schemas.microsoft.com/office/drawing/2014/main" id="{83611EA2-F1DA-E7F4-6D51-FA6AB954D5BE}"/>
+                  </a:ext>
+                </a:extLst>
+              </p:cNvPr>
+              <p:cNvSpPr txBox="1"/>
+              <p:nvPr/>
+            </p:nvSpPr>
+            <p:spPr>
+              <a:xfrm>
+                <a:off x="1481841" y="1440912"/>
+                <a:ext cx="1228725" cy="646331"/>
+              </a:xfrm>
+              <a:prstGeom prst="rect">
+                <a:avLst/>
+              </a:prstGeom>
+              <a:noFill/>
+            </p:spPr>
+            <p:txBody>
+              <a:bodyPr wrap="square" rtlCol="0">
+                <a:spAutoFit/>
+              </a:bodyPr>
+              <a:lstStyle/>
+              <a:p>
+                <a:pPr algn="ctr"/>
+                <a:r>
+                  <a:rPr lang="en-DK" dirty="0"/>
+                  <a:t>1985</a:t>
+                </a:r>
+              </a:p>
+              <a:p>
+                <a:pPr algn="ctr"/>
+                <a:r>
+                  <a:rPr lang="en-DK" dirty="0"/>
+                  <a:t>Dedicated</a:t>
+                </a:r>
+              </a:p>
+            </p:txBody>
+          </p:sp>
+        </p:grpSp>
+      </p:grpSp>
+    </p:spTree>
+    <p:extLst>
+      <p:ext uri="{BB962C8B-B14F-4D97-AF65-F5344CB8AC3E}">
+        <p14:creationId xmlns:p14="http://schemas.microsoft.com/office/powerpoint/2010/main" val="2484166996"/>
+      </p:ext>
+    </p:extLst>
+  </p:cSld>
+  <p:clrMapOvr>
+    <a:masterClrMapping/>
+  </p:clrMapOvr>
+</p:sld>
+</file>
+
+<file path=ppt/slides/slide11.xml><?xml version="1.0" encoding="utf-8"?>
 <p:sld xmlns:a="http://schemas.openxmlformats.org/drawingml/2006/main" xmlns:r="http://schemas.openxmlformats.org/officeDocument/2006/relationships" xmlns:p="http://schemas.openxmlformats.org/presentationml/2006/main">
   <p:cSld>
     <p:spTree>
@@ -6277,7 +7010,7 @@
 </p:sld>
 </file>
 
-<file path=ppt/slides/slide11.xml><?xml version="1.0" encoding="utf-8"?>
+<file path=ppt/slides/slide12.xml><?xml version="1.0" encoding="utf-8"?>
 <p:sld xmlns:a="http://schemas.openxmlformats.org/drawingml/2006/main" xmlns:r="http://schemas.openxmlformats.org/officeDocument/2006/relationships" xmlns:p="http://schemas.openxmlformats.org/presentationml/2006/main">
   <p:cSld>
     <p:bg>
@@ -9767,6 +10500,693 @@
       </p:grpSpPr>
       <p:sp>
         <p:nvSpPr>
+          <p:cNvPr id="3" name="Title 1030">
+            <a:extLst>
+              <a:ext uri="{FF2B5EF4-FFF2-40B4-BE49-F238E27FC236}">
+                <a16:creationId xmlns:a16="http://schemas.microsoft.com/office/drawing/2014/main" id="{72325EBE-B15C-D0DF-8FAE-2B4F576FAD1F}"/>
+              </a:ext>
+            </a:extLst>
+          </p:cNvPr>
+          <p:cNvSpPr>
+            <a:spLocks noGrp="1"/>
+          </p:cNvSpPr>
+          <p:nvPr>
+            <p:ph type="title"/>
+          </p:nvPr>
+        </p:nvSpPr>
+        <p:spPr>
+          <a:xfrm>
+            <a:off x="838200" y="72485"/>
+            <a:ext cx="10515600" cy="1325563"/>
+          </a:xfrm>
+        </p:spPr>
+        <p:txBody>
+          <a:bodyPr anchor="t"/>
+          <a:lstStyle/>
+          <a:p>
+            <a:pPr algn="ctr"/>
+            <a:r>
+              <a:rPr lang="en-DK" sz="3200" dirty="0"/>
+              <a:t>Integration</a:t>
+            </a:r>
+          </a:p>
+        </p:txBody>
+      </p:sp>
+      <p:sp>
+        <p:nvSpPr>
+          <p:cNvPr id="5" name="Oval 4">
+            <a:extLst>
+              <a:ext uri="{FF2B5EF4-FFF2-40B4-BE49-F238E27FC236}">
+                <a16:creationId xmlns:a16="http://schemas.microsoft.com/office/drawing/2014/main" id="{F65A0FCD-641E-DDE4-621B-17BCBB782C67}"/>
+              </a:ext>
+            </a:extLst>
+          </p:cNvPr>
+          <p:cNvSpPr/>
+          <p:nvPr/>
+        </p:nvSpPr>
+        <p:spPr>
+          <a:xfrm>
+            <a:off x="2707939" y="1832519"/>
+            <a:ext cx="3291417" cy="1981200"/>
+          </a:xfrm>
+          <a:prstGeom prst="ellipse">
+            <a:avLst/>
+          </a:prstGeom>
+          <a:noFill/>
+        </p:spPr>
+        <p:style>
+          <a:lnRef idx="2">
+            <a:schemeClr val="accent1">
+              <a:shade val="15000"/>
+            </a:schemeClr>
+          </a:lnRef>
+          <a:fillRef idx="1">
+            <a:schemeClr val="accent1"/>
+          </a:fillRef>
+          <a:effectRef idx="0">
+            <a:schemeClr val="accent1"/>
+          </a:effectRef>
+          <a:fontRef idx="minor">
+            <a:schemeClr val="lt1"/>
+          </a:fontRef>
+        </p:style>
+        <p:txBody>
+          <a:bodyPr rtlCol="0" anchor="ctr"/>
+          <a:lstStyle/>
+          <a:p>
+            <a:pPr algn="ctr"/>
+            <a:endParaRPr lang="en-DK"/>
+          </a:p>
+        </p:txBody>
+      </p:sp>
+      <p:sp>
+        <p:nvSpPr>
+          <p:cNvPr id="6" name="Oval 5">
+            <a:extLst>
+              <a:ext uri="{FF2B5EF4-FFF2-40B4-BE49-F238E27FC236}">
+                <a16:creationId xmlns:a16="http://schemas.microsoft.com/office/drawing/2014/main" id="{9009403C-91BE-5509-9587-F588ADFDB48E}"/>
+              </a:ext>
+            </a:extLst>
+          </p:cNvPr>
+          <p:cNvSpPr/>
+          <p:nvPr/>
+        </p:nvSpPr>
+        <p:spPr>
+          <a:xfrm>
+            <a:off x="2707939" y="3367669"/>
+            <a:ext cx="3291417" cy="1981200"/>
+          </a:xfrm>
+          <a:prstGeom prst="ellipse">
+            <a:avLst/>
+          </a:prstGeom>
+          <a:noFill/>
+        </p:spPr>
+        <p:style>
+          <a:lnRef idx="2">
+            <a:schemeClr val="accent1">
+              <a:shade val="15000"/>
+            </a:schemeClr>
+          </a:lnRef>
+          <a:fillRef idx="1">
+            <a:schemeClr val="accent1"/>
+          </a:fillRef>
+          <a:effectRef idx="0">
+            <a:schemeClr val="accent1"/>
+          </a:effectRef>
+          <a:fontRef idx="minor">
+            <a:schemeClr val="lt1"/>
+          </a:fontRef>
+        </p:style>
+        <p:txBody>
+          <a:bodyPr rtlCol="0" anchor="ctr"/>
+          <a:lstStyle/>
+          <a:p>
+            <a:pPr algn="ctr"/>
+            <a:endParaRPr lang="en-DK"/>
+          </a:p>
+        </p:txBody>
+      </p:sp>
+      <p:sp>
+        <p:nvSpPr>
+          <p:cNvPr id="7" name="TextBox 6">
+            <a:extLst>
+              <a:ext uri="{FF2B5EF4-FFF2-40B4-BE49-F238E27FC236}">
+                <a16:creationId xmlns:a16="http://schemas.microsoft.com/office/drawing/2014/main" id="{F80DAFC7-A47C-DBE7-A4E2-C335B53164C8}"/>
+              </a:ext>
+            </a:extLst>
+          </p:cNvPr>
+          <p:cNvSpPr txBox="1"/>
+          <p:nvPr/>
+        </p:nvSpPr>
+        <p:spPr>
+          <a:xfrm>
+            <a:off x="1046077" y="2475570"/>
+            <a:ext cx="715536" cy="369332"/>
+          </a:xfrm>
+          <a:prstGeom prst="rect">
+            <a:avLst/>
+          </a:prstGeom>
+          <a:noFill/>
+        </p:spPr>
+        <p:txBody>
+          <a:bodyPr wrap="square" rtlCol="0">
+            <a:spAutoFit/>
+          </a:bodyPr>
+          <a:lstStyle/>
+          <a:p>
+            <a:r>
+              <a:rPr lang="en-DK" dirty="0"/>
+              <a:t>React</a:t>
+            </a:r>
+          </a:p>
+        </p:txBody>
+      </p:sp>
+      <p:sp>
+        <p:nvSpPr>
+          <p:cNvPr id="8" name="TextBox 7">
+            <a:extLst>
+              <a:ext uri="{FF2B5EF4-FFF2-40B4-BE49-F238E27FC236}">
+                <a16:creationId xmlns:a16="http://schemas.microsoft.com/office/drawing/2014/main" id="{8D4C205F-B9D2-8EA9-6C55-13D95CCFC04D}"/>
+              </a:ext>
+            </a:extLst>
+          </p:cNvPr>
+          <p:cNvSpPr txBox="1"/>
+          <p:nvPr/>
+        </p:nvSpPr>
+        <p:spPr>
+          <a:xfrm>
+            <a:off x="754573" y="4010722"/>
+            <a:ext cx="1521564" cy="369332"/>
+          </a:xfrm>
+          <a:prstGeom prst="rect">
+            <a:avLst/>
+          </a:prstGeom>
+          <a:noFill/>
+        </p:spPr>
+        <p:txBody>
+          <a:bodyPr wrap="square" rtlCol="0">
+            <a:spAutoFit/>
+          </a:bodyPr>
+          <a:lstStyle/>
+          <a:p>
+            <a:r>
+              <a:rPr lang="en-DK" dirty="0"/>
+              <a:t>FutureForms</a:t>
+            </a:r>
+          </a:p>
+        </p:txBody>
+      </p:sp>
+      <p:sp>
+        <p:nvSpPr>
+          <p:cNvPr id="9" name="Can 8">
+            <a:extLst>
+              <a:ext uri="{FF2B5EF4-FFF2-40B4-BE49-F238E27FC236}">
+                <a16:creationId xmlns:a16="http://schemas.microsoft.com/office/drawing/2014/main" id="{F0580724-6695-7915-1F3C-8991BB22C9B3}"/>
+              </a:ext>
+            </a:extLst>
+          </p:cNvPr>
+          <p:cNvSpPr/>
+          <p:nvPr/>
+        </p:nvSpPr>
+        <p:spPr>
+          <a:xfrm>
+            <a:off x="8629788" y="5467941"/>
+            <a:ext cx="876218" cy="675697"/>
+          </a:xfrm>
+          <a:prstGeom prst="can">
+            <a:avLst/>
+          </a:prstGeom>
+          <a:solidFill>
+            <a:schemeClr val="bg1">
+              <a:lumMod val="85000"/>
+            </a:schemeClr>
+          </a:solidFill>
+          <a:ln>
+            <a:solidFill>
+              <a:schemeClr val="tx1"/>
+            </a:solidFill>
+          </a:ln>
+        </p:spPr>
+        <p:style>
+          <a:lnRef idx="2">
+            <a:schemeClr val="accent1">
+              <a:shade val="50000"/>
+            </a:schemeClr>
+          </a:lnRef>
+          <a:fillRef idx="1">
+            <a:schemeClr val="accent1"/>
+          </a:fillRef>
+          <a:effectRef idx="0">
+            <a:schemeClr val="accent1"/>
+          </a:effectRef>
+          <a:fontRef idx="minor">
+            <a:schemeClr val="lt1"/>
+          </a:fontRef>
+        </p:style>
+        <p:txBody>
+          <a:bodyPr rtlCol="0" anchor="ctr"/>
+          <a:lstStyle/>
+          <a:p>
+            <a:pPr algn="ctr"/>
+            <a:endParaRPr lang="en-DK"/>
+          </a:p>
+        </p:txBody>
+      </p:sp>
+      <p:grpSp>
+        <p:nvGrpSpPr>
+          <p:cNvPr id="24" name="Group 23">
+            <a:extLst>
+              <a:ext uri="{FF2B5EF4-FFF2-40B4-BE49-F238E27FC236}">
+                <a16:creationId xmlns:a16="http://schemas.microsoft.com/office/drawing/2014/main" id="{1598338F-FCCC-38BA-722E-546B854B582B}"/>
+              </a:ext>
+            </a:extLst>
+          </p:cNvPr>
+          <p:cNvGrpSpPr/>
+          <p:nvPr/>
+        </p:nvGrpSpPr>
+        <p:grpSpPr>
+          <a:xfrm>
+            <a:off x="8629788" y="1237784"/>
+            <a:ext cx="385320" cy="728906"/>
+            <a:chOff x="8441472" y="1393898"/>
+            <a:chExt cx="385320" cy="728906"/>
+          </a:xfrm>
+        </p:grpSpPr>
+        <p:cxnSp>
+          <p:nvCxnSpPr>
+            <p:cNvPr id="14" name="Straight Connector 13">
+              <a:extLst>
+                <a:ext uri="{FF2B5EF4-FFF2-40B4-BE49-F238E27FC236}">
+                  <a16:creationId xmlns:a16="http://schemas.microsoft.com/office/drawing/2014/main" id="{63402038-9925-FACC-17AF-0F9F518E4C01}"/>
+                </a:ext>
+              </a:extLst>
+            </p:cNvPr>
+            <p:cNvCxnSpPr/>
+            <p:nvPr/>
+          </p:nvCxnSpPr>
+          <p:spPr>
+            <a:xfrm>
+              <a:off x="8629788" y="1550019"/>
+              <a:ext cx="0" cy="288000"/>
+            </a:xfrm>
+            <a:prstGeom prst="line">
+              <a:avLst/>
+            </a:prstGeom>
+            <a:ln w="15875">
+              <a:solidFill>
+                <a:schemeClr val="tx1"/>
+              </a:solidFill>
+            </a:ln>
+          </p:spPr>
+          <p:style>
+            <a:lnRef idx="1">
+              <a:schemeClr val="accent1"/>
+            </a:lnRef>
+            <a:fillRef idx="0">
+              <a:schemeClr val="accent1"/>
+            </a:fillRef>
+            <a:effectRef idx="0">
+              <a:schemeClr val="accent1"/>
+            </a:effectRef>
+            <a:fontRef idx="minor">
+              <a:schemeClr val="tx1"/>
+            </a:fontRef>
+          </p:style>
+        </p:cxnSp>
+        <p:cxnSp>
+          <p:nvCxnSpPr>
+            <p:cNvPr id="15" name="Straight Connector 14">
+              <a:extLst>
+                <a:ext uri="{FF2B5EF4-FFF2-40B4-BE49-F238E27FC236}">
+                  <a16:creationId xmlns:a16="http://schemas.microsoft.com/office/drawing/2014/main" id="{F1E18B5C-E4BB-D9ED-C014-9C6E03CCA0FE}"/>
+                </a:ext>
+              </a:extLst>
+            </p:cNvPr>
+            <p:cNvCxnSpPr>
+              <a:cxnSpLocks/>
+            </p:cNvCxnSpPr>
+            <p:nvPr/>
+          </p:nvCxnSpPr>
+          <p:spPr>
+            <a:xfrm>
+              <a:off x="8441472" y="1713570"/>
+              <a:ext cx="385320" cy="0"/>
+            </a:xfrm>
+            <a:prstGeom prst="line">
+              <a:avLst/>
+            </a:prstGeom>
+            <a:ln w="15875">
+              <a:solidFill>
+                <a:schemeClr val="tx1"/>
+              </a:solidFill>
+            </a:ln>
+          </p:spPr>
+          <p:style>
+            <a:lnRef idx="1">
+              <a:schemeClr val="accent1"/>
+            </a:lnRef>
+            <a:fillRef idx="0">
+              <a:schemeClr val="accent1"/>
+            </a:fillRef>
+            <a:effectRef idx="0">
+              <a:schemeClr val="accent1"/>
+            </a:effectRef>
+            <a:fontRef idx="minor">
+              <a:schemeClr val="tx1"/>
+            </a:fontRef>
+          </p:style>
+        </p:cxnSp>
+        <p:cxnSp>
+          <p:nvCxnSpPr>
+            <p:cNvPr id="18" name="Straight Connector 17">
+              <a:extLst>
+                <a:ext uri="{FF2B5EF4-FFF2-40B4-BE49-F238E27FC236}">
+                  <a16:creationId xmlns:a16="http://schemas.microsoft.com/office/drawing/2014/main" id="{ECB711C2-9102-A33A-13E6-1AB2BD576EB3}"/>
+                </a:ext>
+              </a:extLst>
+            </p:cNvPr>
+            <p:cNvCxnSpPr>
+              <a:cxnSpLocks/>
+            </p:cNvCxnSpPr>
+            <p:nvPr/>
+          </p:nvCxnSpPr>
+          <p:spPr>
+            <a:xfrm rot="1200000" flipV="1">
+              <a:off x="8579006" y="1834804"/>
+              <a:ext cx="0" cy="288000"/>
+            </a:xfrm>
+            <a:prstGeom prst="line">
+              <a:avLst/>
+            </a:prstGeom>
+            <a:ln w="15875">
+              <a:solidFill>
+                <a:schemeClr val="tx1"/>
+              </a:solidFill>
+            </a:ln>
+          </p:spPr>
+          <p:style>
+            <a:lnRef idx="1">
+              <a:schemeClr val="accent1"/>
+            </a:lnRef>
+            <a:fillRef idx="0">
+              <a:schemeClr val="accent1"/>
+            </a:fillRef>
+            <a:effectRef idx="0">
+              <a:schemeClr val="accent1"/>
+            </a:effectRef>
+            <a:fontRef idx="minor">
+              <a:schemeClr val="tx1"/>
+            </a:fontRef>
+          </p:style>
+        </p:cxnSp>
+        <p:cxnSp>
+          <p:nvCxnSpPr>
+            <p:cNvPr id="22" name="Straight Connector 21">
+              <a:extLst>
+                <a:ext uri="{FF2B5EF4-FFF2-40B4-BE49-F238E27FC236}">
+                  <a16:creationId xmlns:a16="http://schemas.microsoft.com/office/drawing/2014/main" id="{343E0605-12D7-3CEB-13D9-8A1DD034A5F9}"/>
+                </a:ext>
+              </a:extLst>
+            </p:cNvPr>
+            <p:cNvCxnSpPr>
+              <a:cxnSpLocks/>
+            </p:cNvCxnSpPr>
+            <p:nvPr/>
+          </p:nvCxnSpPr>
+          <p:spPr>
+            <a:xfrm rot="-1200000" flipV="1">
+              <a:off x="8686803" y="1831088"/>
+              <a:ext cx="0" cy="288000"/>
+            </a:xfrm>
+            <a:prstGeom prst="line">
+              <a:avLst/>
+            </a:prstGeom>
+            <a:ln w="15875">
+              <a:solidFill>
+                <a:schemeClr val="tx1"/>
+              </a:solidFill>
+            </a:ln>
+          </p:spPr>
+          <p:style>
+            <a:lnRef idx="1">
+              <a:schemeClr val="accent1"/>
+            </a:lnRef>
+            <a:fillRef idx="0">
+              <a:schemeClr val="accent1"/>
+            </a:fillRef>
+            <a:effectRef idx="0">
+              <a:schemeClr val="accent1"/>
+            </a:effectRef>
+            <a:fontRef idx="minor">
+              <a:schemeClr val="tx1"/>
+            </a:fontRef>
+          </p:style>
+        </p:cxnSp>
+        <p:sp>
+          <p:nvSpPr>
+            <p:cNvPr id="23" name="Oval 22">
+              <a:extLst>
+                <a:ext uri="{FF2B5EF4-FFF2-40B4-BE49-F238E27FC236}">
+                  <a16:creationId xmlns:a16="http://schemas.microsoft.com/office/drawing/2014/main" id="{6847BE6B-921F-5F3A-2308-DD0F2A4A260F}"/>
+                </a:ext>
+              </a:extLst>
+            </p:cNvPr>
+            <p:cNvSpPr/>
+            <p:nvPr/>
+          </p:nvSpPr>
+          <p:spPr>
+            <a:xfrm>
+              <a:off x="8541832" y="1393898"/>
+              <a:ext cx="180000" cy="180000"/>
+            </a:xfrm>
+            <a:prstGeom prst="ellipse">
+              <a:avLst/>
+            </a:prstGeom>
+            <a:noFill/>
+            <a:ln w="15875">
+              <a:solidFill>
+                <a:schemeClr val="tx1"/>
+              </a:solidFill>
+            </a:ln>
+          </p:spPr>
+          <p:style>
+            <a:lnRef idx="2">
+              <a:schemeClr val="accent1">
+                <a:shade val="15000"/>
+              </a:schemeClr>
+            </a:lnRef>
+            <a:fillRef idx="1">
+              <a:schemeClr val="accent1"/>
+            </a:fillRef>
+            <a:effectRef idx="0">
+              <a:schemeClr val="accent1"/>
+            </a:effectRef>
+            <a:fontRef idx="minor">
+              <a:schemeClr val="lt1"/>
+            </a:fontRef>
+          </p:style>
+          <p:txBody>
+            <a:bodyPr rtlCol="0" anchor="ctr"/>
+            <a:lstStyle/>
+            <a:p>
+              <a:pPr algn="ctr"/>
+              <a:endParaRPr lang="en-DK"/>
+            </a:p>
+          </p:txBody>
+        </p:sp>
+      </p:grpSp>
+      <p:cxnSp>
+        <p:nvCxnSpPr>
+          <p:cNvPr id="26" name="Straight Arrow Connector 25">
+            <a:extLst>
+              <a:ext uri="{FF2B5EF4-FFF2-40B4-BE49-F238E27FC236}">
+                <a16:creationId xmlns:a16="http://schemas.microsoft.com/office/drawing/2014/main" id="{8460EDBF-B47F-A469-9FD4-BACDD2C619C3}"/>
+              </a:ext>
+            </a:extLst>
+          </p:cNvPr>
+          <p:cNvCxnSpPr>
+            <a:cxnSpLocks/>
+          </p:cNvCxnSpPr>
+          <p:nvPr/>
+        </p:nvCxnSpPr>
+        <p:spPr>
+          <a:xfrm rot="4500000" flipV="1">
+            <a:off x="7193137" y="783411"/>
+            <a:ext cx="0" cy="2160000"/>
+          </a:xfrm>
+          <a:prstGeom prst="straightConnector1">
+            <a:avLst/>
+          </a:prstGeom>
+          <a:ln w="15875">
+            <a:solidFill>
+              <a:schemeClr val="tx1"/>
+            </a:solidFill>
+            <a:headEnd type="triangle"/>
+            <a:tailEnd type="triangle"/>
+          </a:ln>
+        </p:spPr>
+        <p:style>
+          <a:lnRef idx="1">
+            <a:schemeClr val="accent1"/>
+          </a:lnRef>
+          <a:fillRef idx="0">
+            <a:schemeClr val="accent1"/>
+          </a:fillRef>
+          <a:effectRef idx="0">
+            <a:schemeClr val="accent1"/>
+          </a:effectRef>
+          <a:fontRef idx="minor">
+            <a:schemeClr val="tx1"/>
+          </a:fontRef>
+        </p:style>
+      </p:cxnSp>
+      <p:cxnSp>
+        <p:nvCxnSpPr>
+          <p:cNvPr id="28" name="Straight Arrow Connector 27">
+            <a:extLst>
+              <a:ext uri="{FF2B5EF4-FFF2-40B4-BE49-F238E27FC236}">
+                <a16:creationId xmlns:a16="http://schemas.microsoft.com/office/drawing/2014/main" id="{30805180-301F-9DEF-8519-E76A60B0BC4B}"/>
+              </a:ext>
+            </a:extLst>
+          </p:cNvPr>
+          <p:cNvCxnSpPr>
+            <a:cxnSpLocks/>
+          </p:cNvCxnSpPr>
+          <p:nvPr/>
+        </p:nvCxnSpPr>
+        <p:spPr>
+          <a:xfrm rot="-4500000" flipV="1">
+            <a:off x="7193137" y="4225418"/>
+            <a:ext cx="0" cy="2160000"/>
+          </a:xfrm>
+          <a:prstGeom prst="straightConnector1">
+            <a:avLst/>
+          </a:prstGeom>
+          <a:ln w="15875">
+            <a:solidFill>
+              <a:schemeClr val="tx1"/>
+            </a:solidFill>
+            <a:headEnd type="triangle"/>
+            <a:tailEnd type="triangle"/>
+          </a:ln>
+        </p:spPr>
+        <p:style>
+          <a:lnRef idx="1">
+            <a:schemeClr val="accent1"/>
+          </a:lnRef>
+          <a:fillRef idx="0">
+            <a:schemeClr val="accent1"/>
+          </a:fillRef>
+          <a:effectRef idx="0">
+            <a:schemeClr val="accent1"/>
+          </a:effectRef>
+          <a:fontRef idx="minor">
+            <a:schemeClr val="tx1"/>
+          </a:fontRef>
+        </p:style>
+      </p:cxnSp>
+      <p:sp>
+        <p:nvSpPr>
+          <p:cNvPr id="29" name="TextBox 28">
+            <a:extLst>
+              <a:ext uri="{FF2B5EF4-FFF2-40B4-BE49-F238E27FC236}">
+                <a16:creationId xmlns:a16="http://schemas.microsoft.com/office/drawing/2014/main" id="{5034E28A-907E-B615-51A1-978E1B68FF2F}"/>
+              </a:ext>
+            </a:extLst>
+          </p:cNvPr>
+          <p:cNvSpPr txBox="1"/>
+          <p:nvPr/>
+        </p:nvSpPr>
+        <p:spPr>
+          <a:xfrm>
+            <a:off x="3608586" y="1852449"/>
+            <a:ext cx="1442919" cy="369332"/>
+          </a:xfrm>
+          <a:prstGeom prst="rect">
+            <a:avLst/>
+          </a:prstGeom>
+          <a:noFill/>
+        </p:spPr>
+        <p:txBody>
+          <a:bodyPr wrap="square" rtlCol="0">
+            <a:spAutoFit/>
+          </a:bodyPr>
+          <a:lstStyle/>
+          <a:p>
+            <a:r>
+              <a:rPr lang="en-DK" b="1" i="1" dirty="0"/>
+              <a:t>Presentation</a:t>
+            </a:r>
+          </a:p>
+        </p:txBody>
+      </p:sp>
+      <p:sp>
+        <p:nvSpPr>
+          <p:cNvPr id="30" name="TextBox 29">
+            <a:extLst>
+              <a:ext uri="{FF2B5EF4-FFF2-40B4-BE49-F238E27FC236}">
+                <a16:creationId xmlns:a16="http://schemas.microsoft.com/office/drawing/2014/main" id="{DE912F7D-4EFB-973B-8539-16DA9FC46FCC}"/>
+              </a:ext>
+            </a:extLst>
+          </p:cNvPr>
+          <p:cNvSpPr txBox="1"/>
+          <p:nvPr/>
+        </p:nvSpPr>
+        <p:spPr>
+          <a:xfrm>
+            <a:off x="3608586" y="4926461"/>
+            <a:ext cx="1535848" cy="369332"/>
+          </a:xfrm>
+          <a:prstGeom prst="rect">
+            <a:avLst/>
+          </a:prstGeom>
+          <a:noFill/>
+        </p:spPr>
+        <p:txBody>
+          <a:bodyPr wrap="square" rtlCol="0">
+            <a:spAutoFit/>
+          </a:bodyPr>
+          <a:lstStyle/>
+          <a:p>
+            <a:r>
+              <a:rPr lang="en-DK" b="1" i="1" dirty="0"/>
+              <a:t>Business Logic</a:t>
+            </a:r>
+          </a:p>
+        </p:txBody>
+      </p:sp>
+    </p:spTree>
+    <p:extLst>
+      <p:ext uri="{BB962C8B-B14F-4D97-AF65-F5344CB8AC3E}">
+        <p14:creationId xmlns:p14="http://schemas.microsoft.com/office/powerpoint/2010/main" val="673231801"/>
+      </p:ext>
+    </p:extLst>
+  </p:cSld>
+  <p:clrMapOvr>
+    <a:masterClrMapping/>
+  </p:clrMapOvr>
+</p:sld>
+</file>
+
+<file path=ppt/slides/slide7.xml><?xml version="1.0" encoding="utf-8"?>
+<p:sld xmlns:a="http://schemas.openxmlformats.org/drawingml/2006/main" xmlns:r="http://schemas.openxmlformats.org/officeDocument/2006/relationships" xmlns:p="http://schemas.openxmlformats.org/presentationml/2006/main">
+  <p:cSld>
+    <p:spTree>
+      <p:nvGrpSpPr>
+        <p:cNvPr id="1" name=""/>
+        <p:cNvGrpSpPr/>
+        <p:nvPr/>
+      </p:nvGrpSpPr>
+      <p:grpSpPr>
+        <a:xfrm>
+          <a:off x="0" y="0"/>
+          <a:ext cx="0" cy="0"/>
+          <a:chOff x="0" y="0"/>
+          <a:chExt cx="0" cy="0"/>
+        </a:xfrm>
+      </p:grpSpPr>
+      <p:sp>
+        <p:nvSpPr>
           <p:cNvPr id="1031" name="Title 1030">
             <a:extLst>
               <a:ext uri="{FF2B5EF4-FFF2-40B4-BE49-F238E27FC236}">
@@ -9986,7 +11406,7 @@
 </p:sld>
 </file>
 
-<file path=ppt/slides/slide7.xml><?xml version="1.0" encoding="utf-8"?>
+<file path=ppt/slides/slide8.xml><?xml version="1.0" encoding="utf-8"?>
 <p:sld xmlns:a="http://schemas.openxmlformats.org/drawingml/2006/main" xmlns:r="http://schemas.openxmlformats.org/officeDocument/2006/relationships" xmlns:p="http://schemas.openxmlformats.org/presentationml/2006/main">
   <p:cSld>
     <p:spTree>
@@ -10475,7 +11895,7 @@
 </p:sld>
 </file>
 
-<file path=ppt/slides/slide8.xml><?xml version="1.0" encoding="utf-8"?>
+<file path=ppt/slides/slide9.xml><?xml version="1.0" encoding="utf-8"?>
 <p:sld xmlns:a="http://schemas.openxmlformats.org/drawingml/2006/main" xmlns:r="http://schemas.openxmlformats.org/officeDocument/2006/relationships" xmlns:p="http://schemas.openxmlformats.org/presentationml/2006/main">
   <p:cSld>
     <p:spTree>
@@ -11757,738 +13177,6 @@
 </p:sld>
 </file>
 
-<file path=ppt/slides/slide9.xml><?xml version="1.0" encoding="utf-8"?>
-<p:sld xmlns:a="http://schemas.openxmlformats.org/drawingml/2006/main" xmlns:r="http://schemas.openxmlformats.org/officeDocument/2006/relationships" xmlns:p="http://schemas.openxmlformats.org/presentationml/2006/main">
-  <p:cSld>
-    <p:spTree>
-      <p:nvGrpSpPr>
-        <p:cNvPr id="1" name=""/>
-        <p:cNvGrpSpPr/>
-        <p:nvPr/>
-      </p:nvGrpSpPr>
-      <p:grpSpPr>
-        <a:xfrm>
-          <a:off x="0" y="0"/>
-          <a:ext cx="0" cy="0"/>
-          <a:chOff x="0" y="0"/>
-          <a:chExt cx="0" cy="0"/>
-        </a:xfrm>
-      </p:grpSpPr>
-      <p:sp>
-        <p:nvSpPr>
-          <p:cNvPr id="1031" name="Title 1030">
-            <a:extLst>
-              <a:ext uri="{FF2B5EF4-FFF2-40B4-BE49-F238E27FC236}">
-                <a16:creationId xmlns:a16="http://schemas.microsoft.com/office/drawing/2014/main" id="{22D09CA6-2F33-D374-D436-2CE7ED5D5D85}"/>
-              </a:ext>
-            </a:extLst>
-          </p:cNvPr>
-          <p:cNvSpPr>
-            <a:spLocks noGrp="1"/>
-          </p:cNvSpPr>
-          <p:nvPr>
-            <p:ph type="title"/>
-          </p:nvPr>
-        </p:nvSpPr>
-        <p:spPr>
-          <a:xfrm>
-            <a:off x="838200" y="72485"/>
-            <a:ext cx="10515600" cy="1325563"/>
-          </a:xfrm>
-        </p:spPr>
-        <p:txBody>
-          <a:bodyPr anchor="t"/>
-          <a:lstStyle/>
-          <a:p>
-            <a:pPr algn="ctr"/>
-            <a:r>
-              <a:rPr lang="en-DK" sz="3200" dirty="0"/>
-              <a:t>Database</a:t>
-            </a:r>
-          </a:p>
-        </p:txBody>
-      </p:sp>
-      <p:sp>
-        <p:nvSpPr>
-          <p:cNvPr id="2" name="TextBox 1">
-            <a:extLst>
-              <a:ext uri="{FF2B5EF4-FFF2-40B4-BE49-F238E27FC236}">
-                <a16:creationId xmlns:a16="http://schemas.microsoft.com/office/drawing/2014/main" id="{DDE4CBF9-AE78-F948-EF6E-B285EBAC49B5}"/>
-              </a:ext>
-            </a:extLst>
-          </p:cNvPr>
-          <p:cNvSpPr txBox="1"/>
-          <p:nvPr/>
-        </p:nvSpPr>
-        <p:spPr>
-          <a:xfrm>
-            <a:off x="1057293" y="2713527"/>
-            <a:ext cx="3171807" cy="3297239"/>
-          </a:xfrm>
-          <a:prstGeom prst="rect">
-            <a:avLst/>
-          </a:prstGeom>
-          <a:noFill/>
-        </p:spPr>
-        <p:txBody>
-          <a:bodyPr wrap="square" rtlCol="0">
-            <a:noAutofit/>
-          </a:bodyPr>
-          <a:lstStyle/>
-          <a:p>
-            <a:r>
-              <a:rPr lang="en-DK" b="1" i="1" dirty="0"/>
-              <a:t>Client/Server</a:t>
-            </a:r>
-          </a:p>
-          <a:p>
-            <a:endParaRPr lang="en-DK" b="1" i="1" dirty="0"/>
-          </a:p>
-          <a:p>
-            <a:r>
-              <a:rPr lang="en-DK" b="1" i="1" dirty="0"/>
-              <a:t>1000 concurrent users</a:t>
-            </a:r>
-          </a:p>
-          <a:p>
-            <a:r>
-              <a:rPr lang="en-DK" b="1" i="1" dirty="0"/>
-              <a:t>    (StateFul)</a:t>
-            </a:r>
-          </a:p>
-          <a:p>
-            <a:endParaRPr lang="en-DK" b="1" i="1" dirty="0"/>
-          </a:p>
-          <a:p>
-            <a:r>
-              <a:rPr lang="da-DK" b="1" i="1" dirty="0"/>
-              <a:t>L</a:t>
-            </a:r>
-            <a:r>
-              <a:rPr lang="en-GB" b="1" i="1" dirty="0" err="1"/>
-              <a:t>everaging</a:t>
-            </a:r>
-            <a:r>
-              <a:rPr lang="en-GB" b="1" i="1" dirty="0"/>
-              <a:t> </a:t>
-            </a:r>
-            <a:r>
-              <a:rPr lang="en-DK" b="1" i="1" dirty="0"/>
-              <a:t>all database features.</a:t>
-            </a:r>
-          </a:p>
-          <a:p>
-            <a:endParaRPr lang="en-DK" b="1" i="1" dirty="0"/>
-          </a:p>
-          <a:p>
-            <a:r>
-              <a:rPr lang="en-DK" b="1" i="1" dirty="0"/>
-              <a:t>Transactions, row-locking, read consistency, cursors etc.</a:t>
-            </a:r>
-          </a:p>
-          <a:p>
-            <a:endParaRPr lang="en-DK" b="1" i="1" dirty="0"/>
-          </a:p>
-          <a:p>
-            <a:r>
-              <a:rPr lang="en-DK" b="1" i="1" dirty="0"/>
-              <a:t>High performance</a:t>
-            </a:r>
-          </a:p>
-          <a:p>
-            <a:endParaRPr lang="en-DK" b="1" i="1" dirty="0"/>
-          </a:p>
-        </p:txBody>
-      </p:sp>
-      <p:sp>
-        <p:nvSpPr>
-          <p:cNvPr id="9" name="TextBox 8">
-            <a:extLst>
-              <a:ext uri="{FF2B5EF4-FFF2-40B4-BE49-F238E27FC236}">
-                <a16:creationId xmlns:a16="http://schemas.microsoft.com/office/drawing/2014/main" id="{3BA3C12D-5832-4F17-A73E-C0A6EBB52C6D}"/>
-              </a:ext>
-            </a:extLst>
-          </p:cNvPr>
-          <p:cNvSpPr txBox="1"/>
-          <p:nvPr/>
-        </p:nvSpPr>
-        <p:spPr>
-          <a:xfrm>
-            <a:off x="7932135" y="2656374"/>
-            <a:ext cx="3583583" cy="3712900"/>
-          </a:xfrm>
-          <a:prstGeom prst="rect">
-            <a:avLst/>
-          </a:prstGeom>
-          <a:noFill/>
-        </p:spPr>
-        <p:txBody>
-          <a:bodyPr wrap="square" rtlCol="0">
-            <a:noAutofit/>
-          </a:bodyPr>
-          <a:lstStyle/>
-          <a:p>
-            <a:r>
-              <a:rPr lang="en-DK" b="1" i="1" dirty="0"/>
-              <a:t>3 Tier Architecture</a:t>
-            </a:r>
-          </a:p>
-          <a:p>
-            <a:endParaRPr lang="en-DK" b="1" i="1" dirty="0"/>
-          </a:p>
-          <a:p>
-            <a:r>
-              <a:rPr lang="en-DK" b="1" i="1" dirty="0"/>
-              <a:t>50000 concurrent users</a:t>
-            </a:r>
-          </a:p>
-          <a:p>
-            <a:r>
-              <a:rPr lang="en-DK" b="1" i="1" dirty="0"/>
-              <a:t>    (Stateless)</a:t>
-            </a:r>
-          </a:p>
-          <a:p>
-            <a:endParaRPr lang="en-DK" b="1" i="1" dirty="0"/>
-          </a:p>
-          <a:p>
-            <a:r>
-              <a:rPr lang="en-DK" b="1" i="1" dirty="0"/>
-              <a:t>Poor utilization of database features.</a:t>
-            </a:r>
-          </a:p>
-          <a:p>
-            <a:endParaRPr lang="en-DK" b="1" i="1" dirty="0"/>
-          </a:p>
-          <a:p>
-            <a:r>
-              <a:rPr lang="en-DK" b="1" i="1" dirty="0"/>
-              <a:t>Concurrency issues</a:t>
-            </a:r>
-          </a:p>
-          <a:p>
-            <a:r>
-              <a:rPr lang="en-DK" b="1" i="1" dirty="0"/>
-              <a:t>Compensating transactions</a:t>
-            </a:r>
-          </a:p>
-          <a:p>
-            <a:endParaRPr lang="en-DK" b="1" i="1" dirty="0"/>
-          </a:p>
-          <a:p>
-            <a:r>
-              <a:rPr lang="en-DK" b="1" i="1" dirty="0"/>
-              <a:t>Bad performance due to excessive commits and query re-executions</a:t>
-            </a:r>
-          </a:p>
-        </p:txBody>
-      </p:sp>
-      <p:grpSp>
-        <p:nvGrpSpPr>
-          <p:cNvPr id="11" name="Group 10">
-            <a:extLst>
-              <a:ext uri="{FF2B5EF4-FFF2-40B4-BE49-F238E27FC236}">
-                <a16:creationId xmlns:a16="http://schemas.microsoft.com/office/drawing/2014/main" id="{9D23770E-5547-A4E1-AE87-351FE5C07B0F}"/>
-              </a:ext>
-            </a:extLst>
-          </p:cNvPr>
-          <p:cNvGrpSpPr/>
-          <p:nvPr/>
-        </p:nvGrpSpPr>
-        <p:grpSpPr>
-          <a:xfrm>
-            <a:off x="5326069" y="2870695"/>
-            <a:ext cx="1260000" cy="2706679"/>
-            <a:chOff x="5211765" y="2203443"/>
-            <a:chExt cx="1260000" cy="2706679"/>
-          </a:xfrm>
-        </p:grpSpPr>
-        <p:grpSp>
-          <p:nvGrpSpPr>
-            <p:cNvPr id="1061" name="Group 1060">
-              <a:extLst>
-                <a:ext uri="{FF2B5EF4-FFF2-40B4-BE49-F238E27FC236}">
-                  <a16:creationId xmlns:a16="http://schemas.microsoft.com/office/drawing/2014/main" id="{A0138485-CFF2-53D1-A515-8506068BB9BA}"/>
-                </a:ext>
-              </a:extLst>
-            </p:cNvPr>
-            <p:cNvGrpSpPr/>
-            <p:nvPr/>
-          </p:nvGrpSpPr>
-          <p:grpSpPr>
-            <a:xfrm>
-              <a:off x="5211765" y="2203443"/>
-              <a:ext cx="1260000" cy="2706679"/>
-              <a:chOff x="5811845" y="3003550"/>
-              <a:chExt cx="1260000" cy="2706679"/>
-            </a:xfrm>
-          </p:grpSpPr>
-          <p:pic>
-            <p:nvPicPr>
-              <p:cNvPr id="1045" name="Picture 1044">
-                <a:extLst>
-                  <a:ext uri="{FF2B5EF4-FFF2-40B4-BE49-F238E27FC236}">
-                    <a16:creationId xmlns:a16="http://schemas.microsoft.com/office/drawing/2014/main" id="{92ECA43F-76A2-44A8-14B1-9908232631B4}"/>
-                  </a:ext>
-                </a:extLst>
-              </p:cNvPr>
-              <p:cNvPicPr>
-                <a:picLocks noChangeAspect="1"/>
-              </p:cNvPicPr>
-              <p:nvPr/>
-            </p:nvPicPr>
-            <p:blipFill>
-              <a:blip r:embed="rId2"/>
-              <a:stretch>
-                <a:fillRect/>
-              </a:stretch>
-            </p:blipFill>
-            <p:spPr>
-              <a:xfrm>
-                <a:off x="5811845" y="3003550"/>
-                <a:ext cx="1260000" cy="694068"/>
-              </a:xfrm>
-              <a:prstGeom prst="rect">
-                <a:avLst/>
-              </a:prstGeom>
-            </p:spPr>
-          </p:pic>
-          <p:sp>
-            <p:nvSpPr>
-              <p:cNvPr id="1047" name="Can 1046">
-                <a:extLst>
-                  <a:ext uri="{FF2B5EF4-FFF2-40B4-BE49-F238E27FC236}">
-                    <a16:creationId xmlns:a16="http://schemas.microsoft.com/office/drawing/2014/main" id="{DF75857B-2558-6892-82FA-B47D6F1C28F0}"/>
-                  </a:ext>
-                </a:extLst>
-              </p:cNvPr>
-              <p:cNvSpPr/>
-              <p:nvPr/>
-            </p:nvSpPr>
-            <p:spPr>
-              <a:xfrm>
-                <a:off x="6144954" y="5127793"/>
-                <a:ext cx="593783" cy="582436"/>
-              </a:xfrm>
-              <a:prstGeom prst="can">
-                <a:avLst/>
-              </a:prstGeom>
-              <a:solidFill>
-                <a:schemeClr val="bg1">
-                  <a:lumMod val="85000"/>
-                </a:schemeClr>
-              </a:solidFill>
-              <a:ln>
-                <a:solidFill>
-                  <a:schemeClr val="tx1"/>
-                </a:solidFill>
-              </a:ln>
-            </p:spPr>
-            <p:style>
-              <a:lnRef idx="2">
-                <a:schemeClr val="accent1">
-                  <a:shade val="50000"/>
-                </a:schemeClr>
-              </a:lnRef>
-              <a:fillRef idx="1">
-                <a:schemeClr val="accent1"/>
-              </a:fillRef>
-              <a:effectRef idx="0">
-                <a:schemeClr val="accent1"/>
-              </a:effectRef>
-              <a:fontRef idx="minor">
-                <a:schemeClr val="lt1"/>
-              </a:fontRef>
-            </p:style>
-            <p:txBody>
-              <a:bodyPr rtlCol="0" anchor="ctr"/>
-              <a:lstStyle/>
-              <a:p>
-                <a:pPr algn="ctr"/>
-                <a:endParaRPr lang="en-DK"/>
-              </a:p>
-            </p:txBody>
-          </p:sp>
-          <p:pic>
-            <p:nvPicPr>
-              <p:cNvPr id="1048" name="Picture 1047">
-                <a:extLst>
-                  <a:ext uri="{FF2B5EF4-FFF2-40B4-BE49-F238E27FC236}">
-                    <a16:creationId xmlns:a16="http://schemas.microsoft.com/office/drawing/2014/main" id="{AC445236-A45B-43C1-10D5-4B4CACA0B35F}"/>
-                  </a:ext>
-                </a:extLst>
-              </p:cNvPr>
-              <p:cNvPicPr>
-                <a:picLocks noChangeAspect="1"/>
-              </p:cNvPicPr>
-              <p:nvPr/>
-            </p:nvPicPr>
-            <p:blipFill>
-              <a:blip r:embed="rId3"/>
-              <a:stretch>
-                <a:fillRect/>
-              </a:stretch>
-            </p:blipFill>
-            <p:spPr>
-              <a:xfrm>
-                <a:off x="5885378" y="4057586"/>
-                <a:ext cx="1112935" cy="582436"/>
-              </a:xfrm>
-              <a:prstGeom prst="rect">
-                <a:avLst/>
-              </a:prstGeom>
-            </p:spPr>
-          </p:pic>
-          <p:cxnSp>
-            <p:nvCxnSpPr>
-              <p:cNvPr id="1055" name="Straight Arrow Connector 1054">
-                <a:extLst>
-                  <a:ext uri="{FF2B5EF4-FFF2-40B4-BE49-F238E27FC236}">
-                    <a16:creationId xmlns:a16="http://schemas.microsoft.com/office/drawing/2014/main" id="{BF539873-2D3E-1FD7-923D-C83246B3C891}"/>
-                  </a:ext>
-                </a:extLst>
-              </p:cNvPr>
-              <p:cNvCxnSpPr>
-                <a:cxnSpLocks/>
-              </p:cNvCxnSpPr>
-              <p:nvPr/>
-            </p:nvCxnSpPr>
-            <p:spPr>
-              <a:xfrm flipV="1">
-                <a:off x="6438905" y="3727607"/>
-                <a:ext cx="0" cy="315747"/>
-              </a:xfrm>
-              <a:prstGeom prst="straightConnector1">
-                <a:avLst/>
-              </a:prstGeom>
-              <a:ln w="19050">
-                <a:solidFill>
-                  <a:schemeClr val="bg1">
-                    <a:lumMod val="50000"/>
-                  </a:schemeClr>
-                </a:solidFill>
-                <a:headEnd type="triangle" w="med" len="med"/>
-                <a:tailEnd type="triangle" w="med" len="med"/>
-              </a:ln>
-            </p:spPr>
-            <p:style>
-              <a:lnRef idx="1">
-                <a:schemeClr val="accent1"/>
-              </a:lnRef>
-              <a:fillRef idx="0">
-                <a:schemeClr val="accent1"/>
-              </a:fillRef>
-              <a:effectRef idx="0">
-                <a:schemeClr val="accent1"/>
-              </a:effectRef>
-              <a:fontRef idx="minor">
-                <a:schemeClr val="tx1"/>
-              </a:fontRef>
-            </p:style>
-          </p:cxnSp>
-          <p:cxnSp>
-            <p:nvCxnSpPr>
-              <p:cNvPr id="1057" name="Straight Arrow Connector 1056">
-                <a:extLst>
-                  <a:ext uri="{FF2B5EF4-FFF2-40B4-BE49-F238E27FC236}">
-                    <a16:creationId xmlns:a16="http://schemas.microsoft.com/office/drawing/2014/main" id="{8151FF7F-E758-4B7D-663F-5F2A7F50E9F6}"/>
-                  </a:ext>
-                </a:extLst>
-              </p:cNvPr>
-              <p:cNvCxnSpPr>
-                <a:cxnSpLocks/>
-              </p:cNvCxnSpPr>
-              <p:nvPr/>
-            </p:nvCxnSpPr>
-            <p:spPr>
-              <a:xfrm flipV="1">
-                <a:off x="6434139" y="4722978"/>
-                <a:ext cx="0" cy="315747"/>
-              </a:xfrm>
-              <a:prstGeom prst="straightConnector1">
-                <a:avLst/>
-              </a:prstGeom>
-              <a:ln w="19050">
-                <a:solidFill>
-                  <a:schemeClr val="bg1">
-                    <a:lumMod val="50000"/>
-                  </a:schemeClr>
-                </a:solidFill>
-                <a:headEnd type="triangle" w="med" len="med"/>
-                <a:tailEnd type="triangle" w="med" len="med"/>
-              </a:ln>
-            </p:spPr>
-            <p:style>
-              <a:lnRef idx="1">
-                <a:schemeClr val="accent1"/>
-              </a:lnRef>
-              <a:fillRef idx="0">
-                <a:schemeClr val="accent1"/>
-              </a:fillRef>
-              <a:effectRef idx="0">
-                <a:schemeClr val="accent1"/>
-              </a:effectRef>
-              <a:fontRef idx="minor">
-                <a:schemeClr val="tx1"/>
-              </a:fontRef>
-            </p:style>
-          </p:cxnSp>
-        </p:grpSp>
-        <p:sp>
-          <p:nvSpPr>
-            <p:cNvPr id="10" name="TextBox 9">
-              <a:extLst>
-                <a:ext uri="{FF2B5EF4-FFF2-40B4-BE49-F238E27FC236}">
-                  <a16:creationId xmlns:a16="http://schemas.microsoft.com/office/drawing/2014/main" id="{51EC14A7-FD6D-A3A9-B699-A225946941A6}"/>
-                </a:ext>
-              </a:extLst>
-            </p:cNvPr>
-            <p:cNvSpPr txBox="1"/>
-            <p:nvPr/>
-          </p:nvSpPr>
-          <p:spPr>
-            <a:xfrm>
-              <a:off x="5586428" y="3368416"/>
-              <a:ext cx="642938" cy="307777"/>
-            </a:xfrm>
-            <a:prstGeom prst="rect">
-              <a:avLst/>
-            </a:prstGeom>
-            <a:noFill/>
-          </p:spPr>
-          <p:txBody>
-            <a:bodyPr wrap="square" rtlCol="0">
-              <a:spAutoFit/>
-            </a:bodyPr>
-            <a:lstStyle/>
-            <a:p>
-              <a:r>
-                <a:rPr lang="en-DK" sz="1400" b="1" dirty="0"/>
-                <a:t>Rest</a:t>
-              </a:r>
-            </a:p>
-          </p:txBody>
-        </p:sp>
-      </p:grpSp>
-      <p:grpSp>
-        <p:nvGrpSpPr>
-          <p:cNvPr id="18" name="Group 17">
-            <a:extLst>
-              <a:ext uri="{FF2B5EF4-FFF2-40B4-BE49-F238E27FC236}">
-                <a16:creationId xmlns:a16="http://schemas.microsoft.com/office/drawing/2014/main" id="{DBC0DFB1-1CD2-1347-CA8B-E970D35B2412}"/>
-              </a:ext>
-            </a:extLst>
-          </p:cNvPr>
-          <p:cNvGrpSpPr/>
-          <p:nvPr/>
-        </p:nvGrpSpPr>
-        <p:grpSpPr>
-          <a:xfrm>
-            <a:off x="1305078" y="1465221"/>
-            <a:ext cx="9624853" cy="689195"/>
-            <a:chOff x="1476535" y="1698089"/>
-            <a:chExt cx="8640000" cy="689195"/>
-          </a:xfrm>
-        </p:grpSpPr>
-        <p:cxnSp>
-          <p:nvCxnSpPr>
-            <p:cNvPr id="3" name="Straight Connector 2">
-              <a:extLst>
-                <a:ext uri="{FF2B5EF4-FFF2-40B4-BE49-F238E27FC236}">
-                  <a16:creationId xmlns:a16="http://schemas.microsoft.com/office/drawing/2014/main" id="{99ADD4B2-2AC8-F0A6-AB37-B45C662887BF}"/>
-                </a:ext>
-              </a:extLst>
-            </p:cNvPr>
-            <p:cNvCxnSpPr/>
-            <p:nvPr/>
-          </p:nvCxnSpPr>
-          <p:spPr>
-            <a:xfrm>
-              <a:off x="1476535" y="2066627"/>
-              <a:ext cx="8640000" cy="0"/>
-            </a:xfrm>
-            <a:prstGeom prst="line">
-              <a:avLst/>
-            </a:prstGeom>
-            <a:ln w="34925">
-              <a:solidFill>
-                <a:schemeClr val="bg1">
-                  <a:lumMod val="50000"/>
-                </a:schemeClr>
-              </a:solidFill>
-            </a:ln>
-          </p:spPr>
-          <p:style>
-            <a:lnRef idx="1">
-              <a:schemeClr val="accent1"/>
-            </a:lnRef>
-            <a:fillRef idx="0">
-              <a:schemeClr val="accent1"/>
-            </a:fillRef>
-            <a:effectRef idx="0">
-              <a:schemeClr val="accent1"/>
-            </a:effectRef>
-            <a:fontRef idx="minor">
-              <a:schemeClr val="tx1"/>
-            </a:fontRef>
-          </p:style>
-        </p:cxnSp>
-        <p:grpSp>
-          <p:nvGrpSpPr>
-            <p:cNvPr id="17" name="Group 16">
-              <a:extLst>
-                <a:ext uri="{FF2B5EF4-FFF2-40B4-BE49-F238E27FC236}">
-                  <a16:creationId xmlns:a16="http://schemas.microsoft.com/office/drawing/2014/main" id="{1ABC0724-2A45-D290-F0A9-D5A0BC928539}"/>
-                </a:ext>
-              </a:extLst>
-            </p:cNvPr>
-            <p:cNvGrpSpPr/>
-            <p:nvPr/>
-          </p:nvGrpSpPr>
-          <p:grpSpPr>
-            <a:xfrm>
-              <a:off x="1481841" y="1698089"/>
-              <a:ext cx="8633717" cy="689195"/>
-              <a:chOff x="1481841" y="1398048"/>
-              <a:chExt cx="8633717" cy="689195"/>
-            </a:xfrm>
-          </p:grpSpPr>
-          <p:sp>
-            <p:nvSpPr>
-              <p:cNvPr id="13" name="TextBox 12">
-                <a:extLst>
-                  <a:ext uri="{FF2B5EF4-FFF2-40B4-BE49-F238E27FC236}">
-                    <a16:creationId xmlns:a16="http://schemas.microsoft.com/office/drawing/2014/main" id="{F44E34F3-F06C-A1B4-7443-0E8BB4EF5AD2}"/>
-                  </a:ext>
-                </a:extLst>
-              </p:cNvPr>
-              <p:cNvSpPr txBox="1"/>
-              <p:nvPr/>
-            </p:nvSpPr>
-            <p:spPr>
-              <a:xfrm>
-                <a:off x="5086360" y="1398048"/>
-                <a:ext cx="1669070" cy="369332"/>
-              </a:xfrm>
-              <a:prstGeom prst="rect">
-                <a:avLst/>
-              </a:prstGeom>
-              <a:noFill/>
-            </p:spPr>
-            <p:txBody>
-              <a:bodyPr wrap="square" rtlCol="0">
-                <a:spAutoFit/>
-              </a:bodyPr>
-              <a:lstStyle/>
-              <a:p>
-                <a:r>
-                  <a:rPr lang="en-DK" b="1" dirty="0"/>
-                  <a:t>Connections</a:t>
-                </a:r>
-              </a:p>
-            </p:txBody>
-          </p:sp>
-          <p:sp>
-            <p:nvSpPr>
-              <p:cNvPr id="15" name="TextBox 14">
-                <a:extLst>
-                  <a:ext uri="{FF2B5EF4-FFF2-40B4-BE49-F238E27FC236}">
-                    <a16:creationId xmlns:a16="http://schemas.microsoft.com/office/drawing/2014/main" id="{B9802857-5B21-CB24-7816-A51C879F151A}"/>
-                  </a:ext>
-                </a:extLst>
-              </p:cNvPr>
-              <p:cNvSpPr txBox="1"/>
-              <p:nvPr/>
-            </p:nvSpPr>
-            <p:spPr>
-              <a:xfrm>
-                <a:off x="9072570" y="1440912"/>
-                <a:ext cx="1042988" cy="646331"/>
-              </a:xfrm>
-              <a:prstGeom prst="rect">
-                <a:avLst/>
-              </a:prstGeom>
-              <a:noFill/>
-            </p:spPr>
-            <p:txBody>
-              <a:bodyPr wrap="square" rtlCol="0">
-                <a:spAutoFit/>
-              </a:bodyPr>
-              <a:lstStyle/>
-              <a:p>
-                <a:pPr algn="ctr"/>
-                <a:r>
-                  <a:rPr lang="en-DK" dirty="0"/>
-                  <a:t>2023</a:t>
-                </a:r>
-              </a:p>
-              <a:p>
-                <a:pPr algn="ctr"/>
-                <a:r>
-                  <a:rPr lang="en-DK" dirty="0"/>
-                  <a:t>Pooled</a:t>
-                </a:r>
-              </a:p>
-            </p:txBody>
-          </p:sp>
-          <p:sp>
-            <p:nvSpPr>
-              <p:cNvPr id="16" name="TextBox 15">
-                <a:extLst>
-                  <a:ext uri="{FF2B5EF4-FFF2-40B4-BE49-F238E27FC236}">
-                    <a16:creationId xmlns:a16="http://schemas.microsoft.com/office/drawing/2014/main" id="{83611EA2-F1DA-E7F4-6D51-FA6AB954D5BE}"/>
-                  </a:ext>
-                </a:extLst>
-              </p:cNvPr>
-              <p:cNvSpPr txBox="1"/>
-              <p:nvPr/>
-            </p:nvSpPr>
-            <p:spPr>
-              <a:xfrm>
-                <a:off x="1481841" y="1440912"/>
-                <a:ext cx="1228725" cy="646331"/>
-              </a:xfrm>
-              <a:prstGeom prst="rect">
-                <a:avLst/>
-              </a:prstGeom>
-              <a:noFill/>
-            </p:spPr>
-            <p:txBody>
-              <a:bodyPr wrap="square" rtlCol="0">
-                <a:spAutoFit/>
-              </a:bodyPr>
-              <a:lstStyle/>
-              <a:p>
-                <a:pPr algn="ctr"/>
-                <a:r>
-                  <a:rPr lang="en-DK" dirty="0"/>
-                  <a:t>1985</a:t>
-                </a:r>
-              </a:p>
-              <a:p>
-                <a:pPr algn="ctr"/>
-                <a:r>
-                  <a:rPr lang="en-DK" dirty="0"/>
-                  <a:t>Dedicated</a:t>
-                </a:r>
-              </a:p>
-            </p:txBody>
-          </p:sp>
-        </p:grpSp>
-      </p:grpSp>
-    </p:spTree>
-    <p:extLst>
-      <p:ext uri="{BB962C8B-B14F-4D97-AF65-F5344CB8AC3E}">
-        <p14:creationId xmlns:p14="http://schemas.microsoft.com/office/powerpoint/2010/main" val="2484166996"/>
-      </p:ext>
-    </p:extLst>
-  </p:cSld>
-  <p:clrMapOvr>
-    <a:masterClrMapping/>
-  </p:clrMapOvr>
-</p:sld>
-</file>
-
 <file path=ppt/theme/theme1.xml><?xml version="1.0" encoding="utf-8"?>
 <a:theme xmlns:a="http://schemas.openxmlformats.org/drawingml/2006/main" name="Office-tema">
   <a:themeElements>

--- a/Trottinhg.pptx
+++ b/Trottinhg.pptx
@@ -10655,7 +10655,7 @@
           <a:lstStyle/>
           <a:p>
             <a:r>
-              <a:rPr lang="en-DK" dirty="0"/>
+              <a:rPr lang="en-DK" b="1" dirty="0"/>
               <a:t>React</a:t>
             </a:r>
           </a:p>
@@ -10675,8 +10675,8 @@
         </p:nvSpPr>
         <p:spPr>
           <a:xfrm>
-            <a:off x="754573" y="4010722"/>
-            <a:ext cx="1521564" cy="369332"/>
+            <a:off x="754572" y="4010722"/>
+            <a:ext cx="1620127" cy="584775"/>
           </a:xfrm>
           <a:prstGeom prst="rect">
             <a:avLst/>
@@ -10690,8 +10690,14 @@
           <a:lstStyle/>
           <a:p>
             <a:r>
-              <a:rPr lang="en-DK" dirty="0"/>
+              <a:rPr lang="en-DK" b="1" dirty="0"/>
               <a:t>FutureForms</a:t>
+            </a:r>
+          </a:p>
+          <a:p>
+            <a:r>
+              <a:rPr lang="en-DK" sz="1400" b="1" i="1" dirty="0"/>
+              <a:t>(React component)</a:t>
             </a:r>
           </a:p>
         </p:txBody>
@@ -11155,6 +11161,206 @@
           </a:p>
         </p:txBody>
       </p:sp>
+      <p:sp>
+        <p:nvSpPr>
+          <p:cNvPr id="31" name="TextBox 30">
+            <a:extLst>
+              <a:ext uri="{FF2B5EF4-FFF2-40B4-BE49-F238E27FC236}">
+                <a16:creationId xmlns:a16="http://schemas.microsoft.com/office/drawing/2014/main" id="{82A77CB5-32E0-8CAF-3057-9C3F8AD85256}"/>
+              </a:ext>
+            </a:extLst>
+          </p:cNvPr>
+          <p:cNvSpPr txBox="1"/>
+          <p:nvPr/>
+        </p:nvSpPr>
+        <p:spPr>
+          <a:xfrm>
+            <a:off x="3218295" y="2211944"/>
+            <a:ext cx="2390774" cy="892552"/>
+          </a:xfrm>
+          <a:prstGeom prst="rect">
+            <a:avLst/>
+          </a:prstGeom>
+          <a:noFill/>
+        </p:spPr>
+        <p:txBody>
+          <a:bodyPr wrap="square" rtlCol="0">
+            <a:spAutoFit/>
+          </a:bodyPr>
+          <a:lstStyle/>
+          <a:p>
+            <a:r>
+              <a:rPr lang="en-DK" sz="1600" b="1" i="1" dirty="0"/>
+              <a:t>JSX</a:t>
+            </a:r>
+          </a:p>
+          <a:p>
+            <a:r>
+              <a:rPr lang="en-GB" dirty="0"/>
+              <a:t>C</a:t>
+            </a:r>
+            <a:r>
+              <a:rPr lang="en-DK" dirty="0"/>
+              <a:t>onditional Rendering </a:t>
+            </a:r>
+          </a:p>
+          <a:p>
+            <a:r>
+              <a:rPr lang="en-GB" dirty="0"/>
+              <a:t>( b</a:t>
+            </a:r>
+            <a:r>
+              <a:rPr lang="en-DK" dirty="0"/>
+              <a:t>ased on state )</a:t>
+            </a:r>
+          </a:p>
+        </p:txBody>
+      </p:sp>
+      <p:sp>
+        <p:nvSpPr>
+          <p:cNvPr id="32" name="TextBox 31">
+            <a:extLst>
+              <a:ext uri="{FF2B5EF4-FFF2-40B4-BE49-F238E27FC236}">
+                <a16:creationId xmlns:a16="http://schemas.microsoft.com/office/drawing/2014/main" id="{15BE2132-A3EC-A29A-7371-A6C54D23032E}"/>
+              </a:ext>
+            </a:extLst>
+          </p:cNvPr>
+          <p:cNvSpPr txBox="1"/>
+          <p:nvPr/>
+        </p:nvSpPr>
+        <p:spPr>
+          <a:xfrm>
+            <a:off x="3218295" y="3958965"/>
+            <a:ext cx="2306488" cy="892552"/>
+          </a:xfrm>
+          <a:prstGeom prst="rect">
+            <a:avLst/>
+          </a:prstGeom>
+          <a:noFill/>
+        </p:spPr>
+        <p:txBody>
+          <a:bodyPr wrap="square" rtlCol="0">
+            <a:spAutoFit/>
+          </a:bodyPr>
+          <a:lstStyle/>
+          <a:p>
+            <a:r>
+              <a:rPr lang="en-DK" sz="1600" b="1" i="1" dirty="0"/>
+              <a:t>HTML</a:t>
+            </a:r>
+          </a:p>
+          <a:p>
+            <a:r>
+              <a:rPr lang="en-GB" dirty="0"/>
+              <a:t>C</a:t>
+            </a:r>
+            <a:r>
+              <a:rPr lang="en-DK" dirty="0"/>
+              <a:t>onditional Rendering </a:t>
+            </a:r>
+          </a:p>
+          <a:p>
+            <a:r>
+              <a:rPr lang="en-GB" dirty="0"/>
+              <a:t>( b</a:t>
+            </a:r>
+            <a:r>
+              <a:rPr lang="en-DK" dirty="0"/>
+              <a:t>ased on data )</a:t>
+            </a:r>
+          </a:p>
+        </p:txBody>
+      </p:sp>
+      <p:cxnSp>
+        <p:nvCxnSpPr>
+          <p:cNvPr id="33" name="Straight Arrow Connector 32">
+            <a:extLst>
+              <a:ext uri="{FF2B5EF4-FFF2-40B4-BE49-F238E27FC236}">
+                <a16:creationId xmlns:a16="http://schemas.microsoft.com/office/drawing/2014/main" id="{97717660-14CE-CFEE-C041-66203B2D06F7}"/>
+              </a:ext>
+            </a:extLst>
+          </p:cNvPr>
+          <p:cNvCxnSpPr>
+            <a:cxnSpLocks/>
+          </p:cNvCxnSpPr>
+          <p:nvPr/>
+        </p:nvCxnSpPr>
+        <p:spPr>
+          <a:xfrm flipV="1">
+            <a:off x="2885055" y="3166053"/>
+            <a:ext cx="0" cy="900000"/>
+          </a:xfrm>
+          <a:prstGeom prst="straightConnector1">
+            <a:avLst/>
+          </a:prstGeom>
+          <a:ln w="15875">
+            <a:solidFill>
+              <a:schemeClr val="tx1"/>
+            </a:solidFill>
+            <a:headEnd type="triangle"/>
+            <a:tailEnd type="triangle"/>
+          </a:ln>
+        </p:spPr>
+        <p:style>
+          <a:lnRef idx="1">
+            <a:schemeClr val="accent1"/>
+          </a:lnRef>
+          <a:fillRef idx="0">
+            <a:schemeClr val="accent1"/>
+          </a:fillRef>
+          <a:effectRef idx="0">
+            <a:schemeClr val="accent1"/>
+          </a:effectRef>
+          <a:fontRef idx="minor">
+            <a:schemeClr val="tx1"/>
+          </a:fontRef>
+        </p:style>
+      </p:cxnSp>
+      <p:cxnSp>
+        <p:nvCxnSpPr>
+          <p:cNvPr id="34" name="Straight Arrow Connector 33">
+            <a:extLst>
+              <a:ext uri="{FF2B5EF4-FFF2-40B4-BE49-F238E27FC236}">
+                <a16:creationId xmlns:a16="http://schemas.microsoft.com/office/drawing/2014/main" id="{D2FC58AD-538B-ADBC-95A7-40F651DDF04B}"/>
+              </a:ext>
+            </a:extLst>
+          </p:cNvPr>
+          <p:cNvCxnSpPr>
+            <a:cxnSpLocks/>
+          </p:cNvCxnSpPr>
+          <p:nvPr/>
+        </p:nvCxnSpPr>
+        <p:spPr>
+          <a:xfrm flipV="1">
+            <a:off x="5791798" y="3166053"/>
+            <a:ext cx="0" cy="900000"/>
+          </a:xfrm>
+          <a:prstGeom prst="straightConnector1">
+            <a:avLst/>
+          </a:prstGeom>
+          <a:ln w="15875">
+            <a:solidFill>
+              <a:schemeClr val="tx1"/>
+            </a:solidFill>
+            <a:headEnd type="triangle"/>
+            <a:tailEnd type="triangle"/>
+          </a:ln>
+        </p:spPr>
+        <p:style>
+          <a:lnRef idx="1">
+            <a:schemeClr val="accent1"/>
+          </a:lnRef>
+          <a:fillRef idx="0">
+            <a:schemeClr val="accent1"/>
+          </a:fillRef>
+          <a:effectRef idx="0">
+            <a:schemeClr val="accent1"/>
+          </a:effectRef>
+          <a:fontRef idx="minor">
+            <a:schemeClr val="tx1"/>
+          </a:fontRef>
+        </p:style>
+      </p:cxnSp>
     </p:spTree>
     <p:extLst>
       <p:ext uri="{BB962C8B-B14F-4D97-AF65-F5344CB8AC3E}">
